--- a/contents/2020_ITinerary/assets/session_1/labsession.pptx
+++ b/contents/2020_ITinerary/assets/session_1/labsession.pptx
@@ -4,14 +4,28 @@
   <p:sldMasterIdLst>
     <p:sldMasterId id="2147483648" r:id="rId1"/>
   </p:sldMasterIdLst>
+  <p:notesMasterIdLst>
+    <p:notesMasterId r:id="rId20"/>
+  </p:notesMasterIdLst>
   <p:sldIdLst>
     <p:sldId id="256" r:id="rId2"/>
     <p:sldId id="257" r:id="rId3"/>
-    <p:sldId id="259" r:id="rId4"/>
-    <p:sldId id="258" r:id="rId5"/>
-    <p:sldId id="260" r:id="rId6"/>
-    <p:sldId id="261" r:id="rId7"/>
-    <p:sldId id="262" r:id="rId8"/>
+    <p:sldId id="263" r:id="rId4"/>
+    <p:sldId id="264" r:id="rId5"/>
+    <p:sldId id="265" r:id="rId6"/>
+    <p:sldId id="266" r:id="rId7"/>
+    <p:sldId id="267" r:id="rId8"/>
+    <p:sldId id="268" r:id="rId9"/>
+    <p:sldId id="269" r:id="rId10"/>
+    <p:sldId id="270" r:id="rId11"/>
+    <p:sldId id="276" r:id="rId12"/>
+    <p:sldId id="273" r:id="rId13"/>
+    <p:sldId id="271" r:id="rId14"/>
+    <p:sldId id="272" r:id="rId15"/>
+    <p:sldId id="274" r:id="rId16"/>
+    <p:sldId id="275" r:id="rId17"/>
+    <p:sldId id="277" r:id="rId18"/>
+    <p:sldId id="262" r:id="rId19"/>
   </p:sldIdLst>
   <p:sldSz cx="12192000" cy="6858000"/>
   <p:notesSz cx="6858000" cy="9144000"/>
@@ -118,6 +132,1031 @@
 </p:presentation>
 </file>
 
+<file path=ppt/notesMasters/notesMaster1.xml><?xml version="1.0" encoding="utf-8"?>
+<p:notesMaster xmlns:a="http://schemas.openxmlformats.org/drawingml/2006/main" xmlns:r="http://schemas.openxmlformats.org/officeDocument/2006/relationships" xmlns:p="http://schemas.openxmlformats.org/presentationml/2006/main">
+  <p:cSld>
+    <p:bg>
+      <p:bgRef idx="1001">
+        <a:schemeClr val="bg1"/>
+      </p:bgRef>
+    </p:bg>
+    <p:spTree>
+      <p:nvGrpSpPr>
+        <p:cNvPr id="1" name=""/>
+        <p:cNvGrpSpPr/>
+        <p:nvPr/>
+      </p:nvGrpSpPr>
+      <p:grpSpPr>
+        <a:xfrm>
+          <a:off x="0" y="0"/>
+          <a:ext cx="0" cy="0"/>
+          <a:chOff x="0" y="0"/>
+          <a:chExt cx="0" cy="0"/>
+        </a:xfrm>
+      </p:grpSpPr>
+      <p:sp>
+        <p:nvSpPr>
+          <p:cNvPr id="2" name="Header Placeholder 1"/>
+          <p:cNvSpPr>
+            <a:spLocks noGrp="1"/>
+          </p:cNvSpPr>
+          <p:nvPr>
+            <p:ph type="hdr" sz="quarter"/>
+          </p:nvPr>
+        </p:nvSpPr>
+        <p:spPr>
+          <a:xfrm>
+            <a:off x="0" y="0"/>
+            <a:ext cx="2971800" cy="458788"/>
+          </a:xfrm>
+          <a:prstGeom prst="rect">
+            <a:avLst/>
+          </a:prstGeom>
+        </p:spPr>
+        <p:txBody>
+          <a:bodyPr vert="horz" lIns="91440" tIns="45720" rIns="91440" bIns="45720" rtlCol="0"/>
+          <a:lstStyle>
+            <a:lvl1pPr algn="l">
+              <a:defRPr sz="1200"/>
+            </a:lvl1pPr>
+          </a:lstStyle>
+          <a:p>
+            <a:endParaRPr lang="ko-KR" altLang="en-US"/>
+          </a:p>
+        </p:txBody>
+      </p:sp>
+      <p:sp>
+        <p:nvSpPr>
+          <p:cNvPr id="3" name="Date Placeholder 2"/>
+          <p:cNvSpPr>
+            <a:spLocks noGrp="1"/>
+          </p:cNvSpPr>
+          <p:nvPr>
+            <p:ph type="dt" idx="1"/>
+          </p:nvPr>
+        </p:nvSpPr>
+        <p:spPr>
+          <a:xfrm>
+            <a:off x="3884613" y="0"/>
+            <a:ext cx="2971800" cy="458788"/>
+          </a:xfrm>
+          <a:prstGeom prst="rect">
+            <a:avLst/>
+          </a:prstGeom>
+        </p:spPr>
+        <p:txBody>
+          <a:bodyPr vert="horz" lIns="91440" tIns="45720" rIns="91440" bIns="45720" rtlCol="0"/>
+          <a:lstStyle>
+            <a:lvl1pPr algn="r">
+              <a:defRPr sz="1200"/>
+            </a:lvl1pPr>
+          </a:lstStyle>
+          <a:p>
+            <a:fld id="{2F8130A2-CFDC-4F64-A56B-9BC7826900FC}" type="datetimeFigureOut">
+              <a:rPr lang="ko-KR" altLang="en-US" smtClean="0"/>
+              <a:t>2020-12-07</a:t>
+            </a:fld>
+            <a:endParaRPr lang="ko-KR" altLang="en-US"/>
+          </a:p>
+        </p:txBody>
+      </p:sp>
+      <p:sp>
+        <p:nvSpPr>
+          <p:cNvPr id="4" name="Slide Image Placeholder 3"/>
+          <p:cNvSpPr>
+            <a:spLocks noGrp="1" noRot="1" noChangeAspect="1"/>
+          </p:cNvSpPr>
+          <p:nvPr>
+            <p:ph type="sldImg" idx="2"/>
+          </p:nvPr>
+        </p:nvSpPr>
+        <p:spPr>
+          <a:xfrm>
+            <a:off x="685800" y="1143000"/>
+            <a:ext cx="5486400" cy="3086100"/>
+          </a:xfrm>
+          <a:prstGeom prst="rect">
+            <a:avLst/>
+          </a:prstGeom>
+          <a:noFill/>
+          <a:ln w="12700">
+            <a:solidFill>
+              <a:prstClr val="black"/>
+            </a:solidFill>
+          </a:ln>
+        </p:spPr>
+        <p:txBody>
+          <a:bodyPr vert="horz" lIns="91440" tIns="45720" rIns="91440" bIns="45720" rtlCol="0" anchor="ctr"/>
+          <a:lstStyle/>
+          <a:p>
+            <a:endParaRPr lang="ko-KR" altLang="en-US"/>
+          </a:p>
+        </p:txBody>
+      </p:sp>
+      <p:sp>
+        <p:nvSpPr>
+          <p:cNvPr id="5" name="Notes Placeholder 4"/>
+          <p:cNvSpPr>
+            <a:spLocks noGrp="1"/>
+          </p:cNvSpPr>
+          <p:nvPr>
+            <p:ph type="body" sz="quarter" idx="3"/>
+          </p:nvPr>
+        </p:nvSpPr>
+        <p:spPr>
+          <a:xfrm>
+            <a:off x="685800" y="4400550"/>
+            <a:ext cx="5486400" cy="3600450"/>
+          </a:xfrm>
+          <a:prstGeom prst="rect">
+            <a:avLst/>
+          </a:prstGeom>
+        </p:spPr>
+        <p:txBody>
+          <a:bodyPr vert="horz" lIns="91440" tIns="45720" rIns="91440" bIns="45720" rtlCol="0"/>
+          <a:lstStyle/>
+          <a:p>
+            <a:pPr lvl="0"/>
+            <a:r>
+              <a:rPr lang="en-US" altLang="ko-KR"/>
+              <a:t>Click to edit Master text styles</a:t>
+            </a:r>
+          </a:p>
+          <a:p>
+            <a:pPr lvl="1"/>
+            <a:r>
+              <a:rPr lang="en-US" altLang="ko-KR"/>
+              <a:t>Second level</a:t>
+            </a:r>
+          </a:p>
+          <a:p>
+            <a:pPr lvl="2"/>
+            <a:r>
+              <a:rPr lang="en-US" altLang="ko-KR"/>
+              <a:t>Third level</a:t>
+            </a:r>
+          </a:p>
+          <a:p>
+            <a:pPr lvl="3"/>
+            <a:r>
+              <a:rPr lang="en-US" altLang="ko-KR"/>
+              <a:t>Fourth level</a:t>
+            </a:r>
+          </a:p>
+          <a:p>
+            <a:pPr lvl="4"/>
+            <a:r>
+              <a:rPr lang="en-US" altLang="ko-KR"/>
+              <a:t>Fifth level</a:t>
+            </a:r>
+            <a:endParaRPr lang="ko-KR" altLang="en-US"/>
+          </a:p>
+        </p:txBody>
+      </p:sp>
+      <p:sp>
+        <p:nvSpPr>
+          <p:cNvPr id="6" name="Footer Placeholder 5"/>
+          <p:cNvSpPr>
+            <a:spLocks noGrp="1"/>
+          </p:cNvSpPr>
+          <p:nvPr>
+            <p:ph type="ftr" sz="quarter" idx="4"/>
+          </p:nvPr>
+        </p:nvSpPr>
+        <p:spPr>
+          <a:xfrm>
+            <a:off x="0" y="8685213"/>
+            <a:ext cx="2971800" cy="458787"/>
+          </a:xfrm>
+          <a:prstGeom prst="rect">
+            <a:avLst/>
+          </a:prstGeom>
+        </p:spPr>
+        <p:txBody>
+          <a:bodyPr vert="horz" lIns="91440" tIns="45720" rIns="91440" bIns="45720" rtlCol="0" anchor="b"/>
+          <a:lstStyle>
+            <a:lvl1pPr algn="l">
+              <a:defRPr sz="1200"/>
+            </a:lvl1pPr>
+          </a:lstStyle>
+          <a:p>
+            <a:endParaRPr lang="ko-KR" altLang="en-US"/>
+          </a:p>
+        </p:txBody>
+      </p:sp>
+      <p:sp>
+        <p:nvSpPr>
+          <p:cNvPr id="7" name="Slide Number Placeholder 6"/>
+          <p:cNvSpPr>
+            <a:spLocks noGrp="1"/>
+          </p:cNvSpPr>
+          <p:nvPr>
+            <p:ph type="sldNum" sz="quarter" idx="5"/>
+          </p:nvPr>
+        </p:nvSpPr>
+        <p:spPr>
+          <a:xfrm>
+            <a:off x="3884613" y="8685213"/>
+            <a:ext cx="2971800" cy="458787"/>
+          </a:xfrm>
+          <a:prstGeom prst="rect">
+            <a:avLst/>
+          </a:prstGeom>
+        </p:spPr>
+        <p:txBody>
+          <a:bodyPr vert="horz" lIns="91440" tIns="45720" rIns="91440" bIns="45720" rtlCol="0" anchor="b"/>
+          <a:lstStyle>
+            <a:lvl1pPr algn="r">
+              <a:defRPr sz="1200"/>
+            </a:lvl1pPr>
+          </a:lstStyle>
+          <a:p>
+            <a:fld id="{A248A177-227F-4E2F-A815-394152F0E3B8}" type="slidenum">
+              <a:rPr lang="ko-KR" altLang="en-US" smtClean="0"/>
+              <a:t>‹#›</a:t>
+            </a:fld>
+            <a:endParaRPr lang="ko-KR" altLang="en-US"/>
+          </a:p>
+        </p:txBody>
+      </p:sp>
+    </p:spTree>
+    <p:extLst>
+      <p:ext uri="{BB962C8B-B14F-4D97-AF65-F5344CB8AC3E}">
+        <p14:creationId xmlns:p14="http://schemas.microsoft.com/office/powerpoint/2010/main" val="1829028142"/>
+      </p:ext>
+    </p:extLst>
+  </p:cSld>
+  <p:clrMap bg1="lt1" tx1="dk1" bg2="lt2" tx2="dk2" accent1="accent1" accent2="accent2" accent3="accent3" accent4="accent4" accent5="accent5" accent6="accent6" hlink="hlink" folHlink="folHlink"/>
+  <p:notesStyle>
+    <a:lvl1pPr marL="0" algn="l" defTabSz="914400" rtl="0" eaLnBrk="1" latinLnBrk="1" hangingPunct="1">
+      <a:defRPr sz="1200" kern="1200">
+        <a:solidFill>
+          <a:schemeClr val="tx1"/>
+        </a:solidFill>
+        <a:latin typeface="+mn-lt"/>
+        <a:ea typeface="+mn-ea"/>
+        <a:cs typeface="+mn-cs"/>
+      </a:defRPr>
+    </a:lvl1pPr>
+    <a:lvl2pPr marL="457200" algn="l" defTabSz="914400" rtl="0" eaLnBrk="1" latinLnBrk="1" hangingPunct="1">
+      <a:defRPr sz="1200" kern="1200">
+        <a:solidFill>
+          <a:schemeClr val="tx1"/>
+        </a:solidFill>
+        <a:latin typeface="+mn-lt"/>
+        <a:ea typeface="+mn-ea"/>
+        <a:cs typeface="+mn-cs"/>
+      </a:defRPr>
+    </a:lvl2pPr>
+    <a:lvl3pPr marL="914400" algn="l" defTabSz="914400" rtl="0" eaLnBrk="1" latinLnBrk="1" hangingPunct="1">
+      <a:defRPr sz="1200" kern="1200">
+        <a:solidFill>
+          <a:schemeClr val="tx1"/>
+        </a:solidFill>
+        <a:latin typeface="+mn-lt"/>
+        <a:ea typeface="+mn-ea"/>
+        <a:cs typeface="+mn-cs"/>
+      </a:defRPr>
+    </a:lvl3pPr>
+    <a:lvl4pPr marL="1371600" algn="l" defTabSz="914400" rtl="0" eaLnBrk="1" latinLnBrk="1" hangingPunct="1">
+      <a:defRPr sz="1200" kern="1200">
+        <a:solidFill>
+          <a:schemeClr val="tx1"/>
+        </a:solidFill>
+        <a:latin typeface="+mn-lt"/>
+        <a:ea typeface="+mn-ea"/>
+        <a:cs typeface="+mn-cs"/>
+      </a:defRPr>
+    </a:lvl4pPr>
+    <a:lvl5pPr marL="1828800" algn="l" defTabSz="914400" rtl="0" eaLnBrk="1" latinLnBrk="1" hangingPunct="1">
+      <a:defRPr sz="1200" kern="1200">
+        <a:solidFill>
+          <a:schemeClr val="tx1"/>
+        </a:solidFill>
+        <a:latin typeface="+mn-lt"/>
+        <a:ea typeface="+mn-ea"/>
+        <a:cs typeface="+mn-cs"/>
+      </a:defRPr>
+    </a:lvl5pPr>
+    <a:lvl6pPr marL="2286000" algn="l" defTabSz="914400" rtl="0" eaLnBrk="1" latinLnBrk="1" hangingPunct="1">
+      <a:defRPr sz="1200" kern="1200">
+        <a:solidFill>
+          <a:schemeClr val="tx1"/>
+        </a:solidFill>
+        <a:latin typeface="+mn-lt"/>
+        <a:ea typeface="+mn-ea"/>
+        <a:cs typeface="+mn-cs"/>
+      </a:defRPr>
+    </a:lvl6pPr>
+    <a:lvl7pPr marL="2743200" algn="l" defTabSz="914400" rtl="0" eaLnBrk="1" latinLnBrk="1" hangingPunct="1">
+      <a:defRPr sz="1200" kern="1200">
+        <a:solidFill>
+          <a:schemeClr val="tx1"/>
+        </a:solidFill>
+        <a:latin typeface="+mn-lt"/>
+        <a:ea typeface="+mn-ea"/>
+        <a:cs typeface="+mn-cs"/>
+      </a:defRPr>
+    </a:lvl7pPr>
+    <a:lvl8pPr marL="3200400" algn="l" defTabSz="914400" rtl="0" eaLnBrk="1" latinLnBrk="1" hangingPunct="1">
+      <a:defRPr sz="1200" kern="1200">
+        <a:solidFill>
+          <a:schemeClr val="tx1"/>
+        </a:solidFill>
+        <a:latin typeface="+mn-lt"/>
+        <a:ea typeface="+mn-ea"/>
+        <a:cs typeface="+mn-cs"/>
+      </a:defRPr>
+    </a:lvl8pPr>
+    <a:lvl9pPr marL="3657600" algn="l" defTabSz="914400" rtl="0" eaLnBrk="1" latinLnBrk="1" hangingPunct="1">
+      <a:defRPr sz="1200" kern="1200">
+        <a:solidFill>
+          <a:schemeClr val="tx1"/>
+        </a:solidFill>
+        <a:latin typeface="+mn-lt"/>
+        <a:ea typeface="+mn-ea"/>
+        <a:cs typeface="+mn-cs"/>
+      </a:defRPr>
+    </a:lvl9pPr>
+  </p:notesStyle>
+</p:notesMaster>
+</file>
+
+<file path=ppt/notesSlides/notesSlide1.xml><?xml version="1.0" encoding="utf-8"?>
+<p:notes xmlns:a="http://schemas.openxmlformats.org/drawingml/2006/main" xmlns:r="http://schemas.openxmlformats.org/officeDocument/2006/relationships" xmlns:p="http://schemas.openxmlformats.org/presentationml/2006/main">
+  <p:cSld>
+    <p:spTree>
+      <p:nvGrpSpPr>
+        <p:cNvPr id="1" name=""/>
+        <p:cNvGrpSpPr/>
+        <p:nvPr/>
+      </p:nvGrpSpPr>
+      <p:grpSpPr>
+        <a:xfrm>
+          <a:off x="0" y="0"/>
+          <a:ext cx="0" cy="0"/>
+          <a:chOff x="0" y="0"/>
+          <a:chExt cx="0" cy="0"/>
+        </a:xfrm>
+      </p:grpSpPr>
+      <p:sp>
+        <p:nvSpPr>
+          <p:cNvPr id="2" name="Slide Image Placeholder 1"/>
+          <p:cNvSpPr>
+            <a:spLocks noGrp="1" noRot="1" noChangeAspect="1"/>
+          </p:cNvSpPr>
+          <p:nvPr>
+            <p:ph type="sldImg"/>
+          </p:nvPr>
+        </p:nvSpPr>
+        <p:spPr/>
+      </p:sp>
+      <p:sp>
+        <p:nvSpPr>
+          <p:cNvPr id="3" name="Notes Placeholder 2"/>
+          <p:cNvSpPr>
+            <a:spLocks noGrp="1"/>
+          </p:cNvSpPr>
+          <p:nvPr>
+            <p:ph type="body" idx="1"/>
+          </p:nvPr>
+        </p:nvSpPr>
+        <p:spPr/>
+        <p:txBody>
+          <a:bodyPr/>
+          <a:lstStyle/>
+          <a:p>
+            <a:endParaRPr lang="ko-KR" altLang="en-US" dirty="0"/>
+          </a:p>
+        </p:txBody>
+      </p:sp>
+      <p:sp>
+        <p:nvSpPr>
+          <p:cNvPr id="4" name="Slide Number Placeholder 3"/>
+          <p:cNvSpPr>
+            <a:spLocks noGrp="1"/>
+          </p:cNvSpPr>
+          <p:nvPr>
+            <p:ph type="sldNum" sz="quarter" idx="5"/>
+          </p:nvPr>
+        </p:nvSpPr>
+        <p:spPr/>
+        <p:txBody>
+          <a:bodyPr/>
+          <a:lstStyle/>
+          <a:p>
+            <a:fld id="{A248A177-227F-4E2F-A815-394152F0E3B8}" type="slidenum">
+              <a:rPr lang="ko-KR" altLang="en-US" smtClean="0"/>
+              <a:t>1</a:t>
+            </a:fld>
+            <a:endParaRPr lang="ko-KR" altLang="en-US"/>
+          </a:p>
+        </p:txBody>
+      </p:sp>
+    </p:spTree>
+    <p:extLst>
+      <p:ext uri="{BB962C8B-B14F-4D97-AF65-F5344CB8AC3E}">
+        <p14:creationId xmlns:p14="http://schemas.microsoft.com/office/powerpoint/2010/main" val="62552766"/>
+      </p:ext>
+    </p:extLst>
+  </p:cSld>
+  <p:clrMapOvr>
+    <a:masterClrMapping/>
+  </p:clrMapOvr>
+</p:notes>
+</file>
+
+<file path=ppt/notesSlides/notesSlide2.xml><?xml version="1.0" encoding="utf-8"?>
+<p:notes xmlns:a="http://schemas.openxmlformats.org/drawingml/2006/main" xmlns:r="http://schemas.openxmlformats.org/officeDocument/2006/relationships" xmlns:p="http://schemas.openxmlformats.org/presentationml/2006/main">
+  <p:cSld>
+    <p:spTree>
+      <p:nvGrpSpPr>
+        <p:cNvPr id="1" name=""/>
+        <p:cNvGrpSpPr/>
+        <p:nvPr/>
+      </p:nvGrpSpPr>
+      <p:grpSpPr>
+        <a:xfrm>
+          <a:off x="0" y="0"/>
+          <a:ext cx="0" cy="0"/>
+          <a:chOff x="0" y="0"/>
+          <a:chExt cx="0" cy="0"/>
+        </a:xfrm>
+      </p:grpSpPr>
+      <p:sp>
+        <p:nvSpPr>
+          <p:cNvPr id="2" name="Slide Image Placeholder 1"/>
+          <p:cNvSpPr>
+            <a:spLocks noGrp="1" noRot="1" noChangeAspect="1"/>
+          </p:cNvSpPr>
+          <p:nvPr>
+            <p:ph type="sldImg"/>
+          </p:nvPr>
+        </p:nvSpPr>
+        <p:spPr/>
+      </p:sp>
+      <p:sp>
+        <p:nvSpPr>
+          <p:cNvPr id="3" name="Notes Placeholder 2"/>
+          <p:cNvSpPr>
+            <a:spLocks noGrp="1"/>
+          </p:cNvSpPr>
+          <p:nvPr>
+            <p:ph type="body" idx="1"/>
+          </p:nvPr>
+        </p:nvSpPr>
+        <p:spPr/>
+        <p:txBody>
+          <a:bodyPr/>
+          <a:lstStyle/>
+          <a:p>
+            <a:endParaRPr lang="en-US" altLang="ko-KR" dirty="0"/>
+          </a:p>
+          <a:p>
+            <a:endParaRPr lang="ko-KR" altLang="en-US" dirty="0"/>
+          </a:p>
+        </p:txBody>
+      </p:sp>
+      <p:sp>
+        <p:nvSpPr>
+          <p:cNvPr id="4" name="Slide Number Placeholder 3"/>
+          <p:cNvSpPr>
+            <a:spLocks noGrp="1"/>
+          </p:cNvSpPr>
+          <p:nvPr>
+            <p:ph type="sldNum" sz="quarter" idx="5"/>
+          </p:nvPr>
+        </p:nvSpPr>
+        <p:spPr/>
+        <p:txBody>
+          <a:bodyPr/>
+          <a:lstStyle/>
+          <a:p>
+            <a:fld id="{A248A177-227F-4E2F-A815-394152F0E3B8}" type="slidenum">
+              <a:rPr lang="ko-KR" altLang="en-US" smtClean="0"/>
+              <a:t>2</a:t>
+            </a:fld>
+            <a:endParaRPr lang="ko-KR" altLang="en-US"/>
+          </a:p>
+        </p:txBody>
+      </p:sp>
+    </p:spTree>
+    <p:extLst>
+      <p:ext uri="{BB962C8B-B14F-4D97-AF65-F5344CB8AC3E}">
+        <p14:creationId xmlns:p14="http://schemas.microsoft.com/office/powerpoint/2010/main" val="2981302599"/>
+      </p:ext>
+    </p:extLst>
+  </p:cSld>
+  <p:clrMapOvr>
+    <a:masterClrMapping/>
+  </p:clrMapOvr>
+</p:notes>
+</file>
+
+<file path=ppt/notesSlides/notesSlide3.xml><?xml version="1.0" encoding="utf-8"?>
+<p:notes xmlns:a="http://schemas.openxmlformats.org/drawingml/2006/main" xmlns:r="http://schemas.openxmlformats.org/officeDocument/2006/relationships" xmlns:p="http://schemas.openxmlformats.org/presentationml/2006/main">
+  <p:cSld>
+    <p:spTree>
+      <p:nvGrpSpPr>
+        <p:cNvPr id="1" name=""/>
+        <p:cNvGrpSpPr/>
+        <p:nvPr/>
+      </p:nvGrpSpPr>
+      <p:grpSpPr>
+        <a:xfrm>
+          <a:off x="0" y="0"/>
+          <a:ext cx="0" cy="0"/>
+          <a:chOff x="0" y="0"/>
+          <a:chExt cx="0" cy="0"/>
+        </a:xfrm>
+      </p:grpSpPr>
+      <p:sp>
+        <p:nvSpPr>
+          <p:cNvPr id="2" name="Slide Image Placeholder 1"/>
+          <p:cNvSpPr>
+            <a:spLocks noGrp="1" noRot="1" noChangeAspect="1"/>
+          </p:cNvSpPr>
+          <p:nvPr>
+            <p:ph type="sldImg"/>
+          </p:nvPr>
+        </p:nvSpPr>
+        <p:spPr/>
+      </p:sp>
+      <p:sp>
+        <p:nvSpPr>
+          <p:cNvPr id="3" name="Notes Placeholder 2"/>
+          <p:cNvSpPr>
+            <a:spLocks noGrp="1"/>
+          </p:cNvSpPr>
+          <p:nvPr>
+            <p:ph type="body" idx="1"/>
+          </p:nvPr>
+        </p:nvSpPr>
+        <p:spPr/>
+        <p:txBody>
+          <a:bodyPr/>
+          <a:lstStyle/>
+          <a:p>
+            <a:endParaRPr lang="ko-KR" altLang="en-US" dirty="0"/>
+          </a:p>
+        </p:txBody>
+      </p:sp>
+      <p:sp>
+        <p:nvSpPr>
+          <p:cNvPr id="4" name="Slide Number Placeholder 3"/>
+          <p:cNvSpPr>
+            <a:spLocks noGrp="1"/>
+          </p:cNvSpPr>
+          <p:nvPr>
+            <p:ph type="sldNum" sz="quarter" idx="5"/>
+          </p:nvPr>
+        </p:nvSpPr>
+        <p:spPr/>
+        <p:txBody>
+          <a:bodyPr/>
+          <a:lstStyle/>
+          <a:p>
+            <a:fld id="{A248A177-227F-4E2F-A815-394152F0E3B8}" type="slidenum">
+              <a:rPr lang="ko-KR" altLang="en-US" smtClean="0"/>
+              <a:t>3</a:t>
+            </a:fld>
+            <a:endParaRPr lang="ko-KR" altLang="en-US"/>
+          </a:p>
+        </p:txBody>
+      </p:sp>
+    </p:spTree>
+    <p:extLst>
+      <p:ext uri="{BB962C8B-B14F-4D97-AF65-F5344CB8AC3E}">
+        <p14:creationId xmlns:p14="http://schemas.microsoft.com/office/powerpoint/2010/main" val="3590348277"/>
+      </p:ext>
+    </p:extLst>
+  </p:cSld>
+  <p:clrMapOvr>
+    <a:masterClrMapping/>
+  </p:clrMapOvr>
+</p:notes>
+</file>
+
+<file path=ppt/notesSlides/notesSlide4.xml><?xml version="1.0" encoding="utf-8"?>
+<p:notes xmlns:a="http://schemas.openxmlformats.org/drawingml/2006/main" xmlns:r="http://schemas.openxmlformats.org/officeDocument/2006/relationships" xmlns:p="http://schemas.openxmlformats.org/presentationml/2006/main">
+  <p:cSld>
+    <p:spTree>
+      <p:nvGrpSpPr>
+        <p:cNvPr id="1" name=""/>
+        <p:cNvGrpSpPr/>
+        <p:nvPr/>
+      </p:nvGrpSpPr>
+      <p:grpSpPr>
+        <a:xfrm>
+          <a:off x="0" y="0"/>
+          <a:ext cx="0" cy="0"/>
+          <a:chOff x="0" y="0"/>
+          <a:chExt cx="0" cy="0"/>
+        </a:xfrm>
+      </p:grpSpPr>
+      <p:sp>
+        <p:nvSpPr>
+          <p:cNvPr id="2" name="Slide Image Placeholder 1"/>
+          <p:cNvSpPr>
+            <a:spLocks noGrp="1" noRot="1" noChangeAspect="1"/>
+          </p:cNvSpPr>
+          <p:nvPr>
+            <p:ph type="sldImg"/>
+          </p:nvPr>
+        </p:nvSpPr>
+        <p:spPr/>
+      </p:sp>
+      <p:sp>
+        <p:nvSpPr>
+          <p:cNvPr id="3" name="Notes Placeholder 2"/>
+          <p:cNvSpPr>
+            <a:spLocks noGrp="1"/>
+          </p:cNvSpPr>
+          <p:nvPr>
+            <p:ph type="body" idx="1"/>
+          </p:nvPr>
+        </p:nvSpPr>
+        <p:spPr/>
+        <p:txBody>
+          <a:bodyPr/>
+          <a:lstStyle/>
+          <a:p>
+            <a:endParaRPr lang="ko-KR" altLang="en-US" dirty="0"/>
+          </a:p>
+        </p:txBody>
+      </p:sp>
+      <p:sp>
+        <p:nvSpPr>
+          <p:cNvPr id="4" name="Slide Number Placeholder 3"/>
+          <p:cNvSpPr>
+            <a:spLocks noGrp="1"/>
+          </p:cNvSpPr>
+          <p:nvPr>
+            <p:ph type="sldNum" sz="quarter" idx="5"/>
+          </p:nvPr>
+        </p:nvSpPr>
+        <p:spPr/>
+        <p:txBody>
+          <a:bodyPr/>
+          <a:lstStyle/>
+          <a:p>
+            <a:fld id="{A248A177-227F-4E2F-A815-394152F0E3B8}" type="slidenum">
+              <a:rPr lang="ko-KR" altLang="en-US" smtClean="0"/>
+              <a:t>4</a:t>
+            </a:fld>
+            <a:endParaRPr lang="ko-KR" altLang="en-US"/>
+          </a:p>
+        </p:txBody>
+      </p:sp>
+    </p:spTree>
+    <p:extLst>
+      <p:ext uri="{BB962C8B-B14F-4D97-AF65-F5344CB8AC3E}">
+        <p14:creationId xmlns:p14="http://schemas.microsoft.com/office/powerpoint/2010/main" val="3220629516"/>
+      </p:ext>
+    </p:extLst>
+  </p:cSld>
+  <p:clrMapOvr>
+    <a:masterClrMapping/>
+  </p:clrMapOvr>
+</p:notes>
+</file>
+
+<file path=ppt/notesSlides/notesSlide5.xml><?xml version="1.0" encoding="utf-8"?>
+<p:notes xmlns:a="http://schemas.openxmlformats.org/drawingml/2006/main" xmlns:r="http://schemas.openxmlformats.org/officeDocument/2006/relationships" xmlns:p="http://schemas.openxmlformats.org/presentationml/2006/main">
+  <p:cSld>
+    <p:spTree>
+      <p:nvGrpSpPr>
+        <p:cNvPr id="1" name=""/>
+        <p:cNvGrpSpPr/>
+        <p:nvPr/>
+      </p:nvGrpSpPr>
+      <p:grpSpPr>
+        <a:xfrm>
+          <a:off x="0" y="0"/>
+          <a:ext cx="0" cy="0"/>
+          <a:chOff x="0" y="0"/>
+          <a:chExt cx="0" cy="0"/>
+        </a:xfrm>
+      </p:grpSpPr>
+      <p:sp>
+        <p:nvSpPr>
+          <p:cNvPr id="2" name="Slide Image Placeholder 1"/>
+          <p:cNvSpPr>
+            <a:spLocks noGrp="1" noRot="1" noChangeAspect="1"/>
+          </p:cNvSpPr>
+          <p:nvPr>
+            <p:ph type="sldImg"/>
+          </p:nvPr>
+        </p:nvSpPr>
+        <p:spPr/>
+      </p:sp>
+      <p:sp>
+        <p:nvSpPr>
+          <p:cNvPr id="3" name="Notes Placeholder 2"/>
+          <p:cNvSpPr>
+            <a:spLocks noGrp="1"/>
+          </p:cNvSpPr>
+          <p:nvPr>
+            <p:ph type="body" idx="1"/>
+          </p:nvPr>
+        </p:nvSpPr>
+        <p:spPr/>
+        <p:txBody>
+          <a:bodyPr/>
+          <a:lstStyle/>
+          <a:p>
+            <a:endParaRPr lang="ko-KR" altLang="en-US" dirty="0"/>
+          </a:p>
+        </p:txBody>
+      </p:sp>
+      <p:sp>
+        <p:nvSpPr>
+          <p:cNvPr id="4" name="Slide Number Placeholder 3"/>
+          <p:cNvSpPr>
+            <a:spLocks noGrp="1"/>
+          </p:cNvSpPr>
+          <p:nvPr>
+            <p:ph type="sldNum" sz="quarter" idx="5"/>
+          </p:nvPr>
+        </p:nvSpPr>
+        <p:spPr/>
+        <p:txBody>
+          <a:bodyPr/>
+          <a:lstStyle/>
+          <a:p>
+            <a:fld id="{A248A177-227F-4E2F-A815-394152F0E3B8}" type="slidenum">
+              <a:rPr lang="ko-KR" altLang="en-US" smtClean="0"/>
+              <a:t>5</a:t>
+            </a:fld>
+            <a:endParaRPr lang="ko-KR" altLang="en-US"/>
+          </a:p>
+        </p:txBody>
+      </p:sp>
+    </p:spTree>
+    <p:extLst>
+      <p:ext uri="{BB962C8B-B14F-4D97-AF65-F5344CB8AC3E}">
+        <p14:creationId xmlns:p14="http://schemas.microsoft.com/office/powerpoint/2010/main" val="3059100668"/>
+      </p:ext>
+    </p:extLst>
+  </p:cSld>
+  <p:clrMapOvr>
+    <a:masterClrMapping/>
+  </p:clrMapOvr>
+</p:notes>
+</file>
+
+<file path=ppt/notesSlides/notesSlide6.xml><?xml version="1.0" encoding="utf-8"?>
+<p:notes xmlns:a="http://schemas.openxmlformats.org/drawingml/2006/main" xmlns:r="http://schemas.openxmlformats.org/officeDocument/2006/relationships" xmlns:p="http://schemas.openxmlformats.org/presentationml/2006/main">
+  <p:cSld>
+    <p:spTree>
+      <p:nvGrpSpPr>
+        <p:cNvPr id="1" name=""/>
+        <p:cNvGrpSpPr/>
+        <p:nvPr/>
+      </p:nvGrpSpPr>
+      <p:grpSpPr>
+        <a:xfrm>
+          <a:off x="0" y="0"/>
+          <a:ext cx="0" cy="0"/>
+          <a:chOff x="0" y="0"/>
+          <a:chExt cx="0" cy="0"/>
+        </a:xfrm>
+      </p:grpSpPr>
+      <p:sp>
+        <p:nvSpPr>
+          <p:cNvPr id="2" name="Slide Image Placeholder 1"/>
+          <p:cNvSpPr>
+            <a:spLocks noGrp="1" noRot="1" noChangeAspect="1"/>
+          </p:cNvSpPr>
+          <p:nvPr>
+            <p:ph type="sldImg"/>
+          </p:nvPr>
+        </p:nvSpPr>
+        <p:spPr/>
+      </p:sp>
+      <p:sp>
+        <p:nvSpPr>
+          <p:cNvPr id="3" name="Notes Placeholder 2"/>
+          <p:cNvSpPr>
+            <a:spLocks noGrp="1"/>
+          </p:cNvSpPr>
+          <p:nvPr>
+            <p:ph type="body" idx="1"/>
+          </p:nvPr>
+        </p:nvSpPr>
+        <p:spPr/>
+        <p:txBody>
+          <a:bodyPr/>
+          <a:lstStyle/>
+          <a:p>
+            <a:endParaRPr lang="ko-KR" altLang="en-US" dirty="0"/>
+          </a:p>
+        </p:txBody>
+      </p:sp>
+      <p:sp>
+        <p:nvSpPr>
+          <p:cNvPr id="4" name="Slide Number Placeholder 3"/>
+          <p:cNvSpPr>
+            <a:spLocks noGrp="1"/>
+          </p:cNvSpPr>
+          <p:nvPr>
+            <p:ph type="sldNum" sz="quarter" idx="5"/>
+          </p:nvPr>
+        </p:nvSpPr>
+        <p:spPr/>
+        <p:txBody>
+          <a:bodyPr/>
+          <a:lstStyle/>
+          <a:p>
+            <a:fld id="{A248A177-227F-4E2F-A815-394152F0E3B8}" type="slidenum">
+              <a:rPr lang="ko-KR" altLang="en-US" smtClean="0"/>
+              <a:t>8</a:t>
+            </a:fld>
+            <a:endParaRPr lang="ko-KR" altLang="en-US"/>
+          </a:p>
+        </p:txBody>
+      </p:sp>
+    </p:spTree>
+    <p:extLst>
+      <p:ext uri="{BB962C8B-B14F-4D97-AF65-F5344CB8AC3E}">
+        <p14:creationId xmlns:p14="http://schemas.microsoft.com/office/powerpoint/2010/main" val="369977806"/>
+      </p:ext>
+    </p:extLst>
+  </p:cSld>
+  <p:clrMapOvr>
+    <a:masterClrMapping/>
+  </p:clrMapOvr>
+</p:notes>
+</file>
+
+<file path=ppt/notesSlides/notesSlide7.xml><?xml version="1.0" encoding="utf-8"?>
+<p:notes xmlns:a="http://schemas.openxmlformats.org/drawingml/2006/main" xmlns:r="http://schemas.openxmlformats.org/officeDocument/2006/relationships" xmlns:p="http://schemas.openxmlformats.org/presentationml/2006/main">
+  <p:cSld>
+    <p:spTree>
+      <p:nvGrpSpPr>
+        <p:cNvPr id="1" name=""/>
+        <p:cNvGrpSpPr/>
+        <p:nvPr/>
+      </p:nvGrpSpPr>
+      <p:grpSpPr>
+        <a:xfrm>
+          <a:off x="0" y="0"/>
+          <a:ext cx="0" cy="0"/>
+          <a:chOff x="0" y="0"/>
+          <a:chExt cx="0" cy="0"/>
+        </a:xfrm>
+      </p:grpSpPr>
+      <p:sp>
+        <p:nvSpPr>
+          <p:cNvPr id="2" name="Slide Image Placeholder 1"/>
+          <p:cNvSpPr>
+            <a:spLocks noGrp="1" noRot="1" noChangeAspect="1"/>
+          </p:cNvSpPr>
+          <p:nvPr>
+            <p:ph type="sldImg"/>
+          </p:nvPr>
+        </p:nvSpPr>
+        <p:spPr/>
+      </p:sp>
+      <p:sp>
+        <p:nvSpPr>
+          <p:cNvPr id="3" name="Notes Placeholder 2"/>
+          <p:cNvSpPr>
+            <a:spLocks noGrp="1"/>
+          </p:cNvSpPr>
+          <p:nvPr>
+            <p:ph type="body" idx="1"/>
+          </p:nvPr>
+        </p:nvSpPr>
+        <p:spPr/>
+        <p:txBody>
+          <a:bodyPr/>
+          <a:lstStyle/>
+          <a:p>
+            <a:endParaRPr lang="ko-KR" altLang="en-US" dirty="0"/>
+          </a:p>
+        </p:txBody>
+      </p:sp>
+      <p:sp>
+        <p:nvSpPr>
+          <p:cNvPr id="4" name="Slide Number Placeholder 3"/>
+          <p:cNvSpPr>
+            <a:spLocks noGrp="1"/>
+          </p:cNvSpPr>
+          <p:nvPr>
+            <p:ph type="sldNum" sz="quarter" idx="5"/>
+          </p:nvPr>
+        </p:nvSpPr>
+        <p:spPr/>
+        <p:txBody>
+          <a:bodyPr/>
+          <a:lstStyle/>
+          <a:p>
+            <a:fld id="{A248A177-227F-4E2F-A815-394152F0E3B8}" type="slidenum">
+              <a:rPr lang="ko-KR" altLang="en-US" smtClean="0"/>
+              <a:t>9</a:t>
+            </a:fld>
+            <a:endParaRPr lang="ko-KR" altLang="en-US"/>
+          </a:p>
+        </p:txBody>
+      </p:sp>
+    </p:spTree>
+    <p:extLst>
+      <p:ext uri="{BB962C8B-B14F-4D97-AF65-F5344CB8AC3E}">
+        <p14:creationId xmlns:p14="http://schemas.microsoft.com/office/powerpoint/2010/main" val="3050056693"/>
+      </p:ext>
+    </p:extLst>
+  </p:cSld>
+  <p:clrMapOvr>
+    <a:masterClrMapping/>
+  </p:clrMapOvr>
+</p:notes>
+</file>
+
+<file path=ppt/notesSlides/notesSlide8.xml><?xml version="1.0" encoding="utf-8"?>
+<p:notes xmlns:a="http://schemas.openxmlformats.org/drawingml/2006/main" xmlns:r="http://schemas.openxmlformats.org/officeDocument/2006/relationships" xmlns:p="http://schemas.openxmlformats.org/presentationml/2006/main">
+  <p:cSld>
+    <p:spTree>
+      <p:nvGrpSpPr>
+        <p:cNvPr id="1" name=""/>
+        <p:cNvGrpSpPr/>
+        <p:nvPr/>
+      </p:nvGrpSpPr>
+      <p:grpSpPr>
+        <a:xfrm>
+          <a:off x="0" y="0"/>
+          <a:ext cx="0" cy="0"/>
+          <a:chOff x="0" y="0"/>
+          <a:chExt cx="0" cy="0"/>
+        </a:xfrm>
+      </p:grpSpPr>
+      <p:sp>
+        <p:nvSpPr>
+          <p:cNvPr id="2" name="Slide Image Placeholder 1"/>
+          <p:cNvSpPr>
+            <a:spLocks noGrp="1" noRot="1" noChangeAspect="1"/>
+          </p:cNvSpPr>
+          <p:nvPr>
+            <p:ph type="sldImg"/>
+          </p:nvPr>
+        </p:nvSpPr>
+        <p:spPr/>
+      </p:sp>
+      <p:sp>
+        <p:nvSpPr>
+          <p:cNvPr id="3" name="Notes Placeholder 2"/>
+          <p:cNvSpPr>
+            <a:spLocks noGrp="1"/>
+          </p:cNvSpPr>
+          <p:nvPr>
+            <p:ph type="body" idx="1"/>
+          </p:nvPr>
+        </p:nvSpPr>
+        <p:spPr/>
+        <p:txBody>
+          <a:bodyPr/>
+          <a:lstStyle/>
+          <a:p>
+            <a:endParaRPr lang="ko-KR" altLang="en-US" dirty="0"/>
+          </a:p>
+        </p:txBody>
+      </p:sp>
+      <p:sp>
+        <p:nvSpPr>
+          <p:cNvPr id="4" name="Slide Number Placeholder 3"/>
+          <p:cNvSpPr>
+            <a:spLocks noGrp="1"/>
+          </p:cNvSpPr>
+          <p:nvPr>
+            <p:ph type="sldNum" sz="quarter" idx="5"/>
+          </p:nvPr>
+        </p:nvSpPr>
+        <p:spPr/>
+        <p:txBody>
+          <a:bodyPr/>
+          <a:lstStyle/>
+          <a:p>
+            <a:fld id="{A248A177-227F-4E2F-A815-394152F0E3B8}" type="slidenum">
+              <a:rPr lang="ko-KR" altLang="en-US" smtClean="0"/>
+              <a:t>12</a:t>
+            </a:fld>
+            <a:endParaRPr lang="ko-KR" altLang="en-US"/>
+          </a:p>
+        </p:txBody>
+      </p:sp>
+    </p:spTree>
+    <p:extLst>
+      <p:ext uri="{BB962C8B-B14F-4D97-AF65-F5344CB8AC3E}">
+        <p14:creationId xmlns:p14="http://schemas.microsoft.com/office/powerpoint/2010/main" val="2457873004"/>
+      </p:ext>
+    </p:extLst>
+  </p:cSld>
+  <p:clrMapOvr>
+    <a:masterClrMapping/>
+  </p:clrMapOvr>
+</p:notes>
+</file>
+
 <file path=ppt/slideLayouts/slideLayout1.xml><?xml version="1.0" encoding="utf-8"?>
 <p:sldLayout xmlns:a="http://schemas.openxmlformats.org/drawingml/2006/main" xmlns:r="http://schemas.openxmlformats.org/officeDocument/2006/relationships" xmlns:p="http://schemas.openxmlformats.org/presentationml/2006/main" type="title" preserve="1">
   <p:cSld name="Title Slide">
@@ -265,10 +1304,10 @@
           <a:bodyPr/>
           <a:lstStyle/>
           <a:p>
-            <a:fld id="{98D168AE-67C3-4DF5-A47D-F2019AFA5F29}" type="datetimeFigureOut">
-              <a:rPr lang="ko-KR" altLang="en-US" smtClean="0"/>
+            <a:r>
+              <a:rPr lang="en-US" altLang="ko-KR"/>
               <a:t>2020-11-16</a:t>
-            </a:fld>
+            </a:r>
             <a:endParaRPr lang="ko-KR" altLang="en-US"/>
           </a:p>
         </p:txBody>
@@ -465,10 +1504,10 @@
           <a:bodyPr/>
           <a:lstStyle/>
           <a:p>
-            <a:fld id="{98D168AE-67C3-4DF5-A47D-F2019AFA5F29}" type="datetimeFigureOut">
-              <a:rPr lang="ko-KR" altLang="en-US" smtClean="0"/>
+            <a:r>
+              <a:rPr lang="en-US" altLang="ko-KR"/>
               <a:t>2020-11-16</a:t>
-            </a:fld>
+            </a:r>
             <a:endParaRPr lang="ko-KR" altLang="en-US"/>
           </a:p>
         </p:txBody>
@@ -675,10 +1714,10 @@
           <a:bodyPr/>
           <a:lstStyle/>
           <a:p>
-            <a:fld id="{98D168AE-67C3-4DF5-A47D-F2019AFA5F29}" type="datetimeFigureOut">
-              <a:rPr lang="ko-KR" altLang="en-US" smtClean="0"/>
+            <a:r>
+              <a:rPr lang="en-US" altLang="ko-KR"/>
               <a:t>2020-11-16</a:t>
-            </a:fld>
+            </a:r>
             <a:endParaRPr lang="ko-KR" altLang="en-US"/>
           </a:p>
         </p:txBody>
@@ -875,10 +1914,10 @@
           <a:bodyPr/>
           <a:lstStyle/>
           <a:p>
-            <a:fld id="{98D168AE-67C3-4DF5-A47D-F2019AFA5F29}" type="datetimeFigureOut">
-              <a:rPr lang="ko-KR" altLang="en-US" smtClean="0"/>
+            <a:r>
+              <a:rPr lang="en-US" altLang="ko-KR"/>
               <a:t>2020-11-16</a:t>
-            </a:fld>
+            </a:r>
             <a:endParaRPr lang="ko-KR" altLang="en-US"/>
           </a:p>
         </p:txBody>
@@ -1151,10 +2190,10 @@
           <a:bodyPr/>
           <a:lstStyle/>
           <a:p>
-            <a:fld id="{98D168AE-67C3-4DF5-A47D-F2019AFA5F29}" type="datetimeFigureOut">
-              <a:rPr lang="ko-KR" altLang="en-US" smtClean="0"/>
+            <a:r>
+              <a:rPr lang="en-US" altLang="ko-KR"/>
               <a:t>2020-11-16</a:t>
-            </a:fld>
+            </a:r>
             <a:endParaRPr lang="ko-KR" altLang="en-US"/>
           </a:p>
         </p:txBody>
@@ -1419,10 +2458,10 @@
           <a:bodyPr/>
           <a:lstStyle/>
           <a:p>
-            <a:fld id="{98D168AE-67C3-4DF5-A47D-F2019AFA5F29}" type="datetimeFigureOut">
-              <a:rPr lang="ko-KR" altLang="en-US" smtClean="0"/>
+            <a:r>
+              <a:rPr lang="en-US" altLang="ko-KR"/>
               <a:t>2020-11-16</a:t>
-            </a:fld>
+            </a:r>
             <a:endParaRPr lang="ko-KR" altLang="en-US"/>
           </a:p>
         </p:txBody>
@@ -1834,10 +2873,10 @@
           <a:bodyPr/>
           <a:lstStyle/>
           <a:p>
-            <a:fld id="{98D168AE-67C3-4DF5-A47D-F2019AFA5F29}" type="datetimeFigureOut">
-              <a:rPr lang="ko-KR" altLang="en-US" smtClean="0"/>
+            <a:r>
+              <a:rPr lang="en-US" altLang="ko-KR"/>
               <a:t>2020-11-16</a:t>
-            </a:fld>
+            </a:r>
             <a:endParaRPr lang="ko-KR" altLang="en-US"/>
           </a:p>
         </p:txBody>
@@ -1976,10 +3015,10 @@
           <a:bodyPr/>
           <a:lstStyle/>
           <a:p>
-            <a:fld id="{98D168AE-67C3-4DF5-A47D-F2019AFA5F29}" type="datetimeFigureOut">
-              <a:rPr lang="ko-KR" altLang="en-US" smtClean="0"/>
+            <a:r>
+              <a:rPr lang="en-US" altLang="ko-KR"/>
               <a:t>2020-11-16</a:t>
-            </a:fld>
+            </a:r>
             <a:endParaRPr lang="ko-KR" altLang="en-US"/>
           </a:p>
         </p:txBody>
@@ -2089,10 +3128,10 @@
           <a:bodyPr/>
           <a:lstStyle/>
           <a:p>
-            <a:fld id="{98D168AE-67C3-4DF5-A47D-F2019AFA5F29}" type="datetimeFigureOut">
-              <a:rPr lang="ko-KR" altLang="en-US" smtClean="0"/>
+            <a:r>
+              <a:rPr lang="en-US" altLang="ko-KR"/>
               <a:t>2020-11-16</a:t>
-            </a:fld>
+            </a:r>
             <a:endParaRPr lang="ko-KR" altLang="en-US"/>
           </a:p>
         </p:txBody>
@@ -2402,10 +3441,10 @@
           <a:bodyPr/>
           <a:lstStyle/>
           <a:p>
-            <a:fld id="{98D168AE-67C3-4DF5-A47D-F2019AFA5F29}" type="datetimeFigureOut">
-              <a:rPr lang="ko-KR" altLang="en-US" smtClean="0"/>
+            <a:r>
+              <a:rPr lang="en-US" altLang="ko-KR"/>
               <a:t>2020-11-16</a:t>
-            </a:fld>
+            </a:r>
             <a:endParaRPr lang="ko-KR" altLang="en-US"/>
           </a:p>
         </p:txBody>
@@ -2691,10 +3730,10 @@
           <a:bodyPr/>
           <a:lstStyle/>
           <a:p>
-            <a:fld id="{98D168AE-67C3-4DF5-A47D-F2019AFA5F29}" type="datetimeFigureOut">
-              <a:rPr lang="ko-KR" altLang="en-US" smtClean="0"/>
+            <a:r>
+              <a:rPr lang="en-US" altLang="ko-KR"/>
               <a:t>2020-11-16</a:t>
-            </a:fld>
+            </a:r>
             <a:endParaRPr lang="ko-KR" altLang="en-US"/>
           </a:p>
         </p:txBody>
@@ -2934,10 +3973,10 @@
             </a:lvl1pPr>
           </a:lstStyle>
           <a:p>
-            <a:fld id="{98D168AE-67C3-4DF5-A47D-F2019AFA5F29}" type="datetimeFigureOut">
-              <a:rPr lang="ko-KR" altLang="en-US" smtClean="0"/>
+            <a:r>
+              <a:rPr lang="en-US" altLang="ko-KR"/>
               <a:t>2020-11-16</a:t>
-            </a:fld>
+            </a:r>
             <a:endParaRPr lang="ko-KR" altLang="en-US"/>
           </a:p>
         </p:txBody>
@@ -3053,6 +4092,7 @@
     <p:sldLayoutId id="2147483658" r:id="rId10"/>
     <p:sldLayoutId id="2147483659" r:id="rId11"/>
   </p:sldLayoutIdLst>
+  <p:hf hdr="0" ftr="0" dt="0"/>
   <p:txStyles>
     <p:titleStyle>
       <a:lvl1pPr algn="l" defTabSz="914400" rtl="0" eaLnBrk="1" latinLnBrk="1" hangingPunct="1">
@@ -3411,18 +4451,18 @@
           <a:lstStyle/>
           <a:p>
             <a:r>
-              <a:rPr lang="en-US" altLang="ko-KR" sz="3200" dirty="0"/>
-              <a:t>[num] Lab</a:t>
-            </a:r>
-            <a:r>
-              <a:rPr lang="ko-KR" altLang="en-US" sz="3200" dirty="0"/>
+              <a:rPr lang="en-US" altLang="ko-KR" sz="3200" b="1" dirty="0"/>
+              <a:t>[Session</a:t>
+            </a:r>
+            <a:r>
+              <a:rPr lang="ko-KR" altLang="en-US" sz="3200" b="1" dirty="0"/>
               <a:t> </a:t>
             </a:r>
             <a:r>
-              <a:rPr lang="en-US" altLang="ko-KR" sz="3200" dirty="0"/>
-              <a:t>Session</a:t>
-            </a:r>
-            <a:endParaRPr lang="ko-KR" altLang="en-US" sz="3200" dirty="0"/>
+              <a:rPr lang="en-US" altLang="ko-KR" sz="3200" b="1" dirty="0"/>
+              <a:t>1] Lab session</a:t>
+            </a:r>
+            <a:endParaRPr lang="ko-KR" altLang="en-US" sz="3200" b="1" dirty="0"/>
           </a:p>
         </p:txBody>
       </p:sp>
@@ -3442,8 +4482,8 @@
         </p:nvSpPr>
         <p:spPr>
           <a:xfrm>
-            <a:off x="3919979" y="6346081"/>
-            <a:ext cx="8272021" cy="511919"/>
+            <a:off x="0" y="6492876"/>
+            <a:ext cx="8272021" cy="365124"/>
           </a:xfrm>
           <a:prstGeom prst="rect">
             <a:avLst/>
@@ -3618,16 +4658,45 @@
             </a:lvl9pPr>
           </a:lstStyle>
           <a:p>
-            <a:pPr algn="r"/>
-            <a:r>
-              <a:rPr lang="en-US" altLang="ko-KR" sz="3200" dirty="0" err="1"/>
+            <a:pPr algn="l"/>
+            <a:r>
+              <a:rPr lang="en-US" altLang="ko-KR" sz="2000" b="1" dirty="0" err="1"/>
               <a:t>ITinerary</a:t>
             </a:r>
             <a:r>
-              <a:rPr lang="en-US" altLang="ko-KR" sz="3200" dirty="0"/>
+              <a:rPr lang="en-US" altLang="ko-KR" sz="2000" b="1" dirty="0"/>
               <a:t> X University of Ghana</a:t>
             </a:r>
-            <a:endParaRPr lang="ko-KR" altLang="en-US" sz="3200" dirty="0"/>
+            <a:endParaRPr lang="ko-KR" altLang="en-US" sz="2000" b="1" dirty="0"/>
+          </a:p>
+        </p:txBody>
+      </p:sp>
+      <p:sp>
+        <p:nvSpPr>
+          <p:cNvPr id="5" name="Slide Number Placeholder 4">
+            <a:extLst>
+              <a:ext uri="{FF2B5EF4-FFF2-40B4-BE49-F238E27FC236}">
+                <a16:creationId xmlns:a16="http://schemas.microsoft.com/office/drawing/2014/main" id="{9DE98E4E-710C-4F13-8A47-60DB50AE9DF5}"/>
+              </a:ext>
+            </a:extLst>
+          </p:cNvPr>
+          <p:cNvSpPr>
+            <a:spLocks noGrp="1"/>
+          </p:cNvSpPr>
+          <p:nvPr>
+            <p:ph type="sldNum" sz="quarter" idx="12"/>
+          </p:nvPr>
+        </p:nvSpPr>
+        <p:spPr/>
+        <p:txBody>
+          <a:bodyPr/>
+          <a:lstStyle/>
+          <a:p>
+            <a:fld id="{663C6A4A-F58A-4813-833D-C5F250139976}" type="slidenum">
+              <a:rPr lang="ko-KR" altLang="en-US" smtClean="0"/>
+              <a:t>1</a:t>
+            </a:fld>
+            <a:endParaRPr lang="ko-KR" altLang="en-US"/>
           </a:p>
         </p:txBody>
       </p:sp>
@@ -3641,6 +4710,1559 @@
   <p:clrMapOvr>
     <a:masterClrMapping/>
   </p:clrMapOvr>
+  <mc:AlternateContent xmlns:mc="http://schemas.openxmlformats.org/markup-compatibility/2006" xmlns:p14="http://schemas.microsoft.com/office/powerpoint/2010/main">
+    <mc:Choice Requires="p14">
+      <p:transition spd="slow" p14:dur="2000" advTm="7393"/>
+    </mc:Choice>
+    <mc:Fallback xmlns="">
+      <p:transition spd="slow" advTm="7393"/>
+    </mc:Fallback>
+  </mc:AlternateContent>
+</p:sld>
+</file>
+
+<file path=ppt/slides/slide10.xml><?xml version="1.0" encoding="utf-8"?>
+<p:sld xmlns:a="http://schemas.openxmlformats.org/drawingml/2006/main" xmlns:r="http://schemas.openxmlformats.org/officeDocument/2006/relationships" xmlns:p="http://schemas.openxmlformats.org/presentationml/2006/main">
+  <p:cSld>
+    <p:spTree>
+      <p:nvGrpSpPr>
+        <p:cNvPr id="1" name=""/>
+        <p:cNvGrpSpPr/>
+        <p:nvPr/>
+      </p:nvGrpSpPr>
+      <p:grpSpPr>
+        <a:xfrm>
+          <a:off x="0" y="0"/>
+          <a:ext cx="0" cy="0"/>
+          <a:chOff x="0" y="0"/>
+          <a:chExt cx="0" cy="0"/>
+        </a:xfrm>
+      </p:grpSpPr>
+      <p:sp>
+        <p:nvSpPr>
+          <p:cNvPr id="2" name="Title 1">
+            <a:extLst>
+              <a:ext uri="{FF2B5EF4-FFF2-40B4-BE49-F238E27FC236}">
+                <a16:creationId xmlns:a16="http://schemas.microsoft.com/office/drawing/2014/main" id="{76AC945A-7689-4FF6-98C3-A90972A6338D}"/>
+              </a:ext>
+            </a:extLst>
+          </p:cNvPr>
+          <p:cNvSpPr>
+            <a:spLocks noGrp="1"/>
+          </p:cNvSpPr>
+          <p:nvPr>
+            <p:ph type="title"/>
+          </p:nvPr>
+        </p:nvSpPr>
+        <p:spPr/>
+        <p:txBody>
+          <a:bodyPr/>
+          <a:lstStyle/>
+          <a:p>
+            <a:r>
+              <a:rPr lang="en-US" altLang="ko-KR" b="1" dirty="0"/>
+              <a:t>Dot: Methods [3]</a:t>
+            </a:r>
+            <a:endParaRPr lang="ko-KR" altLang="en-US" dirty="0"/>
+          </a:p>
+        </p:txBody>
+      </p:sp>
+      <p:sp>
+        <p:nvSpPr>
+          <p:cNvPr id="3" name="Content Placeholder 2">
+            <a:extLst>
+              <a:ext uri="{FF2B5EF4-FFF2-40B4-BE49-F238E27FC236}">
+                <a16:creationId xmlns:a16="http://schemas.microsoft.com/office/drawing/2014/main" id="{76C8972C-5AF5-4ACF-96F8-6FC9DF600A72}"/>
+              </a:ext>
+            </a:extLst>
+          </p:cNvPr>
+          <p:cNvSpPr>
+            <a:spLocks noGrp="1"/>
+          </p:cNvSpPr>
+          <p:nvPr>
+            <p:ph idx="1"/>
+          </p:nvPr>
+        </p:nvSpPr>
+        <p:spPr/>
+        <p:txBody>
+          <a:bodyPr/>
+          <a:lstStyle/>
+          <a:p>
+            <a:r>
+              <a:rPr lang="en-US" altLang="ko-KR" b="1" dirty="0"/>
+              <a:t>Other methods are defined in the skeleton code.</a:t>
+            </a:r>
+          </a:p>
+          <a:p>
+            <a:pPr lvl="1"/>
+            <a:r>
+              <a:rPr lang="en-US" altLang="ko-KR" b="1" dirty="0"/>
+              <a:t>You have to modify this</a:t>
+            </a:r>
+            <a:endParaRPr lang="ko-KR" altLang="en-US" b="1" dirty="0"/>
+          </a:p>
+        </p:txBody>
+      </p:sp>
+      <p:sp>
+        <p:nvSpPr>
+          <p:cNvPr id="4" name="Slide Number Placeholder 3">
+            <a:extLst>
+              <a:ext uri="{FF2B5EF4-FFF2-40B4-BE49-F238E27FC236}">
+                <a16:creationId xmlns:a16="http://schemas.microsoft.com/office/drawing/2014/main" id="{9005D341-9764-4D9B-8EB8-E48093C07C8F}"/>
+              </a:ext>
+            </a:extLst>
+          </p:cNvPr>
+          <p:cNvSpPr>
+            <a:spLocks noGrp="1"/>
+          </p:cNvSpPr>
+          <p:nvPr>
+            <p:ph type="sldNum" sz="quarter" idx="12"/>
+          </p:nvPr>
+        </p:nvSpPr>
+        <p:spPr/>
+        <p:txBody>
+          <a:bodyPr/>
+          <a:lstStyle/>
+          <a:p>
+            <a:fld id="{663C6A4A-F58A-4813-833D-C5F250139976}" type="slidenum">
+              <a:rPr lang="ko-KR" altLang="en-US" smtClean="0"/>
+              <a:t>10</a:t>
+            </a:fld>
+            <a:endParaRPr lang="ko-KR" altLang="en-US"/>
+          </a:p>
+        </p:txBody>
+      </p:sp>
+      <p:pic>
+        <p:nvPicPr>
+          <p:cNvPr id="5" name="Picture 4">
+            <a:extLst>
+              <a:ext uri="{FF2B5EF4-FFF2-40B4-BE49-F238E27FC236}">
+                <a16:creationId xmlns:a16="http://schemas.microsoft.com/office/drawing/2014/main" id="{C0701790-28A2-4570-8FD2-AA7B962AFF25}"/>
+              </a:ext>
+            </a:extLst>
+          </p:cNvPr>
+          <p:cNvPicPr>
+            <a:picLocks noChangeAspect="1"/>
+          </p:cNvPicPr>
+          <p:nvPr/>
+        </p:nvPicPr>
+        <p:blipFill>
+          <a:blip r:embed="rId2"/>
+          <a:stretch>
+            <a:fillRect/>
+          </a:stretch>
+        </p:blipFill>
+        <p:spPr>
+          <a:xfrm>
+            <a:off x="5391864" y="2316452"/>
+            <a:ext cx="6437472" cy="4405023"/>
+          </a:xfrm>
+          <a:prstGeom prst="rect">
+            <a:avLst/>
+          </a:prstGeom>
+        </p:spPr>
+      </p:pic>
+    </p:spTree>
+    <p:extLst>
+      <p:ext uri="{BB962C8B-B14F-4D97-AF65-F5344CB8AC3E}">
+        <p14:creationId xmlns:p14="http://schemas.microsoft.com/office/powerpoint/2010/main" val="4014875849"/>
+      </p:ext>
+    </p:extLst>
+  </p:cSld>
+  <p:clrMapOvr>
+    <a:masterClrMapping/>
+  </p:clrMapOvr>
+</p:sld>
+</file>
+
+<file path=ppt/slides/slide11.xml><?xml version="1.0" encoding="utf-8"?>
+<p:sld xmlns:a="http://schemas.openxmlformats.org/drawingml/2006/main" xmlns:r="http://schemas.openxmlformats.org/officeDocument/2006/relationships" xmlns:p="http://schemas.openxmlformats.org/presentationml/2006/main">
+  <p:cSld>
+    <p:spTree>
+      <p:nvGrpSpPr>
+        <p:cNvPr id="1" name=""/>
+        <p:cNvGrpSpPr/>
+        <p:nvPr/>
+      </p:nvGrpSpPr>
+      <p:grpSpPr>
+        <a:xfrm>
+          <a:off x="0" y="0"/>
+          <a:ext cx="0" cy="0"/>
+          <a:chOff x="0" y="0"/>
+          <a:chExt cx="0" cy="0"/>
+        </a:xfrm>
+      </p:grpSpPr>
+      <p:sp>
+        <p:nvSpPr>
+          <p:cNvPr id="2" name="Title 1">
+            <a:extLst>
+              <a:ext uri="{FF2B5EF4-FFF2-40B4-BE49-F238E27FC236}">
+                <a16:creationId xmlns:a16="http://schemas.microsoft.com/office/drawing/2014/main" id="{27BB8A8D-3222-4169-8DA8-99A721F7FB2C}"/>
+              </a:ext>
+            </a:extLst>
+          </p:cNvPr>
+          <p:cNvSpPr>
+            <a:spLocks noGrp="1"/>
+          </p:cNvSpPr>
+          <p:nvPr>
+            <p:ph type="title"/>
+          </p:nvPr>
+        </p:nvSpPr>
+        <p:spPr/>
+        <p:txBody>
+          <a:bodyPr/>
+          <a:lstStyle/>
+          <a:p>
+            <a:r>
+              <a:rPr lang="en-US" altLang="ko-KR" b="1" dirty="0"/>
+              <a:t>Let’s start!</a:t>
+            </a:r>
+            <a:endParaRPr lang="ko-KR" altLang="en-US" b="1" dirty="0"/>
+          </a:p>
+        </p:txBody>
+      </p:sp>
+      <p:sp>
+        <p:nvSpPr>
+          <p:cNvPr id="3" name="Content Placeholder 2">
+            <a:extLst>
+              <a:ext uri="{FF2B5EF4-FFF2-40B4-BE49-F238E27FC236}">
+                <a16:creationId xmlns:a16="http://schemas.microsoft.com/office/drawing/2014/main" id="{8C3C6DAA-0E37-4C5F-8AC8-A1A26C45BC87}"/>
+              </a:ext>
+            </a:extLst>
+          </p:cNvPr>
+          <p:cNvSpPr>
+            <a:spLocks noGrp="1"/>
+          </p:cNvSpPr>
+          <p:nvPr>
+            <p:ph idx="1"/>
+          </p:nvPr>
+        </p:nvSpPr>
+        <p:spPr/>
+        <p:txBody>
+          <a:bodyPr/>
+          <a:lstStyle/>
+          <a:p>
+            <a:r>
+              <a:rPr lang="en-US" altLang="ko-KR" b="1" dirty="0"/>
+              <a:t>Use the skeleton, dot.py</a:t>
+            </a:r>
+            <a:endParaRPr lang="ko-KR" altLang="en-US" b="1" dirty="0"/>
+          </a:p>
+        </p:txBody>
+      </p:sp>
+      <p:sp>
+        <p:nvSpPr>
+          <p:cNvPr id="4" name="Slide Number Placeholder 3">
+            <a:extLst>
+              <a:ext uri="{FF2B5EF4-FFF2-40B4-BE49-F238E27FC236}">
+                <a16:creationId xmlns:a16="http://schemas.microsoft.com/office/drawing/2014/main" id="{DCAA20F3-8ECE-4DB7-ABFE-61AAD2847BE3}"/>
+              </a:ext>
+            </a:extLst>
+          </p:cNvPr>
+          <p:cNvSpPr>
+            <a:spLocks noGrp="1"/>
+          </p:cNvSpPr>
+          <p:nvPr>
+            <p:ph type="sldNum" sz="quarter" idx="12"/>
+          </p:nvPr>
+        </p:nvSpPr>
+        <p:spPr/>
+        <p:txBody>
+          <a:bodyPr/>
+          <a:lstStyle/>
+          <a:p>
+            <a:fld id="{663C6A4A-F58A-4813-833D-C5F250139976}" type="slidenum">
+              <a:rPr lang="ko-KR" altLang="en-US" smtClean="0"/>
+              <a:t>11</a:t>
+            </a:fld>
+            <a:endParaRPr lang="ko-KR" altLang="en-US"/>
+          </a:p>
+        </p:txBody>
+      </p:sp>
+    </p:spTree>
+    <p:extLst>
+      <p:ext uri="{BB962C8B-B14F-4D97-AF65-F5344CB8AC3E}">
+        <p14:creationId xmlns:p14="http://schemas.microsoft.com/office/powerpoint/2010/main" val="1118236177"/>
+      </p:ext>
+    </p:extLst>
+  </p:cSld>
+  <p:clrMapOvr>
+    <a:masterClrMapping/>
+  </p:clrMapOvr>
+</p:sld>
+</file>
+
+<file path=ppt/slides/slide12.xml><?xml version="1.0" encoding="utf-8"?>
+<p:sld xmlns:a="http://schemas.openxmlformats.org/drawingml/2006/main" xmlns:r="http://schemas.openxmlformats.org/officeDocument/2006/relationships" xmlns:p="http://schemas.openxmlformats.org/presentationml/2006/main">
+  <p:cSld>
+    <p:spTree>
+      <p:nvGrpSpPr>
+        <p:cNvPr id="1" name=""/>
+        <p:cNvGrpSpPr/>
+        <p:nvPr/>
+      </p:nvGrpSpPr>
+      <p:grpSpPr>
+        <a:xfrm>
+          <a:off x="0" y="0"/>
+          <a:ext cx="0" cy="0"/>
+          <a:chOff x="0" y="0"/>
+          <a:chExt cx="0" cy="0"/>
+        </a:xfrm>
+      </p:grpSpPr>
+      <p:sp>
+        <p:nvSpPr>
+          <p:cNvPr id="4" name="Title 3">
+            <a:extLst>
+              <a:ext uri="{FF2B5EF4-FFF2-40B4-BE49-F238E27FC236}">
+                <a16:creationId xmlns:a16="http://schemas.microsoft.com/office/drawing/2014/main" id="{82C4C27C-8C00-4853-A883-712B47C9B393}"/>
+              </a:ext>
+            </a:extLst>
+          </p:cNvPr>
+          <p:cNvSpPr>
+            <a:spLocks noGrp="1"/>
+          </p:cNvSpPr>
+          <p:nvPr>
+            <p:ph type="title"/>
+          </p:nvPr>
+        </p:nvSpPr>
+        <p:spPr/>
+        <p:txBody>
+          <a:bodyPr/>
+          <a:lstStyle/>
+          <a:p>
+            <a:r>
+              <a:rPr lang="en-US" altLang="ko-KR" b="1" dirty="0"/>
+              <a:t>Class: Car</a:t>
+            </a:r>
+            <a:endParaRPr lang="ko-KR" altLang="en-US" b="1" dirty="0"/>
+          </a:p>
+        </p:txBody>
+      </p:sp>
+      <p:sp>
+        <p:nvSpPr>
+          <p:cNvPr id="3" name="Text Placeholder 2">
+            <a:extLst>
+              <a:ext uri="{FF2B5EF4-FFF2-40B4-BE49-F238E27FC236}">
+                <a16:creationId xmlns:a16="http://schemas.microsoft.com/office/drawing/2014/main" id="{AACDFAB9-A5C6-4CA4-AB46-FDB4982C9CC1}"/>
+              </a:ext>
+            </a:extLst>
+          </p:cNvPr>
+          <p:cNvSpPr>
+            <a:spLocks noGrp="1"/>
+          </p:cNvSpPr>
+          <p:nvPr>
+            <p:ph type="body" idx="1"/>
+          </p:nvPr>
+        </p:nvSpPr>
+        <p:spPr/>
+        <p:txBody>
+          <a:bodyPr/>
+          <a:lstStyle/>
+          <a:p>
+            <a:endParaRPr lang="ko-KR" altLang="en-US" dirty="0"/>
+          </a:p>
+        </p:txBody>
+      </p:sp>
+      <p:sp>
+        <p:nvSpPr>
+          <p:cNvPr id="2" name="Slide Number Placeholder 1">
+            <a:extLst>
+              <a:ext uri="{FF2B5EF4-FFF2-40B4-BE49-F238E27FC236}">
+                <a16:creationId xmlns:a16="http://schemas.microsoft.com/office/drawing/2014/main" id="{AA62A18A-8A08-4B81-8C41-2D296FF1123E}"/>
+              </a:ext>
+            </a:extLst>
+          </p:cNvPr>
+          <p:cNvSpPr>
+            <a:spLocks noGrp="1"/>
+          </p:cNvSpPr>
+          <p:nvPr>
+            <p:ph type="sldNum" sz="quarter" idx="12"/>
+          </p:nvPr>
+        </p:nvSpPr>
+        <p:spPr/>
+        <p:txBody>
+          <a:bodyPr/>
+          <a:lstStyle/>
+          <a:p>
+            <a:fld id="{663C6A4A-F58A-4813-833D-C5F250139976}" type="slidenum">
+              <a:rPr lang="ko-KR" altLang="en-US" smtClean="0"/>
+              <a:t>12</a:t>
+            </a:fld>
+            <a:endParaRPr lang="ko-KR" altLang="en-US"/>
+          </a:p>
+        </p:txBody>
+      </p:sp>
+    </p:spTree>
+    <p:extLst>
+      <p:ext uri="{BB962C8B-B14F-4D97-AF65-F5344CB8AC3E}">
+        <p14:creationId xmlns:p14="http://schemas.microsoft.com/office/powerpoint/2010/main" val="1165963822"/>
+      </p:ext>
+    </p:extLst>
+  </p:cSld>
+  <p:clrMapOvr>
+    <a:masterClrMapping/>
+  </p:clrMapOvr>
+  <mc:AlternateContent xmlns:mc="http://schemas.openxmlformats.org/markup-compatibility/2006" xmlns:p14="http://schemas.microsoft.com/office/powerpoint/2010/main">
+    <mc:Choice Requires="p14">
+      <p:transition spd="slow" p14:dur="2000" advTm="4806"/>
+    </mc:Choice>
+    <mc:Fallback xmlns="">
+      <p:transition spd="slow" advTm="4806"/>
+    </mc:Fallback>
+  </mc:AlternateContent>
+</p:sld>
+</file>
+
+<file path=ppt/slides/slide13.xml><?xml version="1.0" encoding="utf-8"?>
+<p:sld xmlns:a="http://schemas.openxmlformats.org/drawingml/2006/main" xmlns:r="http://schemas.openxmlformats.org/officeDocument/2006/relationships" xmlns:p="http://schemas.openxmlformats.org/presentationml/2006/main">
+  <p:cSld>
+    <p:spTree>
+      <p:nvGrpSpPr>
+        <p:cNvPr id="1" name=""/>
+        <p:cNvGrpSpPr/>
+        <p:nvPr/>
+      </p:nvGrpSpPr>
+      <p:grpSpPr>
+        <a:xfrm>
+          <a:off x="0" y="0"/>
+          <a:ext cx="0" cy="0"/>
+          <a:chOff x="0" y="0"/>
+          <a:chExt cx="0" cy="0"/>
+        </a:xfrm>
+      </p:grpSpPr>
+      <p:sp>
+        <p:nvSpPr>
+          <p:cNvPr id="2" name="Title 1">
+            <a:extLst>
+              <a:ext uri="{FF2B5EF4-FFF2-40B4-BE49-F238E27FC236}">
+                <a16:creationId xmlns:a16="http://schemas.microsoft.com/office/drawing/2014/main" id="{DE70887F-DF6F-4D9F-B4E3-352070A65E25}"/>
+              </a:ext>
+            </a:extLst>
+          </p:cNvPr>
+          <p:cNvSpPr>
+            <a:spLocks noGrp="1"/>
+          </p:cNvSpPr>
+          <p:nvPr>
+            <p:ph type="title"/>
+          </p:nvPr>
+        </p:nvSpPr>
+        <p:spPr/>
+        <p:txBody>
+          <a:bodyPr/>
+          <a:lstStyle/>
+          <a:p>
+            <a:r>
+              <a:rPr lang="en-US" altLang="ko-KR" b="1" dirty="0"/>
+              <a:t>Car</a:t>
+            </a:r>
+            <a:endParaRPr lang="ko-KR" altLang="en-US" b="1" dirty="0"/>
+          </a:p>
+        </p:txBody>
+      </p:sp>
+      <p:sp>
+        <p:nvSpPr>
+          <p:cNvPr id="3" name="Content Placeholder 2">
+            <a:extLst>
+              <a:ext uri="{FF2B5EF4-FFF2-40B4-BE49-F238E27FC236}">
+                <a16:creationId xmlns:a16="http://schemas.microsoft.com/office/drawing/2014/main" id="{52218D97-773F-4FFC-8CFE-61B9F324767B}"/>
+              </a:ext>
+            </a:extLst>
+          </p:cNvPr>
+          <p:cNvSpPr>
+            <a:spLocks noGrp="1"/>
+          </p:cNvSpPr>
+          <p:nvPr>
+            <p:ph idx="1"/>
+          </p:nvPr>
+        </p:nvSpPr>
+        <p:spPr>
+          <a:xfrm>
+            <a:off x="838200" y="1825624"/>
+            <a:ext cx="10515600" cy="5032375"/>
+          </a:xfrm>
+        </p:spPr>
+        <p:txBody>
+          <a:bodyPr/>
+          <a:lstStyle/>
+          <a:p>
+            <a:r>
+              <a:rPr lang="en-US" altLang="ko-KR" b="1" dirty="0"/>
+              <a:t>A car can do</a:t>
+            </a:r>
+          </a:p>
+          <a:p>
+            <a:pPr lvl="1"/>
+            <a:r>
+              <a:rPr lang="en-US" altLang="ko-KR" dirty="0"/>
+              <a:t>drive (as long as the fuel remains)</a:t>
+            </a:r>
+          </a:p>
+          <a:p>
+            <a:pPr lvl="1"/>
+            <a:r>
+              <a:rPr lang="en-US" altLang="ko-KR" dirty="0"/>
+              <a:t>show the its status:</a:t>
+            </a:r>
+          </a:p>
+          <a:p>
+            <a:pPr lvl="2"/>
+            <a:r>
+              <a:rPr lang="en-US" altLang="ko-KR" dirty="0"/>
+              <a:t>fuel (L)</a:t>
+            </a:r>
+          </a:p>
+          <a:p>
+            <a:pPr lvl="2"/>
+            <a:r>
+              <a:rPr lang="en-US" altLang="ko-KR" dirty="0"/>
+              <a:t>total distance (km)</a:t>
+            </a:r>
+          </a:p>
+          <a:p>
+            <a:pPr lvl="2"/>
+            <a:r>
+              <a:rPr lang="en-US" altLang="ko-KR" dirty="0"/>
+              <a:t>etc.</a:t>
+            </a:r>
+          </a:p>
+          <a:p>
+            <a:endParaRPr lang="en-US" altLang="ko-KR" dirty="0"/>
+          </a:p>
+          <a:p>
+            <a:r>
+              <a:rPr lang="en-US" altLang="ko-KR" b="1" dirty="0"/>
+              <a:t>Cars have their own features:</a:t>
+            </a:r>
+          </a:p>
+          <a:p>
+            <a:pPr lvl="1"/>
+            <a:r>
+              <a:rPr lang="en-US" altLang="ko-KR" dirty="0"/>
+              <a:t>car name</a:t>
+            </a:r>
+          </a:p>
+          <a:p>
+            <a:pPr lvl="1"/>
+            <a:r>
+              <a:rPr lang="en-US" altLang="ko-KR" dirty="0"/>
+              <a:t>mileage (km/L)</a:t>
+            </a:r>
+          </a:p>
+          <a:p>
+            <a:pPr lvl="1"/>
+            <a:r>
+              <a:rPr lang="en-US" altLang="ko-KR" dirty="0"/>
+              <a:t>max fuel (L)</a:t>
+            </a:r>
+          </a:p>
+          <a:p>
+            <a:endParaRPr lang="en-US" altLang="ko-KR" dirty="0"/>
+          </a:p>
+          <a:p>
+            <a:pPr lvl="1"/>
+            <a:endParaRPr lang="ko-KR" altLang="en-US" dirty="0"/>
+          </a:p>
+        </p:txBody>
+      </p:sp>
+      <p:sp>
+        <p:nvSpPr>
+          <p:cNvPr id="4" name="Slide Number Placeholder 3">
+            <a:extLst>
+              <a:ext uri="{FF2B5EF4-FFF2-40B4-BE49-F238E27FC236}">
+                <a16:creationId xmlns:a16="http://schemas.microsoft.com/office/drawing/2014/main" id="{F7E07A7C-43CA-45D3-8D5B-8F7B853446F7}"/>
+              </a:ext>
+            </a:extLst>
+          </p:cNvPr>
+          <p:cNvSpPr>
+            <a:spLocks noGrp="1"/>
+          </p:cNvSpPr>
+          <p:nvPr>
+            <p:ph type="sldNum" sz="quarter" idx="12"/>
+          </p:nvPr>
+        </p:nvSpPr>
+        <p:spPr/>
+        <p:txBody>
+          <a:bodyPr/>
+          <a:lstStyle/>
+          <a:p>
+            <a:fld id="{663C6A4A-F58A-4813-833D-C5F250139976}" type="slidenum">
+              <a:rPr lang="ko-KR" altLang="en-US" smtClean="0"/>
+              <a:t>13</a:t>
+            </a:fld>
+            <a:endParaRPr lang="ko-KR" altLang="en-US"/>
+          </a:p>
+        </p:txBody>
+      </p:sp>
+    </p:spTree>
+    <p:extLst>
+      <p:ext uri="{BB962C8B-B14F-4D97-AF65-F5344CB8AC3E}">
+        <p14:creationId xmlns:p14="http://schemas.microsoft.com/office/powerpoint/2010/main" val="1116057590"/>
+      </p:ext>
+    </p:extLst>
+  </p:cSld>
+  <p:clrMapOvr>
+    <a:masterClrMapping/>
+  </p:clrMapOvr>
+</p:sld>
+</file>
+
+<file path=ppt/slides/slide14.xml><?xml version="1.0" encoding="utf-8"?>
+<p:sld xmlns:a="http://schemas.openxmlformats.org/drawingml/2006/main" xmlns:r="http://schemas.openxmlformats.org/officeDocument/2006/relationships" xmlns:p="http://schemas.openxmlformats.org/presentationml/2006/main">
+  <p:cSld>
+    <p:spTree>
+      <p:nvGrpSpPr>
+        <p:cNvPr id="1" name=""/>
+        <p:cNvGrpSpPr/>
+        <p:nvPr/>
+      </p:nvGrpSpPr>
+      <p:grpSpPr>
+        <a:xfrm>
+          <a:off x="0" y="0"/>
+          <a:ext cx="0" cy="0"/>
+          <a:chOff x="0" y="0"/>
+          <a:chExt cx="0" cy="0"/>
+        </a:xfrm>
+      </p:grpSpPr>
+      <p:sp>
+        <p:nvSpPr>
+          <p:cNvPr id="2" name="Title 1">
+            <a:extLst>
+              <a:ext uri="{FF2B5EF4-FFF2-40B4-BE49-F238E27FC236}">
+                <a16:creationId xmlns:a16="http://schemas.microsoft.com/office/drawing/2014/main" id="{1119A6D9-4C10-4193-94C4-00BCDBC3A498}"/>
+              </a:ext>
+            </a:extLst>
+          </p:cNvPr>
+          <p:cNvSpPr>
+            <a:spLocks noGrp="1"/>
+          </p:cNvSpPr>
+          <p:nvPr>
+            <p:ph type="title"/>
+          </p:nvPr>
+        </p:nvSpPr>
+        <p:spPr/>
+        <p:txBody>
+          <a:bodyPr/>
+          <a:lstStyle/>
+          <a:p>
+            <a:r>
+              <a:rPr lang="en-US" altLang="ko-KR" b="1" dirty="0"/>
+              <a:t>Car: Member Variables</a:t>
+            </a:r>
+            <a:endParaRPr lang="ko-KR" altLang="en-US" b="1" dirty="0"/>
+          </a:p>
+        </p:txBody>
+      </p:sp>
+      <p:pic>
+        <p:nvPicPr>
+          <p:cNvPr id="5" name="Content Placeholder 4">
+            <a:extLst>
+              <a:ext uri="{FF2B5EF4-FFF2-40B4-BE49-F238E27FC236}">
+                <a16:creationId xmlns:a16="http://schemas.microsoft.com/office/drawing/2014/main" id="{E98B2A5E-5CEC-4C37-B275-CCF892DE9892}"/>
+              </a:ext>
+            </a:extLst>
+          </p:cNvPr>
+          <p:cNvPicPr>
+            <a:picLocks noGrp="1" noChangeAspect="1"/>
+          </p:cNvPicPr>
+          <p:nvPr>
+            <p:ph idx="1"/>
+          </p:nvPr>
+        </p:nvPicPr>
+        <p:blipFill>
+          <a:blip r:embed="rId2"/>
+          <a:stretch>
+            <a:fillRect/>
+          </a:stretch>
+        </p:blipFill>
+        <p:spPr>
+          <a:xfrm>
+            <a:off x="516367" y="1933099"/>
+            <a:ext cx="10837433" cy="3328775"/>
+          </a:xfrm>
+          <a:prstGeom prst="rect">
+            <a:avLst/>
+          </a:prstGeom>
+        </p:spPr>
+      </p:pic>
+      <p:sp>
+        <p:nvSpPr>
+          <p:cNvPr id="4" name="Slide Number Placeholder 3">
+            <a:extLst>
+              <a:ext uri="{FF2B5EF4-FFF2-40B4-BE49-F238E27FC236}">
+                <a16:creationId xmlns:a16="http://schemas.microsoft.com/office/drawing/2014/main" id="{E74B0772-1A2B-4B92-929A-ACF7F4B5BE39}"/>
+              </a:ext>
+            </a:extLst>
+          </p:cNvPr>
+          <p:cNvSpPr>
+            <a:spLocks noGrp="1"/>
+          </p:cNvSpPr>
+          <p:nvPr>
+            <p:ph type="sldNum" sz="quarter" idx="12"/>
+          </p:nvPr>
+        </p:nvSpPr>
+        <p:spPr/>
+        <p:txBody>
+          <a:bodyPr/>
+          <a:lstStyle/>
+          <a:p>
+            <a:fld id="{663C6A4A-F58A-4813-833D-C5F250139976}" type="slidenum">
+              <a:rPr lang="ko-KR" altLang="en-US" smtClean="0"/>
+              <a:t>14</a:t>
+            </a:fld>
+            <a:endParaRPr lang="ko-KR" altLang="en-US"/>
+          </a:p>
+        </p:txBody>
+      </p:sp>
+      <p:sp>
+        <p:nvSpPr>
+          <p:cNvPr id="6" name="Content Placeholder 2">
+            <a:extLst>
+              <a:ext uri="{FF2B5EF4-FFF2-40B4-BE49-F238E27FC236}">
+                <a16:creationId xmlns:a16="http://schemas.microsoft.com/office/drawing/2014/main" id="{8173CF6E-E84E-4424-9839-8220E4A9284E}"/>
+              </a:ext>
+            </a:extLst>
+          </p:cNvPr>
+          <p:cNvSpPr txBox="1">
+            <a:spLocks/>
+          </p:cNvSpPr>
+          <p:nvPr/>
+        </p:nvSpPr>
+        <p:spPr>
+          <a:xfrm>
+            <a:off x="838200" y="1825624"/>
+            <a:ext cx="10515600" cy="5032375"/>
+          </a:xfrm>
+          <a:prstGeom prst="rect">
+            <a:avLst/>
+          </a:prstGeom>
+        </p:spPr>
+        <p:txBody>
+          <a:bodyPr vert="horz" lIns="91440" tIns="45720" rIns="91440" bIns="45720" rtlCol="0">
+            <a:normAutofit/>
+          </a:bodyPr>
+          <a:lstStyle>
+            <a:lvl1pPr marL="228600" indent="-228600" algn="l" defTabSz="914400" rtl="0" eaLnBrk="1" latinLnBrk="1" hangingPunct="1">
+              <a:lnSpc>
+                <a:spcPct val="90000"/>
+              </a:lnSpc>
+              <a:spcBef>
+                <a:spcPts val="1000"/>
+              </a:spcBef>
+              <a:buFont typeface="Arial" panose="020B0604020202020204" pitchFamily="34" charset="0"/>
+              <a:buChar char="•"/>
+              <a:defRPr sz="2800" kern="1200">
+                <a:solidFill>
+                  <a:schemeClr val="tx1"/>
+                </a:solidFill>
+                <a:latin typeface="+mn-lt"/>
+                <a:ea typeface="+mn-ea"/>
+                <a:cs typeface="+mn-cs"/>
+              </a:defRPr>
+            </a:lvl1pPr>
+            <a:lvl2pPr marL="685800" indent="-228600" algn="l" defTabSz="914400" rtl="0" eaLnBrk="1" latinLnBrk="1" hangingPunct="1">
+              <a:lnSpc>
+                <a:spcPct val="90000"/>
+              </a:lnSpc>
+              <a:spcBef>
+                <a:spcPts val="500"/>
+              </a:spcBef>
+              <a:buFont typeface="Arial" panose="020B0604020202020204" pitchFamily="34" charset="0"/>
+              <a:buChar char="•"/>
+              <a:defRPr sz="2400" kern="1200">
+                <a:solidFill>
+                  <a:schemeClr val="tx1"/>
+                </a:solidFill>
+                <a:latin typeface="+mn-lt"/>
+                <a:ea typeface="+mn-ea"/>
+                <a:cs typeface="+mn-cs"/>
+              </a:defRPr>
+            </a:lvl2pPr>
+            <a:lvl3pPr marL="1143000" indent="-228600" algn="l" defTabSz="914400" rtl="0" eaLnBrk="1" latinLnBrk="1" hangingPunct="1">
+              <a:lnSpc>
+                <a:spcPct val="90000"/>
+              </a:lnSpc>
+              <a:spcBef>
+                <a:spcPts val="500"/>
+              </a:spcBef>
+              <a:buFont typeface="Arial" panose="020B0604020202020204" pitchFamily="34" charset="0"/>
+              <a:buChar char="•"/>
+              <a:defRPr sz="2000" kern="1200">
+                <a:solidFill>
+                  <a:schemeClr val="tx1"/>
+                </a:solidFill>
+                <a:latin typeface="+mn-lt"/>
+                <a:ea typeface="+mn-ea"/>
+                <a:cs typeface="+mn-cs"/>
+              </a:defRPr>
+            </a:lvl3pPr>
+            <a:lvl4pPr marL="1600200" indent="-228600" algn="l" defTabSz="914400" rtl="0" eaLnBrk="1" latinLnBrk="1" hangingPunct="1">
+              <a:lnSpc>
+                <a:spcPct val="90000"/>
+              </a:lnSpc>
+              <a:spcBef>
+                <a:spcPts val="500"/>
+              </a:spcBef>
+              <a:buFont typeface="Arial" panose="020B0604020202020204" pitchFamily="34" charset="0"/>
+              <a:buChar char="•"/>
+              <a:defRPr sz="1800" kern="1200">
+                <a:solidFill>
+                  <a:schemeClr val="tx1"/>
+                </a:solidFill>
+                <a:latin typeface="+mn-lt"/>
+                <a:ea typeface="+mn-ea"/>
+                <a:cs typeface="+mn-cs"/>
+              </a:defRPr>
+            </a:lvl4pPr>
+            <a:lvl5pPr marL="2057400" indent="-228600" algn="l" defTabSz="914400" rtl="0" eaLnBrk="1" latinLnBrk="1" hangingPunct="1">
+              <a:lnSpc>
+                <a:spcPct val="90000"/>
+              </a:lnSpc>
+              <a:spcBef>
+                <a:spcPts val="500"/>
+              </a:spcBef>
+              <a:buFont typeface="Arial" panose="020B0604020202020204" pitchFamily="34" charset="0"/>
+              <a:buChar char="•"/>
+              <a:defRPr sz="1800" kern="1200">
+                <a:solidFill>
+                  <a:schemeClr val="tx1"/>
+                </a:solidFill>
+                <a:latin typeface="+mn-lt"/>
+                <a:ea typeface="+mn-ea"/>
+                <a:cs typeface="+mn-cs"/>
+              </a:defRPr>
+            </a:lvl5pPr>
+            <a:lvl6pPr marL="2514600" indent="-228600" algn="l" defTabSz="914400" rtl="0" eaLnBrk="1" latinLnBrk="1" hangingPunct="1">
+              <a:lnSpc>
+                <a:spcPct val="90000"/>
+              </a:lnSpc>
+              <a:spcBef>
+                <a:spcPts val="500"/>
+              </a:spcBef>
+              <a:buFont typeface="Arial" panose="020B0604020202020204" pitchFamily="34" charset="0"/>
+              <a:buChar char="•"/>
+              <a:defRPr sz="1800" kern="1200">
+                <a:solidFill>
+                  <a:schemeClr val="tx1"/>
+                </a:solidFill>
+                <a:latin typeface="+mn-lt"/>
+                <a:ea typeface="+mn-ea"/>
+                <a:cs typeface="+mn-cs"/>
+              </a:defRPr>
+            </a:lvl6pPr>
+            <a:lvl7pPr marL="2971800" indent="-228600" algn="l" defTabSz="914400" rtl="0" eaLnBrk="1" latinLnBrk="1" hangingPunct="1">
+              <a:lnSpc>
+                <a:spcPct val="90000"/>
+              </a:lnSpc>
+              <a:spcBef>
+                <a:spcPts val="500"/>
+              </a:spcBef>
+              <a:buFont typeface="Arial" panose="020B0604020202020204" pitchFamily="34" charset="0"/>
+              <a:buChar char="•"/>
+              <a:defRPr sz="1800" kern="1200">
+                <a:solidFill>
+                  <a:schemeClr val="tx1"/>
+                </a:solidFill>
+                <a:latin typeface="+mn-lt"/>
+                <a:ea typeface="+mn-ea"/>
+                <a:cs typeface="+mn-cs"/>
+              </a:defRPr>
+            </a:lvl7pPr>
+            <a:lvl8pPr marL="3429000" indent="-228600" algn="l" defTabSz="914400" rtl="0" eaLnBrk="1" latinLnBrk="1" hangingPunct="1">
+              <a:lnSpc>
+                <a:spcPct val="90000"/>
+              </a:lnSpc>
+              <a:spcBef>
+                <a:spcPts val="500"/>
+              </a:spcBef>
+              <a:buFont typeface="Arial" panose="020B0604020202020204" pitchFamily="34" charset="0"/>
+              <a:buChar char="•"/>
+              <a:defRPr sz="1800" kern="1200">
+                <a:solidFill>
+                  <a:schemeClr val="tx1"/>
+                </a:solidFill>
+                <a:latin typeface="+mn-lt"/>
+                <a:ea typeface="+mn-ea"/>
+                <a:cs typeface="+mn-cs"/>
+              </a:defRPr>
+            </a:lvl8pPr>
+            <a:lvl9pPr marL="3886200" indent="-228600" algn="l" defTabSz="914400" rtl="0" eaLnBrk="1" latinLnBrk="1" hangingPunct="1">
+              <a:lnSpc>
+                <a:spcPct val="90000"/>
+              </a:lnSpc>
+              <a:spcBef>
+                <a:spcPts val="500"/>
+              </a:spcBef>
+              <a:buFont typeface="Arial" panose="020B0604020202020204" pitchFamily="34" charset="0"/>
+              <a:buChar char="•"/>
+              <a:defRPr sz="1800" kern="1200">
+                <a:solidFill>
+                  <a:schemeClr val="tx1"/>
+                </a:solidFill>
+                <a:latin typeface="+mn-lt"/>
+                <a:ea typeface="+mn-ea"/>
+                <a:cs typeface="+mn-cs"/>
+              </a:defRPr>
+            </a:lvl9pPr>
+          </a:lstStyle>
+          <a:p>
+            <a:endParaRPr lang="en-US" altLang="ko-KR" dirty="0"/>
+          </a:p>
+          <a:p>
+            <a:endParaRPr lang="en-US" altLang="ko-KR" dirty="0"/>
+          </a:p>
+          <a:p>
+            <a:pPr lvl="1"/>
+            <a:endParaRPr lang="ko-KR" altLang="en-US" dirty="0"/>
+          </a:p>
+        </p:txBody>
+      </p:sp>
+    </p:spTree>
+    <p:extLst>
+      <p:ext uri="{BB962C8B-B14F-4D97-AF65-F5344CB8AC3E}">
+        <p14:creationId xmlns:p14="http://schemas.microsoft.com/office/powerpoint/2010/main" val="1277807456"/>
+      </p:ext>
+    </p:extLst>
+  </p:cSld>
+  <p:clrMapOvr>
+    <a:masterClrMapping/>
+  </p:clrMapOvr>
+</p:sld>
+</file>
+
+<file path=ppt/slides/slide15.xml><?xml version="1.0" encoding="utf-8"?>
+<p:sld xmlns:a="http://schemas.openxmlformats.org/drawingml/2006/main" xmlns:r="http://schemas.openxmlformats.org/officeDocument/2006/relationships" xmlns:p="http://schemas.openxmlformats.org/presentationml/2006/main">
+  <p:cSld>
+    <p:spTree>
+      <p:nvGrpSpPr>
+        <p:cNvPr id="1" name=""/>
+        <p:cNvGrpSpPr/>
+        <p:nvPr/>
+      </p:nvGrpSpPr>
+      <p:grpSpPr>
+        <a:xfrm>
+          <a:off x="0" y="0"/>
+          <a:ext cx="0" cy="0"/>
+          <a:chOff x="0" y="0"/>
+          <a:chExt cx="0" cy="0"/>
+        </a:xfrm>
+      </p:grpSpPr>
+      <p:sp>
+        <p:nvSpPr>
+          <p:cNvPr id="2" name="Title 1">
+            <a:extLst>
+              <a:ext uri="{FF2B5EF4-FFF2-40B4-BE49-F238E27FC236}">
+                <a16:creationId xmlns:a16="http://schemas.microsoft.com/office/drawing/2014/main" id="{DE70887F-DF6F-4D9F-B4E3-352070A65E25}"/>
+              </a:ext>
+            </a:extLst>
+          </p:cNvPr>
+          <p:cNvSpPr>
+            <a:spLocks noGrp="1"/>
+          </p:cNvSpPr>
+          <p:nvPr>
+            <p:ph type="title"/>
+          </p:nvPr>
+        </p:nvSpPr>
+        <p:spPr/>
+        <p:txBody>
+          <a:bodyPr/>
+          <a:lstStyle/>
+          <a:p>
+            <a:r>
+              <a:rPr lang="en-US" altLang="ko-KR" b="1" dirty="0"/>
+              <a:t>Car: Methods [1]</a:t>
+            </a:r>
+            <a:endParaRPr lang="ko-KR" altLang="en-US" b="1" dirty="0"/>
+          </a:p>
+        </p:txBody>
+      </p:sp>
+      <p:sp>
+        <p:nvSpPr>
+          <p:cNvPr id="3" name="Content Placeholder 2">
+            <a:extLst>
+              <a:ext uri="{FF2B5EF4-FFF2-40B4-BE49-F238E27FC236}">
+                <a16:creationId xmlns:a16="http://schemas.microsoft.com/office/drawing/2014/main" id="{52218D97-773F-4FFC-8CFE-61B9F324767B}"/>
+              </a:ext>
+            </a:extLst>
+          </p:cNvPr>
+          <p:cNvSpPr>
+            <a:spLocks noGrp="1"/>
+          </p:cNvSpPr>
+          <p:nvPr>
+            <p:ph idx="1"/>
+          </p:nvPr>
+        </p:nvSpPr>
+        <p:spPr>
+          <a:xfrm>
+            <a:off x="838200" y="1825624"/>
+            <a:ext cx="10515600" cy="5032375"/>
+          </a:xfrm>
+        </p:spPr>
+        <p:txBody>
+          <a:bodyPr/>
+          <a:lstStyle/>
+          <a:p>
+            <a:r>
+              <a:rPr lang="en-US" altLang="ko-KR" b="1" dirty="0" err="1"/>
+              <a:t>Brrr</a:t>
+            </a:r>
+            <a:r>
+              <a:rPr lang="en-US" altLang="ko-KR" b="1" dirty="0"/>
+              <a:t>(self, km): drive X km</a:t>
+            </a:r>
+          </a:p>
+          <a:p>
+            <a:pPr lvl="1"/>
+            <a:r>
+              <a:rPr lang="en-US" altLang="ko-KR" dirty="0"/>
+              <a:t>The car should consume the fuel, as you drive</a:t>
+            </a:r>
+          </a:p>
+          <a:p>
+            <a:pPr lvl="1"/>
+            <a:r>
+              <a:rPr lang="en-US" altLang="ko-KR" dirty="0"/>
+              <a:t>If the fuel is not enough, it cannot go</a:t>
+            </a:r>
+          </a:p>
+          <a:p>
+            <a:pPr lvl="1"/>
+            <a:r>
+              <a:rPr lang="en-US" altLang="ko-KR" dirty="0"/>
+              <a:t>After that, show the current state</a:t>
+            </a:r>
+          </a:p>
+          <a:p>
+            <a:endParaRPr lang="en-US" altLang="ko-KR" dirty="0"/>
+          </a:p>
+          <a:p>
+            <a:r>
+              <a:rPr lang="en-US" altLang="ko-KR" b="1" dirty="0" err="1"/>
+              <a:t>gas_station</a:t>
+            </a:r>
+            <a:r>
+              <a:rPr lang="en-US" altLang="ko-KR" b="1" dirty="0"/>
+              <a:t>(self): Full the fuel</a:t>
+            </a:r>
+            <a:r>
+              <a:rPr lang="en-US" altLang="ko-KR" dirty="0"/>
+              <a:t> </a:t>
+            </a:r>
+          </a:p>
+          <a:p>
+            <a:pPr lvl="1"/>
+            <a:r>
+              <a:rPr lang="en-US" altLang="ko-KR" dirty="0"/>
+              <a:t>It’s free!</a:t>
+            </a:r>
+          </a:p>
+          <a:p>
+            <a:pPr lvl="1"/>
+            <a:r>
+              <a:rPr lang="en-US" altLang="ko-KR" dirty="0"/>
+              <a:t>After that, show the current state</a:t>
+            </a:r>
+          </a:p>
+          <a:p>
+            <a:endParaRPr lang="en-US" altLang="ko-KR" dirty="0"/>
+          </a:p>
+          <a:p>
+            <a:endParaRPr lang="en-US" altLang="ko-KR" dirty="0"/>
+          </a:p>
+          <a:p>
+            <a:pPr lvl="1"/>
+            <a:endParaRPr lang="ko-KR" altLang="en-US" dirty="0"/>
+          </a:p>
+        </p:txBody>
+      </p:sp>
+      <p:sp>
+        <p:nvSpPr>
+          <p:cNvPr id="4" name="Slide Number Placeholder 3">
+            <a:extLst>
+              <a:ext uri="{FF2B5EF4-FFF2-40B4-BE49-F238E27FC236}">
+                <a16:creationId xmlns:a16="http://schemas.microsoft.com/office/drawing/2014/main" id="{F7E07A7C-43CA-45D3-8D5B-8F7B853446F7}"/>
+              </a:ext>
+            </a:extLst>
+          </p:cNvPr>
+          <p:cNvSpPr>
+            <a:spLocks noGrp="1"/>
+          </p:cNvSpPr>
+          <p:nvPr>
+            <p:ph type="sldNum" sz="quarter" idx="12"/>
+          </p:nvPr>
+        </p:nvSpPr>
+        <p:spPr/>
+        <p:txBody>
+          <a:bodyPr/>
+          <a:lstStyle/>
+          <a:p>
+            <a:fld id="{663C6A4A-F58A-4813-833D-C5F250139976}" type="slidenum">
+              <a:rPr lang="ko-KR" altLang="en-US" smtClean="0"/>
+              <a:t>15</a:t>
+            </a:fld>
+            <a:endParaRPr lang="ko-KR" altLang="en-US"/>
+          </a:p>
+        </p:txBody>
+      </p:sp>
+    </p:spTree>
+    <p:extLst>
+      <p:ext uri="{BB962C8B-B14F-4D97-AF65-F5344CB8AC3E}">
+        <p14:creationId xmlns:p14="http://schemas.microsoft.com/office/powerpoint/2010/main" val="1419934037"/>
+      </p:ext>
+    </p:extLst>
+  </p:cSld>
+  <p:clrMapOvr>
+    <a:masterClrMapping/>
+  </p:clrMapOvr>
+</p:sld>
+</file>
+
+<file path=ppt/slides/slide16.xml><?xml version="1.0" encoding="utf-8"?>
+<p:sld xmlns:a="http://schemas.openxmlformats.org/drawingml/2006/main" xmlns:r="http://schemas.openxmlformats.org/officeDocument/2006/relationships" xmlns:p="http://schemas.openxmlformats.org/presentationml/2006/main">
+  <p:cSld>
+    <p:spTree>
+      <p:nvGrpSpPr>
+        <p:cNvPr id="1" name=""/>
+        <p:cNvGrpSpPr/>
+        <p:nvPr/>
+      </p:nvGrpSpPr>
+      <p:grpSpPr>
+        <a:xfrm>
+          <a:off x="0" y="0"/>
+          <a:ext cx="0" cy="0"/>
+          <a:chOff x="0" y="0"/>
+          <a:chExt cx="0" cy="0"/>
+        </a:xfrm>
+      </p:grpSpPr>
+      <p:sp>
+        <p:nvSpPr>
+          <p:cNvPr id="2" name="Title 1">
+            <a:extLst>
+              <a:ext uri="{FF2B5EF4-FFF2-40B4-BE49-F238E27FC236}">
+                <a16:creationId xmlns:a16="http://schemas.microsoft.com/office/drawing/2014/main" id="{DE70887F-DF6F-4D9F-B4E3-352070A65E25}"/>
+              </a:ext>
+            </a:extLst>
+          </p:cNvPr>
+          <p:cNvSpPr>
+            <a:spLocks noGrp="1"/>
+          </p:cNvSpPr>
+          <p:nvPr>
+            <p:ph type="title"/>
+          </p:nvPr>
+        </p:nvSpPr>
+        <p:spPr/>
+        <p:txBody>
+          <a:bodyPr/>
+          <a:lstStyle/>
+          <a:p>
+            <a:r>
+              <a:rPr lang="en-US" altLang="ko-KR" b="1" dirty="0"/>
+              <a:t>Car: Methods [2]</a:t>
+            </a:r>
+            <a:endParaRPr lang="ko-KR" altLang="en-US" b="1" dirty="0"/>
+          </a:p>
+        </p:txBody>
+      </p:sp>
+      <p:sp>
+        <p:nvSpPr>
+          <p:cNvPr id="3" name="Content Placeholder 2">
+            <a:extLst>
+              <a:ext uri="{FF2B5EF4-FFF2-40B4-BE49-F238E27FC236}">
+                <a16:creationId xmlns:a16="http://schemas.microsoft.com/office/drawing/2014/main" id="{52218D97-773F-4FFC-8CFE-61B9F324767B}"/>
+              </a:ext>
+            </a:extLst>
+          </p:cNvPr>
+          <p:cNvSpPr>
+            <a:spLocks noGrp="1"/>
+          </p:cNvSpPr>
+          <p:nvPr>
+            <p:ph idx="1"/>
+          </p:nvPr>
+        </p:nvSpPr>
+        <p:spPr>
+          <a:xfrm>
+            <a:off x="838200" y="1825624"/>
+            <a:ext cx="10515600" cy="5032375"/>
+          </a:xfrm>
+        </p:spPr>
+        <p:txBody>
+          <a:bodyPr/>
+          <a:lstStyle/>
+          <a:p>
+            <a:r>
+              <a:rPr lang="en-US" altLang="ko-KR" b="1" dirty="0"/>
+              <a:t>status(self): show the current status</a:t>
+            </a:r>
+          </a:p>
+          <a:p>
+            <a:pPr lvl="1"/>
+            <a:r>
+              <a:rPr lang="en-US" altLang="ko-KR" dirty="0"/>
+              <a:t>warn if the fuel is too low</a:t>
+            </a:r>
+          </a:p>
+          <a:p>
+            <a:pPr lvl="1"/>
+            <a:endParaRPr lang="en-US" altLang="ko-KR" dirty="0"/>
+          </a:p>
+          <a:p>
+            <a:endParaRPr lang="en-US" altLang="ko-KR" dirty="0"/>
+          </a:p>
+          <a:p>
+            <a:endParaRPr lang="en-US" altLang="ko-KR" dirty="0"/>
+          </a:p>
+          <a:p>
+            <a:pPr lvl="1"/>
+            <a:endParaRPr lang="ko-KR" altLang="en-US" dirty="0"/>
+          </a:p>
+        </p:txBody>
+      </p:sp>
+      <p:sp>
+        <p:nvSpPr>
+          <p:cNvPr id="4" name="Slide Number Placeholder 3">
+            <a:extLst>
+              <a:ext uri="{FF2B5EF4-FFF2-40B4-BE49-F238E27FC236}">
+                <a16:creationId xmlns:a16="http://schemas.microsoft.com/office/drawing/2014/main" id="{F7E07A7C-43CA-45D3-8D5B-8F7B853446F7}"/>
+              </a:ext>
+            </a:extLst>
+          </p:cNvPr>
+          <p:cNvSpPr>
+            <a:spLocks noGrp="1"/>
+          </p:cNvSpPr>
+          <p:nvPr>
+            <p:ph type="sldNum" sz="quarter" idx="12"/>
+          </p:nvPr>
+        </p:nvSpPr>
+        <p:spPr/>
+        <p:txBody>
+          <a:bodyPr/>
+          <a:lstStyle/>
+          <a:p>
+            <a:fld id="{663C6A4A-F58A-4813-833D-C5F250139976}" type="slidenum">
+              <a:rPr lang="ko-KR" altLang="en-US" smtClean="0"/>
+              <a:t>16</a:t>
+            </a:fld>
+            <a:endParaRPr lang="ko-KR" altLang="en-US"/>
+          </a:p>
+        </p:txBody>
+      </p:sp>
+      <p:pic>
+        <p:nvPicPr>
+          <p:cNvPr id="5" name="Picture 4">
+            <a:extLst>
+              <a:ext uri="{FF2B5EF4-FFF2-40B4-BE49-F238E27FC236}">
+                <a16:creationId xmlns:a16="http://schemas.microsoft.com/office/drawing/2014/main" id="{0708C3FA-E21C-48FA-9B87-93ED3129B264}"/>
+              </a:ext>
+            </a:extLst>
+          </p:cNvPr>
+          <p:cNvPicPr>
+            <a:picLocks noChangeAspect="1"/>
+          </p:cNvPicPr>
+          <p:nvPr/>
+        </p:nvPicPr>
+        <p:blipFill>
+          <a:blip r:embed="rId2"/>
+          <a:stretch>
+            <a:fillRect/>
+          </a:stretch>
+        </p:blipFill>
+        <p:spPr>
+          <a:xfrm>
+            <a:off x="838200" y="4630208"/>
+            <a:ext cx="9803245" cy="2020725"/>
+          </a:xfrm>
+          <a:prstGeom prst="rect">
+            <a:avLst/>
+          </a:prstGeom>
+        </p:spPr>
+      </p:pic>
+      <p:pic>
+        <p:nvPicPr>
+          <p:cNvPr id="6" name="Picture 5">
+            <a:extLst>
+              <a:ext uri="{FF2B5EF4-FFF2-40B4-BE49-F238E27FC236}">
+                <a16:creationId xmlns:a16="http://schemas.microsoft.com/office/drawing/2014/main" id="{6A791E78-294D-43C9-9AAA-5160F0E6A507}"/>
+              </a:ext>
+            </a:extLst>
+          </p:cNvPr>
+          <p:cNvPicPr>
+            <a:picLocks noChangeAspect="1"/>
+          </p:cNvPicPr>
+          <p:nvPr/>
+        </p:nvPicPr>
+        <p:blipFill>
+          <a:blip r:embed="rId3"/>
+          <a:stretch>
+            <a:fillRect/>
+          </a:stretch>
+        </p:blipFill>
+        <p:spPr>
+          <a:xfrm>
+            <a:off x="838200" y="2818681"/>
+            <a:ext cx="7497349" cy="1523130"/>
+          </a:xfrm>
+          <a:prstGeom prst="rect">
+            <a:avLst/>
+          </a:prstGeom>
+        </p:spPr>
+      </p:pic>
+    </p:spTree>
+    <p:extLst>
+      <p:ext uri="{BB962C8B-B14F-4D97-AF65-F5344CB8AC3E}">
+        <p14:creationId xmlns:p14="http://schemas.microsoft.com/office/powerpoint/2010/main" val="2260795988"/>
+      </p:ext>
+    </p:extLst>
+  </p:cSld>
+  <p:clrMapOvr>
+    <a:masterClrMapping/>
+  </p:clrMapOvr>
+</p:sld>
+</file>
+
+<file path=ppt/slides/slide17.xml><?xml version="1.0" encoding="utf-8"?>
+<p:sld xmlns:a="http://schemas.openxmlformats.org/drawingml/2006/main" xmlns:r="http://schemas.openxmlformats.org/officeDocument/2006/relationships" xmlns:p="http://schemas.openxmlformats.org/presentationml/2006/main">
+  <p:cSld>
+    <p:spTree>
+      <p:nvGrpSpPr>
+        <p:cNvPr id="1" name=""/>
+        <p:cNvGrpSpPr/>
+        <p:nvPr/>
+      </p:nvGrpSpPr>
+      <p:grpSpPr>
+        <a:xfrm>
+          <a:off x="0" y="0"/>
+          <a:ext cx="0" cy="0"/>
+          <a:chOff x="0" y="0"/>
+          <a:chExt cx="0" cy="0"/>
+        </a:xfrm>
+      </p:grpSpPr>
+      <p:sp>
+        <p:nvSpPr>
+          <p:cNvPr id="2" name="Title 1">
+            <a:extLst>
+              <a:ext uri="{FF2B5EF4-FFF2-40B4-BE49-F238E27FC236}">
+                <a16:creationId xmlns:a16="http://schemas.microsoft.com/office/drawing/2014/main" id="{27BB8A8D-3222-4169-8DA8-99A721F7FB2C}"/>
+              </a:ext>
+            </a:extLst>
+          </p:cNvPr>
+          <p:cNvSpPr>
+            <a:spLocks noGrp="1"/>
+          </p:cNvSpPr>
+          <p:nvPr>
+            <p:ph type="title"/>
+          </p:nvPr>
+        </p:nvSpPr>
+        <p:spPr/>
+        <p:txBody>
+          <a:bodyPr/>
+          <a:lstStyle/>
+          <a:p>
+            <a:r>
+              <a:rPr lang="en-US" altLang="ko-KR" b="1" dirty="0"/>
+              <a:t>Let’s start!</a:t>
+            </a:r>
+            <a:endParaRPr lang="ko-KR" altLang="en-US" b="1" dirty="0"/>
+          </a:p>
+        </p:txBody>
+      </p:sp>
+      <p:sp>
+        <p:nvSpPr>
+          <p:cNvPr id="3" name="Content Placeholder 2">
+            <a:extLst>
+              <a:ext uri="{FF2B5EF4-FFF2-40B4-BE49-F238E27FC236}">
+                <a16:creationId xmlns:a16="http://schemas.microsoft.com/office/drawing/2014/main" id="{8C3C6DAA-0E37-4C5F-8AC8-A1A26C45BC87}"/>
+              </a:ext>
+            </a:extLst>
+          </p:cNvPr>
+          <p:cNvSpPr>
+            <a:spLocks noGrp="1"/>
+          </p:cNvSpPr>
+          <p:nvPr>
+            <p:ph idx="1"/>
+          </p:nvPr>
+        </p:nvSpPr>
+        <p:spPr/>
+        <p:txBody>
+          <a:bodyPr/>
+          <a:lstStyle/>
+          <a:p>
+            <a:r>
+              <a:rPr lang="en-US" altLang="ko-KR" b="1" dirty="0"/>
+              <a:t>Use the skeleton, car.py</a:t>
+            </a:r>
+            <a:endParaRPr lang="ko-KR" altLang="en-US" b="1" dirty="0"/>
+          </a:p>
+        </p:txBody>
+      </p:sp>
+      <p:sp>
+        <p:nvSpPr>
+          <p:cNvPr id="4" name="Slide Number Placeholder 3">
+            <a:extLst>
+              <a:ext uri="{FF2B5EF4-FFF2-40B4-BE49-F238E27FC236}">
+                <a16:creationId xmlns:a16="http://schemas.microsoft.com/office/drawing/2014/main" id="{DCAA20F3-8ECE-4DB7-ABFE-61AAD2847BE3}"/>
+              </a:ext>
+            </a:extLst>
+          </p:cNvPr>
+          <p:cNvSpPr>
+            <a:spLocks noGrp="1"/>
+          </p:cNvSpPr>
+          <p:nvPr>
+            <p:ph type="sldNum" sz="quarter" idx="12"/>
+          </p:nvPr>
+        </p:nvSpPr>
+        <p:spPr/>
+        <p:txBody>
+          <a:bodyPr/>
+          <a:lstStyle/>
+          <a:p>
+            <a:fld id="{663C6A4A-F58A-4813-833D-C5F250139976}" type="slidenum">
+              <a:rPr lang="ko-KR" altLang="en-US" smtClean="0"/>
+              <a:t>17</a:t>
+            </a:fld>
+            <a:endParaRPr lang="ko-KR" altLang="en-US"/>
+          </a:p>
+        </p:txBody>
+      </p:sp>
+    </p:spTree>
+    <p:extLst>
+      <p:ext uri="{BB962C8B-B14F-4D97-AF65-F5344CB8AC3E}">
+        <p14:creationId xmlns:p14="http://schemas.microsoft.com/office/powerpoint/2010/main" val="4156718139"/>
+      </p:ext>
+    </p:extLst>
+  </p:cSld>
+  <p:clrMapOvr>
+    <a:masterClrMapping/>
+  </p:clrMapOvr>
+</p:sld>
+</file>
+
+<file path=ppt/slides/slide18.xml><?xml version="1.0" encoding="utf-8"?>
+<p:sld xmlns:a="http://schemas.openxmlformats.org/drawingml/2006/main" xmlns:r="http://schemas.openxmlformats.org/officeDocument/2006/relationships" xmlns:p="http://schemas.openxmlformats.org/presentationml/2006/main">
+  <p:cSld>
+    <p:spTree>
+      <p:nvGrpSpPr>
+        <p:cNvPr id="1" name=""/>
+        <p:cNvGrpSpPr/>
+        <p:nvPr/>
+      </p:nvGrpSpPr>
+      <p:grpSpPr>
+        <a:xfrm>
+          <a:off x="0" y="0"/>
+          <a:ext cx="0" cy="0"/>
+          <a:chOff x="0" y="0"/>
+          <a:chExt cx="0" cy="0"/>
+        </a:xfrm>
+      </p:grpSpPr>
+      <p:sp>
+        <p:nvSpPr>
+          <p:cNvPr id="4" name="Title 3">
+            <a:extLst>
+              <a:ext uri="{FF2B5EF4-FFF2-40B4-BE49-F238E27FC236}">
+                <a16:creationId xmlns:a16="http://schemas.microsoft.com/office/drawing/2014/main" id="{ECB71A0A-8DE0-4D81-B67C-E2D2CD3D3338}"/>
+              </a:ext>
+            </a:extLst>
+          </p:cNvPr>
+          <p:cNvSpPr>
+            <a:spLocks noGrp="1"/>
+          </p:cNvSpPr>
+          <p:nvPr>
+            <p:ph type="ctrTitle"/>
+          </p:nvPr>
+        </p:nvSpPr>
+        <p:spPr>
+          <a:xfrm>
+            <a:off x="0" y="0"/>
+            <a:ext cx="12192000" cy="6858000"/>
+          </a:xfrm>
+        </p:spPr>
+        <p:txBody>
+          <a:bodyPr anchor="ctr"/>
+          <a:lstStyle/>
+          <a:p>
+            <a:r>
+              <a:rPr lang="en-US" altLang="ko-KR" b="1" dirty="0"/>
+              <a:t>Thank you</a:t>
+            </a:r>
+            <a:endParaRPr lang="ko-KR" altLang="en-US" b="1" dirty="0"/>
+          </a:p>
+        </p:txBody>
+      </p:sp>
+      <p:sp>
+        <p:nvSpPr>
+          <p:cNvPr id="5" name="Subtitle 4">
+            <a:extLst>
+              <a:ext uri="{FF2B5EF4-FFF2-40B4-BE49-F238E27FC236}">
+                <a16:creationId xmlns:a16="http://schemas.microsoft.com/office/drawing/2014/main" id="{ED2668E1-F7EE-40AC-B63A-7EEFBE52D675}"/>
+              </a:ext>
+            </a:extLst>
+          </p:cNvPr>
+          <p:cNvSpPr>
+            <a:spLocks noGrp="1"/>
+          </p:cNvSpPr>
+          <p:nvPr>
+            <p:ph type="subTitle" idx="1"/>
+          </p:nvPr>
+        </p:nvSpPr>
+        <p:spPr>
+          <a:xfrm>
+            <a:off x="1524000" y="3509963"/>
+            <a:ext cx="9144000" cy="1655762"/>
+          </a:xfrm>
+        </p:spPr>
+        <p:txBody>
+          <a:bodyPr/>
+          <a:lstStyle/>
+          <a:p>
+            <a:endParaRPr lang="ko-KR" altLang="en-US"/>
+          </a:p>
+        </p:txBody>
+      </p:sp>
+      <p:sp>
+        <p:nvSpPr>
+          <p:cNvPr id="2" name="Slide Number Placeholder 1">
+            <a:extLst>
+              <a:ext uri="{FF2B5EF4-FFF2-40B4-BE49-F238E27FC236}">
+                <a16:creationId xmlns:a16="http://schemas.microsoft.com/office/drawing/2014/main" id="{A410D55B-FDFD-4967-9187-EBF1097F5BBF}"/>
+              </a:ext>
+            </a:extLst>
+          </p:cNvPr>
+          <p:cNvSpPr>
+            <a:spLocks noGrp="1"/>
+          </p:cNvSpPr>
+          <p:nvPr>
+            <p:ph type="sldNum" sz="quarter" idx="12"/>
+          </p:nvPr>
+        </p:nvSpPr>
+        <p:spPr/>
+        <p:txBody>
+          <a:bodyPr/>
+          <a:lstStyle/>
+          <a:p>
+            <a:fld id="{663C6A4A-F58A-4813-833D-C5F250139976}" type="slidenum">
+              <a:rPr lang="ko-KR" altLang="en-US" smtClean="0"/>
+              <a:t>18</a:t>
+            </a:fld>
+            <a:endParaRPr lang="ko-KR" altLang="en-US"/>
+          </a:p>
+        </p:txBody>
+      </p:sp>
+    </p:spTree>
+    <p:extLst>
+      <p:ext uri="{BB962C8B-B14F-4D97-AF65-F5344CB8AC3E}">
+        <p14:creationId xmlns:p14="http://schemas.microsoft.com/office/powerpoint/2010/main" val="3148338244"/>
+      </p:ext>
+    </p:extLst>
+  </p:cSld>
+  <p:clrMapOvr>
+    <a:masterClrMapping/>
+  </p:clrMapOvr>
+  <mc:AlternateContent xmlns:mc="http://schemas.openxmlformats.org/markup-compatibility/2006" xmlns:p14="http://schemas.microsoft.com/office/powerpoint/2010/main">
+    <mc:Choice Requires="p14">
+      <p:transition spd="slow" p14:dur="2000" advTm="6068"/>
+    </mc:Choice>
+    <mc:Fallback xmlns="">
+      <p:transition spd="slow" advTm="6068"/>
+    </mc:Fallback>
+  </mc:AlternateContent>
 </p:sld>
 </file>
 
@@ -3712,22 +6334,44 @@
           <a:lstStyle/>
           <a:p>
             <a:r>
-              <a:rPr lang="en-US" altLang="ko-KR" dirty="0"/>
-              <a:t>Some concepts</a:t>
-            </a:r>
-          </a:p>
-          <a:p>
-            <a:r>
-              <a:rPr lang="en-US" altLang="ko-KR" dirty="0"/>
-              <a:t>Some concepts</a:t>
-            </a:r>
-          </a:p>
-          <a:p>
-            <a:r>
-              <a:rPr lang="en-US" altLang="ko-KR" dirty="0"/>
-              <a:t>Exercises or Assignments</a:t>
-            </a:r>
-            <a:endParaRPr lang="ko-KR" altLang="en-US" dirty="0"/>
+              <a:rPr lang="en-US" altLang="ko-KR" b="1" dirty="0"/>
+              <a:t>Class: Dot</a:t>
+            </a:r>
+          </a:p>
+          <a:p>
+            <a:r>
+              <a:rPr lang="en-US" altLang="ko-KR" b="1" dirty="0"/>
+              <a:t>Class: Car</a:t>
+            </a:r>
+          </a:p>
+        </p:txBody>
+      </p:sp>
+      <p:sp>
+        <p:nvSpPr>
+          <p:cNvPr id="4" name="Slide Number Placeholder 3">
+            <a:extLst>
+              <a:ext uri="{FF2B5EF4-FFF2-40B4-BE49-F238E27FC236}">
+                <a16:creationId xmlns:a16="http://schemas.microsoft.com/office/drawing/2014/main" id="{800EF43F-4A2C-4A73-B3CC-1C89EDAB8600}"/>
+              </a:ext>
+            </a:extLst>
+          </p:cNvPr>
+          <p:cNvSpPr>
+            <a:spLocks noGrp="1"/>
+          </p:cNvSpPr>
+          <p:nvPr>
+            <p:ph type="sldNum" sz="quarter" idx="12"/>
+          </p:nvPr>
+        </p:nvSpPr>
+        <p:spPr/>
+        <p:txBody>
+          <a:bodyPr/>
+          <a:lstStyle/>
+          <a:p>
+            <a:fld id="{663C6A4A-F58A-4813-833D-C5F250139976}" type="slidenum">
+              <a:rPr lang="ko-KR" altLang="en-US" smtClean="0"/>
+              <a:t>2</a:t>
+            </a:fld>
+            <a:endParaRPr lang="ko-KR" altLang="en-US"/>
           </a:p>
         </p:txBody>
       </p:sp>
@@ -3741,6 +6385,14 @@
   <p:clrMapOvr>
     <a:masterClrMapping/>
   </p:clrMapOvr>
+  <mc:AlternateContent xmlns:mc="http://schemas.openxmlformats.org/markup-compatibility/2006" xmlns:p14="http://schemas.microsoft.com/office/powerpoint/2010/main">
+    <mc:Choice Requires="p14">
+      <p:transition spd="slow" p14:dur="2000" advTm="24019"/>
+    </mc:Choice>
+    <mc:Fallback xmlns="">
+      <p:transition spd="slow" advTm="24019"/>
+    </mc:Fallback>
+  </mc:AlternateContent>
 </p:sld>
 </file>
 
@@ -3784,7 +6436,7 @@
           <a:p>
             <a:r>
               <a:rPr lang="en-US" altLang="ko-KR" b="1" dirty="0"/>
-              <a:t>Some Topic</a:t>
+              <a:t>Class: Dot	</a:t>
             </a:r>
             <a:endParaRPr lang="ko-KR" altLang="en-US" b="1" dirty="0"/>
           </a:p>
@@ -3792,10 +6444,10 @@
       </p:sp>
       <p:sp>
         <p:nvSpPr>
-          <p:cNvPr id="5" name="Text Placeholder 4">
-            <a:extLst>
-              <a:ext uri="{FF2B5EF4-FFF2-40B4-BE49-F238E27FC236}">
-                <a16:creationId xmlns:a16="http://schemas.microsoft.com/office/drawing/2014/main" id="{94DE1DDC-DFB3-4340-A354-55ED3F7F694E}"/>
+          <p:cNvPr id="3" name="Text Placeholder 2">
+            <a:extLst>
+              <a:ext uri="{FF2B5EF4-FFF2-40B4-BE49-F238E27FC236}">
+                <a16:creationId xmlns:a16="http://schemas.microsoft.com/office/drawing/2014/main" id="{AACDFAB9-A5C6-4CA4-AB46-FDB4982C9CC1}"/>
               </a:ext>
             </a:extLst>
           </p:cNvPr>
@@ -3811,24 +6463,57 @@
           <a:bodyPr/>
           <a:lstStyle/>
           <a:p>
-            <a:r>
-              <a:rPr lang="en-US" altLang="ko-KR" dirty="0"/>
-              <a:t>Some description</a:t>
-            </a:r>
             <a:endParaRPr lang="ko-KR" altLang="en-US" dirty="0"/>
+          </a:p>
+        </p:txBody>
+      </p:sp>
+      <p:sp>
+        <p:nvSpPr>
+          <p:cNvPr id="2" name="Slide Number Placeholder 1">
+            <a:extLst>
+              <a:ext uri="{FF2B5EF4-FFF2-40B4-BE49-F238E27FC236}">
+                <a16:creationId xmlns:a16="http://schemas.microsoft.com/office/drawing/2014/main" id="{AA62A18A-8A08-4B81-8C41-2D296FF1123E}"/>
+              </a:ext>
+            </a:extLst>
+          </p:cNvPr>
+          <p:cNvSpPr>
+            <a:spLocks noGrp="1"/>
+          </p:cNvSpPr>
+          <p:nvPr>
+            <p:ph type="sldNum" sz="quarter" idx="12"/>
+          </p:nvPr>
+        </p:nvSpPr>
+        <p:spPr/>
+        <p:txBody>
+          <a:bodyPr/>
+          <a:lstStyle/>
+          <a:p>
+            <a:fld id="{663C6A4A-F58A-4813-833D-C5F250139976}" type="slidenum">
+              <a:rPr lang="ko-KR" altLang="en-US" smtClean="0"/>
+              <a:t>3</a:t>
+            </a:fld>
+            <a:endParaRPr lang="ko-KR" altLang="en-US"/>
           </a:p>
         </p:txBody>
       </p:sp>
     </p:spTree>
     <p:extLst>
       <p:ext uri="{BB962C8B-B14F-4D97-AF65-F5344CB8AC3E}">
-        <p14:creationId xmlns:p14="http://schemas.microsoft.com/office/powerpoint/2010/main" val="1992924391"/>
+        <p14:creationId xmlns:p14="http://schemas.microsoft.com/office/powerpoint/2010/main" val="3962011563"/>
       </p:ext>
     </p:extLst>
   </p:cSld>
   <p:clrMapOvr>
     <a:masterClrMapping/>
   </p:clrMapOvr>
+  <mc:AlternateContent xmlns:mc="http://schemas.openxmlformats.org/markup-compatibility/2006" xmlns:p14="http://schemas.microsoft.com/office/powerpoint/2010/main">
+    <mc:Choice Requires="p14">
+      <p:transition spd="slow" p14:dur="2000" advTm="4806"/>
+    </mc:Choice>
+    <mc:Fallback xmlns="">
+      <p:transition spd="slow" advTm="4806"/>
+    </mc:Fallback>
+  </mc:AlternateContent>
 </p:sld>
 </file>
 
@@ -3854,7 +6539,7 @@
           <p:cNvPr id="2" name="Title 1">
             <a:extLst>
               <a:ext uri="{FF2B5EF4-FFF2-40B4-BE49-F238E27FC236}">
-                <a16:creationId xmlns:a16="http://schemas.microsoft.com/office/drawing/2014/main" id="{45E44A5D-8A5C-4BBD-B099-EC04AA05EB54}"/>
+                <a16:creationId xmlns:a16="http://schemas.microsoft.com/office/drawing/2014/main" id="{A863AAAD-AB20-4AE4-A313-65A49223E91F}"/>
               </a:ext>
             </a:extLst>
           </p:cNvPr>
@@ -3872,7 +6557,7 @@
           <a:p>
             <a:r>
               <a:rPr lang="en-US" altLang="ko-KR" b="1" dirty="0"/>
-              <a:t>Some Title</a:t>
+              <a:t>Dot [1]</a:t>
             </a:r>
             <a:endParaRPr lang="ko-KR" altLang="en-US" b="1" dirty="0"/>
           </a:p>
@@ -3883,7 +6568,7 @@
           <p:cNvPr id="3" name="Content Placeholder 2">
             <a:extLst>
               <a:ext uri="{FF2B5EF4-FFF2-40B4-BE49-F238E27FC236}">
-                <a16:creationId xmlns:a16="http://schemas.microsoft.com/office/drawing/2014/main" id="{EFFC9457-8AE7-44C4-8650-CF8BB829CA0A}"/>
+                <a16:creationId xmlns:a16="http://schemas.microsoft.com/office/drawing/2014/main" id="{00F3905E-23DB-487E-8131-AD27486F881A}"/>
               </a:ext>
             </a:extLst>
           </p:cNvPr>
@@ -3900,23 +6585,98 @@
           <a:lstStyle/>
           <a:p>
             <a:r>
-              <a:rPr lang="en-US" altLang="ko-KR" dirty="0"/>
-              <a:t>And some contents</a:t>
-            </a:r>
-            <a:endParaRPr lang="ko-KR" altLang="en-US" dirty="0"/>
-          </a:p>
-        </p:txBody>
-      </p:sp>
+              <a:rPr lang="en-US" altLang="ko-KR" b="1" dirty="0"/>
+              <a:t>We will implement “Dot”</a:t>
+            </a:r>
+          </a:p>
+          <a:p>
+            <a:endParaRPr lang="en-US" altLang="ko-KR" b="1" dirty="0"/>
+          </a:p>
+          <a:p>
+            <a:r>
+              <a:rPr lang="en-US" altLang="ko-KR" b="1" dirty="0"/>
+              <a:t>dot?</a:t>
+            </a:r>
+          </a:p>
+        </p:txBody>
+      </p:sp>
+      <p:sp>
+        <p:nvSpPr>
+          <p:cNvPr id="4" name="Slide Number Placeholder 3">
+            <a:extLst>
+              <a:ext uri="{FF2B5EF4-FFF2-40B4-BE49-F238E27FC236}">
+                <a16:creationId xmlns:a16="http://schemas.microsoft.com/office/drawing/2014/main" id="{800EF43F-4A2C-4A73-B3CC-1C89EDAB8600}"/>
+              </a:ext>
+            </a:extLst>
+          </p:cNvPr>
+          <p:cNvSpPr>
+            <a:spLocks noGrp="1"/>
+          </p:cNvSpPr>
+          <p:nvPr>
+            <p:ph type="sldNum" sz="quarter" idx="12"/>
+          </p:nvPr>
+        </p:nvSpPr>
+        <p:spPr/>
+        <p:txBody>
+          <a:bodyPr/>
+          <a:lstStyle/>
+          <a:p>
+            <a:fld id="{663C6A4A-F58A-4813-833D-C5F250139976}" type="slidenum">
+              <a:rPr lang="ko-KR" altLang="en-US" smtClean="0"/>
+              <a:t>4</a:t>
+            </a:fld>
+            <a:endParaRPr lang="ko-KR" altLang="en-US"/>
+          </a:p>
+        </p:txBody>
+      </p:sp>
+      <p:pic>
+        <p:nvPicPr>
+          <p:cNvPr id="5" name="Picture 4">
+            <a:extLst>
+              <a:ext uri="{FF2B5EF4-FFF2-40B4-BE49-F238E27FC236}">
+                <a16:creationId xmlns:a16="http://schemas.microsoft.com/office/drawing/2014/main" id="{194095D6-0D57-46B7-87FA-52B404D1D318}"/>
+              </a:ext>
+            </a:extLst>
+          </p:cNvPr>
+          <p:cNvPicPr>
+            <a:picLocks noChangeAspect="1"/>
+          </p:cNvPicPr>
+          <p:nvPr/>
+        </p:nvPicPr>
+        <p:blipFill>
+          <a:blip r:embed="rId3"/>
+          <a:stretch>
+            <a:fillRect/>
+          </a:stretch>
+        </p:blipFill>
+        <p:spPr>
+          <a:xfrm>
+            <a:off x="8248373" y="2873914"/>
+            <a:ext cx="3467653" cy="3303049"/>
+          </a:xfrm>
+          <a:prstGeom prst="rect">
+            <a:avLst/>
+          </a:prstGeom>
+        </p:spPr>
+      </p:pic>
     </p:spTree>
     <p:extLst>
       <p:ext uri="{BB962C8B-B14F-4D97-AF65-F5344CB8AC3E}">
-        <p14:creationId xmlns:p14="http://schemas.microsoft.com/office/powerpoint/2010/main" val="2851644471"/>
+        <p14:creationId xmlns:p14="http://schemas.microsoft.com/office/powerpoint/2010/main" val="2938412778"/>
       </p:ext>
     </p:extLst>
   </p:cSld>
   <p:clrMapOvr>
     <a:masterClrMapping/>
   </p:clrMapOvr>
+  <mc:AlternateContent xmlns:mc="http://schemas.openxmlformats.org/markup-compatibility/2006" xmlns:p14="http://schemas.microsoft.com/office/powerpoint/2010/main">
+    <mc:Choice Requires="p14">
+      <p:transition spd="slow" p14:dur="2000" advTm="24019"/>
+    </mc:Choice>
+    <mc:Fallback xmlns="">
+      <p:transition spd="slow" advTm="24019"/>
+    </mc:Fallback>
+  </mc:AlternateContent>
 </p:sld>
 </file>
 
@@ -3939,10 +6699,10 @@
       </p:grpSpPr>
       <p:sp>
         <p:nvSpPr>
-          <p:cNvPr id="4" name="Title 3">
-            <a:extLst>
-              <a:ext uri="{FF2B5EF4-FFF2-40B4-BE49-F238E27FC236}">
-                <a16:creationId xmlns:a16="http://schemas.microsoft.com/office/drawing/2014/main" id="{82C4C27C-8C00-4853-A883-712B47C9B393}"/>
+          <p:cNvPr id="2" name="Title 1">
+            <a:extLst>
+              <a:ext uri="{FF2B5EF4-FFF2-40B4-BE49-F238E27FC236}">
+                <a16:creationId xmlns:a16="http://schemas.microsoft.com/office/drawing/2014/main" id="{A863AAAD-AB20-4AE4-A313-65A49223E91F}"/>
               </a:ext>
             </a:extLst>
           </p:cNvPr>
@@ -3960,7 +6720,7 @@
           <a:p>
             <a:r>
               <a:rPr lang="en-US" altLang="ko-KR" b="1" dirty="0"/>
-              <a:t>Exercises</a:t>
+              <a:t>Dot [2]</a:t>
             </a:r>
             <a:endParaRPr lang="ko-KR" altLang="en-US" b="1" dirty="0"/>
           </a:p>
@@ -3968,43 +6728,148 @@
       </p:sp>
       <p:sp>
         <p:nvSpPr>
-          <p:cNvPr id="5" name="Text Placeholder 4">
-            <a:extLst>
-              <a:ext uri="{FF2B5EF4-FFF2-40B4-BE49-F238E27FC236}">
-                <a16:creationId xmlns:a16="http://schemas.microsoft.com/office/drawing/2014/main" id="{94DE1DDC-DFB3-4340-A354-55ED3F7F694E}"/>
-              </a:ext>
-            </a:extLst>
-          </p:cNvPr>
-          <p:cNvSpPr>
-            <a:spLocks noGrp="1"/>
-          </p:cNvSpPr>
-          <p:nvPr>
-            <p:ph type="body" idx="1"/>
-          </p:nvPr>
-        </p:nvSpPr>
-        <p:spPr/>
-        <p:txBody>
-          <a:bodyPr/>
-          <a:lstStyle/>
-          <a:p>
-            <a:r>
-              <a:rPr lang="en-US" altLang="ko-KR" dirty="0"/>
-              <a:t>Some description</a:t>
-            </a:r>
-            <a:endParaRPr lang="ko-KR" altLang="en-US" dirty="0"/>
-          </a:p>
-        </p:txBody>
-      </p:sp>
+          <p:cNvPr id="3" name="Content Placeholder 2">
+            <a:extLst>
+              <a:ext uri="{FF2B5EF4-FFF2-40B4-BE49-F238E27FC236}">
+                <a16:creationId xmlns:a16="http://schemas.microsoft.com/office/drawing/2014/main" id="{00F3905E-23DB-487E-8131-AD27486F881A}"/>
+              </a:ext>
+            </a:extLst>
+          </p:cNvPr>
+          <p:cNvSpPr>
+            <a:spLocks noGrp="1"/>
+          </p:cNvSpPr>
+          <p:nvPr>
+            <p:ph idx="1"/>
+          </p:nvPr>
+        </p:nvSpPr>
+        <p:spPr/>
+        <p:txBody>
+          <a:bodyPr/>
+          <a:lstStyle/>
+          <a:p>
+            <a:r>
+              <a:rPr lang="en-US" altLang="ko-KR" b="1" dirty="0"/>
+              <a:t>Basically, Dot contains two data</a:t>
+            </a:r>
+          </a:p>
+          <a:p>
+            <a:pPr lvl="1"/>
+            <a:r>
+              <a:rPr lang="en-US" altLang="ko-KR" b="1" dirty="0"/>
+              <a:t>x and y</a:t>
+            </a:r>
+          </a:p>
+          <a:p>
+            <a:pPr lvl="1"/>
+            <a:endParaRPr lang="en-US" altLang="ko-KR" b="1" dirty="0"/>
+          </a:p>
+          <a:p>
+            <a:pPr lvl="1"/>
+            <a:endParaRPr lang="en-US" altLang="ko-KR" b="1" dirty="0"/>
+          </a:p>
+          <a:p>
+            <a:r>
+              <a:rPr lang="en-US" altLang="ko-KR" b="1" dirty="0"/>
+              <a:t>Okay, that’s all for member variables</a:t>
+            </a:r>
+          </a:p>
+          <a:p>
+            <a:pPr lvl="1"/>
+            <a:r>
+              <a:rPr lang="en-US" altLang="ko-KR" b="1" dirty="0"/>
+              <a:t>And then?</a:t>
+            </a:r>
+          </a:p>
+          <a:p>
+            <a:pPr lvl="1"/>
+            <a:r>
+              <a:rPr lang="en-US" altLang="ko-KR" b="1" dirty="0"/>
+              <a:t>Define methods!</a:t>
+            </a:r>
+          </a:p>
+          <a:p>
+            <a:pPr lvl="1"/>
+            <a:endParaRPr lang="en-US" altLang="ko-KR" b="1" dirty="0"/>
+          </a:p>
+        </p:txBody>
+      </p:sp>
+      <p:sp>
+        <p:nvSpPr>
+          <p:cNvPr id="4" name="Slide Number Placeholder 3">
+            <a:extLst>
+              <a:ext uri="{FF2B5EF4-FFF2-40B4-BE49-F238E27FC236}">
+                <a16:creationId xmlns:a16="http://schemas.microsoft.com/office/drawing/2014/main" id="{800EF43F-4A2C-4A73-B3CC-1C89EDAB8600}"/>
+              </a:ext>
+            </a:extLst>
+          </p:cNvPr>
+          <p:cNvSpPr>
+            <a:spLocks noGrp="1"/>
+          </p:cNvSpPr>
+          <p:nvPr>
+            <p:ph type="sldNum" sz="quarter" idx="12"/>
+          </p:nvPr>
+        </p:nvSpPr>
+        <p:spPr/>
+        <p:txBody>
+          <a:bodyPr/>
+          <a:lstStyle/>
+          <a:p>
+            <a:fld id="{663C6A4A-F58A-4813-833D-C5F250139976}" type="slidenum">
+              <a:rPr lang="ko-KR" altLang="en-US" smtClean="0"/>
+              <a:t>5</a:t>
+            </a:fld>
+            <a:endParaRPr lang="ko-KR" altLang="en-US"/>
+          </a:p>
+        </p:txBody>
+      </p:sp>
+      <p:pic>
+        <p:nvPicPr>
+          <p:cNvPr id="5" name="Picture 4">
+            <a:extLst>
+              <a:ext uri="{FF2B5EF4-FFF2-40B4-BE49-F238E27FC236}">
+                <a16:creationId xmlns:a16="http://schemas.microsoft.com/office/drawing/2014/main" id="{194095D6-0D57-46B7-87FA-52B404D1D318}"/>
+              </a:ext>
+            </a:extLst>
+          </p:cNvPr>
+          <p:cNvPicPr>
+            <a:picLocks noChangeAspect="1"/>
+          </p:cNvPicPr>
+          <p:nvPr/>
+        </p:nvPicPr>
+        <p:blipFill>
+          <a:blip r:embed="rId3"/>
+          <a:stretch>
+            <a:fillRect/>
+          </a:stretch>
+        </p:blipFill>
+        <p:spPr>
+          <a:xfrm>
+            <a:off x="8248373" y="2873914"/>
+            <a:ext cx="3467653" cy="3303049"/>
+          </a:xfrm>
+          <a:prstGeom prst="rect">
+            <a:avLst/>
+          </a:prstGeom>
+        </p:spPr>
+      </p:pic>
     </p:spTree>
     <p:extLst>
       <p:ext uri="{BB962C8B-B14F-4D97-AF65-F5344CB8AC3E}">
-        <p14:creationId xmlns:p14="http://schemas.microsoft.com/office/powerpoint/2010/main" val="1089457518"/>
+        <p14:creationId xmlns:p14="http://schemas.microsoft.com/office/powerpoint/2010/main" val="486243171"/>
       </p:ext>
     </p:extLst>
   </p:cSld>
   <p:clrMapOvr>
     <a:masterClrMapping/>
   </p:clrMapOvr>
+  <mc:AlternateContent xmlns:mc="http://schemas.openxmlformats.org/markup-compatibility/2006" xmlns:p14="http://schemas.microsoft.com/office/powerpoint/2010/main">
+    <mc:Choice Requires="p14">
+      <p:transition spd="slow" p14:dur="2000" advTm="24019"/>
+    </mc:Choice>
+    <mc:Fallback xmlns="">
+      <p:transition spd="slow" advTm="24019"/>
+    </mc:Fallback>
+  </mc:AlternateContent>
 </p:sld>
 </file>
 
@@ -4030,7 +6895,7 @@
           <p:cNvPr id="2" name="Title 1">
             <a:extLst>
               <a:ext uri="{FF2B5EF4-FFF2-40B4-BE49-F238E27FC236}">
-                <a16:creationId xmlns:a16="http://schemas.microsoft.com/office/drawing/2014/main" id="{45E44A5D-8A5C-4BBD-B099-EC04AA05EB54}"/>
+                <a16:creationId xmlns:a16="http://schemas.microsoft.com/office/drawing/2014/main" id="{D3A33899-17ED-4A57-8EF2-A1D55501CDE1}"/>
               </a:ext>
             </a:extLst>
           </p:cNvPr>
@@ -4048,7 +6913,7 @@
           <a:p>
             <a:r>
               <a:rPr lang="en-US" altLang="ko-KR" b="1" dirty="0"/>
-              <a:t>Some Title</a:t>
+              <a:t>Review: Methods [1]</a:t>
             </a:r>
             <a:endParaRPr lang="ko-KR" altLang="en-US" b="1" dirty="0"/>
           </a:p>
@@ -4059,7 +6924,7 @@
           <p:cNvPr id="3" name="Content Placeholder 2">
             <a:extLst>
               <a:ext uri="{FF2B5EF4-FFF2-40B4-BE49-F238E27FC236}">
-                <a16:creationId xmlns:a16="http://schemas.microsoft.com/office/drawing/2014/main" id="{EFFC9457-8AE7-44C4-8650-CF8BB829CA0A}"/>
+                <a16:creationId xmlns:a16="http://schemas.microsoft.com/office/drawing/2014/main" id="{D7E2ABD6-624A-4B9D-B870-27956920ABD0}"/>
               </a:ext>
             </a:extLst>
           </p:cNvPr>
@@ -4076,17 +6941,143 @@
           <a:lstStyle/>
           <a:p>
             <a:r>
-              <a:rPr lang="en-US" altLang="ko-KR" dirty="0"/>
-              <a:t>And some contents</a:t>
-            </a:r>
+              <a:rPr lang="en-US" altLang="ko-KR" b="1" dirty="0"/>
+              <a:t>Note that, every method should be like…</a:t>
+            </a:r>
+          </a:p>
+          <a:p>
+            <a:endParaRPr lang="en-US" altLang="ko-KR" dirty="0"/>
+          </a:p>
+          <a:p>
+            <a:endParaRPr lang="en-US" altLang="ko-KR" dirty="0"/>
+          </a:p>
+          <a:p>
+            <a:endParaRPr lang="en-US" altLang="ko-KR" dirty="0"/>
+          </a:p>
+          <a:p>
+            <a:endParaRPr lang="en-US" altLang="ko-KR" dirty="0"/>
+          </a:p>
+          <a:p>
+            <a:endParaRPr lang="en-US" altLang="ko-KR" dirty="0"/>
+          </a:p>
+          <a:p>
             <a:endParaRPr lang="ko-KR" altLang="en-US" dirty="0"/>
+          </a:p>
+        </p:txBody>
+      </p:sp>
+      <p:sp>
+        <p:nvSpPr>
+          <p:cNvPr id="4" name="Slide Number Placeholder 3">
+            <a:extLst>
+              <a:ext uri="{FF2B5EF4-FFF2-40B4-BE49-F238E27FC236}">
+                <a16:creationId xmlns:a16="http://schemas.microsoft.com/office/drawing/2014/main" id="{32C9222E-3023-401A-9A95-7F35AB44EFCF}"/>
+              </a:ext>
+            </a:extLst>
+          </p:cNvPr>
+          <p:cNvSpPr>
+            <a:spLocks noGrp="1"/>
+          </p:cNvSpPr>
+          <p:nvPr>
+            <p:ph type="sldNum" sz="quarter" idx="12"/>
+          </p:nvPr>
+        </p:nvSpPr>
+        <p:spPr/>
+        <p:txBody>
+          <a:bodyPr/>
+          <a:lstStyle/>
+          <a:p>
+            <a:fld id="{663C6A4A-F58A-4813-833D-C5F250139976}" type="slidenum">
+              <a:rPr lang="ko-KR" altLang="en-US" smtClean="0"/>
+              <a:t>6</a:t>
+            </a:fld>
+            <a:endParaRPr lang="ko-KR" altLang="en-US"/>
+          </a:p>
+        </p:txBody>
+      </p:sp>
+      <p:pic>
+        <p:nvPicPr>
+          <p:cNvPr id="5" name="Picture 4">
+            <a:extLst>
+              <a:ext uri="{FF2B5EF4-FFF2-40B4-BE49-F238E27FC236}">
+                <a16:creationId xmlns:a16="http://schemas.microsoft.com/office/drawing/2014/main" id="{78615852-C6A6-48A4-9F97-1E3E80167392}"/>
+              </a:ext>
+            </a:extLst>
+          </p:cNvPr>
+          <p:cNvPicPr>
+            <a:picLocks noChangeAspect="1"/>
+          </p:cNvPicPr>
+          <p:nvPr/>
+        </p:nvPicPr>
+        <p:blipFill>
+          <a:blip r:embed="rId2"/>
+          <a:stretch>
+            <a:fillRect/>
+          </a:stretch>
+        </p:blipFill>
+        <p:spPr>
+          <a:xfrm>
+            <a:off x="1223107" y="2358935"/>
+            <a:ext cx="6898917" cy="1685630"/>
+          </a:xfrm>
+          <a:prstGeom prst="rect">
+            <a:avLst/>
+          </a:prstGeom>
+        </p:spPr>
+      </p:pic>
+      <p:sp>
+        <p:nvSpPr>
+          <p:cNvPr id="6" name="Oval 5">
+            <a:extLst>
+              <a:ext uri="{FF2B5EF4-FFF2-40B4-BE49-F238E27FC236}">
+                <a16:creationId xmlns:a16="http://schemas.microsoft.com/office/drawing/2014/main" id="{D9112572-6D24-4619-BFCC-1F3F032634F5}"/>
+              </a:ext>
+            </a:extLst>
+          </p:cNvPr>
+          <p:cNvSpPr/>
+          <p:nvPr/>
+        </p:nvSpPr>
+        <p:spPr>
+          <a:xfrm>
+            <a:off x="4249272" y="2611904"/>
+            <a:ext cx="1111623" cy="817096"/>
+          </a:xfrm>
+          <a:prstGeom prst="ellipse">
+            <a:avLst/>
+          </a:prstGeom>
+          <a:noFill/>
+          <a:ln w="57150">
+            <a:solidFill>
+              <a:srgbClr val="FF0000"/>
+            </a:solidFill>
+          </a:ln>
+        </p:spPr>
+        <p:style>
+          <a:lnRef idx="2">
+            <a:schemeClr val="dk1"/>
+          </a:lnRef>
+          <a:fillRef idx="1">
+            <a:schemeClr val="lt1"/>
+          </a:fillRef>
+          <a:effectRef idx="0">
+            <a:schemeClr val="dk1"/>
+          </a:effectRef>
+          <a:fontRef idx="minor">
+            <a:schemeClr val="dk1"/>
+          </a:fontRef>
+        </p:style>
+        <p:txBody>
+          <a:bodyPr rtlCol="0" anchor="ctr"/>
+          <a:lstStyle/>
+          <a:p>
+            <a:pPr algn="ctr"/>
+            <a:endParaRPr lang="ko-KR" altLang="en-US"/>
           </a:p>
         </p:txBody>
       </p:sp>
     </p:spTree>
     <p:extLst>
       <p:ext uri="{BB962C8B-B14F-4D97-AF65-F5344CB8AC3E}">
-        <p14:creationId xmlns:p14="http://schemas.microsoft.com/office/powerpoint/2010/main" val="4287442516"/>
+        <p14:creationId xmlns:p14="http://schemas.microsoft.com/office/powerpoint/2010/main" val="1703647818"/>
       </p:ext>
     </p:extLst>
   </p:cSld>
@@ -4115,73 +7106,534 @@
       </p:grpSpPr>
       <p:sp>
         <p:nvSpPr>
-          <p:cNvPr id="4" name="Title 3">
-            <a:extLst>
-              <a:ext uri="{FF2B5EF4-FFF2-40B4-BE49-F238E27FC236}">
-                <a16:creationId xmlns:a16="http://schemas.microsoft.com/office/drawing/2014/main" id="{ECB71A0A-8DE0-4D81-B67C-E2D2CD3D3338}"/>
-              </a:ext>
-            </a:extLst>
-          </p:cNvPr>
-          <p:cNvSpPr>
-            <a:spLocks noGrp="1"/>
-          </p:cNvSpPr>
-          <p:nvPr>
-            <p:ph type="ctrTitle"/>
-          </p:nvPr>
-        </p:nvSpPr>
-        <p:spPr/>
-        <p:txBody>
-          <a:bodyPr/>
-          <a:lstStyle/>
-          <a:p>
-            <a:r>
-              <a:rPr lang="en-US" altLang="ko-KR" dirty="0"/>
-              <a:t>Thank you</a:t>
-            </a:r>
-            <a:endParaRPr lang="ko-KR" altLang="en-US" dirty="0"/>
-          </a:p>
-        </p:txBody>
-      </p:sp>
-      <p:sp>
-        <p:nvSpPr>
-          <p:cNvPr id="5" name="Subtitle 4">
-            <a:extLst>
-              <a:ext uri="{FF2B5EF4-FFF2-40B4-BE49-F238E27FC236}">
-                <a16:creationId xmlns:a16="http://schemas.microsoft.com/office/drawing/2014/main" id="{ED2668E1-F7EE-40AC-B63A-7EEFBE52D675}"/>
-              </a:ext>
-            </a:extLst>
-          </p:cNvPr>
-          <p:cNvSpPr>
-            <a:spLocks noGrp="1"/>
-          </p:cNvSpPr>
-          <p:nvPr>
-            <p:ph type="subTitle" idx="1"/>
-          </p:nvPr>
-        </p:nvSpPr>
+          <p:cNvPr id="2" name="Title 1">
+            <a:extLst>
+              <a:ext uri="{FF2B5EF4-FFF2-40B4-BE49-F238E27FC236}">
+                <a16:creationId xmlns:a16="http://schemas.microsoft.com/office/drawing/2014/main" id="{D3A33899-17ED-4A57-8EF2-A1D55501CDE1}"/>
+              </a:ext>
+            </a:extLst>
+          </p:cNvPr>
+          <p:cNvSpPr>
+            <a:spLocks noGrp="1"/>
+          </p:cNvSpPr>
+          <p:nvPr>
+            <p:ph type="title"/>
+          </p:nvPr>
+        </p:nvSpPr>
+        <p:spPr/>
+        <p:txBody>
+          <a:bodyPr/>
+          <a:lstStyle/>
+          <a:p>
+            <a:r>
+              <a:rPr lang="en-US" altLang="ko-KR" b="1" dirty="0"/>
+              <a:t>Review: Methods [2]</a:t>
+            </a:r>
+            <a:endParaRPr lang="ko-KR" altLang="en-US" b="1" dirty="0"/>
+          </a:p>
+        </p:txBody>
+      </p:sp>
+      <p:sp>
+        <p:nvSpPr>
+          <p:cNvPr id="3" name="Content Placeholder 2">
+            <a:extLst>
+              <a:ext uri="{FF2B5EF4-FFF2-40B4-BE49-F238E27FC236}">
+                <a16:creationId xmlns:a16="http://schemas.microsoft.com/office/drawing/2014/main" id="{D7E2ABD6-624A-4B9D-B870-27956920ABD0}"/>
+              </a:ext>
+            </a:extLst>
+          </p:cNvPr>
+          <p:cNvSpPr>
+            <a:spLocks noGrp="1"/>
+          </p:cNvSpPr>
+          <p:nvPr>
+            <p:ph idx="1"/>
+          </p:nvPr>
+        </p:nvSpPr>
+        <p:spPr/>
+        <p:txBody>
+          <a:bodyPr/>
+          <a:lstStyle/>
+          <a:p>
+            <a:r>
+              <a:rPr lang="en-US" altLang="ko-KR" b="1" dirty="0"/>
+              <a:t>You can access the member variable inside method, by using self!</a:t>
+            </a:r>
+          </a:p>
+          <a:p>
+            <a:endParaRPr lang="en-US" altLang="ko-KR" b="1" dirty="0"/>
+          </a:p>
+          <a:p>
+            <a:endParaRPr lang="en-US" altLang="ko-KR" b="1" dirty="0"/>
+          </a:p>
+          <a:p>
+            <a:endParaRPr lang="en-US" altLang="ko-KR" b="1" dirty="0"/>
+          </a:p>
+          <a:p>
+            <a:endParaRPr lang="en-US" altLang="ko-KR" b="1" dirty="0"/>
+          </a:p>
+          <a:p>
+            <a:endParaRPr lang="en-US" altLang="ko-KR" b="1" dirty="0"/>
+          </a:p>
+          <a:p>
+            <a:endParaRPr lang="en-US" altLang="ko-KR" b="1" dirty="0"/>
+          </a:p>
+          <a:p>
+            <a:endParaRPr lang="ko-KR" altLang="en-US" b="1" dirty="0"/>
+          </a:p>
+        </p:txBody>
+      </p:sp>
+      <p:sp>
+        <p:nvSpPr>
+          <p:cNvPr id="4" name="Slide Number Placeholder 3">
+            <a:extLst>
+              <a:ext uri="{FF2B5EF4-FFF2-40B4-BE49-F238E27FC236}">
+                <a16:creationId xmlns:a16="http://schemas.microsoft.com/office/drawing/2014/main" id="{32C9222E-3023-401A-9A95-7F35AB44EFCF}"/>
+              </a:ext>
+            </a:extLst>
+          </p:cNvPr>
+          <p:cNvSpPr>
+            <a:spLocks noGrp="1"/>
+          </p:cNvSpPr>
+          <p:nvPr>
+            <p:ph type="sldNum" sz="quarter" idx="12"/>
+          </p:nvPr>
+        </p:nvSpPr>
+        <p:spPr/>
+        <p:txBody>
+          <a:bodyPr/>
+          <a:lstStyle/>
+          <a:p>
+            <a:fld id="{663C6A4A-F58A-4813-833D-C5F250139976}" type="slidenum">
+              <a:rPr lang="ko-KR" altLang="en-US" smtClean="0"/>
+              <a:t>7</a:t>
+            </a:fld>
+            <a:endParaRPr lang="ko-KR" altLang="en-US"/>
+          </a:p>
+        </p:txBody>
+      </p:sp>
+      <p:pic>
+        <p:nvPicPr>
+          <p:cNvPr id="7" name="Picture 6">
+            <a:extLst>
+              <a:ext uri="{FF2B5EF4-FFF2-40B4-BE49-F238E27FC236}">
+                <a16:creationId xmlns:a16="http://schemas.microsoft.com/office/drawing/2014/main" id="{5CE72992-D49F-48AC-B923-BD108A358998}"/>
+              </a:ext>
+            </a:extLst>
+          </p:cNvPr>
+          <p:cNvPicPr>
+            <a:picLocks noChangeAspect="1"/>
+          </p:cNvPicPr>
+          <p:nvPr/>
+        </p:nvPicPr>
+        <p:blipFill>
+          <a:blip r:embed="rId2"/>
+          <a:stretch>
+            <a:fillRect/>
+          </a:stretch>
+        </p:blipFill>
         <p:spPr>
           <a:xfrm>
-            <a:off x="1524000" y="3509963"/>
-            <a:ext cx="9144000" cy="1655762"/>
+            <a:off x="1125584" y="2771586"/>
+            <a:ext cx="6342509" cy="3019614"/>
           </a:xfrm>
+          <a:prstGeom prst="rect">
+            <a:avLst/>
+          </a:prstGeom>
         </p:spPr>
-        <p:txBody>
-          <a:bodyPr/>
-          <a:lstStyle/>
-          <a:p>
-            <a:endParaRPr lang="ko-KR" altLang="en-US"/>
-          </a:p>
-        </p:txBody>
-      </p:sp>
+      </p:pic>
+      <p:pic>
+        <p:nvPicPr>
+          <p:cNvPr id="8" name="Picture 7">
+            <a:extLst>
+              <a:ext uri="{FF2B5EF4-FFF2-40B4-BE49-F238E27FC236}">
+                <a16:creationId xmlns:a16="http://schemas.microsoft.com/office/drawing/2014/main" id="{8095496D-62AC-4F9D-985F-70DB8B2428F9}"/>
+              </a:ext>
+            </a:extLst>
+          </p:cNvPr>
+          <p:cNvPicPr>
+            <a:picLocks noChangeAspect="1"/>
+          </p:cNvPicPr>
+          <p:nvPr/>
+        </p:nvPicPr>
+        <p:blipFill>
+          <a:blip r:embed="rId3"/>
+          <a:stretch>
+            <a:fillRect/>
+          </a:stretch>
+        </p:blipFill>
+        <p:spPr>
+          <a:xfrm>
+            <a:off x="1125584" y="5831541"/>
+            <a:ext cx="7357340" cy="661334"/>
+          </a:xfrm>
+          <a:prstGeom prst="rect">
+            <a:avLst/>
+          </a:prstGeom>
+        </p:spPr>
+      </p:pic>
     </p:spTree>
     <p:extLst>
       <p:ext uri="{BB962C8B-B14F-4D97-AF65-F5344CB8AC3E}">
-        <p14:creationId xmlns:p14="http://schemas.microsoft.com/office/powerpoint/2010/main" val="3148338244"/>
+        <p14:creationId xmlns:p14="http://schemas.microsoft.com/office/powerpoint/2010/main" val="3555176531"/>
       </p:ext>
     </p:extLst>
   </p:cSld>
   <p:clrMapOvr>
     <a:masterClrMapping/>
   </p:clrMapOvr>
+</p:sld>
+</file>
+
+<file path=ppt/slides/slide8.xml><?xml version="1.0" encoding="utf-8"?>
+<p:sld xmlns:a="http://schemas.openxmlformats.org/drawingml/2006/main" xmlns:r="http://schemas.openxmlformats.org/officeDocument/2006/relationships" xmlns:p="http://schemas.openxmlformats.org/presentationml/2006/main">
+  <p:cSld>
+    <p:spTree>
+      <p:nvGrpSpPr>
+        <p:cNvPr id="1" name=""/>
+        <p:cNvGrpSpPr/>
+        <p:nvPr/>
+      </p:nvGrpSpPr>
+      <p:grpSpPr>
+        <a:xfrm>
+          <a:off x="0" y="0"/>
+          <a:ext cx="0" cy="0"/>
+          <a:chOff x="0" y="0"/>
+          <a:chExt cx="0" cy="0"/>
+        </a:xfrm>
+      </p:grpSpPr>
+      <p:sp>
+        <p:nvSpPr>
+          <p:cNvPr id="2" name="Title 1">
+            <a:extLst>
+              <a:ext uri="{FF2B5EF4-FFF2-40B4-BE49-F238E27FC236}">
+                <a16:creationId xmlns:a16="http://schemas.microsoft.com/office/drawing/2014/main" id="{A863AAAD-AB20-4AE4-A313-65A49223E91F}"/>
+              </a:ext>
+            </a:extLst>
+          </p:cNvPr>
+          <p:cNvSpPr>
+            <a:spLocks noGrp="1"/>
+          </p:cNvSpPr>
+          <p:nvPr>
+            <p:ph type="title"/>
+          </p:nvPr>
+        </p:nvSpPr>
+        <p:spPr/>
+        <p:txBody>
+          <a:bodyPr/>
+          <a:lstStyle/>
+          <a:p>
+            <a:r>
+              <a:rPr lang="en-US" altLang="ko-KR" b="1" dirty="0"/>
+              <a:t>Dot: Methods [1]</a:t>
+            </a:r>
+            <a:endParaRPr lang="ko-KR" altLang="en-US" b="1" dirty="0"/>
+          </a:p>
+        </p:txBody>
+      </p:sp>
+      <p:sp>
+        <p:nvSpPr>
+          <p:cNvPr id="3" name="Content Placeholder 2">
+            <a:extLst>
+              <a:ext uri="{FF2B5EF4-FFF2-40B4-BE49-F238E27FC236}">
+                <a16:creationId xmlns:a16="http://schemas.microsoft.com/office/drawing/2014/main" id="{00F3905E-23DB-487E-8131-AD27486F881A}"/>
+              </a:ext>
+            </a:extLst>
+          </p:cNvPr>
+          <p:cNvSpPr>
+            <a:spLocks noGrp="1"/>
+          </p:cNvSpPr>
+          <p:nvPr>
+            <p:ph idx="1"/>
+          </p:nvPr>
+        </p:nvSpPr>
+        <p:spPr/>
+        <p:txBody>
+          <a:bodyPr/>
+          <a:lstStyle/>
+          <a:p>
+            <a:r>
+              <a:rPr lang="en-US" altLang="ko-KR" b="1" dirty="0" err="1"/>
+              <a:t>dot_add</a:t>
+            </a:r>
+            <a:r>
+              <a:rPr lang="en-US" altLang="ko-KR" b="1" dirty="0"/>
+              <a:t>, </a:t>
+            </a:r>
+            <a:r>
+              <a:rPr lang="en-US" altLang="ko-KR" b="1" dirty="0" err="1"/>
+              <a:t>dot_sub</a:t>
+            </a:r>
+            <a:r>
+              <a:rPr lang="en-US" altLang="ko-KR" b="1" dirty="0"/>
+              <a:t> method adds / subtracts each coordinate</a:t>
+            </a:r>
+          </a:p>
+          <a:p>
+            <a:pPr lvl="1"/>
+            <a:r>
+              <a:rPr lang="en-US" altLang="ko-KR" dirty="0"/>
+              <a:t>Example: (2, 3) + (1, 1) = (3, 4)</a:t>
+            </a:r>
+          </a:p>
+          <a:p>
+            <a:endParaRPr lang="en-US" altLang="ko-KR" dirty="0"/>
+          </a:p>
+          <a:p>
+            <a:pPr lvl="1"/>
+            <a:endParaRPr lang="en-US" altLang="ko-KR" b="1" dirty="0"/>
+          </a:p>
+        </p:txBody>
+      </p:sp>
+      <p:sp>
+        <p:nvSpPr>
+          <p:cNvPr id="4" name="Slide Number Placeholder 3">
+            <a:extLst>
+              <a:ext uri="{FF2B5EF4-FFF2-40B4-BE49-F238E27FC236}">
+                <a16:creationId xmlns:a16="http://schemas.microsoft.com/office/drawing/2014/main" id="{800EF43F-4A2C-4A73-B3CC-1C89EDAB8600}"/>
+              </a:ext>
+            </a:extLst>
+          </p:cNvPr>
+          <p:cNvSpPr>
+            <a:spLocks noGrp="1"/>
+          </p:cNvSpPr>
+          <p:nvPr>
+            <p:ph type="sldNum" sz="quarter" idx="12"/>
+          </p:nvPr>
+        </p:nvSpPr>
+        <p:spPr/>
+        <p:txBody>
+          <a:bodyPr/>
+          <a:lstStyle/>
+          <a:p>
+            <a:fld id="{663C6A4A-F58A-4813-833D-C5F250139976}" type="slidenum">
+              <a:rPr lang="ko-KR" altLang="en-US" smtClean="0"/>
+              <a:t>8</a:t>
+            </a:fld>
+            <a:endParaRPr lang="ko-KR" altLang="en-US"/>
+          </a:p>
+        </p:txBody>
+      </p:sp>
+      <p:pic>
+        <p:nvPicPr>
+          <p:cNvPr id="6" name="Picture 5">
+            <a:extLst>
+              <a:ext uri="{FF2B5EF4-FFF2-40B4-BE49-F238E27FC236}">
+                <a16:creationId xmlns:a16="http://schemas.microsoft.com/office/drawing/2014/main" id="{01AF84DD-F42F-4E3C-94F8-2E08735173D3}"/>
+              </a:ext>
+            </a:extLst>
+          </p:cNvPr>
+          <p:cNvPicPr>
+            <a:picLocks noChangeAspect="1"/>
+          </p:cNvPicPr>
+          <p:nvPr/>
+        </p:nvPicPr>
+        <p:blipFill>
+          <a:blip r:embed="rId3"/>
+          <a:stretch>
+            <a:fillRect/>
+          </a:stretch>
+        </p:blipFill>
+        <p:spPr>
+          <a:xfrm>
+            <a:off x="7799293" y="2734511"/>
+            <a:ext cx="3998259" cy="3986964"/>
+          </a:xfrm>
+          <a:prstGeom prst="rect">
+            <a:avLst/>
+          </a:prstGeom>
+        </p:spPr>
+      </p:pic>
+    </p:spTree>
+    <p:extLst>
+      <p:ext uri="{BB962C8B-B14F-4D97-AF65-F5344CB8AC3E}">
+        <p14:creationId xmlns:p14="http://schemas.microsoft.com/office/powerpoint/2010/main" val="479412256"/>
+      </p:ext>
+    </p:extLst>
+  </p:cSld>
+  <p:clrMapOvr>
+    <a:masterClrMapping/>
+  </p:clrMapOvr>
+  <mc:AlternateContent xmlns:mc="http://schemas.openxmlformats.org/markup-compatibility/2006" xmlns:p14="http://schemas.microsoft.com/office/powerpoint/2010/main">
+    <mc:Choice Requires="p14">
+      <p:transition spd="slow" p14:dur="2000" advTm="24019"/>
+    </mc:Choice>
+    <mc:Fallback xmlns="">
+      <p:transition spd="slow" advTm="24019"/>
+    </mc:Fallback>
+  </mc:AlternateContent>
+</p:sld>
+</file>
+
+<file path=ppt/slides/slide9.xml><?xml version="1.0" encoding="utf-8"?>
+<p:sld xmlns:a="http://schemas.openxmlformats.org/drawingml/2006/main" xmlns:r="http://schemas.openxmlformats.org/officeDocument/2006/relationships" xmlns:p="http://schemas.openxmlformats.org/presentationml/2006/main">
+  <p:cSld>
+    <p:spTree>
+      <p:nvGrpSpPr>
+        <p:cNvPr id="1" name=""/>
+        <p:cNvGrpSpPr/>
+        <p:nvPr/>
+      </p:nvGrpSpPr>
+      <p:grpSpPr>
+        <a:xfrm>
+          <a:off x="0" y="0"/>
+          <a:ext cx="0" cy="0"/>
+          <a:chOff x="0" y="0"/>
+          <a:chExt cx="0" cy="0"/>
+        </a:xfrm>
+      </p:grpSpPr>
+      <p:sp>
+        <p:nvSpPr>
+          <p:cNvPr id="2" name="Title 1">
+            <a:extLst>
+              <a:ext uri="{FF2B5EF4-FFF2-40B4-BE49-F238E27FC236}">
+                <a16:creationId xmlns:a16="http://schemas.microsoft.com/office/drawing/2014/main" id="{A863AAAD-AB20-4AE4-A313-65A49223E91F}"/>
+              </a:ext>
+            </a:extLst>
+          </p:cNvPr>
+          <p:cNvSpPr>
+            <a:spLocks noGrp="1"/>
+          </p:cNvSpPr>
+          <p:nvPr>
+            <p:ph type="title"/>
+          </p:nvPr>
+        </p:nvSpPr>
+        <p:spPr/>
+        <p:txBody>
+          <a:bodyPr/>
+          <a:lstStyle/>
+          <a:p>
+            <a:r>
+              <a:rPr lang="en-US" altLang="ko-KR" b="1" dirty="0"/>
+              <a:t>Dot: Methods [2]</a:t>
+            </a:r>
+            <a:endParaRPr lang="ko-KR" altLang="en-US" b="1" dirty="0"/>
+          </a:p>
+        </p:txBody>
+      </p:sp>
+      <p:sp>
+        <p:nvSpPr>
+          <p:cNvPr id="3" name="Content Placeholder 2">
+            <a:extLst>
+              <a:ext uri="{FF2B5EF4-FFF2-40B4-BE49-F238E27FC236}">
+                <a16:creationId xmlns:a16="http://schemas.microsoft.com/office/drawing/2014/main" id="{00F3905E-23DB-487E-8131-AD27486F881A}"/>
+              </a:ext>
+            </a:extLst>
+          </p:cNvPr>
+          <p:cNvSpPr>
+            <a:spLocks noGrp="1"/>
+          </p:cNvSpPr>
+          <p:nvPr>
+            <p:ph idx="1"/>
+          </p:nvPr>
+        </p:nvSpPr>
+        <p:spPr/>
+        <p:txBody>
+          <a:bodyPr/>
+          <a:lstStyle/>
+          <a:p>
+            <a:r>
+              <a:rPr lang="en-US" altLang="ko-KR" b="1" dirty="0" err="1"/>
+              <a:t>dot_dist</a:t>
+            </a:r>
+            <a:r>
+              <a:rPr lang="en-US" altLang="ko-KR" b="1" dirty="0"/>
+              <a:t> returns the distance between two points</a:t>
+            </a:r>
+          </a:p>
+          <a:p>
+            <a:pPr lvl="1"/>
+            <a:r>
+              <a:rPr lang="en-US" altLang="ko-KR" b="1" dirty="0"/>
+              <a:t>in this case, root(5).</a:t>
+            </a:r>
+            <a:endParaRPr lang="en-US" altLang="ko-KR" dirty="0"/>
+          </a:p>
+          <a:p>
+            <a:endParaRPr lang="en-US" altLang="ko-KR" dirty="0"/>
+          </a:p>
+          <a:p>
+            <a:pPr lvl="1"/>
+            <a:endParaRPr lang="en-US" altLang="ko-KR" b="1" dirty="0"/>
+          </a:p>
+        </p:txBody>
+      </p:sp>
+      <p:sp>
+        <p:nvSpPr>
+          <p:cNvPr id="4" name="Slide Number Placeholder 3">
+            <a:extLst>
+              <a:ext uri="{FF2B5EF4-FFF2-40B4-BE49-F238E27FC236}">
+                <a16:creationId xmlns:a16="http://schemas.microsoft.com/office/drawing/2014/main" id="{800EF43F-4A2C-4A73-B3CC-1C89EDAB8600}"/>
+              </a:ext>
+            </a:extLst>
+          </p:cNvPr>
+          <p:cNvSpPr>
+            <a:spLocks noGrp="1"/>
+          </p:cNvSpPr>
+          <p:nvPr>
+            <p:ph type="sldNum" sz="quarter" idx="12"/>
+          </p:nvPr>
+        </p:nvSpPr>
+        <p:spPr/>
+        <p:txBody>
+          <a:bodyPr/>
+          <a:lstStyle/>
+          <a:p>
+            <a:fld id="{663C6A4A-F58A-4813-833D-C5F250139976}" type="slidenum">
+              <a:rPr lang="ko-KR" altLang="en-US" smtClean="0"/>
+              <a:t>9</a:t>
+            </a:fld>
+            <a:endParaRPr lang="ko-KR" altLang="en-US"/>
+          </a:p>
+        </p:txBody>
+      </p:sp>
+      <p:pic>
+        <p:nvPicPr>
+          <p:cNvPr id="5" name="Picture 4">
+            <a:extLst>
+              <a:ext uri="{FF2B5EF4-FFF2-40B4-BE49-F238E27FC236}">
+                <a16:creationId xmlns:a16="http://schemas.microsoft.com/office/drawing/2014/main" id="{D01A7BDD-7000-416D-B11D-9170C756E012}"/>
+              </a:ext>
+            </a:extLst>
+          </p:cNvPr>
+          <p:cNvPicPr>
+            <a:picLocks noChangeAspect="1"/>
+          </p:cNvPicPr>
+          <p:nvPr/>
+        </p:nvPicPr>
+        <p:blipFill>
+          <a:blip r:embed="rId3"/>
+          <a:stretch>
+            <a:fillRect/>
+          </a:stretch>
+        </p:blipFill>
+        <p:spPr>
+          <a:xfrm>
+            <a:off x="7274095" y="2505821"/>
+            <a:ext cx="4308306" cy="4215654"/>
+          </a:xfrm>
+          <a:prstGeom prst="rect">
+            <a:avLst/>
+          </a:prstGeom>
+        </p:spPr>
+      </p:pic>
+    </p:spTree>
+    <p:extLst>
+      <p:ext uri="{BB962C8B-B14F-4D97-AF65-F5344CB8AC3E}">
+        <p14:creationId xmlns:p14="http://schemas.microsoft.com/office/powerpoint/2010/main" val="1615235935"/>
+      </p:ext>
+    </p:extLst>
+  </p:cSld>
+  <p:clrMapOvr>
+    <a:masterClrMapping/>
+  </p:clrMapOvr>
+  <mc:AlternateContent xmlns:mc="http://schemas.openxmlformats.org/markup-compatibility/2006" xmlns:p14="http://schemas.microsoft.com/office/powerpoint/2010/main">
+    <mc:Choice Requires="p14">
+      <p:transition spd="slow" p14:dur="2000" advTm="24019"/>
+    </mc:Choice>
+    <mc:Fallback xmlns="">
+      <p:transition spd="slow" advTm="24019"/>
+    </mc:Fallback>
+  </mc:AlternateContent>
 </p:sld>
 </file>
 
@@ -4478,4 +7930,299 @@
     </a:ext>
   </a:extLst>
 </a:theme>
+</file>
+
+<file path=ppt/theme/theme2.xml><?xml version="1.0" encoding="utf-8"?>
+<a:theme xmlns:a="http://schemas.openxmlformats.org/drawingml/2006/main" name="Office Theme">
+  <a:themeElements>
+    <a:clrScheme name="Office">
+      <a:dk1>
+        <a:sysClr val="windowText" lastClr="000000"/>
+      </a:dk1>
+      <a:lt1>
+        <a:sysClr val="window" lastClr="FFFFFF"/>
+      </a:lt1>
+      <a:dk2>
+        <a:srgbClr val="44546A"/>
+      </a:dk2>
+      <a:lt2>
+        <a:srgbClr val="E7E6E6"/>
+      </a:lt2>
+      <a:accent1>
+        <a:srgbClr val="4472C4"/>
+      </a:accent1>
+      <a:accent2>
+        <a:srgbClr val="ED7D31"/>
+      </a:accent2>
+      <a:accent3>
+        <a:srgbClr val="A5A5A5"/>
+      </a:accent3>
+      <a:accent4>
+        <a:srgbClr val="FFC000"/>
+      </a:accent4>
+      <a:accent5>
+        <a:srgbClr val="5B9BD5"/>
+      </a:accent5>
+      <a:accent6>
+        <a:srgbClr val="70AD47"/>
+      </a:accent6>
+      <a:hlink>
+        <a:srgbClr val="0563C1"/>
+      </a:hlink>
+      <a:folHlink>
+        <a:srgbClr val="954F72"/>
+      </a:folHlink>
+    </a:clrScheme>
+    <a:fontScheme name="Office">
+      <a:majorFont>
+        <a:latin typeface="맑은 고딕" panose="020F0302020204030204"/>
+        <a:ea typeface=""/>
+        <a:cs typeface=""/>
+        <a:font script="Jpan" typeface="游ゴシック Light"/>
+        <a:font script="Hang" typeface="맑은 고딕"/>
+        <a:font script="Hans" typeface="等线 Light"/>
+        <a:font script="Hant" typeface="新細明體"/>
+        <a:font script="Arab" typeface="Times New Roman"/>
+        <a:font script="Hebr" typeface="Times New Roman"/>
+        <a:font script="Thai" typeface="Angsana New"/>
+        <a:font script="Ethi" typeface="Nyala"/>
+        <a:font script="Beng" typeface="Vrinda"/>
+        <a:font script="Gujr" typeface="Shruti"/>
+        <a:font script="Khmr" typeface="MoolBoran"/>
+        <a:font script="Knda" typeface="Tunga"/>
+        <a:font script="Guru" typeface="Raavi"/>
+        <a:font script="Cans" typeface="Euphemia"/>
+        <a:font script="Cher" typeface="Plantagenet Cherokee"/>
+        <a:font script="Yiii" typeface="Microsoft Yi Baiti"/>
+        <a:font script="Tibt" typeface="Microsoft Himalaya"/>
+        <a:font script="Thaa" typeface="MV Boli"/>
+        <a:font script="Deva" typeface="Mangal"/>
+        <a:font script="Telu" typeface="Gautami"/>
+        <a:font script="Taml" typeface="Latha"/>
+        <a:font script="Syrc" typeface="Estrangelo Edessa"/>
+        <a:font script="Orya" typeface="Kalinga"/>
+        <a:font script="Mlym" typeface="Kartika"/>
+        <a:font script="Laoo" typeface="DokChampa"/>
+        <a:font script="Sinh" typeface="Iskoola Pota"/>
+        <a:font script="Mong" typeface="Mongolian Baiti"/>
+        <a:font script="Viet" typeface="Times New Roman"/>
+        <a:font script="Uigh" typeface="Microsoft Uighur"/>
+        <a:font script="Geor" typeface="Sylfaen"/>
+        <a:font script="Armn" typeface="Arial"/>
+        <a:font script="Bugi" typeface="Leelawadee UI"/>
+        <a:font script="Bopo" typeface="Microsoft JhengHei"/>
+        <a:font script="Java" typeface="Javanese Text"/>
+        <a:font script="Lisu" typeface="Segoe UI"/>
+        <a:font script="Mymr" typeface="Myanmar Text"/>
+        <a:font script="Nkoo" typeface="Ebrima"/>
+        <a:font script="Olck" typeface="Nirmala UI"/>
+        <a:font script="Osma" typeface="Ebrima"/>
+        <a:font script="Phag" typeface="Phagspa"/>
+        <a:font script="Syrn" typeface="Estrangelo Edessa"/>
+        <a:font script="Syrj" typeface="Estrangelo Edessa"/>
+        <a:font script="Syre" typeface="Estrangelo Edessa"/>
+        <a:font script="Sora" typeface="Nirmala UI"/>
+        <a:font script="Tale" typeface="Microsoft Tai Le"/>
+        <a:font script="Talu" typeface="Microsoft New Tai Lue"/>
+        <a:font script="Tfng" typeface="Ebrima"/>
+      </a:majorFont>
+      <a:minorFont>
+        <a:latin typeface="맑은 고딕" panose="020F0502020204030204"/>
+        <a:ea typeface=""/>
+        <a:cs typeface=""/>
+        <a:font script="Jpan" typeface="游ゴシック"/>
+        <a:font script="Hang" typeface="맑은 고딕"/>
+        <a:font script="Hans" typeface="等线"/>
+        <a:font script="Hant" typeface="新細明體"/>
+        <a:font script="Arab" typeface="Arial"/>
+        <a:font script="Hebr" typeface="Arial"/>
+        <a:font script="Thai" typeface="Cordia New"/>
+        <a:font script="Ethi" typeface="Nyala"/>
+        <a:font script="Beng" typeface="Vrinda"/>
+        <a:font script="Gujr" typeface="Shruti"/>
+        <a:font script="Khmr" typeface="DaunPenh"/>
+        <a:font script="Knda" typeface="Tunga"/>
+        <a:font script="Guru" typeface="Raavi"/>
+        <a:font script="Cans" typeface="Euphemia"/>
+        <a:font script="Cher" typeface="Plantagenet Cherokee"/>
+        <a:font script="Yiii" typeface="Microsoft Yi Baiti"/>
+        <a:font script="Tibt" typeface="Microsoft Himalaya"/>
+        <a:font script="Thaa" typeface="MV Boli"/>
+        <a:font script="Deva" typeface="Mangal"/>
+        <a:font script="Telu" typeface="Gautami"/>
+        <a:font script="Taml" typeface="Latha"/>
+        <a:font script="Syrc" typeface="Estrangelo Edessa"/>
+        <a:font script="Orya" typeface="Kalinga"/>
+        <a:font script="Mlym" typeface="Kartika"/>
+        <a:font script="Laoo" typeface="DokChampa"/>
+        <a:font script="Sinh" typeface="Iskoola Pota"/>
+        <a:font script="Mong" typeface="Mongolian Baiti"/>
+        <a:font script="Viet" typeface="Arial"/>
+        <a:font script="Uigh" typeface="Microsoft Uighur"/>
+        <a:font script="Geor" typeface="Sylfaen"/>
+        <a:font script="Armn" typeface="Arial"/>
+        <a:font script="Bugi" typeface="Leelawadee UI"/>
+        <a:font script="Bopo" typeface="Microsoft JhengHei"/>
+        <a:font script="Java" typeface="Javanese Text"/>
+        <a:font script="Lisu" typeface="Segoe UI"/>
+        <a:font script="Mymr" typeface="Myanmar Text"/>
+        <a:font script="Nkoo" typeface="Ebrima"/>
+        <a:font script="Olck" typeface="Nirmala UI"/>
+        <a:font script="Osma" typeface="Ebrima"/>
+        <a:font script="Phag" typeface="Phagspa"/>
+        <a:font script="Syrn" typeface="Estrangelo Edessa"/>
+        <a:font script="Syrj" typeface="Estrangelo Edessa"/>
+        <a:font script="Syre" typeface="Estrangelo Edessa"/>
+        <a:font script="Sora" typeface="Nirmala UI"/>
+        <a:font script="Tale" typeface="Microsoft Tai Le"/>
+        <a:font script="Talu" typeface="Microsoft New Tai Lue"/>
+        <a:font script="Tfng" typeface="Ebrima"/>
+      </a:minorFont>
+    </a:fontScheme>
+    <a:fmtScheme name="Office">
+      <a:fillStyleLst>
+        <a:solidFill>
+          <a:schemeClr val="phClr"/>
+        </a:solidFill>
+        <a:gradFill rotWithShape="1">
+          <a:gsLst>
+            <a:gs pos="0">
+              <a:schemeClr val="phClr">
+                <a:lumMod val="110000"/>
+                <a:satMod val="105000"/>
+                <a:tint val="67000"/>
+              </a:schemeClr>
+            </a:gs>
+            <a:gs pos="50000">
+              <a:schemeClr val="phClr">
+                <a:lumMod val="105000"/>
+                <a:satMod val="103000"/>
+                <a:tint val="73000"/>
+              </a:schemeClr>
+            </a:gs>
+            <a:gs pos="100000">
+              <a:schemeClr val="phClr">
+                <a:lumMod val="105000"/>
+                <a:satMod val="109000"/>
+                <a:tint val="81000"/>
+              </a:schemeClr>
+            </a:gs>
+          </a:gsLst>
+          <a:lin ang="5400000" scaled="0"/>
+        </a:gradFill>
+        <a:gradFill rotWithShape="1">
+          <a:gsLst>
+            <a:gs pos="0">
+              <a:schemeClr val="phClr">
+                <a:satMod val="103000"/>
+                <a:lumMod val="102000"/>
+                <a:tint val="94000"/>
+              </a:schemeClr>
+            </a:gs>
+            <a:gs pos="50000">
+              <a:schemeClr val="phClr">
+                <a:satMod val="110000"/>
+                <a:lumMod val="100000"/>
+                <a:shade val="100000"/>
+              </a:schemeClr>
+            </a:gs>
+            <a:gs pos="100000">
+              <a:schemeClr val="phClr">
+                <a:lumMod val="99000"/>
+                <a:satMod val="120000"/>
+                <a:shade val="78000"/>
+              </a:schemeClr>
+            </a:gs>
+          </a:gsLst>
+          <a:lin ang="5400000" scaled="0"/>
+        </a:gradFill>
+      </a:fillStyleLst>
+      <a:lnStyleLst>
+        <a:ln w="6350" cap="flat" cmpd="sng" algn="ctr">
+          <a:solidFill>
+            <a:schemeClr val="phClr"/>
+          </a:solidFill>
+          <a:prstDash val="solid"/>
+          <a:miter lim="800000"/>
+        </a:ln>
+        <a:ln w="12700" cap="flat" cmpd="sng" algn="ctr">
+          <a:solidFill>
+            <a:schemeClr val="phClr"/>
+          </a:solidFill>
+          <a:prstDash val="solid"/>
+          <a:miter lim="800000"/>
+        </a:ln>
+        <a:ln w="19050" cap="flat" cmpd="sng" algn="ctr">
+          <a:solidFill>
+            <a:schemeClr val="phClr"/>
+          </a:solidFill>
+          <a:prstDash val="solid"/>
+          <a:miter lim="800000"/>
+        </a:ln>
+      </a:lnStyleLst>
+      <a:effectStyleLst>
+        <a:effectStyle>
+          <a:effectLst/>
+        </a:effectStyle>
+        <a:effectStyle>
+          <a:effectLst/>
+        </a:effectStyle>
+        <a:effectStyle>
+          <a:effectLst>
+            <a:outerShdw blurRad="57150" dist="19050" dir="5400000" algn="ctr" rotWithShape="0">
+              <a:srgbClr val="000000">
+                <a:alpha val="63000"/>
+              </a:srgbClr>
+            </a:outerShdw>
+          </a:effectLst>
+        </a:effectStyle>
+      </a:effectStyleLst>
+      <a:bgFillStyleLst>
+        <a:solidFill>
+          <a:schemeClr val="phClr"/>
+        </a:solidFill>
+        <a:solidFill>
+          <a:schemeClr val="phClr">
+            <a:tint val="95000"/>
+            <a:satMod val="170000"/>
+          </a:schemeClr>
+        </a:solidFill>
+        <a:gradFill rotWithShape="1">
+          <a:gsLst>
+            <a:gs pos="0">
+              <a:schemeClr val="phClr">
+                <a:tint val="93000"/>
+                <a:satMod val="150000"/>
+                <a:shade val="98000"/>
+                <a:lumMod val="102000"/>
+              </a:schemeClr>
+            </a:gs>
+            <a:gs pos="50000">
+              <a:schemeClr val="phClr">
+                <a:tint val="98000"/>
+                <a:satMod val="130000"/>
+                <a:shade val="90000"/>
+                <a:lumMod val="103000"/>
+              </a:schemeClr>
+            </a:gs>
+            <a:gs pos="100000">
+              <a:schemeClr val="phClr">
+                <a:shade val="63000"/>
+                <a:satMod val="120000"/>
+              </a:schemeClr>
+            </a:gs>
+          </a:gsLst>
+          <a:lin ang="5400000" scaled="0"/>
+        </a:gradFill>
+      </a:bgFillStyleLst>
+    </a:fmtScheme>
+  </a:themeElements>
+  <a:objectDefaults/>
+  <a:extraClrSchemeLst/>
+  <a:extLst>
+    <a:ext uri="{05A4C25C-085E-4340-85A3-A5531E510DB2}">
+      <thm15:themeFamily xmlns:thm15="http://schemas.microsoft.com/office/thememl/2012/main" name="Office Theme" id="{62F939B6-93AF-4DB8-9C6B-D6C7DFDC589F}" vid="{4A3C46E8-61CC-4603-A589-7422A47A8E4A}"/>
+    </a:ext>
+  </a:extLst>
+</a:theme>
 </file>
--- a/contents/2020_ITinerary/assets/session_1/labsession.pptx
+++ b/contents/2020_ITinerary/assets/session_1/labsession.pptx
@@ -5,27 +5,32 @@
     <p:sldMasterId id="2147483648" r:id="rId1"/>
   </p:sldMasterIdLst>
   <p:notesMasterIdLst>
-    <p:notesMasterId r:id="rId20"/>
+    <p:notesMasterId r:id="rId25"/>
   </p:notesMasterIdLst>
   <p:sldIdLst>
     <p:sldId id="256" r:id="rId2"/>
     <p:sldId id="257" r:id="rId3"/>
-    <p:sldId id="263" r:id="rId4"/>
-    <p:sldId id="264" r:id="rId5"/>
-    <p:sldId id="265" r:id="rId6"/>
-    <p:sldId id="266" r:id="rId7"/>
-    <p:sldId id="267" r:id="rId8"/>
-    <p:sldId id="268" r:id="rId9"/>
-    <p:sldId id="269" r:id="rId10"/>
-    <p:sldId id="270" r:id="rId11"/>
-    <p:sldId id="276" r:id="rId12"/>
-    <p:sldId id="273" r:id="rId13"/>
-    <p:sldId id="271" r:id="rId14"/>
-    <p:sldId id="272" r:id="rId15"/>
-    <p:sldId id="274" r:id="rId16"/>
-    <p:sldId id="275" r:id="rId17"/>
-    <p:sldId id="277" r:id="rId18"/>
-    <p:sldId id="262" r:id="rId19"/>
+    <p:sldId id="278" r:id="rId4"/>
+    <p:sldId id="280" r:id="rId5"/>
+    <p:sldId id="281" r:id="rId6"/>
+    <p:sldId id="282" r:id="rId7"/>
+    <p:sldId id="283" r:id="rId8"/>
+    <p:sldId id="263" r:id="rId9"/>
+    <p:sldId id="264" r:id="rId10"/>
+    <p:sldId id="265" r:id="rId11"/>
+    <p:sldId id="266" r:id="rId12"/>
+    <p:sldId id="267" r:id="rId13"/>
+    <p:sldId id="268" r:id="rId14"/>
+    <p:sldId id="269" r:id="rId15"/>
+    <p:sldId id="270" r:id="rId16"/>
+    <p:sldId id="276" r:id="rId17"/>
+    <p:sldId id="273" r:id="rId18"/>
+    <p:sldId id="271" r:id="rId19"/>
+    <p:sldId id="272" r:id="rId20"/>
+    <p:sldId id="274" r:id="rId21"/>
+    <p:sldId id="275" r:id="rId22"/>
+    <p:sldId id="277" r:id="rId23"/>
+    <p:sldId id="262" r:id="rId24"/>
   </p:sldIdLst>
   <p:sldSz cx="12192000" cy="6858000"/>
   <p:notesSz cx="6858000" cy="9144000"/>
@@ -126,10 +131,33 @@
   </p:defaultTextStyle>
   <p:extLst>
     <p:ext uri="{EFAFB233-063F-42B5-8137-9DF3F51BA10A}">
-      <p15:sldGuideLst xmlns:p15="http://schemas.microsoft.com/office/powerpoint/2012/main"/>
+      <p15:sldGuideLst xmlns:p15="http://schemas.microsoft.com/office/powerpoint/2012/main">
+        <p15:guide id="1" orient="horz" pos="2160" userDrawn="1">
+          <p15:clr>
+            <a:srgbClr val="A4A3A4"/>
+          </p15:clr>
+        </p15:guide>
+        <p15:guide id="2" pos="3840" userDrawn="1">
+          <p15:clr>
+            <a:srgbClr val="A4A3A4"/>
+          </p15:clr>
+        </p15:guide>
+      </p15:sldGuideLst>
     </p:ext>
   </p:extLst>
 </p:presentation>
+</file>
+
+<file path=ppt/commentAuthors.xml><?xml version="1.0" encoding="utf-8"?>
+<p:cmAuthorLst xmlns:a="http://schemas.openxmlformats.org/drawingml/2006/main" xmlns:r="http://schemas.openxmlformats.org/officeDocument/2006/relationships" xmlns:p="http://schemas.openxmlformats.org/presentationml/2006/main">
+  <p:cmAuthor id="1" name="박 은성" initials="박은" lastIdx="1" clrIdx="0">
+    <p:extLst>
+      <p:ext uri="{19B8F6BF-5375-455C-9EA6-DF929625EA0E}">
+        <p15:presenceInfo xmlns:p15="http://schemas.microsoft.com/office/powerpoint/2012/main" userId="dc0456668f3f1b96" providerId="Windows Live"/>
+      </p:ext>
+    </p:extLst>
+  </p:cmAuthor>
+</p:cmAuthorLst>
 </file>
 
 <file path=ppt/notesMasters/notesMaster1.xml><?xml version="1.0" encoding="utf-8"?>
@@ -214,7 +242,7 @@
           <a:p>
             <a:fld id="{2F8130A2-CFDC-4F64-A56B-9BC7826900FC}" type="datetimeFigureOut">
               <a:rPr lang="ko-KR" altLang="en-US" smtClean="0"/>
-              <a:t>2020-12-07</a:t>
+              <a:t>2020-12-08</a:t>
             </a:fld>
             <a:endParaRPr lang="ko-KR" altLang="en-US"/>
           </a:p>
@@ -526,7 +554,11 @@
           <a:bodyPr/>
           <a:lstStyle/>
           <a:p>
-            <a:endParaRPr lang="ko-KR" altLang="en-US" dirty="0"/>
+            <a:r>
+              <a:rPr lang="en-US" altLang="ko-KR"/>
+              <a:t>ok, then let’s start lab session.</a:t>
+            </a:r>
+            <a:endParaRPr lang="ko-KR" altLang="en-US"/>
           </a:p>
         </p:txBody>
       </p:sp>
@@ -557,6 +589,1003 @@
     <p:extLst>
       <p:ext uri="{BB962C8B-B14F-4D97-AF65-F5344CB8AC3E}">
         <p14:creationId xmlns:p14="http://schemas.microsoft.com/office/powerpoint/2010/main" val="62552766"/>
+      </p:ext>
+    </p:extLst>
+  </p:cSld>
+  <p:clrMapOvr>
+    <a:masterClrMapping/>
+  </p:clrMapOvr>
+</p:notes>
+</file>
+
+<file path=ppt/notesSlides/notesSlide10.xml><?xml version="1.0" encoding="utf-8"?>
+<p:notes xmlns:a="http://schemas.openxmlformats.org/drawingml/2006/main" xmlns:r="http://schemas.openxmlformats.org/officeDocument/2006/relationships" xmlns:p="http://schemas.openxmlformats.org/presentationml/2006/main">
+  <p:cSld>
+    <p:spTree>
+      <p:nvGrpSpPr>
+        <p:cNvPr id="1" name=""/>
+        <p:cNvGrpSpPr/>
+        <p:nvPr/>
+      </p:nvGrpSpPr>
+      <p:grpSpPr>
+        <a:xfrm>
+          <a:off x="0" y="0"/>
+          <a:ext cx="0" cy="0"/>
+          <a:chOff x="0" y="0"/>
+          <a:chExt cx="0" cy="0"/>
+        </a:xfrm>
+      </p:grpSpPr>
+      <p:sp>
+        <p:nvSpPr>
+          <p:cNvPr id="2" name="Slide Image Placeholder 1"/>
+          <p:cNvSpPr>
+            <a:spLocks noGrp="1" noRot="1" noChangeAspect="1"/>
+          </p:cNvSpPr>
+          <p:nvPr>
+            <p:ph type="sldImg"/>
+          </p:nvPr>
+        </p:nvSpPr>
+        <p:spPr/>
+      </p:sp>
+      <p:sp>
+        <p:nvSpPr>
+          <p:cNvPr id="3" name="Notes Placeholder 2"/>
+          <p:cNvSpPr>
+            <a:spLocks noGrp="1"/>
+          </p:cNvSpPr>
+          <p:nvPr>
+            <p:ph type="body" idx="1"/>
+          </p:nvPr>
+        </p:nvSpPr>
+        <p:spPr/>
+        <p:txBody>
+          <a:bodyPr/>
+          <a:lstStyle/>
+          <a:p>
+            <a:r>
+              <a:rPr lang="en-US" altLang="ko-KR"/>
+              <a:t>Basicllay a dot in 2-dimensional plane contains only two data,</a:t>
+            </a:r>
+            <a:r>
+              <a:rPr lang="ko-KR" altLang="en-US"/>
+              <a:t> </a:t>
+            </a:r>
+            <a:r>
+              <a:rPr lang="en-US" altLang="ko-KR"/>
+              <a:t>x</a:t>
+            </a:r>
+            <a:r>
+              <a:rPr lang="ko-KR" altLang="en-US"/>
+              <a:t> </a:t>
+            </a:r>
+            <a:r>
+              <a:rPr lang="en-US" altLang="ko-KR"/>
+              <a:t>and</a:t>
+            </a:r>
+            <a:r>
+              <a:rPr lang="ko-KR" altLang="en-US"/>
+              <a:t> </a:t>
+            </a:r>
+            <a:r>
+              <a:rPr lang="en-US" altLang="ko-KR"/>
+              <a:t>y.</a:t>
+            </a:r>
+          </a:p>
+          <a:p>
+            <a:r>
+              <a:rPr lang="en-US" altLang="ko-KR"/>
+              <a:t>Does it make sense?</a:t>
+            </a:r>
+          </a:p>
+          <a:p>
+            <a:endParaRPr lang="en-US" altLang="ko-KR"/>
+          </a:p>
+          <a:p>
+            <a:r>
+              <a:rPr lang="en-US" altLang="ko-KR"/>
+              <a:t>And, we should define several functions for dot.</a:t>
+            </a:r>
+          </a:p>
+        </p:txBody>
+      </p:sp>
+      <p:sp>
+        <p:nvSpPr>
+          <p:cNvPr id="4" name="Slide Number Placeholder 3"/>
+          <p:cNvSpPr>
+            <a:spLocks noGrp="1"/>
+          </p:cNvSpPr>
+          <p:nvPr>
+            <p:ph type="sldNum" sz="quarter" idx="5"/>
+          </p:nvPr>
+        </p:nvSpPr>
+        <p:spPr/>
+        <p:txBody>
+          <a:bodyPr/>
+          <a:lstStyle/>
+          <a:p>
+            <a:fld id="{A248A177-227F-4E2F-A815-394152F0E3B8}" type="slidenum">
+              <a:rPr lang="ko-KR" altLang="en-US" smtClean="0"/>
+              <a:t>10</a:t>
+            </a:fld>
+            <a:endParaRPr lang="ko-KR" altLang="en-US"/>
+          </a:p>
+        </p:txBody>
+      </p:sp>
+    </p:spTree>
+    <p:extLst>
+      <p:ext uri="{BB962C8B-B14F-4D97-AF65-F5344CB8AC3E}">
+        <p14:creationId xmlns:p14="http://schemas.microsoft.com/office/powerpoint/2010/main" val="3059100668"/>
+      </p:ext>
+    </p:extLst>
+  </p:cSld>
+  <p:clrMapOvr>
+    <a:masterClrMapping/>
+  </p:clrMapOvr>
+</p:notes>
+</file>
+
+<file path=ppt/notesSlides/notesSlide11.xml><?xml version="1.0" encoding="utf-8"?>
+<p:notes xmlns:a="http://schemas.openxmlformats.org/drawingml/2006/main" xmlns:r="http://schemas.openxmlformats.org/officeDocument/2006/relationships" xmlns:p="http://schemas.openxmlformats.org/presentationml/2006/main">
+  <p:cSld>
+    <p:spTree>
+      <p:nvGrpSpPr>
+        <p:cNvPr id="1" name=""/>
+        <p:cNvGrpSpPr/>
+        <p:nvPr/>
+      </p:nvGrpSpPr>
+      <p:grpSpPr>
+        <a:xfrm>
+          <a:off x="0" y="0"/>
+          <a:ext cx="0" cy="0"/>
+          <a:chOff x="0" y="0"/>
+          <a:chExt cx="0" cy="0"/>
+        </a:xfrm>
+      </p:grpSpPr>
+      <p:sp>
+        <p:nvSpPr>
+          <p:cNvPr id="2" name="Slide Image Placeholder 1"/>
+          <p:cNvSpPr>
+            <a:spLocks noGrp="1" noRot="1" noChangeAspect="1"/>
+          </p:cNvSpPr>
+          <p:nvPr>
+            <p:ph type="sldImg"/>
+          </p:nvPr>
+        </p:nvSpPr>
+        <p:spPr/>
+      </p:sp>
+      <p:sp>
+        <p:nvSpPr>
+          <p:cNvPr id="3" name="Notes Placeholder 2"/>
+          <p:cNvSpPr>
+            <a:spLocks noGrp="1"/>
+          </p:cNvSpPr>
+          <p:nvPr>
+            <p:ph type="body" idx="1"/>
+          </p:nvPr>
+        </p:nvSpPr>
+        <p:spPr/>
+        <p:txBody>
+          <a:bodyPr/>
+          <a:lstStyle/>
+          <a:p>
+            <a:r>
+              <a:rPr lang="en-US" altLang="ko-KR"/>
+              <a:t>Before that, note that, the first parameter should be self.</a:t>
+            </a:r>
+          </a:p>
+          <a:p>
+            <a:r>
+              <a:rPr lang="en-US" altLang="ko-KR"/>
+              <a:t>This indicates itself.</a:t>
+            </a:r>
+          </a:p>
+          <a:p>
+            <a:endParaRPr lang="ko-KR" altLang="en-US"/>
+          </a:p>
+        </p:txBody>
+      </p:sp>
+      <p:sp>
+        <p:nvSpPr>
+          <p:cNvPr id="4" name="Slide Number Placeholder 3"/>
+          <p:cNvSpPr>
+            <a:spLocks noGrp="1"/>
+          </p:cNvSpPr>
+          <p:nvPr>
+            <p:ph type="sldNum" sz="quarter" idx="5"/>
+          </p:nvPr>
+        </p:nvSpPr>
+        <p:spPr/>
+        <p:txBody>
+          <a:bodyPr/>
+          <a:lstStyle/>
+          <a:p>
+            <a:fld id="{A248A177-227F-4E2F-A815-394152F0E3B8}" type="slidenum">
+              <a:rPr lang="ko-KR" altLang="en-US" smtClean="0"/>
+              <a:t>11</a:t>
+            </a:fld>
+            <a:endParaRPr lang="ko-KR" altLang="en-US"/>
+          </a:p>
+        </p:txBody>
+      </p:sp>
+    </p:spTree>
+    <p:extLst>
+      <p:ext uri="{BB962C8B-B14F-4D97-AF65-F5344CB8AC3E}">
+        <p14:creationId xmlns:p14="http://schemas.microsoft.com/office/powerpoint/2010/main" val="2754207735"/>
+      </p:ext>
+    </p:extLst>
+  </p:cSld>
+  <p:clrMapOvr>
+    <a:masterClrMapping/>
+  </p:clrMapOvr>
+</p:notes>
+</file>
+
+<file path=ppt/notesSlides/notesSlide12.xml><?xml version="1.0" encoding="utf-8"?>
+<p:notes xmlns:a="http://schemas.openxmlformats.org/drawingml/2006/main" xmlns:r="http://schemas.openxmlformats.org/officeDocument/2006/relationships" xmlns:p="http://schemas.openxmlformats.org/presentationml/2006/main">
+  <p:cSld>
+    <p:spTree>
+      <p:nvGrpSpPr>
+        <p:cNvPr id="1" name=""/>
+        <p:cNvGrpSpPr/>
+        <p:nvPr/>
+      </p:nvGrpSpPr>
+      <p:grpSpPr>
+        <a:xfrm>
+          <a:off x="0" y="0"/>
+          <a:ext cx="0" cy="0"/>
+          <a:chOff x="0" y="0"/>
+          <a:chExt cx="0" cy="0"/>
+        </a:xfrm>
+      </p:grpSpPr>
+      <p:sp>
+        <p:nvSpPr>
+          <p:cNvPr id="2" name="Slide Image Placeholder 1"/>
+          <p:cNvSpPr>
+            <a:spLocks noGrp="1" noRot="1" noChangeAspect="1"/>
+          </p:cNvSpPr>
+          <p:nvPr>
+            <p:ph type="sldImg"/>
+          </p:nvPr>
+        </p:nvSpPr>
+        <p:spPr/>
+      </p:sp>
+      <p:sp>
+        <p:nvSpPr>
+          <p:cNvPr id="3" name="Notes Placeholder 2"/>
+          <p:cNvSpPr>
+            <a:spLocks noGrp="1"/>
+          </p:cNvSpPr>
+          <p:nvPr>
+            <p:ph type="body" idx="1"/>
+          </p:nvPr>
+        </p:nvSpPr>
+        <p:spPr/>
+        <p:txBody>
+          <a:bodyPr/>
+          <a:lstStyle/>
+          <a:p>
+            <a:r>
+              <a:rPr lang="en-US" altLang="ko-KR"/>
+              <a:t>You can access some member variable by using self.</a:t>
+            </a:r>
+          </a:p>
+          <a:p>
+            <a:r>
+              <a:rPr lang="en-US" altLang="ko-KR"/>
+              <a:t>from when we call john dot get_name. the self dot name stands for John’s name.</a:t>
+            </a:r>
+          </a:p>
+        </p:txBody>
+      </p:sp>
+      <p:sp>
+        <p:nvSpPr>
+          <p:cNvPr id="4" name="Slide Number Placeholder 3"/>
+          <p:cNvSpPr>
+            <a:spLocks noGrp="1"/>
+          </p:cNvSpPr>
+          <p:nvPr>
+            <p:ph type="sldNum" sz="quarter" idx="5"/>
+          </p:nvPr>
+        </p:nvSpPr>
+        <p:spPr/>
+        <p:txBody>
+          <a:bodyPr/>
+          <a:lstStyle/>
+          <a:p>
+            <a:fld id="{A248A177-227F-4E2F-A815-394152F0E3B8}" type="slidenum">
+              <a:rPr lang="ko-KR" altLang="en-US" smtClean="0"/>
+              <a:t>12</a:t>
+            </a:fld>
+            <a:endParaRPr lang="ko-KR" altLang="en-US"/>
+          </a:p>
+        </p:txBody>
+      </p:sp>
+    </p:spTree>
+    <p:extLst>
+      <p:ext uri="{BB962C8B-B14F-4D97-AF65-F5344CB8AC3E}">
+        <p14:creationId xmlns:p14="http://schemas.microsoft.com/office/powerpoint/2010/main" val="2349416839"/>
+      </p:ext>
+    </p:extLst>
+  </p:cSld>
+  <p:clrMapOvr>
+    <a:masterClrMapping/>
+  </p:clrMapOvr>
+</p:notes>
+</file>
+
+<file path=ppt/notesSlides/notesSlide13.xml><?xml version="1.0" encoding="utf-8"?>
+<p:notes xmlns:a="http://schemas.openxmlformats.org/drawingml/2006/main" xmlns:r="http://schemas.openxmlformats.org/officeDocument/2006/relationships" xmlns:p="http://schemas.openxmlformats.org/presentationml/2006/main">
+  <p:cSld>
+    <p:spTree>
+      <p:nvGrpSpPr>
+        <p:cNvPr id="1" name=""/>
+        <p:cNvGrpSpPr/>
+        <p:nvPr/>
+      </p:nvGrpSpPr>
+      <p:grpSpPr>
+        <a:xfrm>
+          <a:off x="0" y="0"/>
+          <a:ext cx="0" cy="0"/>
+          <a:chOff x="0" y="0"/>
+          <a:chExt cx="0" cy="0"/>
+        </a:xfrm>
+      </p:grpSpPr>
+      <p:sp>
+        <p:nvSpPr>
+          <p:cNvPr id="2" name="Slide Image Placeholder 1"/>
+          <p:cNvSpPr>
+            <a:spLocks noGrp="1" noRot="1" noChangeAspect="1"/>
+          </p:cNvSpPr>
+          <p:nvPr>
+            <p:ph type="sldImg"/>
+          </p:nvPr>
+        </p:nvSpPr>
+        <p:spPr/>
+      </p:sp>
+      <p:sp>
+        <p:nvSpPr>
+          <p:cNvPr id="3" name="Notes Placeholder 2"/>
+          <p:cNvSpPr>
+            <a:spLocks noGrp="1"/>
+          </p:cNvSpPr>
+          <p:nvPr>
+            <p:ph type="body" idx="1"/>
+          </p:nvPr>
+        </p:nvSpPr>
+        <p:spPr/>
+        <p:txBody>
+          <a:bodyPr/>
+          <a:lstStyle/>
+          <a:p>
+            <a:r>
+              <a:rPr lang="en-US" altLang="ko-KR"/>
+              <a:t>Ok, then let’s make several method.</a:t>
+            </a:r>
+          </a:p>
+          <a:p>
+            <a:endParaRPr lang="en-US" altLang="ko-KR"/>
+          </a:p>
+          <a:p>
+            <a:r>
+              <a:rPr lang="en-US" altLang="ko-KR"/>
+              <a:t>first, dot_add method, add each x and y coordinate</a:t>
+            </a:r>
+          </a:p>
+          <a:p>
+            <a:r>
+              <a:rPr lang="en-US" altLang="ko-KR"/>
+              <a:t>for example, 2,3 add 1, 1 can be 3 , 4. right?</a:t>
+            </a:r>
+            <a:endParaRPr lang="ko-KR" altLang="en-US"/>
+          </a:p>
+        </p:txBody>
+      </p:sp>
+      <p:sp>
+        <p:nvSpPr>
+          <p:cNvPr id="4" name="Slide Number Placeholder 3"/>
+          <p:cNvSpPr>
+            <a:spLocks noGrp="1"/>
+          </p:cNvSpPr>
+          <p:nvPr>
+            <p:ph type="sldNum" sz="quarter" idx="5"/>
+          </p:nvPr>
+        </p:nvSpPr>
+        <p:spPr/>
+        <p:txBody>
+          <a:bodyPr/>
+          <a:lstStyle/>
+          <a:p>
+            <a:fld id="{A248A177-227F-4E2F-A815-394152F0E3B8}" type="slidenum">
+              <a:rPr lang="ko-KR" altLang="en-US" smtClean="0"/>
+              <a:t>13</a:t>
+            </a:fld>
+            <a:endParaRPr lang="ko-KR" altLang="en-US"/>
+          </a:p>
+        </p:txBody>
+      </p:sp>
+    </p:spTree>
+    <p:extLst>
+      <p:ext uri="{BB962C8B-B14F-4D97-AF65-F5344CB8AC3E}">
+        <p14:creationId xmlns:p14="http://schemas.microsoft.com/office/powerpoint/2010/main" val="369977806"/>
+      </p:ext>
+    </p:extLst>
+  </p:cSld>
+  <p:clrMapOvr>
+    <a:masterClrMapping/>
+  </p:clrMapOvr>
+</p:notes>
+</file>
+
+<file path=ppt/notesSlides/notesSlide14.xml><?xml version="1.0" encoding="utf-8"?>
+<p:notes xmlns:a="http://schemas.openxmlformats.org/drawingml/2006/main" xmlns:r="http://schemas.openxmlformats.org/officeDocument/2006/relationships" xmlns:p="http://schemas.openxmlformats.org/presentationml/2006/main">
+  <p:cSld>
+    <p:spTree>
+      <p:nvGrpSpPr>
+        <p:cNvPr id="1" name=""/>
+        <p:cNvGrpSpPr/>
+        <p:nvPr/>
+      </p:nvGrpSpPr>
+      <p:grpSpPr>
+        <a:xfrm>
+          <a:off x="0" y="0"/>
+          <a:ext cx="0" cy="0"/>
+          <a:chOff x="0" y="0"/>
+          <a:chExt cx="0" cy="0"/>
+        </a:xfrm>
+      </p:grpSpPr>
+      <p:sp>
+        <p:nvSpPr>
+          <p:cNvPr id="2" name="Slide Image Placeholder 1"/>
+          <p:cNvSpPr>
+            <a:spLocks noGrp="1" noRot="1" noChangeAspect="1"/>
+          </p:cNvSpPr>
+          <p:nvPr>
+            <p:ph type="sldImg"/>
+          </p:nvPr>
+        </p:nvSpPr>
+        <p:spPr/>
+      </p:sp>
+      <p:sp>
+        <p:nvSpPr>
+          <p:cNvPr id="3" name="Notes Placeholder 2"/>
+          <p:cNvSpPr>
+            <a:spLocks noGrp="1"/>
+          </p:cNvSpPr>
+          <p:nvPr>
+            <p:ph type="body" idx="1"/>
+          </p:nvPr>
+        </p:nvSpPr>
+        <p:spPr/>
+        <p:txBody>
+          <a:bodyPr/>
+          <a:lstStyle/>
+          <a:p>
+            <a:r>
+              <a:rPr lang="en-US" altLang="ko-KR"/>
+              <a:t>And then, we can define dot_distance function. It returns the distance between two points</a:t>
+            </a:r>
+          </a:p>
+          <a:p>
+            <a:r>
+              <a:rPr lang="en-US" altLang="ko-KR"/>
+              <a:t>so, in this case, it should be square root 5, about 2.23</a:t>
+            </a:r>
+            <a:endParaRPr lang="ko-KR" altLang="en-US"/>
+          </a:p>
+        </p:txBody>
+      </p:sp>
+      <p:sp>
+        <p:nvSpPr>
+          <p:cNvPr id="4" name="Slide Number Placeholder 3"/>
+          <p:cNvSpPr>
+            <a:spLocks noGrp="1"/>
+          </p:cNvSpPr>
+          <p:nvPr>
+            <p:ph type="sldNum" sz="quarter" idx="5"/>
+          </p:nvPr>
+        </p:nvSpPr>
+        <p:spPr/>
+        <p:txBody>
+          <a:bodyPr/>
+          <a:lstStyle/>
+          <a:p>
+            <a:fld id="{A248A177-227F-4E2F-A815-394152F0E3B8}" type="slidenum">
+              <a:rPr lang="ko-KR" altLang="en-US" smtClean="0"/>
+              <a:t>14</a:t>
+            </a:fld>
+            <a:endParaRPr lang="ko-KR" altLang="en-US"/>
+          </a:p>
+        </p:txBody>
+      </p:sp>
+    </p:spTree>
+    <p:extLst>
+      <p:ext uri="{BB962C8B-B14F-4D97-AF65-F5344CB8AC3E}">
+        <p14:creationId xmlns:p14="http://schemas.microsoft.com/office/powerpoint/2010/main" val="3050056693"/>
+      </p:ext>
+    </p:extLst>
+  </p:cSld>
+  <p:clrMapOvr>
+    <a:masterClrMapping/>
+  </p:clrMapOvr>
+</p:notes>
+</file>
+
+<file path=ppt/notesSlides/notesSlide15.xml><?xml version="1.0" encoding="utf-8"?>
+<p:notes xmlns:a="http://schemas.openxmlformats.org/drawingml/2006/main" xmlns:r="http://schemas.openxmlformats.org/officeDocument/2006/relationships" xmlns:p="http://schemas.openxmlformats.org/presentationml/2006/main">
+  <p:cSld>
+    <p:spTree>
+      <p:nvGrpSpPr>
+        <p:cNvPr id="1" name=""/>
+        <p:cNvGrpSpPr/>
+        <p:nvPr/>
+      </p:nvGrpSpPr>
+      <p:grpSpPr>
+        <a:xfrm>
+          <a:off x="0" y="0"/>
+          <a:ext cx="0" cy="0"/>
+          <a:chOff x="0" y="0"/>
+          <a:chExt cx="0" cy="0"/>
+        </a:xfrm>
+      </p:grpSpPr>
+      <p:sp>
+        <p:nvSpPr>
+          <p:cNvPr id="2" name="Slide Image Placeholder 1"/>
+          <p:cNvSpPr>
+            <a:spLocks noGrp="1" noRot="1" noChangeAspect="1"/>
+          </p:cNvSpPr>
+          <p:nvPr>
+            <p:ph type="sldImg"/>
+          </p:nvPr>
+        </p:nvSpPr>
+        <p:spPr/>
+      </p:sp>
+      <p:sp>
+        <p:nvSpPr>
+          <p:cNvPr id="3" name="Notes Placeholder 2"/>
+          <p:cNvSpPr>
+            <a:spLocks noGrp="1"/>
+          </p:cNvSpPr>
+          <p:nvPr>
+            <p:ph type="body" idx="1"/>
+          </p:nvPr>
+        </p:nvSpPr>
+        <p:spPr/>
+        <p:txBody>
+          <a:bodyPr/>
+          <a:lstStyle/>
+          <a:p>
+            <a:r>
+              <a:rPr lang="en-US" altLang="ko-KR"/>
+              <a:t>Other methods are defined in the skeleton, so please refer to this.</a:t>
+            </a:r>
+            <a:endParaRPr lang="ko-KR" altLang="en-US"/>
+          </a:p>
+        </p:txBody>
+      </p:sp>
+      <p:sp>
+        <p:nvSpPr>
+          <p:cNvPr id="4" name="Slide Number Placeholder 3"/>
+          <p:cNvSpPr>
+            <a:spLocks noGrp="1"/>
+          </p:cNvSpPr>
+          <p:nvPr>
+            <p:ph type="sldNum" sz="quarter" idx="5"/>
+          </p:nvPr>
+        </p:nvSpPr>
+        <p:spPr/>
+        <p:txBody>
+          <a:bodyPr/>
+          <a:lstStyle/>
+          <a:p>
+            <a:fld id="{A248A177-227F-4E2F-A815-394152F0E3B8}" type="slidenum">
+              <a:rPr lang="ko-KR" altLang="en-US" smtClean="0"/>
+              <a:t>15</a:t>
+            </a:fld>
+            <a:endParaRPr lang="ko-KR" altLang="en-US"/>
+          </a:p>
+        </p:txBody>
+      </p:sp>
+    </p:spTree>
+    <p:extLst>
+      <p:ext uri="{BB962C8B-B14F-4D97-AF65-F5344CB8AC3E}">
+        <p14:creationId xmlns:p14="http://schemas.microsoft.com/office/powerpoint/2010/main" val="111582234"/>
+      </p:ext>
+    </p:extLst>
+  </p:cSld>
+  <p:clrMapOvr>
+    <a:masterClrMapping/>
+  </p:clrMapOvr>
+</p:notes>
+</file>
+
+<file path=ppt/notesSlides/notesSlide16.xml><?xml version="1.0" encoding="utf-8"?>
+<p:notes xmlns:a="http://schemas.openxmlformats.org/drawingml/2006/main" xmlns:r="http://schemas.openxmlformats.org/officeDocument/2006/relationships" xmlns:p="http://schemas.openxmlformats.org/presentationml/2006/main">
+  <p:cSld>
+    <p:spTree>
+      <p:nvGrpSpPr>
+        <p:cNvPr id="1" name=""/>
+        <p:cNvGrpSpPr/>
+        <p:nvPr/>
+      </p:nvGrpSpPr>
+      <p:grpSpPr>
+        <a:xfrm>
+          <a:off x="0" y="0"/>
+          <a:ext cx="0" cy="0"/>
+          <a:chOff x="0" y="0"/>
+          <a:chExt cx="0" cy="0"/>
+        </a:xfrm>
+      </p:grpSpPr>
+      <p:sp>
+        <p:nvSpPr>
+          <p:cNvPr id="2" name="Slide Image Placeholder 1"/>
+          <p:cNvSpPr>
+            <a:spLocks noGrp="1" noRot="1" noChangeAspect="1"/>
+          </p:cNvSpPr>
+          <p:nvPr>
+            <p:ph type="sldImg"/>
+          </p:nvPr>
+        </p:nvSpPr>
+        <p:spPr/>
+      </p:sp>
+      <p:sp>
+        <p:nvSpPr>
+          <p:cNvPr id="3" name="Notes Placeholder 2"/>
+          <p:cNvSpPr>
+            <a:spLocks noGrp="1"/>
+          </p:cNvSpPr>
+          <p:nvPr>
+            <p:ph type="body" idx="1"/>
+          </p:nvPr>
+        </p:nvSpPr>
+        <p:spPr/>
+        <p:txBody>
+          <a:bodyPr/>
+          <a:lstStyle/>
+          <a:p>
+            <a:r>
+              <a:rPr lang="en-US" altLang="ko-KR"/>
+              <a:t>Ok, then let’s start. We will make it together, but if you can, try to make your own answer.</a:t>
+            </a:r>
+            <a:endParaRPr lang="ko-KR" altLang="en-US"/>
+          </a:p>
+        </p:txBody>
+      </p:sp>
+      <p:sp>
+        <p:nvSpPr>
+          <p:cNvPr id="4" name="Slide Number Placeholder 3"/>
+          <p:cNvSpPr>
+            <a:spLocks noGrp="1"/>
+          </p:cNvSpPr>
+          <p:nvPr>
+            <p:ph type="sldNum" sz="quarter" idx="5"/>
+          </p:nvPr>
+        </p:nvSpPr>
+        <p:spPr/>
+        <p:txBody>
+          <a:bodyPr/>
+          <a:lstStyle/>
+          <a:p>
+            <a:fld id="{A248A177-227F-4E2F-A815-394152F0E3B8}" type="slidenum">
+              <a:rPr lang="ko-KR" altLang="en-US" smtClean="0"/>
+              <a:t>16</a:t>
+            </a:fld>
+            <a:endParaRPr lang="ko-KR" altLang="en-US"/>
+          </a:p>
+        </p:txBody>
+      </p:sp>
+    </p:spTree>
+    <p:extLst>
+      <p:ext uri="{BB962C8B-B14F-4D97-AF65-F5344CB8AC3E}">
+        <p14:creationId xmlns:p14="http://schemas.microsoft.com/office/powerpoint/2010/main" val="3177592950"/>
+      </p:ext>
+    </p:extLst>
+  </p:cSld>
+  <p:clrMapOvr>
+    <a:masterClrMapping/>
+  </p:clrMapOvr>
+</p:notes>
+</file>
+
+<file path=ppt/notesSlides/notesSlide17.xml><?xml version="1.0" encoding="utf-8"?>
+<p:notes xmlns:a="http://schemas.openxmlformats.org/drawingml/2006/main" xmlns:r="http://schemas.openxmlformats.org/officeDocument/2006/relationships" xmlns:p="http://schemas.openxmlformats.org/presentationml/2006/main">
+  <p:cSld>
+    <p:spTree>
+      <p:nvGrpSpPr>
+        <p:cNvPr id="1" name=""/>
+        <p:cNvGrpSpPr/>
+        <p:nvPr/>
+      </p:nvGrpSpPr>
+      <p:grpSpPr>
+        <a:xfrm>
+          <a:off x="0" y="0"/>
+          <a:ext cx="0" cy="0"/>
+          <a:chOff x="0" y="0"/>
+          <a:chExt cx="0" cy="0"/>
+        </a:xfrm>
+      </p:grpSpPr>
+      <p:sp>
+        <p:nvSpPr>
+          <p:cNvPr id="2" name="Slide Image Placeholder 1"/>
+          <p:cNvSpPr>
+            <a:spLocks noGrp="1" noRot="1" noChangeAspect="1"/>
+          </p:cNvSpPr>
+          <p:nvPr>
+            <p:ph type="sldImg"/>
+          </p:nvPr>
+        </p:nvSpPr>
+        <p:spPr/>
+      </p:sp>
+      <p:sp>
+        <p:nvSpPr>
+          <p:cNvPr id="3" name="Notes Placeholder 2"/>
+          <p:cNvSpPr>
+            <a:spLocks noGrp="1"/>
+          </p:cNvSpPr>
+          <p:nvPr>
+            <p:ph type="body" idx="1"/>
+          </p:nvPr>
+        </p:nvSpPr>
+        <p:spPr/>
+        <p:txBody>
+          <a:bodyPr/>
+          <a:lstStyle/>
+          <a:p>
+            <a:r>
+              <a:rPr lang="en-US" altLang="ko-KR"/>
+              <a:t>Then, let’s make a car.</a:t>
+            </a:r>
+            <a:endParaRPr lang="ko-KR" altLang="en-US"/>
+          </a:p>
+        </p:txBody>
+      </p:sp>
+      <p:sp>
+        <p:nvSpPr>
+          <p:cNvPr id="4" name="Slide Number Placeholder 3"/>
+          <p:cNvSpPr>
+            <a:spLocks noGrp="1"/>
+          </p:cNvSpPr>
+          <p:nvPr>
+            <p:ph type="sldNum" sz="quarter" idx="5"/>
+          </p:nvPr>
+        </p:nvSpPr>
+        <p:spPr/>
+        <p:txBody>
+          <a:bodyPr/>
+          <a:lstStyle/>
+          <a:p>
+            <a:fld id="{A248A177-227F-4E2F-A815-394152F0E3B8}" type="slidenum">
+              <a:rPr lang="ko-KR" altLang="en-US" smtClean="0"/>
+              <a:t>17</a:t>
+            </a:fld>
+            <a:endParaRPr lang="ko-KR" altLang="en-US"/>
+          </a:p>
+        </p:txBody>
+      </p:sp>
+    </p:spTree>
+    <p:extLst>
+      <p:ext uri="{BB962C8B-B14F-4D97-AF65-F5344CB8AC3E}">
+        <p14:creationId xmlns:p14="http://schemas.microsoft.com/office/powerpoint/2010/main" val="2457873004"/>
+      </p:ext>
+    </p:extLst>
+  </p:cSld>
+  <p:clrMapOvr>
+    <a:masterClrMapping/>
+  </p:clrMapOvr>
+</p:notes>
+</file>
+
+<file path=ppt/notesSlides/notesSlide18.xml><?xml version="1.0" encoding="utf-8"?>
+<p:notes xmlns:a="http://schemas.openxmlformats.org/drawingml/2006/main" xmlns:r="http://schemas.openxmlformats.org/officeDocument/2006/relationships" xmlns:p="http://schemas.openxmlformats.org/presentationml/2006/main">
+  <p:cSld>
+    <p:spTree>
+      <p:nvGrpSpPr>
+        <p:cNvPr id="1" name=""/>
+        <p:cNvGrpSpPr/>
+        <p:nvPr/>
+      </p:nvGrpSpPr>
+      <p:grpSpPr>
+        <a:xfrm>
+          <a:off x="0" y="0"/>
+          <a:ext cx="0" cy="0"/>
+          <a:chOff x="0" y="0"/>
+          <a:chExt cx="0" cy="0"/>
+        </a:xfrm>
+      </p:grpSpPr>
+      <p:sp>
+        <p:nvSpPr>
+          <p:cNvPr id="2" name="Slide Image Placeholder 1"/>
+          <p:cNvSpPr>
+            <a:spLocks noGrp="1" noRot="1" noChangeAspect="1"/>
+          </p:cNvSpPr>
+          <p:nvPr>
+            <p:ph type="sldImg"/>
+          </p:nvPr>
+        </p:nvSpPr>
+        <p:spPr/>
+      </p:sp>
+      <p:sp>
+        <p:nvSpPr>
+          <p:cNvPr id="3" name="Notes Placeholder 2"/>
+          <p:cNvSpPr>
+            <a:spLocks noGrp="1"/>
+          </p:cNvSpPr>
+          <p:nvPr>
+            <p:ph type="body" idx="1"/>
+          </p:nvPr>
+        </p:nvSpPr>
+        <p:spPr/>
+        <p:txBody>
+          <a:bodyPr/>
+          <a:lstStyle/>
+          <a:p>
+            <a:r>
+              <a:rPr lang="en-US" altLang="ko-KR"/>
+              <a:t>Car, can do drive. It is essential for the car, do you agree?</a:t>
+            </a:r>
+          </a:p>
+          <a:p>
+            <a:r>
+              <a:rPr lang="en-US" altLang="ko-KR"/>
+              <a:t>Also, you can check the status of car such as fuel , total distance, etc.</a:t>
+            </a:r>
+          </a:p>
+          <a:p>
+            <a:endParaRPr lang="en-US" altLang="ko-KR"/>
+          </a:p>
+          <a:p>
+            <a:r>
+              <a:rPr lang="en-US" altLang="ko-KR"/>
+              <a:t>Also, each car has its own features</a:t>
+            </a:r>
+          </a:p>
+          <a:p>
+            <a:r>
+              <a:rPr lang="en-US" altLang="ko-KR"/>
+              <a:t>car name can be BMW, </a:t>
+            </a:r>
+            <a:r>
+              <a:rPr lang="ko-KR" altLang="en-US"/>
+              <a:t>포르쉐</a:t>
+            </a:r>
+            <a:r>
+              <a:rPr lang="en-US" altLang="ko-KR"/>
+              <a:t>, benz</a:t>
+            </a:r>
+          </a:p>
+          <a:p>
+            <a:r>
+              <a:rPr lang="en-US" altLang="ko-KR"/>
+              <a:t>also, each one has difference mileage, an efficiency of fuel usage</a:t>
+            </a:r>
+          </a:p>
+          <a:p>
+            <a:r>
+              <a:rPr lang="en-US" altLang="ko-KR"/>
+              <a:t>and max fuel. a capacity</a:t>
+            </a:r>
+          </a:p>
+          <a:p>
+            <a:endParaRPr lang="en-US" altLang="ko-KR"/>
+          </a:p>
+        </p:txBody>
+      </p:sp>
+      <p:sp>
+        <p:nvSpPr>
+          <p:cNvPr id="4" name="Slide Number Placeholder 3"/>
+          <p:cNvSpPr>
+            <a:spLocks noGrp="1"/>
+          </p:cNvSpPr>
+          <p:nvPr>
+            <p:ph type="sldNum" sz="quarter" idx="5"/>
+          </p:nvPr>
+        </p:nvSpPr>
+        <p:spPr/>
+        <p:txBody>
+          <a:bodyPr/>
+          <a:lstStyle/>
+          <a:p>
+            <a:fld id="{A248A177-227F-4E2F-A815-394152F0E3B8}" type="slidenum">
+              <a:rPr lang="ko-KR" altLang="en-US" smtClean="0"/>
+              <a:t>18</a:t>
+            </a:fld>
+            <a:endParaRPr lang="ko-KR" altLang="en-US"/>
+          </a:p>
+        </p:txBody>
+      </p:sp>
+    </p:spTree>
+    <p:extLst>
+      <p:ext uri="{BB962C8B-B14F-4D97-AF65-F5344CB8AC3E}">
+        <p14:creationId xmlns:p14="http://schemas.microsoft.com/office/powerpoint/2010/main" val="494788965"/>
+      </p:ext>
+    </p:extLst>
+  </p:cSld>
+  <p:clrMapOvr>
+    <a:masterClrMapping/>
+  </p:clrMapOvr>
+</p:notes>
+</file>
+
+<file path=ppt/notesSlides/notesSlide19.xml><?xml version="1.0" encoding="utf-8"?>
+<p:notes xmlns:a="http://schemas.openxmlformats.org/drawingml/2006/main" xmlns:r="http://schemas.openxmlformats.org/officeDocument/2006/relationships" xmlns:p="http://schemas.openxmlformats.org/presentationml/2006/main">
+  <p:cSld>
+    <p:spTree>
+      <p:nvGrpSpPr>
+        <p:cNvPr id="1" name=""/>
+        <p:cNvGrpSpPr/>
+        <p:nvPr/>
+      </p:nvGrpSpPr>
+      <p:grpSpPr>
+        <a:xfrm>
+          <a:off x="0" y="0"/>
+          <a:ext cx="0" cy="0"/>
+          <a:chOff x="0" y="0"/>
+          <a:chExt cx="0" cy="0"/>
+        </a:xfrm>
+      </p:grpSpPr>
+      <p:sp>
+        <p:nvSpPr>
+          <p:cNvPr id="2" name="Slide Image Placeholder 1"/>
+          <p:cNvSpPr>
+            <a:spLocks noGrp="1" noRot="1" noChangeAspect="1"/>
+          </p:cNvSpPr>
+          <p:nvPr>
+            <p:ph type="sldImg"/>
+          </p:nvPr>
+        </p:nvSpPr>
+        <p:spPr/>
+      </p:sp>
+      <p:sp>
+        <p:nvSpPr>
+          <p:cNvPr id="3" name="Notes Placeholder 2"/>
+          <p:cNvSpPr>
+            <a:spLocks noGrp="1"/>
+          </p:cNvSpPr>
+          <p:nvPr>
+            <p:ph type="body" idx="1"/>
+          </p:nvPr>
+        </p:nvSpPr>
+        <p:spPr/>
+        <p:txBody>
+          <a:bodyPr/>
+          <a:lstStyle/>
+          <a:p>
+            <a:r>
+              <a:rPr lang="en-US" altLang="ko-KR"/>
+              <a:t>SO. car should have these member variables. right?</a:t>
+            </a:r>
+          </a:p>
+          <a:p>
+            <a:endParaRPr lang="ko-KR" altLang="en-US"/>
+          </a:p>
+        </p:txBody>
+      </p:sp>
+      <p:sp>
+        <p:nvSpPr>
+          <p:cNvPr id="4" name="Slide Number Placeholder 3"/>
+          <p:cNvSpPr>
+            <a:spLocks noGrp="1"/>
+          </p:cNvSpPr>
+          <p:nvPr>
+            <p:ph type="sldNum" sz="quarter" idx="5"/>
+          </p:nvPr>
+        </p:nvSpPr>
+        <p:spPr/>
+        <p:txBody>
+          <a:bodyPr/>
+          <a:lstStyle/>
+          <a:p>
+            <a:fld id="{A248A177-227F-4E2F-A815-394152F0E3B8}" type="slidenum">
+              <a:rPr lang="ko-KR" altLang="en-US" smtClean="0"/>
+              <a:t>19</a:t>
+            </a:fld>
+            <a:endParaRPr lang="ko-KR" altLang="en-US"/>
+          </a:p>
+        </p:txBody>
+      </p:sp>
+    </p:spTree>
+    <p:extLst>
+      <p:ext uri="{BB962C8B-B14F-4D97-AF65-F5344CB8AC3E}">
+        <p14:creationId xmlns:p14="http://schemas.microsoft.com/office/powerpoint/2010/main" val="4247787731"/>
       </p:ext>
     </p:extLst>
   </p:cSld>
@@ -610,10 +1639,49 @@
           <a:bodyPr/>
           <a:lstStyle/>
           <a:p>
-            <a:endParaRPr lang="en-US" altLang="ko-KR" dirty="0"/>
-          </a:p>
-          <a:p>
-            <a:endParaRPr lang="ko-KR" altLang="en-US" dirty="0"/>
+            <a:r>
+              <a:rPr lang="en-US" altLang="ko-KR"/>
+              <a:t>first, we will announce something about realtime class.</a:t>
+            </a:r>
+          </a:p>
+          <a:p>
+            <a:r>
+              <a:rPr lang="en-US" altLang="ko-KR"/>
+              <a:t>ANd then, we will implement two class in the exercise.</a:t>
+            </a:r>
+            <a:r>
+              <a:rPr lang="ko-KR" altLang="en-US"/>
+              <a:t> </a:t>
+            </a:r>
+            <a:r>
+              <a:rPr lang="en-US" altLang="ko-KR"/>
+              <a:t>Dot,</a:t>
+            </a:r>
+            <a:r>
+              <a:rPr lang="ko-KR" altLang="en-US"/>
+              <a:t> </a:t>
+            </a:r>
+            <a:r>
+              <a:rPr lang="en-US" altLang="ko-KR"/>
+              <a:t>and</a:t>
+            </a:r>
+            <a:r>
+              <a:rPr lang="ko-KR" altLang="en-US"/>
+              <a:t> </a:t>
+            </a:r>
+            <a:r>
+              <a:rPr lang="en-US" altLang="ko-KR"/>
+              <a:t>car.</a:t>
+            </a:r>
+          </a:p>
+          <a:p>
+            <a:r>
+              <a:rPr lang="en-US" altLang="ko-KR"/>
+              <a:t>This lab session will be quite easier than other session. Because it is first programming session.</a:t>
+            </a:r>
+          </a:p>
+          <a:p>
+            <a:endParaRPr lang="en-US" altLang="ko-KR"/>
           </a:p>
         </p:txBody>
       </p:sp>
@@ -644,6 +1712,321 @@
     <p:extLst>
       <p:ext uri="{BB962C8B-B14F-4D97-AF65-F5344CB8AC3E}">
         <p14:creationId xmlns:p14="http://schemas.microsoft.com/office/powerpoint/2010/main" val="2981302599"/>
+      </p:ext>
+    </p:extLst>
+  </p:cSld>
+  <p:clrMapOvr>
+    <a:masterClrMapping/>
+  </p:clrMapOvr>
+</p:notes>
+</file>
+
+<file path=ppt/notesSlides/notesSlide20.xml><?xml version="1.0" encoding="utf-8"?>
+<p:notes xmlns:a="http://schemas.openxmlformats.org/drawingml/2006/main" xmlns:r="http://schemas.openxmlformats.org/officeDocument/2006/relationships" xmlns:p="http://schemas.openxmlformats.org/presentationml/2006/main">
+  <p:cSld>
+    <p:spTree>
+      <p:nvGrpSpPr>
+        <p:cNvPr id="1" name=""/>
+        <p:cNvGrpSpPr/>
+        <p:nvPr/>
+      </p:nvGrpSpPr>
+      <p:grpSpPr>
+        <a:xfrm>
+          <a:off x="0" y="0"/>
+          <a:ext cx="0" cy="0"/>
+          <a:chOff x="0" y="0"/>
+          <a:chExt cx="0" cy="0"/>
+        </a:xfrm>
+      </p:grpSpPr>
+      <p:sp>
+        <p:nvSpPr>
+          <p:cNvPr id="2" name="Slide Image Placeholder 1"/>
+          <p:cNvSpPr>
+            <a:spLocks noGrp="1" noRot="1" noChangeAspect="1"/>
+          </p:cNvSpPr>
+          <p:nvPr>
+            <p:ph type="sldImg"/>
+          </p:nvPr>
+        </p:nvSpPr>
+        <p:spPr/>
+      </p:sp>
+      <p:sp>
+        <p:nvSpPr>
+          <p:cNvPr id="3" name="Notes Placeholder 2"/>
+          <p:cNvSpPr>
+            <a:spLocks noGrp="1"/>
+          </p:cNvSpPr>
+          <p:nvPr>
+            <p:ph type="body" idx="1"/>
+          </p:nvPr>
+        </p:nvSpPr>
+        <p:spPr/>
+        <p:txBody>
+          <a:bodyPr/>
+          <a:lstStyle/>
+          <a:p>
+            <a:r>
+              <a:rPr lang="en-US" altLang="ko-KR"/>
+              <a:t>And then, let’s implement three methods for car</a:t>
+            </a:r>
+          </a:p>
+          <a:p>
+            <a:endParaRPr lang="en-US" altLang="ko-KR"/>
+          </a:p>
+          <a:p>
+            <a:r>
+              <a:rPr lang="en-US" altLang="ko-KR"/>
+              <a:t>brrr is driving car. You can drive several km, and consumes several amount of fuel.</a:t>
+            </a:r>
+          </a:p>
+          <a:p>
+            <a:r>
+              <a:rPr lang="en-US" altLang="ko-KR"/>
+              <a:t>If you don’t have enough fuel. You cannot go</a:t>
+            </a:r>
+          </a:p>
+          <a:p>
+            <a:endParaRPr lang="en-US" altLang="ko-KR"/>
+          </a:p>
+          <a:p>
+            <a:r>
+              <a:rPr lang="en-US" altLang="ko-KR"/>
+              <a:t>And gas_station, is visiting gas station, so you can fill the fuel.</a:t>
+            </a:r>
+          </a:p>
+          <a:p>
+            <a:r>
+              <a:rPr lang="en-US" altLang="ko-KR"/>
+              <a:t>It is free gas station! so just fill, without charge.</a:t>
+            </a:r>
+            <a:endParaRPr lang="ko-KR" altLang="en-US"/>
+          </a:p>
+        </p:txBody>
+      </p:sp>
+      <p:sp>
+        <p:nvSpPr>
+          <p:cNvPr id="4" name="Slide Number Placeholder 3"/>
+          <p:cNvSpPr>
+            <a:spLocks noGrp="1"/>
+          </p:cNvSpPr>
+          <p:nvPr>
+            <p:ph type="sldNum" sz="quarter" idx="5"/>
+          </p:nvPr>
+        </p:nvSpPr>
+        <p:spPr/>
+        <p:txBody>
+          <a:bodyPr/>
+          <a:lstStyle/>
+          <a:p>
+            <a:fld id="{A248A177-227F-4E2F-A815-394152F0E3B8}" type="slidenum">
+              <a:rPr lang="ko-KR" altLang="en-US" smtClean="0"/>
+              <a:t>20</a:t>
+            </a:fld>
+            <a:endParaRPr lang="ko-KR" altLang="en-US"/>
+          </a:p>
+        </p:txBody>
+      </p:sp>
+    </p:spTree>
+    <p:extLst>
+      <p:ext uri="{BB962C8B-B14F-4D97-AF65-F5344CB8AC3E}">
+        <p14:creationId xmlns:p14="http://schemas.microsoft.com/office/powerpoint/2010/main" val="1461159997"/>
+      </p:ext>
+    </p:extLst>
+  </p:cSld>
+  <p:clrMapOvr>
+    <a:masterClrMapping/>
+  </p:clrMapOvr>
+</p:notes>
+</file>
+
+<file path=ppt/notesSlides/notesSlide21.xml><?xml version="1.0" encoding="utf-8"?>
+<p:notes xmlns:a="http://schemas.openxmlformats.org/drawingml/2006/main" xmlns:r="http://schemas.openxmlformats.org/officeDocument/2006/relationships" xmlns:p="http://schemas.openxmlformats.org/presentationml/2006/main">
+  <p:cSld>
+    <p:spTree>
+      <p:nvGrpSpPr>
+        <p:cNvPr id="1" name=""/>
+        <p:cNvGrpSpPr/>
+        <p:nvPr/>
+      </p:nvGrpSpPr>
+      <p:grpSpPr>
+        <a:xfrm>
+          <a:off x="0" y="0"/>
+          <a:ext cx="0" cy="0"/>
+          <a:chOff x="0" y="0"/>
+          <a:chExt cx="0" cy="0"/>
+        </a:xfrm>
+      </p:grpSpPr>
+      <p:sp>
+        <p:nvSpPr>
+          <p:cNvPr id="2" name="Slide Image Placeholder 1"/>
+          <p:cNvSpPr>
+            <a:spLocks noGrp="1" noRot="1" noChangeAspect="1"/>
+          </p:cNvSpPr>
+          <p:nvPr>
+            <p:ph type="sldImg"/>
+          </p:nvPr>
+        </p:nvSpPr>
+        <p:spPr/>
+      </p:sp>
+      <p:sp>
+        <p:nvSpPr>
+          <p:cNvPr id="3" name="Notes Placeholder 2"/>
+          <p:cNvSpPr>
+            <a:spLocks noGrp="1"/>
+          </p:cNvSpPr>
+          <p:nvPr>
+            <p:ph type="body" idx="1"/>
+          </p:nvPr>
+        </p:nvSpPr>
+        <p:spPr/>
+        <p:txBody>
+          <a:bodyPr/>
+          <a:lstStyle/>
+          <a:p>
+            <a:r>
+              <a:rPr lang="en-US" altLang="ko-KR"/>
+              <a:t>Andthen, last method is status. show the current status.</a:t>
+            </a:r>
+          </a:p>
+          <a:p>
+            <a:r>
+              <a:rPr lang="en-US" altLang="ko-KR"/>
+              <a:t>You can follow the fomat like this. It is explained in the skeleton code.</a:t>
+            </a:r>
+          </a:p>
+          <a:p>
+            <a:endParaRPr lang="en-US" altLang="ko-KR"/>
+          </a:p>
+          <a:p>
+            <a:endParaRPr lang="ko-KR" altLang="en-US"/>
+          </a:p>
+        </p:txBody>
+      </p:sp>
+      <p:sp>
+        <p:nvSpPr>
+          <p:cNvPr id="4" name="Slide Number Placeholder 3"/>
+          <p:cNvSpPr>
+            <a:spLocks noGrp="1"/>
+          </p:cNvSpPr>
+          <p:nvPr>
+            <p:ph type="sldNum" sz="quarter" idx="5"/>
+          </p:nvPr>
+        </p:nvSpPr>
+        <p:spPr/>
+        <p:txBody>
+          <a:bodyPr/>
+          <a:lstStyle/>
+          <a:p>
+            <a:fld id="{A248A177-227F-4E2F-A815-394152F0E3B8}" type="slidenum">
+              <a:rPr lang="ko-KR" altLang="en-US" smtClean="0"/>
+              <a:t>21</a:t>
+            </a:fld>
+            <a:endParaRPr lang="ko-KR" altLang="en-US"/>
+          </a:p>
+        </p:txBody>
+      </p:sp>
+    </p:spTree>
+    <p:extLst>
+      <p:ext uri="{BB962C8B-B14F-4D97-AF65-F5344CB8AC3E}">
+        <p14:creationId xmlns:p14="http://schemas.microsoft.com/office/powerpoint/2010/main" val="1496603614"/>
+      </p:ext>
+    </p:extLst>
+  </p:cSld>
+  <p:clrMapOvr>
+    <a:masterClrMapping/>
+  </p:clrMapOvr>
+</p:notes>
+</file>
+
+<file path=ppt/notesSlides/notesSlide22.xml><?xml version="1.0" encoding="utf-8"?>
+<p:notes xmlns:a="http://schemas.openxmlformats.org/drawingml/2006/main" xmlns:r="http://schemas.openxmlformats.org/officeDocument/2006/relationships" xmlns:p="http://schemas.openxmlformats.org/presentationml/2006/main">
+  <p:cSld>
+    <p:spTree>
+      <p:nvGrpSpPr>
+        <p:cNvPr id="1" name=""/>
+        <p:cNvGrpSpPr/>
+        <p:nvPr/>
+      </p:nvGrpSpPr>
+      <p:grpSpPr>
+        <a:xfrm>
+          <a:off x="0" y="0"/>
+          <a:ext cx="0" cy="0"/>
+          <a:chOff x="0" y="0"/>
+          <a:chExt cx="0" cy="0"/>
+        </a:xfrm>
+      </p:grpSpPr>
+      <p:sp>
+        <p:nvSpPr>
+          <p:cNvPr id="2" name="Slide Image Placeholder 1"/>
+          <p:cNvSpPr>
+            <a:spLocks noGrp="1" noRot="1" noChangeAspect="1"/>
+          </p:cNvSpPr>
+          <p:nvPr>
+            <p:ph type="sldImg"/>
+          </p:nvPr>
+        </p:nvSpPr>
+        <p:spPr/>
+      </p:sp>
+      <p:sp>
+        <p:nvSpPr>
+          <p:cNvPr id="3" name="Notes Placeholder 2"/>
+          <p:cNvSpPr>
+            <a:spLocks noGrp="1"/>
+          </p:cNvSpPr>
+          <p:nvPr>
+            <p:ph type="body" idx="1"/>
+          </p:nvPr>
+        </p:nvSpPr>
+        <p:spPr/>
+        <p:txBody>
+          <a:bodyPr/>
+          <a:lstStyle/>
+          <a:p>
+            <a:r>
+              <a:rPr lang="en-US" altLang="ko-KR"/>
+              <a:t>Then, please refer to the skeleton</a:t>
+            </a:r>
+            <a:r>
+              <a:rPr lang="ko-KR" altLang="en-US"/>
+              <a:t> </a:t>
+            </a:r>
+            <a:r>
+              <a:rPr lang="en-US" altLang="ko-KR"/>
+              <a:t>code.</a:t>
+            </a:r>
+          </a:p>
+          <a:p>
+            <a:endParaRPr lang="ko-KR" altLang="en-US"/>
+          </a:p>
+        </p:txBody>
+      </p:sp>
+      <p:sp>
+        <p:nvSpPr>
+          <p:cNvPr id="4" name="Slide Number Placeholder 3"/>
+          <p:cNvSpPr>
+            <a:spLocks noGrp="1"/>
+          </p:cNvSpPr>
+          <p:nvPr>
+            <p:ph type="sldNum" sz="quarter" idx="5"/>
+          </p:nvPr>
+        </p:nvSpPr>
+        <p:spPr/>
+        <p:txBody>
+          <a:bodyPr/>
+          <a:lstStyle/>
+          <a:p>
+            <a:fld id="{A248A177-227F-4E2F-A815-394152F0E3B8}" type="slidenum">
+              <a:rPr lang="ko-KR" altLang="en-US" smtClean="0"/>
+              <a:t>22</a:t>
+            </a:fld>
+            <a:endParaRPr lang="ko-KR" altLang="en-US"/>
+          </a:p>
+        </p:txBody>
+      </p:sp>
+    </p:spTree>
+    <p:extLst>
+      <p:ext uri="{BB962C8B-B14F-4D97-AF65-F5344CB8AC3E}">
+        <p14:creationId xmlns:p14="http://schemas.microsoft.com/office/powerpoint/2010/main" val="1435324007"/>
       </p:ext>
     </p:extLst>
   </p:cSld>
@@ -697,7 +2080,11 @@
           <a:bodyPr/>
           <a:lstStyle/>
           <a:p>
-            <a:endParaRPr lang="ko-KR" altLang="en-US" dirty="0"/>
+            <a:r>
+              <a:rPr lang="en-US" altLang="ko-KR"/>
+              <a:t>Ok</a:t>
+            </a:r>
+            <a:endParaRPr lang="ko-KR" altLang="en-US"/>
           </a:p>
         </p:txBody>
       </p:sp>
@@ -727,7 +2114,7 @@
     </p:spTree>
     <p:extLst>
       <p:ext uri="{BB962C8B-B14F-4D97-AF65-F5344CB8AC3E}">
-        <p14:creationId xmlns:p14="http://schemas.microsoft.com/office/powerpoint/2010/main" val="3590348277"/>
+        <p14:creationId xmlns:p14="http://schemas.microsoft.com/office/powerpoint/2010/main" val="1083831082"/>
       </p:ext>
     </p:extLst>
   </p:cSld>
@@ -781,7 +2168,37 @@
           <a:bodyPr/>
           <a:lstStyle/>
           <a:p>
-            <a:endParaRPr lang="ko-KR" altLang="en-US" dirty="0"/>
+            <a:r>
+              <a:rPr lang="en-US" altLang="ko-KR"/>
+              <a:t>Realtime class will be held at every 10AM to 1Pm every day, until Friday.</a:t>
+            </a:r>
+          </a:p>
+          <a:p>
+            <a:r>
+              <a:rPr lang="en-US" altLang="ko-KR"/>
+              <a:t>And we meet on Zoom, as we do now.</a:t>
+            </a:r>
+          </a:p>
+          <a:p>
+            <a:r>
+              <a:rPr lang="en-US" altLang="ko-KR"/>
+              <a:t>And, this link will be used across the course.</a:t>
+            </a:r>
+          </a:p>
+          <a:p>
+            <a:endParaRPr lang="en-US" altLang="ko-KR"/>
+          </a:p>
+          <a:p>
+            <a:r>
+              <a:rPr lang="en-US" altLang="ko-KR"/>
+              <a:t>Lastly, the duration of realtime class can be vary.</a:t>
+            </a:r>
+          </a:p>
+          <a:p>
+            <a:r>
+              <a:rPr lang="en-US" altLang="ko-KR"/>
+              <a:t>ok</a:t>
+            </a:r>
           </a:p>
         </p:txBody>
       </p:sp>
@@ -811,7 +2228,7 @@
     </p:spTree>
     <p:extLst>
       <p:ext uri="{BB962C8B-B14F-4D97-AF65-F5344CB8AC3E}">
-        <p14:creationId xmlns:p14="http://schemas.microsoft.com/office/powerpoint/2010/main" val="3220629516"/>
+        <p14:creationId xmlns:p14="http://schemas.microsoft.com/office/powerpoint/2010/main" val="2404624171"/>
       </p:ext>
     </p:extLst>
   </p:cSld>
@@ -865,7 +2282,32 @@
           <a:bodyPr/>
           <a:lstStyle/>
           <a:p>
-            <a:endParaRPr lang="ko-KR" altLang="en-US" dirty="0"/>
+            <a:r>
+              <a:rPr lang="en-US" altLang="ko-KR"/>
+              <a:t>Then, let’s briefly view how can use Zoom.</a:t>
+            </a:r>
+          </a:p>
+          <a:p>
+            <a:r>
+              <a:rPr lang="en-US" altLang="ko-KR"/>
+              <a:t>First, we created two breakout rooms.</a:t>
+            </a:r>
+          </a:p>
+          <a:p>
+            <a:endParaRPr lang="en-US" altLang="ko-KR"/>
+          </a:p>
+          <a:p>
+            <a:r>
+              <a:rPr lang="en-US" altLang="ko-KR"/>
+              <a:t>one room is for help session. If you want to one-to-one help. Then, you can come to help session. and get some help from us.</a:t>
+            </a:r>
+          </a:p>
+          <a:p>
+            <a:r>
+              <a:rPr lang="en-US" altLang="ko-KR"/>
+              <a:t>and another room is for code submission. If you complete your work. Then you can come to this breakout room. and submit your code, and go back to here.  </a:t>
+            </a:r>
+            <a:endParaRPr lang="ko-KR" altLang="en-US"/>
           </a:p>
         </p:txBody>
       </p:sp>
@@ -895,7 +2337,7 @@
     </p:spTree>
     <p:extLst>
       <p:ext uri="{BB962C8B-B14F-4D97-AF65-F5344CB8AC3E}">
-        <p14:creationId xmlns:p14="http://schemas.microsoft.com/office/powerpoint/2010/main" val="3059100668"/>
+        <p14:creationId xmlns:p14="http://schemas.microsoft.com/office/powerpoint/2010/main" val="2610044845"/>
       </p:ext>
     </p:extLst>
   </p:cSld>
@@ -949,7 +2391,23 @@
           <a:bodyPr/>
           <a:lstStyle/>
           <a:p>
-            <a:endParaRPr lang="ko-KR" altLang="en-US" dirty="0"/>
+            <a:r>
+              <a:rPr lang="en-US" altLang="ko-KR"/>
+              <a:t>Then how can we enter and leave the breakout room?</a:t>
+            </a:r>
+          </a:p>
+          <a:p>
+            <a:r>
+              <a:rPr lang="en-US" altLang="ko-KR"/>
+              <a:t>You can click breakout button. and select the breakout what you want.</a:t>
+            </a:r>
+          </a:p>
+          <a:p>
+            <a:r>
+              <a:rPr lang="en-US" altLang="ko-KR"/>
+              <a:t>and then click join.</a:t>
+            </a:r>
+            <a:endParaRPr lang="ko-KR" altLang="en-US"/>
           </a:p>
         </p:txBody>
       </p:sp>
@@ -970,7 +2428,7 @@
           <a:p>
             <a:fld id="{A248A177-227F-4E2F-A815-394152F0E3B8}" type="slidenum">
               <a:rPr lang="ko-KR" altLang="en-US" smtClean="0"/>
-              <a:t>8</a:t>
+              <a:t>6</a:t>
             </a:fld>
             <a:endParaRPr lang="ko-KR" altLang="en-US"/>
           </a:p>
@@ -979,7 +2437,7 @@
     </p:spTree>
     <p:extLst>
       <p:ext uri="{BB962C8B-B14F-4D97-AF65-F5344CB8AC3E}">
-        <p14:creationId xmlns:p14="http://schemas.microsoft.com/office/powerpoint/2010/main" val="369977806"/>
+        <p14:creationId xmlns:p14="http://schemas.microsoft.com/office/powerpoint/2010/main" val="4032464833"/>
       </p:ext>
     </p:extLst>
   </p:cSld>
@@ -1033,7 +2491,17 @@
           <a:bodyPr/>
           <a:lstStyle/>
           <a:p>
-            <a:endParaRPr lang="ko-KR" altLang="en-US" dirty="0"/>
+            <a:r>
+              <a:rPr lang="en-US" altLang="ko-KR"/>
+              <a:t>If you want to submit your code. just drog and drop your file, to the chatbox.</a:t>
+            </a:r>
+          </a:p>
+          <a:p>
+            <a:r>
+              <a:rPr lang="en-US" altLang="ko-KR"/>
+              <a:t>And then you can leave and go back to main classroom, by clicking leave room.</a:t>
+            </a:r>
+            <a:endParaRPr lang="ko-KR" altLang="en-US"/>
           </a:p>
         </p:txBody>
       </p:sp>
@@ -1054,7 +2522,7 @@
           <a:p>
             <a:fld id="{A248A177-227F-4E2F-A815-394152F0E3B8}" type="slidenum">
               <a:rPr lang="ko-KR" altLang="en-US" smtClean="0"/>
-              <a:t>9</a:t>
+              <a:t>7</a:t>
             </a:fld>
             <a:endParaRPr lang="ko-KR" altLang="en-US"/>
           </a:p>
@@ -1063,7 +2531,7 @@
     </p:spTree>
     <p:extLst>
       <p:ext uri="{BB962C8B-B14F-4D97-AF65-F5344CB8AC3E}">
-        <p14:creationId xmlns:p14="http://schemas.microsoft.com/office/powerpoint/2010/main" val="3050056693"/>
+        <p14:creationId xmlns:p14="http://schemas.microsoft.com/office/powerpoint/2010/main" val="1424383558"/>
       </p:ext>
     </p:extLst>
   </p:cSld>
@@ -1117,7 +2585,40 @@
           <a:bodyPr/>
           <a:lstStyle/>
           <a:p>
-            <a:endParaRPr lang="ko-KR" altLang="en-US" dirty="0"/>
+            <a:r>
+              <a:rPr lang="en-US" altLang="ko-KR"/>
+              <a:t>Ok, then everything is clear. right?</a:t>
+            </a:r>
+          </a:p>
+          <a:p>
+            <a:endParaRPr lang="en-US" altLang="ko-KR"/>
+          </a:p>
+          <a:p>
+            <a:r>
+              <a:rPr lang="en-US" altLang="ko-KR"/>
+              <a:t>Before we start, please download the skeleton code from the session 1 page.</a:t>
+            </a:r>
+          </a:p>
+          <a:p>
+            <a:r>
+              <a:rPr lang="en-US" altLang="ko-KR"/>
+              <a:t>and decompress the file, and store these in your project directory.</a:t>
+            </a:r>
+          </a:p>
+          <a:p>
+            <a:endParaRPr lang="en-US" altLang="ko-KR"/>
+          </a:p>
+          <a:p>
+            <a:r>
+              <a:rPr lang="en-US" altLang="ko-KR"/>
+              <a:t>And I strongly recommend to see this slide with the skeleton code</a:t>
+            </a:r>
+          </a:p>
+          <a:p>
+            <a:r>
+              <a:rPr lang="en-US" altLang="ko-KR"/>
+              <a:t>It will be helpful for understanding what we have to make</a:t>
+            </a:r>
           </a:p>
         </p:txBody>
       </p:sp>
@@ -1138,7 +2639,7 @@
           <a:p>
             <a:fld id="{A248A177-227F-4E2F-A815-394152F0E3B8}" type="slidenum">
               <a:rPr lang="ko-KR" altLang="en-US" smtClean="0"/>
-              <a:t>12</a:t>
+              <a:t>8</a:t>
             </a:fld>
             <a:endParaRPr lang="ko-KR" altLang="en-US"/>
           </a:p>
@@ -1147,7 +2648,97 @@
     </p:spTree>
     <p:extLst>
       <p:ext uri="{BB962C8B-B14F-4D97-AF65-F5344CB8AC3E}">
-        <p14:creationId xmlns:p14="http://schemas.microsoft.com/office/powerpoint/2010/main" val="2457873004"/>
+        <p14:creationId xmlns:p14="http://schemas.microsoft.com/office/powerpoint/2010/main" val="3590348277"/>
+      </p:ext>
+    </p:extLst>
+  </p:cSld>
+  <p:clrMapOvr>
+    <a:masterClrMapping/>
+  </p:clrMapOvr>
+</p:notes>
+</file>
+
+<file path=ppt/notesSlides/notesSlide9.xml><?xml version="1.0" encoding="utf-8"?>
+<p:notes xmlns:a="http://schemas.openxmlformats.org/drawingml/2006/main" xmlns:r="http://schemas.openxmlformats.org/officeDocument/2006/relationships" xmlns:p="http://schemas.openxmlformats.org/presentationml/2006/main">
+  <p:cSld>
+    <p:spTree>
+      <p:nvGrpSpPr>
+        <p:cNvPr id="1" name=""/>
+        <p:cNvGrpSpPr/>
+        <p:nvPr/>
+      </p:nvGrpSpPr>
+      <p:grpSpPr>
+        <a:xfrm>
+          <a:off x="0" y="0"/>
+          <a:ext cx="0" cy="0"/>
+          <a:chOff x="0" y="0"/>
+          <a:chExt cx="0" cy="0"/>
+        </a:xfrm>
+      </p:grpSpPr>
+      <p:sp>
+        <p:nvSpPr>
+          <p:cNvPr id="2" name="Slide Image Placeholder 1"/>
+          <p:cNvSpPr>
+            <a:spLocks noGrp="1" noRot="1" noChangeAspect="1"/>
+          </p:cNvSpPr>
+          <p:nvPr>
+            <p:ph type="sldImg"/>
+          </p:nvPr>
+        </p:nvSpPr>
+        <p:spPr/>
+      </p:sp>
+      <p:sp>
+        <p:nvSpPr>
+          <p:cNvPr id="3" name="Notes Placeholder 2"/>
+          <p:cNvSpPr>
+            <a:spLocks noGrp="1"/>
+          </p:cNvSpPr>
+          <p:nvPr>
+            <p:ph type="body" idx="1"/>
+          </p:nvPr>
+        </p:nvSpPr>
+        <p:spPr/>
+        <p:txBody>
+          <a:bodyPr/>
+          <a:lstStyle/>
+          <a:p>
+            <a:r>
+              <a:rPr lang="en-US" altLang="ko-KR"/>
+              <a:t>We will implement Dot, by using class </a:t>
+            </a:r>
+          </a:p>
+          <a:p>
+            <a:endParaRPr lang="ko-KR" altLang="en-US"/>
+          </a:p>
+        </p:txBody>
+      </p:sp>
+      <p:sp>
+        <p:nvSpPr>
+          <p:cNvPr id="4" name="Slide Number Placeholder 3"/>
+          <p:cNvSpPr>
+            <a:spLocks noGrp="1"/>
+          </p:cNvSpPr>
+          <p:nvPr>
+            <p:ph type="sldNum" sz="quarter" idx="5"/>
+          </p:nvPr>
+        </p:nvSpPr>
+        <p:spPr/>
+        <p:txBody>
+          <a:bodyPr/>
+          <a:lstStyle/>
+          <a:p>
+            <a:fld id="{A248A177-227F-4E2F-A815-394152F0E3B8}" type="slidenum">
+              <a:rPr lang="ko-KR" altLang="en-US" smtClean="0"/>
+              <a:t>9</a:t>
+            </a:fld>
+            <a:endParaRPr lang="ko-KR" altLang="en-US"/>
+          </a:p>
+        </p:txBody>
+      </p:sp>
+    </p:spTree>
+    <p:extLst>
+      <p:ext uri="{BB962C8B-B14F-4D97-AF65-F5344CB8AC3E}">
+        <p14:creationId xmlns:p14="http://schemas.microsoft.com/office/powerpoint/2010/main" val="3220629516"/>
       </p:ext>
     </p:extLst>
   </p:cSld>
@@ -4420,10 +6011,10 @@
           <a:lstStyle/>
           <a:p>
             <a:r>
-              <a:rPr lang="en-US" altLang="ko-KR" dirty="0"/>
+              <a:rPr lang="en-US" altLang="ko-KR"/>
               <a:t>Basic Python Programming</a:t>
             </a:r>
-            <a:endParaRPr lang="ko-KR" altLang="en-US" dirty="0"/>
+            <a:endParaRPr lang="ko-KR" altLang="en-US"/>
           </a:p>
         </p:txBody>
       </p:sp>
@@ -4451,18 +6042,18 @@
           <a:lstStyle/>
           <a:p>
             <a:r>
-              <a:rPr lang="en-US" altLang="ko-KR" sz="3200" b="1" dirty="0"/>
+              <a:rPr lang="en-US" altLang="ko-KR" sz="3200" b="1"/>
               <a:t>[Session</a:t>
             </a:r>
             <a:r>
-              <a:rPr lang="ko-KR" altLang="en-US" sz="3200" b="1" dirty="0"/>
+              <a:rPr lang="ko-KR" altLang="en-US" sz="3200" b="1"/>
               <a:t> </a:t>
             </a:r>
             <a:r>
-              <a:rPr lang="en-US" altLang="ko-KR" sz="3200" b="1" dirty="0"/>
+              <a:rPr lang="en-US" altLang="ko-KR" sz="3200" b="1"/>
               <a:t>1] Lab session</a:t>
             </a:r>
-            <a:endParaRPr lang="ko-KR" altLang="en-US" sz="3200" b="1" dirty="0"/>
+            <a:endParaRPr lang="ko-KR" altLang="en-US" sz="3200" b="1"/>
           </a:p>
         </p:txBody>
       </p:sp>
@@ -4660,14 +6251,14 @@
           <a:p>
             <a:pPr algn="l"/>
             <a:r>
-              <a:rPr lang="en-US" altLang="ko-KR" sz="2000" b="1" dirty="0" err="1"/>
+              <a:rPr lang="en-US" altLang="ko-KR" sz="2000" b="1" err="1"/>
               <a:t>ITinerary</a:t>
             </a:r>
             <a:r>
-              <a:rPr lang="en-US" altLang="ko-KR" sz="2000" b="1" dirty="0"/>
+              <a:rPr lang="en-US" altLang="ko-KR" sz="2000" b="1"/>
               <a:t> X University of Ghana</a:t>
             </a:r>
-            <a:endParaRPr lang="ko-KR" altLang="en-US" sz="2000" b="1" dirty="0"/>
+            <a:endParaRPr lang="ko-KR" altLang="en-US" sz="2000" b="1"/>
           </a:p>
         </p:txBody>
       </p:sp>
@@ -4710,11 +6301,11 @@
   <p:clrMapOvr>
     <a:masterClrMapping/>
   </p:clrMapOvr>
-  <mc:AlternateContent xmlns:mc="http://schemas.openxmlformats.org/markup-compatibility/2006" xmlns:p14="http://schemas.microsoft.com/office/powerpoint/2010/main">
-    <mc:Choice Requires="p14">
+  <mc:AlternateContent xmlns:mc="http://schemas.openxmlformats.org/markup-compatibility/2006">
+    <mc:Choice xmlns:p14="http://schemas.microsoft.com/office/powerpoint/2010/main" Requires="p14">
       <p:transition spd="slow" p14:dur="2000" advTm="7393"/>
     </mc:Choice>
-    <mc:Fallback xmlns="">
+    <mc:Fallback>
       <p:transition spd="slow" advTm="7393"/>
     </mc:Fallback>
   </mc:AlternateContent>
@@ -4743,7 +6334,7 @@
           <p:cNvPr id="2" name="Title 1">
             <a:extLst>
               <a:ext uri="{FF2B5EF4-FFF2-40B4-BE49-F238E27FC236}">
-                <a16:creationId xmlns:a16="http://schemas.microsoft.com/office/drawing/2014/main" id="{76AC945A-7689-4FF6-98C3-A90972A6338D}"/>
+                <a16:creationId xmlns:a16="http://schemas.microsoft.com/office/drawing/2014/main" id="{A863AAAD-AB20-4AE4-A313-65A49223E91F}"/>
               </a:ext>
             </a:extLst>
           </p:cNvPr>
@@ -4760,10 +6351,10 @@
           <a:lstStyle/>
           <a:p>
             <a:r>
-              <a:rPr lang="en-US" altLang="ko-KR" b="1" dirty="0"/>
-              <a:t>Dot: Methods [3]</a:t>
-            </a:r>
-            <a:endParaRPr lang="ko-KR" altLang="en-US" dirty="0"/>
+              <a:rPr lang="en-US" altLang="ko-KR" b="1"/>
+              <a:t>Dot [2]</a:t>
+            </a:r>
+            <a:endParaRPr lang="ko-KR" altLang="en-US" b="1"/>
           </a:p>
         </p:txBody>
       </p:sp>
@@ -4772,7 +6363,7 @@
           <p:cNvPr id="3" name="Content Placeholder 2">
             <a:extLst>
               <a:ext uri="{FF2B5EF4-FFF2-40B4-BE49-F238E27FC236}">
-                <a16:creationId xmlns:a16="http://schemas.microsoft.com/office/drawing/2014/main" id="{76C8972C-5AF5-4ACF-96F8-6FC9DF600A72}"/>
+                <a16:creationId xmlns:a16="http://schemas.microsoft.com/office/drawing/2014/main" id="{00F3905E-23DB-487E-8131-AD27486F881A}"/>
               </a:ext>
             </a:extLst>
           </p:cNvPr>
@@ -4789,17 +6380,48 @@
           <a:lstStyle/>
           <a:p>
             <a:r>
-              <a:rPr lang="en-US" altLang="ko-KR" b="1" dirty="0"/>
-              <a:t>Other methods are defined in the skeleton code.</a:t>
+              <a:rPr lang="en-US" altLang="ko-KR" b="1"/>
+              <a:t>Basically, Dot contains two data</a:t>
             </a:r>
           </a:p>
           <a:p>
             <a:pPr lvl="1"/>
             <a:r>
-              <a:rPr lang="en-US" altLang="ko-KR" b="1" dirty="0"/>
-              <a:t>You have to modify this</a:t>
-            </a:r>
-            <a:endParaRPr lang="ko-KR" altLang="en-US" b="1" dirty="0"/>
+              <a:rPr lang="en-US" altLang="ko-KR" b="1"/>
+              <a:t>x and y</a:t>
+            </a:r>
+          </a:p>
+          <a:p>
+            <a:pPr lvl="1"/>
+            <a:endParaRPr lang="en-US" altLang="ko-KR" b="1"/>
+          </a:p>
+          <a:p>
+            <a:pPr lvl="1"/>
+            <a:endParaRPr lang="en-US" altLang="ko-KR" b="1"/>
+          </a:p>
+          <a:p>
+            <a:r>
+              <a:rPr lang="en-US" altLang="ko-KR" b="1"/>
+              <a:t>Okay, that’s all for member variables</a:t>
+            </a:r>
+          </a:p>
+          <a:p>
+            <a:pPr lvl="1"/>
+            <a:r>
+              <a:rPr lang="en-US" altLang="ko-KR" b="1"/>
+              <a:t>And then?</a:t>
+            </a:r>
+          </a:p>
+          <a:p>
+            <a:pPr lvl="1"/>
+            <a:r>
+              <a:rPr lang="en-US" altLang="ko-KR" b="1"/>
+              <a:t>Define methods!</a:t>
+            </a:r>
+          </a:p>
+          <a:p>
+            <a:pPr lvl="1"/>
+            <a:endParaRPr lang="en-US" altLang="ko-KR" b="1"/>
           </a:p>
         </p:txBody>
       </p:sp>
@@ -4808,7 +6430,7 @@
           <p:cNvPr id="4" name="Slide Number Placeholder 3">
             <a:extLst>
               <a:ext uri="{FF2B5EF4-FFF2-40B4-BE49-F238E27FC236}">
-                <a16:creationId xmlns:a16="http://schemas.microsoft.com/office/drawing/2014/main" id="{9005D341-9764-4D9B-8EB8-E48093C07C8F}"/>
+                <a16:creationId xmlns:a16="http://schemas.microsoft.com/office/drawing/2014/main" id="{800EF43F-4A2C-4A73-B3CC-1C89EDAB8600}"/>
               </a:ext>
             </a:extLst>
           </p:cNvPr>
@@ -4837,7 +6459,7 @@
           <p:cNvPr id="5" name="Picture 4">
             <a:extLst>
               <a:ext uri="{FF2B5EF4-FFF2-40B4-BE49-F238E27FC236}">
-                <a16:creationId xmlns:a16="http://schemas.microsoft.com/office/drawing/2014/main" id="{C0701790-28A2-4570-8FD2-AA7B962AFF25}"/>
+                <a16:creationId xmlns:a16="http://schemas.microsoft.com/office/drawing/2014/main" id="{194095D6-0D57-46B7-87FA-52B404D1D318}"/>
               </a:ext>
             </a:extLst>
           </p:cNvPr>
@@ -4847,7 +6469,946 @@
           <p:nvPr/>
         </p:nvPicPr>
         <p:blipFill>
-          <a:blip r:embed="rId2"/>
+          <a:blip r:embed="rId3"/>
+          <a:stretch>
+            <a:fillRect/>
+          </a:stretch>
+        </p:blipFill>
+        <p:spPr>
+          <a:xfrm>
+            <a:off x="8248373" y="2873914"/>
+            <a:ext cx="3467653" cy="3303049"/>
+          </a:xfrm>
+          <a:prstGeom prst="rect">
+            <a:avLst/>
+          </a:prstGeom>
+        </p:spPr>
+      </p:pic>
+    </p:spTree>
+    <p:extLst>
+      <p:ext uri="{BB962C8B-B14F-4D97-AF65-F5344CB8AC3E}">
+        <p14:creationId xmlns:p14="http://schemas.microsoft.com/office/powerpoint/2010/main" val="486243171"/>
+      </p:ext>
+    </p:extLst>
+  </p:cSld>
+  <p:clrMapOvr>
+    <a:masterClrMapping/>
+  </p:clrMapOvr>
+  <mc:AlternateContent xmlns:mc="http://schemas.openxmlformats.org/markup-compatibility/2006" xmlns:p14="http://schemas.microsoft.com/office/powerpoint/2010/main">
+    <mc:Choice Requires="p14">
+      <p:transition spd="slow" p14:dur="2000" advTm="24019"/>
+    </mc:Choice>
+    <mc:Fallback xmlns="">
+      <p:transition spd="slow" advTm="24019"/>
+    </mc:Fallback>
+  </mc:AlternateContent>
+</p:sld>
+</file>
+
+<file path=ppt/slides/slide11.xml><?xml version="1.0" encoding="utf-8"?>
+<p:sld xmlns:a="http://schemas.openxmlformats.org/drawingml/2006/main" xmlns:r="http://schemas.openxmlformats.org/officeDocument/2006/relationships" xmlns:p="http://schemas.openxmlformats.org/presentationml/2006/main">
+  <p:cSld>
+    <p:spTree>
+      <p:nvGrpSpPr>
+        <p:cNvPr id="1" name=""/>
+        <p:cNvGrpSpPr/>
+        <p:nvPr/>
+      </p:nvGrpSpPr>
+      <p:grpSpPr>
+        <a:xfrm>
+          <a:off x="0" y="0"/>
+          <a:ext cx="0" cy="0"/>
+          <a:chOff x="0" y="0"/>
+          <a:chExt cx="0" cy="0"/>
+        </a:xfrm>
+      </p:grpSpPr>
+      <p:sp>
+        <p:nvSpPr>
+          <p:cNvPr id="2" name="Title 1">
+            <a:extLst>
+              <a:ext uri="{FF2B5EF4-FFF2-40B4-BE49-F238E27FC236}">
+                <a16:creationId xmlns:a16="http://schemas.microsoft.com/office/drawing/2014/main" id="{D3A33899-17ED-4A57-8EF2-A1D55501CDE1}"/>
+              </a:ext>
+            </a:extLst>
+          </p:cNvPr>
+          <p:cNvSpPr>
+            <a:spLocks noGrp="1"/>
+          </p:cNvSpPr>
+          <p:nvPr>
+            <p:ph type="title"/>
+          </p:nvPr>
+        </p:nvSpPr>
+        <p:spPr/>
+        <p:txBody>
+          <a:bodyPr/>
+          <a:lstStyle/>
+          <a:p>
+            <a:r>
+              <a:rPr lang="en-US" altLang="ko-KR" b="1"/>
+              <a:t>Review: Methods [1]</a:t>
+            </a:r>
+            <a:endParaRPr lang="ko-KR" altLang="en-US" b="1"/>
+          </a:p>
+        </p:txBody>
+      </p:sp>
+      <p:sp>
+        <p:nvSpPr>
+          <p:cNvPr id="3" name="Content Placeholder 2">
+            <a:extLst>
+              <a:ext uri="{FF2B5EF4-FFF2-40B4-BE49-F238E27FC236}">
+                <a16:creationId xmlns:a16="http://schemas.microsoft.com/office/drawing/2014/main" id="{D7E2ABD6-624A-4B9D-B870-27956920ABD0}"/>
+              </a:ext>
+            </a:extLst>
+          </p:cNvPr>
+          <p:cNvSpPr>
+            <a:spLocks noGrp="1"/>
+          </p:cNvSpPr>
+          <p:nvPr>
+            <p:ph idx="1"/>
+          </p:nvPr>
+        </p:nvSpPr>
+        <p:spPr/>
+        <p:txBody>
+          <a:bodyPr/>
+          <a:lstStyle/>
+          <a:p>
+            <a:r>
+              <a:rPr lang="en-US" altLang="ko-KR" b="1"/>
+              <a:t>Note that, every method should be like…</a:t>
+            </a:r>
+          </a:p>
+          <a:p>
+            <a:endParaRPr lang="en-US" altLang="ko-KR"/>
+          </a:p>
+          <a:p>
+            <a:endParaRPr lang="en-US" altLang="ko-KR"/>
+          </a:p>
+          <a:p>
+            <a:endParaRPr lang="en-US" altLang="ko-KR"/>
+          </a:p>
+          <a:p>
+            <a:endParaRPr lang="en-US" altLang="ko-KR"/>
+          </a:p>
+          <a:p>
+            <a:endParaRPr lang="en-US" altLang="ko-KR"/>
+          </a:p>
+          <a:p>
+            <a:endParaRPr lang="ko-KR" altLang="en-US"/>
+          </a:p>
+        </p:txBody>
+      </p:sp>
+      <p:sp>
+        <p:nvSpPr>
+          <p:cNvPr id="4" name="Slide Number Placeholder 3">
+            <a:extLst>
+              <a:ext uri="{FF2B5EF4-FFF2-40B4-BE49-F238E27FC236}">
+                <a16:creationId xmlns:a16="http://schemas.microsoft.com/office/drawing/2014/main" id="{32C9222E-3023-401A-9A95-7F35AB44EFCF}"/>
+              </a:ext>
+            </a:extLst>
+          </p:cNvPr>
+          <p:cNvSpPr>
+            <a:spLocks noGrp="1"/>
+          </p:cNvSpPr>
+          <p:nvPr>
+            <p:ph type="sldNum" sz="quarter" idx="12"/>
+          </p:nvPr>
+        </p:nvSpPr>
+        <p:spPr/>
+        <p:txBody>
+          <a:bodyPr/>
+          <a:lstStyle/>
+          <a:p>
+            <a:fld id="{663C6A4A-F58A-4813-833D-C5F250139976}" type="slidenum">
+              <a:rPr lang="ko-KR" altLang="en-US" smtClean="0"/>
+              <a:t>11</a:t>
+            </a:fld>
+            <a:endParaRPr lang="ko-KR" altLang="en-US"/>
+          </a:p>
+        </p:txBody>
+      </p:sp>
+      <p:pic>
+        <p:nvPicPr>
+          <p:cNvPr id="5" name="Picture 4">
+            <a:extLst>
+              <a:ext uri="{FF2B5EF4-FFF2-40B4-BE49-F238E27FC236}">
+                <a16:creationId xmlns:a16="http://schemas.microsoft.com/office/drawing/2014/main" id="{78615852-C6A6-48A4-9F97-1E3E80167392}"/>
+              </a:ext>
+            </a:extLst>
+          </p:cNvPr>
+          <p:cNvPicPr>
+            <a:picLocks noChangeAspect="1"/>
+          </p:cNvPicPr>
+          <p:nvPr/>
+        </p:nvPicPr>
+        <p:blipFill>
+          <a:blip r:embed="rId3"/>
+          <a:stretch>
+            <a:fillRect/>
+          </a:stretch>
+        </p:blipFill>
+        <p:spPr>
+          <a:xfrm>
+            <a:off x="1223107" y="2358935"/>
+            <a:ext cx="6898917" cy="1685630"/>
+          </a:xfrm>
+          <a:prstGeom prst="rect">
+            <a:avLst/>
+          </a:prstGeom>
+        </p:spPr>
+      </p:pic>
+      <p:sp>
+        <p:nvSpPr>
+          <p:cNvPr id="6" name="Oval 5">
+            <a:extLst>
+              <a:ext uri="{FF2B5EF4-FFF2-40B4-BE49-F238E27FC236}">
+                <a16:creationId xmlns:a16="http://schemas.microsoft.com/office/drawing/2014/main" id="{D9112572-6D24-4619-BFCC-1F3F032634F5}"/>
+              </a:ext>
+            </a:extLst>
+          </p:cNvPr>
+          <p:cNvSpPr/>
+          <p:nvPr/>
+        </p:nvSpPr>
+        <p:spPr>
+          <a:xfrm>
+            <a:off x="4249272" y="2611904"/>
+            <a:ext cx="1111623" cy="817096"/>
+          </a:xfrm>
+          <a:prstGeom prst="ellipse">
+            <a:avLst/>
+          </a:prstGeom>
+          <a:noFill/>
+          <a:ln w="57150">
+            <a:solidFill>
+              <a:srgbClr val="FF0000"/>
+            </a:solidFill>
+          </a:ln>
+        </p:spPr>
+        <p:style>
+          <a:lnRef idx="2">
+            <a:schemeClr val="dk1"/>
+          </a:lnRef>
+          <a:fillRef idx="1">
+            <a:schemeClr val="lt1"/>
+          </a:fillRef>
+          <a:effectRef idx="0">
+            <a:schemeClr val="dk1"/>
+          </a:effectRef>
+          <a:fontRef idx="minor">
+            <a:schemeClr val="dk1"/>
+          </a:fontRef>
+        </p:style>
+        <p:txBody>
+          <a:bodyPr rtlCol="0" anchor="ctr"/>
+          <a:lstStyle/>
+          <a:p>
+            <a:pPr algn="ctr"/>
+            <a:endParaRPr lang="ko-KR" altLang="en-US"/>
+          </a:p>
+        </p:txBody>
+      </p:sp>
+    </p:spTree>
+    <p:extLst>
+      <p:ext uri="{BB962C8B-B14F-4D97-AF65-F5344CB8AC3E}">
+        <p14:creationId xmlns:p14="http://schemas.microsoft.com/office/powerpoint/2010/main" val="1703647818"/>
+      </p:ext>
+    </p:extLst>
+  </p:cSld>
+  <p:clrMapOvr>
+    <a:masterClrMapping/>
+  </p:clrMapOvr>
+</p:sld>
+</file>
+
+<file path=ppt/slides/slide12.xml><?xml version="1.0" encoding="utf-8"?>
+<p:sld xmlns:a="http://schemas.openxmlformats.org/drawingml/2006/main" xmlns:r="http://schemas.openxmlformats.org/officeDocument/2006/relationships" xmlns:p="http://schemas.openxmlformats.org/presentationml/2006/main">
+  <p:cSld>
+    <p:spTree>
+      <p:nvGrpSpPr>
+        <p:cNvPr id="1" name=""/>
+        <p:cNvGrpSpPr/>
+        <p:nvPr/>
+      </p:nvGrpSpPr>
+      <p:grpSpPr>
+        <a:xfrm>
+          <a:off x="0" y="0"/>
+          <a:ext cx="0" cy="0"/>
+          <a:chOff x="0" y="0"/>
+          <a:chExt cx="0" cy="0"/>
+        </a:xfrm>
+      </p:grpSpPr>
+      <p:sp>
+        <p:nvSpPr>
+          <p:cNvPr id="2" name="Title 1">
+            <a:extLst>
+              <a:ext uri="{FF2B5EF4-FFF2-40B4-BE49-F238E27FC236}">
+                <a16:creationId xmlns:a16="http://schemas.microsoft.com/office/drawing/2014/main" id="{D3A33899-17ED-4A57-8EF2-A1D55501CDE1}"/>
+              </a:ext>
+            </a:extLst>
+          </p:cNvPr>
+          <p:cNvSpPr>
+            <a:spLocks noGrp="1"/>
+          </p:cNvSpPr>
+          <p:nvPr>
+            <p:ph type="title"/>
+          </p:nvPr>
+        </p:nvSpPr>
+        <p:spPr/>
+        <p:txBody>
+          <a:bodyPr/>
+          <a:lstStyle/>
+          <a:p>
+            <a:r>
+              <a:rPr lang="en-US" altLang="ko-KR" b="1"/>
+              <a:t>Review: Methods [2]</a:t>
+            </a:r>
+            <a:endParaRPr lang="ko-KR" altLang="en-US" b="1"/>
+          </a:p>
+        </p:txBody>
+      </p:sp>
+      <p:sp>
+        <p:nvSpPr>
+          <p:cNvPr id="3" name="Content Placeholder 2">
+            <a:extLst>
+              <a:ext uri="{FF2B5EF4-FFF2-40B4-BE49-F238E27FC236}">
+                <a16:creationId xmlns:a16="http://schemas.microsoft.com/office/drawing/2014/main" id="{D7E2ABD6-624A-4B9D-B870-27956920ABD0}"/>
+              </a:ext>
+            </a:extLst>
+          </p:cNvPr>
+          <p:cNvSpPr>
+            <a:spLocks noGrp="1"/>
+          </p:cNvSpPr>
+          <p:nvPr>
+            <p:ph idx="1"/>
+          </p:nvPr>
+        </p:nvSpPr>
+        <p:spPr/>
+        <p:txBody>
+          <a:bodyPr/>
+          <a:lstStyle/>
+          <a:p>
+            <a:r>
+              <a:rPr lang="en-US" altLang="ko-KR" b="1"/>
+              <a:t>You can access the member variable inside method, by using self!</a:t>
+            </a:r>
+          </a:p>
+          <a:p>
+            <a:endParaRPr lang="en-US" altLang="ko-KR" b="1"/>
+          </a:p>
+          <a:p>
+            <a:endParaRPr lang="en-US" altLang="ko-KR" b="1"/>
+          </a:p>
+          <a:p>
+            <a:endParaRPr lang="en-US" altLang="ko-KR" b="1"/>
+          </a:p>
+          <a:p>
+            <a:endParaRPr lang="en-US" altLang="ko-KR" b="1"/>
+          </a:p>
+          <a:p>
+            <a:endParaRPr lang="en-US" altLang="ko-KR" b="1"/>
+          </a:p>
+          <a:p>
+            <a:endParaRPr lang="en-US" altLang="ko-KR" b="1"/>
+          </a:p>
+          <a:p>
+            <a:endParaRPr lang="ko-KR" altLang="en-US" b="1"/>
+          </a:p>
+        </p:txBody>
+      </p:sp>
+      <p:sp>
+        <p:nvSpPr>
+          <p:cNvPr id="4" name="Slide Number Placeholder 3">
+            <a:extLst>
+              <a:ext uri="{FF2B5EF4-FFF2-40B4-BE49-F238E27FC236}">
+                <a16:creationId xmlns:a16="http://schemas.microsoft.com/office/drawing/2014/main" id="{32C9222E-3023-401A-9A95-7F35AB44EFCF}"/>
+              </a:ext>
+            </a:extLst>
+          </p:cNvPr>
+          <p:cNvSpPr>
+            <a:spLocks noGrp="1"/>
+          </p:cNvSpPr>
+          <p:nvPr>
+            <p:ph type="sldNum" sz="quarter" idx="12"/>
+          </p:nvPr>
+        </p:nvSpPr>
+        <p:spPr/>
+        <p:txBody>
+          <a:bodyPr/>
+          <a:lstStyle/>
+          <a:p>
+            <a:fld id="{663C6A4A-F58A-4813-833D-C5F250139976}" type="slidenum">
+              <a:rPr lang="ko-KR" altLang="en-US" smtClean="0"/>
+              <a:t>12</a:t>
+            </a:fld>
+            <a:endParaRPr lang="ko-KR" altLang="en-US"/>
+          </a:p>
+        </p:txBody>
+      </p:sp>
+      <p:pic>
+        <p:nvPicPr>
+          <p:cNvPr id="7" name="Picture 6">
+            <a:extLst>
+              <a:ext uri="{FF2B5EF4-FFF2-40B4-BE49-F238E27FC236}">
+                <a16:creationId xmlns:a16="http://schemas.microsoft.com/office/drawing/2014/main" id="{5CE72992-D49F-48AC-B923-BD108A358998}"/>
+              </a:ext>
+            </a:extLst>
+          </p:cNvPr>
+          <p:cNvPicPr>
+            <a:picLocks noChangeAspect="1"/>
+          </p:cNvPicPr>
+          <p:nvPr/>
+        </p:nvPicPr>
+        <p:blipFill>
+          <a:blip r:embed="rId3"/>
+          <a:stretch>
+            <a:fillRect/>
+          </a:stretch>
+        </p:blipFill>
+        <p:spPr>
+          <a:xfrm>
+            <a:off x="1125584" y="2771586"/>
+            <a:ext cx="6342509" cy="3019614"/>
+          </a:xfrm>
+          <a:prstGeom prst="rect">
+            <a:avLst/>
+          </a:prstGeom>
+        </p:spPr>
+      </p:pic>
+      <p:pic>
+        <p:nvPicPr>
+          <p:cNvPr id="8" name="Picture 7">
+            <a:extLst>
+              <a:ext uri="{FF2B5EF4-FFF2-40B4-BE49-F238E27FC236}">
+                <a16:creationId xmlns:a16="http://schemas.microsoft.com/office/drawing/2014/main" id="{8095496D-62AC-4F9D-985F-70DB8B2428F9}"/>
+              </a:ext>
+            </a:extLst>
+          </p:cNvPr>
+          <p:cNvPicPr>
+            <a:picLocks noChangeAspect="1"/>
+          </p:cNvPicPr>
+          <p:nvPr/>
+        </p:nvPicPr>
+        <p:blipFill>
+          <a:blip r:embed="rId4"/>
+          <a:stretch>
+            <a:fillRect/>
+          </a:stretch>
+        </p:blipFill>
+        <p:spPr>
+          <a:xfrm>
+            <a:off x="1125584" y="5831541"/>
+            <a:ext cx="7357340" cy="661334"/>
+          </a:xfrm>
+          <a:prstGeom prst="rect">
+            <a:avLst/>
+          </a:prstGeom>
+        </p:spPr>
+      </p:pic>
+    </p:spTree>
+    <p:extLst>
+      <p:ext uri="{BB962C8B-B14F-4D97-AF65-F5344CB8AC3E}">
+        <p14:creationId xmlns:p14="http://schemas.microsoft.com/office/powerpoint/2010/main" val="3555176531"/>
+      </p:ext>
+    </p:extLst>
+  </p:cSld>
+  <p:clrMapOvr>
+    <a:masterClrMapping/>
+  </p:clrMapOvr>
+</p:sld>
+</file>
+
+<file path=ppt/slides/slide13.xml><?xml version="1.0" encoding="utf-8"?>
+<p:sld xmlns:a="http://schemas.openxmlformats.org/drawingml/2006/main" xmlns:r="http://schemas.openxmlformats.org/officeDocument/2006/relationships" xmlns:p="http://schemas.openxmlformats.org/presentationml/2006/main">
+  <p:cSld>
+    <p:spTree>
+      <p:nvGrpSpPr>
+        <p:cNvPr id="1" name=""/>
+        <p:cNvGrpSpPr/>
+        <p:nvPr/>
+      </p:nvGrpSpPr>
+      <p:grpSpPr>
+        <a:xfrm>
+          <a:off x="0" y="0"/>
+          <a:ext cx="0" cy="0"/>
+          <a:chOff x="0" y="0"/>
+          <a:chExt cx="0" cy="0"/>
+        </a:xfrm>
+      </p:grpSpPr>
+      <p:sp>
+        <p:nvSpPr>
+          <p:cNvPr id="2" name="Title 1">
+            <a:extLst>
+              <a:ext uri="{FF2B5EF4-FFF2-40B4-BE49-F238E27FC236}">
+                <a16:creationId xmlns:a16="http://schemas.microsoft.com/office/drawing/2014/main" id="{A863AAAD-AB20-4AE4-A313-65A49223E91F}"/>
+              </a:ext>
+            </a:extLst>
+          </p:cNvPr>
+          <p:cNvSpPr>
+            <a:spLocks noGrp="1"/>
+          </p:cNvSpPr>
+          <p:nvPr>
+            <p:ph type="title"/>
+          </p:nvPr>
+        </p:nvSpPr>
+        <p:spPr/>
+        <p:txBody>
+          <a:bodyPr/>
+          <a:lstStyle/>
+          <a:p>
+            <a:r>
+              <a:rPr lang="en-US" altLang="ko-KR" b="1"/>
+              <a:t>Dot: Methods [1]</a:t>
+            </a:r>
+            <a:endParaRPr lang="ko-KR" altLang="en-US" b="1"/>
+          </a:p>
+        </p:txBody>
+      </p:sp>
+      <p:sp>
+        <p:nvSpPr>
+          <p:cNvPr id="3" name="Content Placeholder 2">
+            <a:extLst>
+              <a:ext uri="{FF2B5EF4-FFF2-40B4-BE49-F238E27FC236}">
+                <a16:creationId xmlns:a16="http://schemas.microsoft.com/office/drawing/2014/main" id="{00F3905E-23DB-487E-8131-AD27486F881A}"/>
+              </a:ext>
+            </a:extLst>
+          </p:cNvPr>
+          <p:cNvSpPr>
+            <a:spLocks noGrp="1"/>
+          </p:cNvSpPr>
+          <p:nvPr>
+            <p:ph idx="1"/>
+          </p:nvPr>
+        </p:nvSpPr>
+        <p:spPr/>
+        <p:txBody>
+          <a:bodyPr/>
+          <a:lstStyle/>
+          <a:p>
+            <a:r>
+              <a:rPr lang="en-US" altLang="ko-KR" b="1" err="1"/>
+              <a:t>dot_add</a:t>
+            </a:r>
+            <a:r>
+              <a:rPr lang="en-US" altLang="ko-KR" b="1"/>
+              <a:t>, </a:t>
+            </a:r>
+            <a:r>
+              <a:rPr lang="en-US" altLang="ko-KR" b="1" err="1"/>
+              <a:t>dot_sub</a:t>
+            </a:r>
+            <a:r>
+              <a:rPr lang="en-US" altLang="ko-KR" b="1"/>
+              <a:t> method adds / subtracts each coordinate</a:t>
+            </a:r>
+          </a:p>
+          <a:p>
+            <a:pPr lvl="1"/>
+            <a:r>
+              <a:rPr lang="en-US" altLang="ko-KR"/>
+              <a:t>Example: (2, 3) + (1, 1) = (3, 4)</a:t>
+            </a:r>
+          </a:p>
+          <a:p>
+            <a:endParaRPr lang="en-US" altLang="ko-KR"/>
+          </a:p>
+          <a:p>
+            <a:pPr lvl="1"/>
+            <a:endParaRPr lang="en-US" altLang="ko-KR" b="1"/>
+          </a:p>
+        </p:txBody>
+      </p:sp>
+      <p:sp>
+        <p:nvSpPr>
+          <p:cNvPr id="4" name="Slide Number Placeholder 3">
+            <a:extLst>
+              <a:ext uri="{FF2B5EF4-FFF2-40B4-BE49-F238E27FC236}">
+                <a16:creationId xmlns:a16="http://schemas.microsoft.com/office/drawing/2014/main" id="{800EF43F-4A2C-4A73-B3CC-1C89EDAB8600}"/>
+              </a:ext>
+            </a:extLst>
+          </p:cNvPr>
+          <p:cNvSpPr>
+            <a:spLocks noGrp="1"/>
+          </p:cNvSpPr>
+          <p:nvPr>
+            <p:ph type="sldNum" sz="quarter" idx="12"/>
+          </p:nvPr>
+        </p:nvSpPr>
+        <p:spPr/>
+        <p:txBody>
+          <a:bodyPr/>
+          <a:lstStyle/>
+          <a:p>
+            <a:fld id="{663C6A4A-F58A-4813-833D-C5F250139976}" type="slidenum">
+              <a:rPr lang="ko-KR" altLang="en-US" smtClean="0"/>
+              <a:t>13</a:t>
+            </a:fld>
+            <a:endParaRPr lang="ko-KR" altLang="en-US"/>
+          </a:p>
+        </p:txBody>
+      </p:sp>
+      <p:pic>
+        <p:nvPicPr>
+          <p:cNvPr id="6" name="Picture 5">
+            <a:extLst>
+              <a:ext uri="{FF2B5EF4-FFF2-40B4-BE49-F238E27FC236}">
+                <a16:creationId xmlns:a16="http://schemas.microsoft.com/office/drawing/2014/main" id="{01AF84DD-F42F-4E3C-94F8-2E08735173D3}"/>
+              </a:ext>
+            </a:extLst>
+          </p:cNvPr>
+          <p:cNvPicPr>
+            <a:picLocks noChangeAspect="1"/>
+          </p:cNvPicPr>
+          <p:nvPr/>
+        </p:nvPicPr>
+        <p:blipFill>
+          <a:blip r:embed="rId3"/>
+          <a:stretch>
+            <a:fillRect/>
+          </a:stretch>
+        </p:blipFill>
+        <p:spPr>
+          <a:xfrm>
+            <a:off x="7799293" y="2734511"/>
+            <a:ext cx="3998259" cy="3986964"/>
+          </a:xfrm>
+          <a:prstGeom prst="rect">
+            <a:avLst/>
+          </a:prstGeom>
+        </p:spPr>
+      </p:pic>
+    </p:spTree>
+    <p:extLst>
+      <p:ext uri="{BB962C8B-B14F-4D97-AF65-F5344CB8AC3E}">
+        <p14:creationId xmlns:p14="http://schemas.microsoft.com/office/powerpoint/2010/main" val="479412256"/>
+      </p:ext>
+    </p:extLst>
+  </p:cSld>
+  <p:clrMapOvr>
+    <a:masterClrMapping/>
+  </p:clrMapOvr>
+  <mc:AlternateContent xmlns:mc="http://schemas.openxmlformats.org/markup-compatibility/2006" xmlns:p14="http://schemas.microsoft.com/office/powerpoint/2010/main">
+    <mc:Choice Requires="p14">
+      <p:transition spd="slow" p14:dur="2000" advTm="24019"/>
+    </mc:Choice>
+    <mc:Fallback xmlns="">
+      <p:transition spd="slow" advTm="24019"/>
+    </mc:Fallback>
+  </mc:AlternateContent>
+</p:sld>
+</file>
+
+<file path=ppt/slides/slide14.xml><?xml version="1.0" encoding="utf-8"?>
+<p:sld xmlns:a="http://schemas.openxmlformats.org/drawingml/2006/main" xmlns:r="http://schemas.openxmlformats.org/officeDocument/2006/relationships" xmlns:p="http://schemas.openxmlformats.org/presentationml/2006/main">
+  <p:cSld>
+    <p:spTree>
+      <p:nvGrpSpPr>
+        <p:cNvPr id="1" name=""/>
+        <p:cNvGrpSpPr/>
+        <p:nvPr/>
+      </p:nvGrpSpPr>
+      <p:grpSpPr>
+        <a:xfrm>
+          <a:off x="0" y="0"/>
+          <a:ext cx="0" cy="0"/>
+          <a:chOff x="0" y="0"/>
+          <a:chExt cx="0" cy="0"/>
+        </a:xfrm>
+      </p:grpSpPr>
+      <p:sp>
+        <p:nvSpPr>
+          <p:cNvPr id="2" name="Title 1">
+            <a:extLst>
+              <a:ext uri="{FF2B5EF4-FFF2-40B4-BE49-F238E27FC236}">
+                <a16:creationId xmlns:a16="http://schemas.microsoft.com/office/drawing/2014/main" id="{A863AAAD-AB20-4AE4-A313-65A49223E91F}"/>
+              </a:ext>
+            </a:extLst>
+          </p:cNvPr>
+          <p:cNvSpPr>
+            <a:spLocks noGrp="1"/>
+          </p:cNvSpPr>
+          <p:nvPr>
+            <p:ph type="title"/>
+          </p:nvPr>
+        </p:nvSpPr>
+        <p:spPr/>
+        <p:txBody>
+          <a:bodyPr/>
+          <a:lstStyle/>
+          <a:p>
+            <a:r>
+              <a:rPr lang="en-US" altLang="ko-KR" b="1"/>
+              <a:t>Dot: Methods [2]</a:t>
+            </a:r>
+            <a:endParaRPr lang="ko-KR" altLang="en-US" b="1"/>
+          </a:p>
+        </p:txBody>
+      </p:sp>
+      <p:sp>
+        <p:nvSpPr>
+          <p:cNvPr id="3" name="Content Placeholder 2">
+            <a:extLst>
+              <a:ext uri="{FF2B5EF4-FFF2-40B4-BE49-F238E27FC236}">
+                <a16:creationId xmlns:a16="http://schemas.microsoft.com/office/drawing/2014/main" id="{00F3905E-23DB-487E-8131-AD27486F881A}"/>
+              </a:ext>
+            </a:extLst>
+          </p:cNvPr>
+          <p:cNvSpPr>
+            <a:spLocks noGrp="1"/>
+          </p:cNvSpPr>
+          <p:nvPr>
+            <p:ph idx="1"/>
+          </p:nvPr>
+        </p:nvSpPr>
+        <p:spPr/>
+        <p:txBody>
+          <a:bodyPr/>
+          <a:lstStyle/>
+          <a:p>
+            <a:r>
+              <a:rPr lang="en-US" altLang="ko-KR" b="1" err="1"/>
+              <a:t>dot_dist</a:t>
+            </a:r>
+            <a:r>
+              <a:rPr lang="en-US" altLang="ko-KR" b="1"/>
+              <a:t> returns the distance between two points</a:t>
+            </a:r>
+          </a:p>
+          <a:p>
+            <a:pPr lvl="1"/>
+            <a:r>
+              <a:rPr lang="en-US" altLang="ko-KR" b="1"/>
+              <a:t>in this case, root(5).</a:t>
+            </a:r>
+          </a:p>
+          <a:p>
+            <a:pPr lvl="1"/>
+            <a:r>
+              <a:rPr lang="en-US" altLang="ko-KR" b="1"/>
+              <a:t>math.sqrt() function will help you</a:t>
+            </a:r>
+            <a:endParaRPr lang="en-US" altLang="ko-KR"/>
+          </a:p>
+          <a:p>
+            <a:endParaRPr lang="en-US" altLang="ko-KR"/>
+          </a:p>
+          <a:p>
+            <a:pPr marL="0" indent="0">
+              <a:buNone/>
+            </a:pPr>
+            <a:endParaRPr lang="en-US" altLang="ko-KR"/>
+          </a:p>
+          <a:p>
+            <a:pPr lvl="1"/>
+            <a:endParaRPr lang="en-US" altLang="ko-KR" b="1"/>
+          </a:p>
+        </p:txBody>
+      </p:sp>
+      <p:sp>
+        <p:nvSpPr>
+          <p:cNvPr id="4" name="Slide Number Placeholder 3">
+            <a:extLst>
+              <a:ext uri="{FF2B5EF4-FFF2-40B4-BE49-F238E27FC236}">
+                <a16:creationId xmlns:a16="http://schemas.microsoft.com/office/drawing/2014/main" id="{800EF43F-4A2C-4A73-B3CC-1C89EDAB8600}"/>
+              </a:ext>
+            </a:extLst>
+          </p:cNvPr>
+          <p:cNvSpPr>
+            <a:spLocks noGrp="1"/>
+          </p:cNvSpPr>
+          <p:nvPr>
+            <p:ph type="sldNum" sz="quarter" idx="12"/>
+          </p:nvPr>
+        </p:nvSpPr>
+        <p:spPr/>
+        <p:txBody>
+          <a:bodyPr/>
+          <a:lstStyle/>
+          <a:p>
+            <a:fld id="{663C6A4A-F58A-4813-833D-C5F250139976}" type="slidenum">
+              <a:rPr lang="ko-KR" altLang="en-US" smtClean="0"/>
+              <a:t>14</a:t>
+            </a:fld>
+            <a:endParaRPr lang="ko-KR" altLang="en-US"/>
+          </a:p>
+        </p:txBody>
+      </p:sp>
+      <p:pic>
+        <p:nvPicPr>
+          <p:cNvPr id="5" name="Picture 4">
+            <a:extLst>
+              <a:ext uri="{FF2B5EF4-FFF2-40B4-BE49-F238E27FC236}">
+                <a16:creationId xmlns:a16="http://schemas.microsoft.com/office/drawing/2014/main" id="{D01A7BDD-7000-416D-B11D-9170C756E012}"/>
+              </a:ext>
+            </a:extLst>
+          </p:cNvPr>
+          <p:cNvPicPr>
+            <a:picLocks noChangeAspect="1"/>
+          </p:cNvPicPr>
+          <p:nvPr/>
+        </p:nvPicPr>
+        <p:blipFill>
+          <a:blip r:embed="rId3"/>
+          <a:stretch>
+            <a:fillRect/>
+          </a:stretch>
+        </p:blipFill>
+        <p:spPr>
+          <a:xfrm>
+            <a:off x="7274095" y="2505821"/>
+            <a:ext cx="4308306" cy="4215654"/>
+          </a:xfrm>
+          <a:prstGeom prst="rect">
+            <a:avLst/>
+          </a:prstGeom>
+        </p:spPr>
+      </p:pic>
+    </p:spTree>
+    <p:extLst>
+      <p:ext uri="{BB962C8B-B14F-4D97-AF65-F5344CB8AC3E}">
+        <p14:creationId xmlns:p14="http://schemas.microsoft.com/office/powerpoint/2010/main" val="1615235935"/>
+      </p:ext>
+    </p:extLst>
+  </p:cSld>
+  <p:clrMapOvr>
+    <a:masterClrMapping/>
+  </p:clrMapOvr>
+  <mc:AlternateContent xmlns:mc="http://schemas.openxmlformats.org/markup-compatibility/2006" xmlns:p14="http://schemas.microsoft.com/office/powerpoint/2010/main">
+    <mc:Choice Requires="p14">
+      <p:transition spd="slow" p14:dur="2000" advTm="24019"/>
+    </mc:Choice>
+    <mc:Fallback xmlns="">
+      <p:transition spd="slow" advTm="24019"/>
+    </mc:Fallback>
+  </mc:AlternateContent>
+</p:sld>
+</file>
+
+<file path=ppt/slides/slide15.xml><?xml version="1.0" encoding="utf-8"?>
+<p:sld xmlns:a="http://schemas.openxmlformats.org/drawingml/2006/main" xmlns:r="http://schemas.openxmlformats.org/officeDocument/2006/relationships" xmlns:p="http://schemas.openxmlformats.org/presentationml/2006/main">
+  <p:cSld>
+    <p:spTree>
+      <p:nvGrpSpPr>
+        <p:cNvPr id="1" name=""/>
+        <p:cNvGrpSpPr/>
+        <p:nvPr/>
+      </p:nvGrpSpPr>
+      <p:grpSpPr>
+        <a:xfrm>
+          <a:off x="0" y="0"/>
+          <a:ext cx="0" cy="0"/>
+          <a:chOff x="0" y="0"/>
+          <a:chExt cx="0" cy="0"/>
+        </a:xfrm>
+      </p:grpSpPr>
+      <p:sp>
+        <p:nvSpPr>
+          <p:cNvPr id="2" name="Title 1">
+            <a:extLst>
+              <a:ext uri="{FF2B5EF4-FFF2-40B4-BE49-F238E27FC236}">
+                <a16:creationId xmlns:a16="http://schemas.microsoft.com/office/drawing/2014/main" id="{76AC945A-7689-4FF6-98C3-A90972A6338D}"/>
+              </a:ext>
+            </a:extLst>
+          </p:cNvPr>
+          <p:cNvSpPr>
+            <a:spLocks noGrp="1"/>
+          </p:cNvSpPr>
+          <p:nvPr>
+            <p:ph type="title"/>
+          </p:nvPr>
+        </p:nvSpPr>
+        <p:spPr/>
+        <p:txBody>
+          <a:bodyPr/>
+          <a:lstStyle/>
+          <a:p>
+            <a:r>
+              <a:rPr lang="en-US" altLang="ko-KR" b="1"/>
+              <a:t>Dot: Methods [3]</a:t>
+            </a:r>
+            <a:endParaRPr lang="ko-KR" altLang="en-US"/>
+          </a:p>
+        </p:txBody>
+      </p:sp>
+      <p:sp>
+        <p:nvSpPr>
+          <p:cNvPr id="3" name="Content Placeholder 2">
+            <a:extLst>
+              <a:ext uri="{FF2B5EF4-FFF2-40B4-BE49-F238E27FC236}">
+                <a16:creationId xmlns:a16="http://schemas.microsoft.com/office/drawing/2014/main" id="{76C8972C-5AF5-4ACF-96F8-6FC9DF600A72}"/>
+              </a:ext>
+            </a:extLst>
+          </p:cNvPr>
+          <p:cNvSpPr>
+            <a:spLocks noGrp="1"/>
+          </p:cNvSpPr>
+          <p:nvPr>
+            <p:ph idx="1"/>
+          </p:nvPr>
+        </p:nvSpPr>
+        <p:spPr/>
+        <p:txBody>
+          <a:bodyPr/>
+          <a:lstStyle/>
+          <a:p>
+            <a:r>
+              <a:rPr lang="en-US" altLang="ko-KR" b="1"/>
+              <a:t>Other methods are defined in the skeleton code.</a:t>
+            </a:r>
+          </a:p>
+          <a:p>
+            <a:pPr lvl="1"/>
+            <a:r>
+              <a:rPr lang="en-US" altLang="ko-KR" b="1"/>
+              <a:t>You have to modify this</a:t>
+            </a:r>
+            <a:endParaRPr lang="ko-KR" altLang="en-US" b="1"/>
+          </a:p>
+        </p:txBody>
+      </p:sp>
+      <p:sp>
+        <p:nvSpPr>
+          <p:cNvPr id="4" name="Slide Number Placeholder 3">
+            <a:extLst>
+              <a:ext uri="{FF2B5EF4-FFF2-40B4-BE49-F238E27FC236}">
+                <a16:creationId xmlns:a16="http://schemas.microsoft.com/office/drawing/2014/main" id="{9005D341-9764-4D9B-8EB8-E48093C07C8F}"/>
+              </a:ext>
+            </a:extLst>
+          </p:cNvPr>
+          <p:cNvSpPr>
+            <a:spLocks noGrp="1"/>
+          </p:cNvSpPr>
+          <p:nvPr>
+            <p:ph type="sldNum" sz="quarter" idx="12"/>
+          </p:nvPr>
+        </p:nvSpPr>
+        <p:spPr/>
+        <p:txBody>
+          <a:bodyPr/>
+          <a:lstStyle/>
+          <a:p>
+            <a:fld id="{663C6A4A-F58A-4813-833D-C5F250139976}" type="slidenum">
+              <a:rPr lang="ko-KR" altLang="en-US" smtClean="0"/>
+              <a:t>15</a:t>
+            </a:fld>
+            <a:endParaRPr lang="ko-KR" altLang="en-US"/>
+          </a:p>
+        </p:txBody>
+      </p:sp>
+      <p:pic>
+        <p:nvPicPr>
+          <p:cNvPr id="5" name="Picture 4">
+            <a:extLst>
+              <a:ext uri="{FF2B5EF4-FFF2-40B4-BE49-F238E27FC236}">
+                <a16:creationId xmlns:a16="http://schemas.microsoft.com/office/drawing/2014/main" id="{C0701790-28A2-4570-8FD2-AA7B962AFF25}"/>
+              </a:ext>
+            </a:extLst>
+          </p:cNvPr>
+          <p:cNvPicPr>
+            <a:picLocks noChangeAspect="1"/>
+          </p:cNvPicPr>
+          <p:nvPr/>
+        </p:nvPicPr>
+        <p:blipFill>
+          <a:blip r:embed="rId3"/>
           <a:stretch>
             <a:fillRect/>
           </a:stretch>
@@ -4875,7 +7436,7 @@
 </p:sld>
 </file>
 
-<file path=ppt/slides/slide11.xml><?xml version="1.0" encoding="utf-8"?>
+<file path=ppt/slides/slide16.xml><?xml version="1.0" encoding="utf-8"?>
 <p:sld xmlns:a="http://schemas.openxmlformats.org/drawingml/2006/main" xmlns:r="http://schemas.openxmlformats.org/officeDocument/2006/relationships" xmlns:p="http://schemas.openxmlformats.org/presentationml/2006/main">
   <p:cSld>
     <p:spTree>
@@ -4914,10 +7475,10 @@
           <a:lstStyle/>
           <a:p>
             <a:r>
-              <a:rPr lang="en-US" altLang="ko-KR" b="1" dirty="0"/>
+              <a:rPr lang="en-US" altLang="ko-KR" b="1"/>
               <a:t>Let’s start!</a:t>
             </a:r>
-            <a:endParaRPr lang="ko-KR" altLang="en-US" b="1" dirty="0"/>
+            <a:endParaRPr lang="ko-KR" altLang="en-US" b="1"/>
           </a:p>
         </p:txBody>
       </p:sp>
@@ -4943,10 +7504,18 @@
           <a:lstStyle/>
           <a:p>
             <a:r>
-              <a:rPr lang="en-US" altLang="ko-KR" b="1" dirty="0"/>
+              <a:rPr lang="en-US" altLang="ko-KR" b="1"/>
               <a:t>Use the skeleton, dot.py</a:t>
             </a:r>
-            <a:endParaRPr lang="ko-KR" altLang="en-US" b="1" dirty="0"/>
+          </a:p>
+          <a:p>
+            <a:endParaRPr lang="en-US" altLang="ko-KR" b="1"/>
+          </a:p>
+          <a:p>
+            <a:r>
+              <a:rPr lang="en-US" altLang="ko-KR" b="1"/>
+              <a:t>Please submit your solution with your email in the first line in the code</a:t>
+            </a:r>
           </a:p>
         </p:txBody>
       </p:sp>
@@ -4973,8 +7542,88 @@
           <a:p>
             <a:fld id="{663C6A4A-F58A-4813-833D-C5F250139976}" type="slidenum">
               <a:rPr lang="ko-KR" altLang="en-US" smtClean="0"/>
-              <a:t>11</a:t>
+              <a:t>16</a:t>
             </a:fld>
+            <a:endParaRPr lang="ko-KR" altLang="en-US"/>
+          </a:p>
+        </p:txBody>
+      </p:sp>
+      <p:pic>
+        <p:nvPicPr>
+          <p:cNvPr id="6" name="Picture 5">
+            <a:extLst>
+              <a:ext uri="{FF2B5EF4-FFF2-40B4-BE49-F238E27FC236}">
+                <a16:creationId xmlns:a16="http://schemas.microsoft.com/office/drawing/2014/main" id="{39548C04-6960-4842-AE0D-7B927F630EFA}"/>
+              </a:ext>
+            </a:extLst>
+          </p:cNvPr>
+          <p:cNvPicPr>
+            <a:picLocks noChangeAspect="1"/>
+          </p:cNvPicPr>
+          <p:nvPr/>
+        </p:nvPicPr>
+        <p:blipFill>
+          <a:blip r:embed="rId3"/>
+          <a:stretch>
+            <a:fillRect/>
+          </a:stretch>
+        </p:blipFill>
+        <p:spPr>
+          <a:xfrm>
+            <a:off x="5070867" y="3429001"/>
+            <a:ext cx="5785945" cy="3429000"/>
+          </a:xfrm>
+          <a:prstGeom prst="rect">
+            <a:avLst/>
+          </a:prstGeom>
+        </p:spPr>
+      </p:pic>
+      <p:sp>
+        <p:nvSpPr>
+          <p:cNvPr id="7" name="Oval 6">
+            <a:extLst>
+              <a:ext uri="{FF2B5EF4-FFF2-40B4-BE49-F238E27FC236}">
+                <a16:creationId xmlns:a16="http://schemas.microsoft.com/office/drawing/2014/main" id="{77A393B0-C90A-48DF-A16D-DA03C5610CE2}"/>
+              </a:ext>
+            </a:extLst>
+          </p:cNvPr>
+          <p:cNvSpPr/>
+          <p:nvPr/>
+        </p:nvSpPr>
+        <p:spPr>
+          <a:xfrm>
+            <a:off x="5449422" y="3294064"/>
+            <a:ext cx="2189628" cy="1198096"/>
+          </a:xfrm>
+          <a:prstGeom prst="ellipse">
+            <a:avLst/>
+          </a:prstGeom>
+          <a:noFill/>
+          <a:ln w="57150">
+            <a:solidFill>
+              <a:srgbClr val="FF0000"/>
+            </a:solidFill>
+          </a:ln>
+        </p:spPr>
+        <p:style>
+          <a:lnRef idx="2">
+            <a:schemeClr val="dk1"/>
+          </a:lnRef>
+          <a:fillRef idx="1">
+            <a:schemeClr val="lt1"/>
+          </a:fillRef>
+          <a:effectRef idx="0">
+            <a:schemeClr val="dk1"/>
+          </a:effectRef>
+          <a:fontRef idx="minor">
+            <a:schemeClr val="dk1"/>
+          </a:fontRef>
+        </p:style>
+        <p:txBody>
+          <a:bodyPr rtlCol="0" anchor="ctr"/>
+          <a:lstStyle/>
+          <a:p>
+            <a:pPr algn="ctr"/>
             <a:endParaRPr lang="ko-KR" altLang="en-US"/>
           </a:p>
         </p:txBody>
@@ -4992,7 +7641,7 @@
 </p:sld>
 </file>
 
-<file path=ppt/slides/slide12.xml><?xml version="1.0" encoding="utf-8"?>
+<file path=ppt/slides/slide17.xml><?xml version="1.0" encoding="utf-8"?>
 <p:sld xmlns:a="http://schemas.openxmlformats.org/drawingml/2006/main" xmlns:r="http://schemas.openxmlformats.org/officeDocument/2006/relationships" xmlns:p="http://schemas.openxmlformats.org/presentationml/2006/main">
   <p:cSld>
     <p:spTree>
@@ -5031,35 +7680,10 @@
           <a:lstStyle/>
           <a:p>
             <a:r>
-              <a:rPr lang="en-US" altLang="ko-KR" b="1" dirty="0"/>
+              <a:rPr lang="en-US" altLang="ko-KR" b="1"/>
               <a:t>Class: Car</a:t>
             </a:r>
-            <a:endParaRPr lang="ko-KR" altLang="en-US" b="1" dirty="0"/>
-          </a:p>
-        </p:txBody>
-      </p:sp>
-      <p:sp>
-        <p:nvSpPr>
-          <p:cNvPr id="3" name="Text Placeholder 2">
-            <a:extLst>
-              <a:ext uri="{FF2B5EF4-FFF2-40B4-BE49-F238E27FC236}">
-                <a16:creationId xmlns:a16="http://schemas.microsoft.com/office/drawing/2014/main" id="{AACDFAB9-A5C6-4CA4-AB46-FDB4982C9CC1}"/>
-              </a:ext>
-            </a:extLst>
-          </p:cNvPr>
-          <p:cNvSpPr>
-            <a:spLocks noGrp="1"/>
-          </p:cNvSpPr>
-          <p:nvPr>
-            <p:ph type="body" idx="1"/>
-          </p:nvPr>
-        </p:nvSpPr>
-        <p:spPr/>
-        <p:txBody>
-          <a:bodyPr/>
-          <a:lstStyle/>
-          <a:p>
-            <a:endParaRPr lang="ko-KR" altLang="en-US" dirty="0"/>
+            <a:endParaRPr lang="ko-KR" altLang="en-US" b="1"/>
           </a:p>
         </p:txBody>
       </p:sp>
@@ -5086,7 +7710,7 @@
           <a:p>
             <a:fld id="{663C6A4A-F58A-4813-833D-C5F250139976}" type="slidenum">
               <a:rPr lang="ko-KR" altLang="en-US" smtClean="0"/>
-              <a:t>12</a:t>
+              <a:t>17</a:t>
             </a:fld>
             <a:endParaRPr lang="ko-KR" altLang="en-US"/>
           </a:p>
@@ -5113,7 +7737,7 @@
 </p:sld>
 </file>
 
-<file path=ppt/slides/slide13.xml><?xml version="1.0" encoding="utf-8"?>
+<file path=ppt/slides/slide18.xml><?xml version="1.0" encoding="utf-8"?>
 <p:sld xmlns:a="http://schemas.openxmlformats.org/drawingml/2006/main" xmlns:r="http://schemas.openxmlformats.org/officeDocument/2006/relationships" xmlns:p="http://schemas.openxmlformats.org/presentationml/2006/main">
   <p:cSld>
     <p:spTree>
@@ -5152,10 +7776,10 @@
           <a:lstStyle/>
           <a:p>
             <a:r>
-              <a:rPr lang="en-US" altLang="ko-KR" b="1" dirty="0"/>
+              <a:rPr lang="en-US" altLang="ko-KR" b="1"/>
               <a:t>Car</a:t>
             </a:r>
-            <a:endParaRPr lang="ko-KR" altLang="en-US" b="1" dirty="0"/>
+            <a:endParaRPr lang="ko-KR" altLang="en-US" b="1"/>
           </a:p>
         </p:txBody>
       </p:sp>
@@ -5186,81 +7810,81 @@
           <a:lstStyle/>
           <a:p>
             <a:r>
-              <a:rPr lang="en-US" altLang="ko-KR" b="1" dirty="0"/>
+              <a:rPr lang="en-US" altLang="ko-KR" b="1"/>
               <a:t>A car can do</a:t>
             </a:r>
           </a:p>
           <a:p>
             <a:pPr lvl="1"/>
             <a:r>
-              <a:rPr lang="en-US" altLang="ko-KR" dirty="0"/>
+              <a:rPr lang="en-US" altLang="ko-KR"/>
               <a:t>drive (as long as the fuel remains)</a:t>
             </a:r>
           </a:p>
           <a:p>
             <a:pPr lvl="1"/>
             <a:r>
-              <a:rPr lang="en-US" altLang="ko-KR" dirty="0"/>
+              <a:rPr lang="en-US" altLang="ko-KR"/>
               <a:t>show the its status:</a:t>
             </a:r>
           </a:p>
           <a:p>
             <a:pPr lvl="2"/>
             <a:r>
-              <a:rPr lang="en-US" altLang="ko-KR" dirty="0"/>
+              <a:rPr lang="en-US" altLang="ko-KR"/>
               <a:t>fuel (L)</a:t>
             </a:r>
           </a:p>
           <a:p>
             <a:pPr lvl="2"/>
             <a:r>
-              <a:rPr lang="en-US" altLang="ko-KR" dirty="0"/>
+              <a:rPr lang="en-US" altLang="ko-KR"/>
               <a:t>total distance (km)</a:t>
             </a:r>
           </a:p>
           <a:p>
             <a:pPr lvl="2"/>
             <a:r>
-              <a:rPr lang="en-US" altLang="ko-KR" dirty="0"/>
+              <a:rPr lang="en-US" altLang="ko-KR"/>
               <a:t>etc.</a:t>
             </a:r>
           </a:p>
           <a:p>
-            <a:endParaRPr lang="en-US" altLang="ko-KR" dirty="0"/>
-          </a:p>
-          <a:p>
-            <a:r>
-              <a:rPr lang="en-US" altLang="ko-KR" b="1" dirty="0"/>
+            <a:endParaRPr lang="en-US" altLang="ko-KR"/>
+          </a:p>
+          <a:p>
+            <a:r>
+              <a:rPr lang="en-US" altLang="ko-KR" b="1"/>
               <a:t>Cars have their own features:</a:t>
             </a:r>
           </a:p>
           <a:p>
             <a:pPr lvl="1"/>
             <a:r>
-              <a:rPr lang="en-US" altLang="ko-KR" dirty="0"/>
+              <a:rPr lang="en-US" altLang="ko-KR"/>
               <a:t>car name</a:t>
             </a:r>
           </a:p>
           <a:p>
             <a:pPr lvl="1"/>
             <a:r>
-              <a:rPr lang="en-US" altLang="ko-KR" dirty="0"/>
+              <a:rPr lang="en-US" altLang="ko-KR"/>
               <a:t>mileage (km/L)</a:t>
             </a:r>
           </a:p>
           <a:p>
             <a:pPr lvl="1"/>
             <a:r>
-              <a:rPr lang="en-US" altLang="ko-KR" dirty="0"/>
+              <a:rPr lang="en-US" altLang="ko-KR"/>
               <a:t>max fuel (L)</a:t>
             </a:r>
           </a:p>
           <a:p>
-            <a:endParaRPr lang="en-US" altLang="ko-KR" dirty="0"/>
+            <a:endParaRPr lang="en-US" altLang="ko-KR"/>
           </a:p>
           <a:p>
             <a:pPr lvl="1"/>
-            <a:endParaRPr lang="ko-KR" altLang="en-US" dirty="0"/>
+            <a:endParaRPr lang="ko-KR" altLang="en-US"/>
           </a:p>
         </p:txBody>
       </p:sp>
@@ -5287,7 +7911,7 @@
           <a:p>
             <a:fld id="{663C6A4A-F58A-4813-833D-C5F250139976}" type="slidenum">
               <a:rPr lang="ko-KR" altLang="en-US" smtClean="0"/>
-              <a:t>13</a:t>
+              <a:t>18</a:t>
             </a:fld>
             <a:endParaRPr lang="ko-KR" altLang="en-US"/>
           </a:p>
@@ -5306,7 +7930,7 @@
 </p:sld>
 </file>
 
-<file path=ppt/slides/slide14.xml><?xml version="1.0" encoding="utf-8"?>
+<file path=ppt/slides/slide19.xml><?xml version="1.0" encoding="utf-8"?>
 <p:sld xmlns:a="http://schemas.openxmlformats.org/drawingml/2006/main" xmlns:r="http://schemas.openxmlformats.org/officeDocument/2006/relationships" xmlns:p="http://schemas.openxmlformats.org/presentationml/2006/main">
   <p:cSld>
     <p:spTree>
@@ -5345,10 +7969,10 @@
           <a:lstStyle/>
           <a:p>
             <a:r>
-              <a:rPr lang="en-US" altLang="ko-KR" b="1" dirty="0"/>
+              <a:rPr lang="en-US" altLang="ko-KR" b="1"/>
               <a:t>Car: Member Variables</a:t>
             </a:r>
-            <a:endParaRPr lang="ko-KR" altLang="en-US" b="1" dirty="0"/>
+            <a:endParaRPr lang="ko-KR" altLang="en-US" b="1"/>
           </a:p>
         </p:txBody>
       </p:sp>
@@ -5369,7 +7993,7 @@
           </p:nvPr>
         </p:nvPicPr>
         <p:blipFill>
-          <a:blip r:embed="rId2"/>
+          <a:blip r:embed="rId3"/>
           <a:stretch>
             <a:fillRect/>
           </a:stretch>
@@ -5407,7 +8031,7 @@
           <a:p>
             <a:fld id="{663C6A4A-F58A-4813-833D-C5F250139976}" type="slidenum">
               <a:rPr lang="ko-KR" altLang="en-US" smtClean="0"/>
-              <a:t>14</a:t>
+              <a:t>19</a:t>
             </a:fld>
             <a:endParaRPr lang="ko-KR" altLang="en-US"/>
           </a:p>
@@ -5605,14 +8229,14 @@
             </a:lvl9pPr>
           </a:lstStyle>
           <a:p>
-            <a:endParaRPr lang="en-US" altLang="ko-KR" dirty="0"/>
-          </a:p>
-          <a:p>
-            <a:endParaRPr lang="en-US" altLang="ko-KR" dirty="0"/>
+            <a:endParaRPr lang="en-US" altLang="ko-KR"/>
+          </a:p>
+          <a:p>
+            <a:endParaRPr lang="en-US" altLang="ko-KR"/>
           </a:p>
           <a:p>
             <a:pPr lvl="1"/>
-            <a:endParaRPr lang="ko-KR" altLang="en-US" dirty="0"/>
+            <a:endParaRPr lang="ko-KR" altLang="en-US"/>
           </a:p>
         </p:txBody>
       </p:sp>
@@ -5629,7 +8253,7 @@
 </p:sld>
 </file>
 
-<file path=ppt/slides/slide15.xml><?xml version="1.0" encoding="utf-8"?>
+<file path=ppt/slides/slide2.xml><?xml version="1.0" encoding="utf-8"?>
 <p:sld xmlns:a="http://schemas.openxmlformats.org/drawingml/2006/main" xmlns:r="http://schemas.openxmlformats.org/officeDocument/2006/relationships" xmlns:p="http://schemas.openxmlformats.org/presentationml/2006/main">
   <p:cSld>
     <p:spTree>
@@ -5651,7 +8275,7 @@
           <p:cNvPr id="2" name="Title 1">
             <a:extLst>
               <a:ext uri="{FF2B5EF4-FFF2-40B4-BE49-F238E27FC236}">
-                <a16:creationId xmlns:a16="http://schemas.microsoft.com/office/drawing/2014/main" id="{DE70887F-DF6F-4D9F-B4E3-352070A65E25}"/>
+                <a16:creationId xmlns:a16="http://schemas.microsoft.com/office/drawing/2014/main" id="{A863AAAD-AB20-4AE4-A313-65A49223E91F}"/>
               </a:ext>
             </a:extLst>
           </p:cNvPr>
@@ -5668,10 +8292,10 @@
           <a:lstStyle/>
           <a:p>
             <a:r>
-              <a:rPr lang="en-US" altLang="ko-KR" b="1" dirty="0"/>
-              <a:t>Car: Methods [1]</a:t>
-            </a:r>
-            <a:endParaRPr lang="ko-KR" altLang="en-US" b="1" dirty="0"/>
+              <a:rPr lang="en-US" altLang="ko-KR" b="1"/>
+              <a:t>Contents</a:t>
+            </a:r>
+            <a:endParaRPr lang="ko-KR" altLang="en-US" b="1"/>
           </a:p>
         </p:txBody>
       </p:sp>
@@ -5680,7 +8304,7 @@
           <p:cNvPr id="3" name="Content Placeholder 2">
             <a:extLst>
               <a:ext uri="{FF2B5EF4-FFF2-40B4-BE49-F238E27FC236}">
-                <a16:creationId xmlns:a16="http://schemas.microsoft.com/office/drawing/2014/main" id="{52218D97-773F-4FFC-8CFE-61B9F324767B}"/>
+                <a16:creationId xmlns:a16="http://schemas.microsoft.com/office/drawing/2014/main" id="{00F3905E-23DB-487E-8131-AD27486F881A}"/>
               </a:ext>
             </a:extLst>
           </p:cNvPr>
@@ -5691,86 +8315,27 @@
             <p:ph idx="1"/>
           </p:nvPr>
         </p:nvSpPr>
-        <p:spPr>
-          <a:xfrm>
-            <a:off x="838200" y="1825624"/>
-            <a:ext cx="10515600" cy="5032375"/>
-          </a:xfrm>
-        </p:spPr>
-        <p:txBody>
-          <a:bodyPr/>
-          <a:lstStyle/>
-          <a:p>
-            <a:r>
-              <a:rPr lang="en-US" altLang="ko-KR" b="1" dirty="0" err="1"/>
-              <a:t>Brrr</a:t>
-            </a:r>
-            <a:r>
-              <a:rPr lang="en-US" altLang="ko-KR" b="1" dirty="0"/>
-              <a:t>(self, km): drive X km</a:t>
-            </a:r>
-          </a:p>
-          <a:p>
-            <a:pPr lvl="1"/>
-            <a:r>
-              <a:rPr lang="en-US" altLang="ko-KR" dirty="0"/>
-              <a:t>The car should consume the fuel, as you drive</a:t>
-            </a:r>
-          </a:p>
-          <a:p>
-            <a:pPr lvl="1"/>
-            <a:r>
-              <a:rPr lang="en-US" altLang="ko-KR" dirty="0"/>
-              <a:t>If the fuel is not enough, it cannot go</a:t>
-            </a:r>
-          </a:p>
-          <a:p>
-            <a:pPr lvl="1"/>
-            <a:r>
-              <a:rPr lang="en-US" altLang="ko-KR" dirty="0"/>
-              <a:t>After that, show the current state</a:t>
-            </a:r>
-          </a:p>
-          <a:p>
-            <a:endParaRPr lang="en-US" altLang="ko-KR" dirty="0"/>
-          </a:p>
-          <a:p>
-            <a:r>
-              <a:rPr lang="en-US" altLang="ko-KR" b="1" dirty="0" err="1"/>
-              <a:t>gas_station</a:t>
-            </a:r>
-            <a:r>
-              <a:rPr lang="en-US" altLang="ko-KR" b="1" dirty="0"/>
-              <a:t>(self): Full the fuel</a:t>
-            </a:r>
-            <a:r>
-              <a:rPr lang="en-US" altLang="ko-KR" dirty="0"/>
-              <a:t> </a:t>
-            </a:r>
-          </a:p>
-          <a:p>
-            <a:pPr lvl="1"/>
-            <a:r>
-              <a:rPr lang="en-US" altLang="ko-KR" dirty="0"/>
-              <a:t>It’s free!</a:t>
-            </a:r>
-          </a:p>
-          <a:p>
-            <a:pPr lvl="1"/>
-            <a:r>
-              <a:rPr lang="en-US" altLang="ko-KR" dirty="0"/>
-              <a:t>After that, show the current state</a:t>
-            </a:r>
-          </a:p>
-          <a:p>
-            <a:endParaRPr lang="en-US" altLang="ko-KR" dirty="0"/>
-          </a:p>
-          <a:p>
-            <a:endParaRPr lang="en-US" altLang="ko-KR" dirty="0"/>
-          </a:p>
-          <a:p>
-            <a:pPr lvl="1"/>
-            <a:endParaRPr lang="ko-KR" altLang="en-US" dirty="0"/>
+        <p:spPr/>
+        <p:txBody>
+          <a:bodyPr/>
+          <a:lstStyle/>
+          <a:p>
+            <a:r>
+              <a:rPr lang="en-US" altLang="ko-KR" b="1"/>
+              <a:t>About Real-time Class</a:t>
+            </a:r>
+          </a:p>
+          <a:p>
+            <a:r>
+              <a:rPr lang="en-US" altLang="ko-KR" b="1"/>
+              <a:t>Class: Dot</a:t>
+            </a:r>
+          </a:p>
+          <a:p>
+            <a:r>
+              <a:rPr lang="en-US" altLang="ko-KR" b="1"/>
+              <a:t>Class: Car</a:t>
+            </a:r>
           </a:p>
         </p:txBody>
       </p:sp>
@@ -5779,7 +8344,7 @@
           <p:cNvPr id="4" name="Slide Number Placeholder 3">
             <a:extLst>
               <a:ext uri="{FF2B5EF4-FFF2-40B4-BE49-F238E27FC236}">
-                <a16:creationId xmlns:a16="http://schemas.microsoft.com/office/drawing/2014/main" id="{F7E07A7C-43CA-45D3-8D5B-8F7B853446F7}"/>
+                <a16:creationId xmlns:a16="http://schemas.microsoft.com/office/drawing/2014/main" id="{800EF43F-4A2C-4A73-B3CC-1C89EDAB8600}"/>
               </a:ext>
             </a:extLst>
           </p:cNvPr>
@@ -5797,7 +8362,7 @@
           <a:p>
             <a:fld id="{663C6A4A-F58A-4813-833D-C5F250139976}" type="slidenum">
               <a:rPr lang="ko-KR" altLang="en-US" smtClean="0"/>
-              <a:t>15</a:t>
+              <a:t>2</a:t>
             </a:fld>
             <a:endParaRPr lang="ko-KR" altLang="en-US"/>
           </a:p>
@@ -5806,17 +8371,25 @@
     </p:spTree>
     <p:extLst>
       <p:ext uri="{BB962C8B-B14F-4D97-AF65-F5344CB8AC3E}">
-        <p14:creationId xmlns:p14="http://schemas.microsoft.com/office/powerpoint/2010/main" val="1419934037"/>
+        <p14:creationId xmlns:p14="http://schemas.microsoft.com/office/powerpoint/2010/main" val="2452115276"/>
       </p:ext>
     </p:extLst>
   </p:cSld>
   <p:clrMapOvr>
     <a:masterClrMapping/>
   </p:clrMapOvr>
+  <mc:AlternateContent xmlns:mc="http://schemas.openxmlformats.org/markup-compatibility/2006" xmlns:p14="http://schemas.microsoft.com/office/powerpoint/2010/main">
+    <mc:Choice Requires="p14">
+      <p:transition spd="slow" p14:dur="2000" advTm="24019"/>
+    </mc:Choice>
+    <mc:Fallback xmlns="">
+      <p:transition spd="slow" advTm="24019"/>
+    </mc:Fallback>
+  </mc:AlternateContent>
 </p:sld>
 </file>
 
-<file path=ppt/slides/slide16.xml><?xml version="1.0" encoding="utf-8"?>
+<file path=ppt/slides/slide20.xml><?xml version="1.0" encoding="utf-8"?>
 <p:sld xmlns:a="http://schemas.openxmlformats.org/drawingml/2006/main" xmlns:r="http://schemas.openxmlformats.org/officeDocument/2006/relationships" xmlns:p="http://schemas.openxmlformats.org/presentationml/2006/main">
   <p:cSld>
     <p:spTree>
@@ -5855,10 +8428,10 @@
           <a:lstStyle/>
           <a:p>
             <a:r>
-              <a:rPr lang="en-US" altLang="ko-KR" b="1" dirty="0"/>
-              <a:t>Car: Methods [2]</a:t>
-            </a:r>
-            <a:endParaRPr lang="ko-KR" altLang="en-US" b="1" dirty="0"/>
+              <a:rPr lang="en-US" altLang="ko-KR" b="1"/>
+              <a:t>Car: Methods [1]</a:t>
+            </a:r>
+            <a:endParaRPr lang="ko-KR" altLang="en-US" b="1"/>
           </a:p>
         </p:txBody>
       </p:sp>
@@ -5889,30 +8462,75 @@
           <a:lstStyle/>
           <a:p>
             <a:r>
-              <a:rPr lang="en-US" altLang="ko-KR" b="1" dirty="0"/>
-              <a:t>status(self): show the current status</a:t>
+              <a:rPr lang="en-US" altLang="ko-KR" b="1" err="1"/>
+              <a:t>Brrr</a:t>
+            </a:r>
+            <a:r>
+              <a:rPr lang="en-US" altLang="ko-KR" b="1"/>
+              <a:t>(self, km): drive X km</a:t>
             </a:r>
           </a:p>
           <a:p>
             <a:pPr lvl="1"/>
             <a:r>
-              <a:rPr lang="en-US" altLang="ko-KR" dirty="0"/>
-              <a:t>warn if the fuel is too low</a:t>
+              <a:rPr lang="en-US" altLang="ko-KR"/>
+              <a:t>The car should consume the fuel, as you drive</a:t>
             </a:r>
           </a:p>
           <a:p>
             <a:pPr lvl="1"/>
-            <a:endParaRPr lang="en-US" altLang="ko-KR" dirty="0"/>
-          </a:p>
-          <a:p>
-            <a:endParaRPr lang="en-US" altLang="ko-KR" dirty="0"/>
-          </a:p>
-          <a:p>
-            <a:endParaRPr lang="en-US" altLang="ko-KR" dirty="0"/>
+            <a:r>
+              <a:rPr lang="en-US" altLang="ko-KR"/>
+              <a:t>If the fuel is not enough, it cannot go</a:t>
+            </a:r>
           </a:p>
           <a:p>
             <a:pPr lvl="1"/>
-            <a:endParaRPr lang="ko-KR" altLang="en-US" dirty="0"/>
+            <a:r>
+              <a:rPr lang="en-US" altLang="ko-KR"/>
+              <a:t>After that, show the current state</a:t>
+            </a:r>
+          </a:p>
+          <a:p>
+            <a:endParaRPr lang="en-US" altLang="ko-KR"/>
+          </a:p>
+          <a:p>
+            <a:r>
+              <a:rPr lang="en-US" altLang="ko-KR" b="1" err="1"/>
+              <a:t>gas_station</a:t>
+            </a:r>
+            <a:r>
+              <a:rPr lang="en-US" altLang="ko-KR" b="1"/>
+              <a:t>(self): Full the fuel</a:t>
+            </a:r>
+            <a:r>
+              <a:rPr lang="en-US" altLang="ko-KR"/>
+              <a:t> </a:t>
+            </a:r>
+          </a:p>
+          <a:p>
+            <a:pPr lvl="1"/>
+            <a:r>
+              <a:rPr lang="en-US" altLang="ko-KR"/>
+              <a:t>It’s free!</a:t>
+            </a:r>
+          </a:p>
+          <a:p>
+            <a:pPr lvl="1"/>
+            <a:r>
+              <a:rPr lang="en-US" altLang="ko-KR"/>
+              <a:t>After that, show the current state</a:t>
+            </a:r>
+          </a:p>
+          <a:p>
+            <a:endParaRPr lang="en-US" altLang="ko-KR"/>
+          </a:p>
+          <a:p>
+            <a:endParaRPr lang="en-US" altLang="ko-KR"/>
+          </a:p>
+          <a:p>
+            <a:pPr lvl="1"/>
+            <a:endParaRPr lang="ko-KR" altLang="en-US"/>
           </a:p>
         </p:txBody>
       </p:sp>
@@ -5939,7 +8557,149 @@
           <a:p>
             <a:fld id="{663C6A4A-F58A-4813-833D-C5F250139976}" type="slidenum">
               <a:rPr lang="ko-KR" altLang="en-US" smtClean="0"/>
-              <a:t>16</a:t>
+              <a:t>20</a:t>
+            </a:fld>
+            <a:endParaRPr lang="ko-KR" altLang="en-US"/>
+          </a:p>
+        </p:txBody>
+      </p:sp>
+    </p:spTree>
+    <p:extLst>
+      <p:ext uri="{BB962C8B-B14F-4D97-AF65-F5344CB8AC3E}">
+        <p14:creationId xmlns:p14="http://schemas.microsoft.com/office/powerpoint/2010/main" val="1419934037"/>
+      </p:ext>
+    </p:extLst>
+  </p:cSld>
+  <p:clrMapOvr>
+    <a:masterClrMapping/>
+  </p:clrMapOvr>
+</p:sld>
+</file>
+
+<file path=ppt/slides/slide21.xml><?xml version="1.0" encoding="utf-8"?>
+<p:sld xmlns:a="http://schemas.openxmlformats.org/drawingml/2006/main" xmlns:r="http://schemas.openxmlformats.org/officeDocument/2006/relationships" xmlns:p="http://schemas.openxmlformats.org/presentationml/2006/main">
+  <p:cSld>
+    <p:spTree>
+      <p:nvGrpSpPr>
+        <p:cNvPr id="1" name=""/>
+        <p:cNvGrpSpPr/>
+        <p:nvPr/>
+      </p:nvGrpSpPr>
+      <p:grpSpPr>
+        <a:xfrm>
+          <a:off x="0" y="0"/>
+          <a:ext cx="0" cy="0"/>
+          <a:chOff x="0" y="0"/>
+          <a:chExt cx="0" cy="0"/>
+        </a:xfrm>
+      </p:grpSpPr>
+      <p:sp>
+        <p:nvSpPr>
+          <p:cNvPr id="2" name="Title 1">
+            <a:extLst>
+              <a:ext uri="{FF2B5EF4-FFF2-40B4-BE49-F238E27FC236}">
+                <a16:creationId xmlns:a16="http://schemas.microsoft.com/office/drawing/2014/main" id="{DE70887F-DF6F-4D9F-B4E3-352070A65E25}"/>
+              </a:ext>
+            </a:extLst>
+          </p:cNvPr>
+          <p:cNvSpPr>
+            <a:spLocks noGrp="1"/>
+          </p:cNvSpPr>
+          <p:nvPr>
+            <p:ph type="title"/>
+          </p:nvPr>
+        </p:nvSpPr>
+        <p:spPr/>
+        <p:txBody>
+          <a:bodyPr/>
+          <a:lstStyle/>
+          <a:p>
+            <a:r>
+              <a:rPr lang="en-US" altLang="ko-KR" b="1"/>
+              <a:t>Car: Methods [2]</a:t>
+            </a:r>
+            <a:endParaRPr lang="ko-KR" altLang="en-US" b="1"/>
+          </a:p>
+        </p:txBody>
+      </p:sp>
+      <p:sp>
+        <p:nvSpPr>
+          <p:cNvPr id="3" name="Content Placeholder 2">
+            <a:extLst>
+              <a:ext uri="{FF2B5EF4-FFF2-40B4-BE49-F238E27FC236}">
+                <a16:creationId xmlns:a16="http://schemas.microsoft.com/office/drawing/2014/main" id="{52218D97-773F-4FFC-8CFE-61B9F324767B}"/>
+              </a:ext>
+            </a:extLst>
+          </p:cNvPr>
+          <p:cNvSpPr>
+            <a:spLocks noGrp="1"/>
+          </p:cNvSpPr>
+          <p:nvPr>
+            <p:ph idx="1"/>
+          </p:nvPr>
+        </p:nvSpPr>
+        <p:spPr>
+          <a:xfrm>
+            <a:off x="838200" y="1825624"/>
+            <a:ext cx="10515600" cy="5032375"/>
+          </a:xfrm>
+        </p:spPr>
+        <p:txBody>
+          <a:bodyPr/>
+          <a:lstStyle/>
+          <a:p>
+            <a:r>
+              <a:rPr lang="en-US" altLang="ko-KR" b="1"/>
+              <a:t>status(self): show the current status</a:t>
+            </a:r>
+          </a:p>
+          <a:p>
+            <a:pPr lvl="1"/>
+            <a:r>
+              <a:rPr lang="en-US" altLang="ko-KR"/>
+              <a:t>warn if the fuel is too low</a:t>
+            </a:r>
+          </a:p>
+          <a:p>
+            <a:pPr lvl="1"/>
+            <a:endParaRPr lang="en-US" altLang="ko-KR"/>
+          </a:p>
+          <a:p>
+            <a:endParaRPr lang="en-US" altLang="ko-KR"/>
+          </a:p>
+          <a:p>
+            <a:endParaRPr lang="en-US" altLang="ko-KR"/>
+          </a:p>
+          <a:p>
+            <a:pPr lvl="1"/>
+            <a:endParaRPr lang="ko-KR" altLang="en-US"/>
+          </a:p>
+        </p:txBody>
+      </p:sp>
+      <p:sp>
+        <p:nvSpPr>
+          <p:cNvPr id="4" name="Slide Number Placeholder 3">
+            <a:extLst>
+              <a:ext uri="{FF2B5EF4-FFF2-40B4-BE49-F238E27FC236}">
+                <a16:creationId xmlns:a16="http://schemas.microsoft.com/office/drawing/2014/main" id="{F7E07A7C-43CA-45D3-8D5B-8F7B853446F7}"/>
+              </a:ext>
+            </a:extLst>
+          </p:cNvPr>
+          <p:cNvSpPr>
+            <a:spLocks noGrp="1"/>
+          </p:cNvSpPr>
+          <p:nvPr>
+            <p:ph type="sldNum" sz="quarter" idx="12"/>
+          </p:nvPr>
+        </p:nvSpPr>
+        <p:spPr/>
+        <p:txBody>
+          <a:bodyPr/>
+          <a:lstStyle/>
+          <a:p>
+            <a:fld id="{663C6A4A-F58A-4813-833D-C5F250139976}" type="slidenum">
+              <a:rPr lang="ko-KR" altLang="en-US" smtClean="0"/>
+              <a:t>21</a:t>
             </a:fld>
             <a:endParaRPr lang="ko-KR" altLang="en-US"/>
           </a:p>
@@ -5960,7 +8720,7 @@
           <p:nvPr/>
         </p:nvPicPr>
         <p:blipFill>
-          <a:blip r:embed="rId2"/>
+          <a:blip r:embed="rId3"/>
           <a:stretch>
             <a:fillRect/>
           </a:stretch>
@@ -5990,7 +8750,7 @@
           <p:nvPr/>
         </p:nvPicPr>
         <p:blipFill>
-          <a:blip r:embed="rId3"/>
+          <a:blip r:embed="rId4"/>
           <a:stretch>
             <a:fillRect/>
           </a:stretch>
@@ -6018,7 +8778,7 @@
 </p:sld>
 </file>
 
-<file path=ppt/slides/slide17.xml><?xml version="1.0" encoding="utf-8"?>
+<file path=ppt/slides/slide22.xml><?xml version="1.0" encoding="utf-8"?>
 <p:sld xmlns:a="http://schemas.openxmlformats.org/drawingml/2006/main" xmlns:r="http://schemas.openxmlformats.org/officeDocument/2006/relationships" xmlns:p="http://schemas.openxmlformats.org/presentationml/2006/main">
   <p:cSld>
     <p:spTree>
@@ -6057,10 +8817,10 @@
           <a:lstStyle/>
           <a:p>
             <a:r>
-              <a:rPr lang="en-US" altLang="ko-KR" b="1" dirty="0"/>
+              <a:rPr lang="en-US" altLang="ko-KR" b="1"/>
               <a:t>Let’s start!</a:t>
             </a:r>
-            <a:endParaRPr lang="ko-KR" altLang="en-US" b="1" dirty="0"/>
+            <a:endParaRPr lang="ko-KR" altLang="en-US" b="1"/>
           </a:p>
         </p:txBody>
       </p:sp>
@@ -6086,10 +8846,10 @@
           <a:lstStyle/>
           <a:p>
             <a:r>
-              <a:rPr lang="en-US" altLang="ko-KR" b="1" dirty="0"/>
+              <a:rPr lang="en-US" altLang="ko-KR" b="1"/>
               <a:t>Use the skeleton, car.py</a:t>
             </a:r>
-            <a:endParaRPr lang="ko-KR" altLang="en-US" b="1" dirty="0"/>
+            <a:endParaRPr lang="ko-KR" altLang="en-US" b="1"/>
           </a:p>
         </p:txBody>
       </p:sp>
@@ -6116,7 +8876,7 @@
           <a:p>
             <a:fld id="{663C6A4A-F58A-4813-833D-C5F250139976}" type="slidenum">
               <a:rPr lang="ko-KR" altLang="en-US" smtClean="0"/>
-              <a:t>17</a:t>
+              <a:t>22</a:t>
             </a:fld>
             <a:endParaRPr lang="ko-KR" altLang="en-US"/>
           </a:p>
@@ -6135,7 +8895,7 @@
 </p:sld>
 </file>
 
-<file path=ppt/slides/slide18.xml><?xml version="1.0" encoding="utf-8"?>
+<file path=ppt/slides/slide23.xml><?xml version="1.0" encoding="utf-8"?>
 <p:sld xmlns:a="http://schemas.openxmlformats.org/drawingml/2006/main" xmlns:r="http://schemas.openxmlformats.org/officeDocument/2006/relationships" xmlns:p="http://schemas.openxmlformats.org/presentationml/2006/main">
   <p:cSld>
     <p:spTree>
@@ -6179,40 +8939,10 @@
           <a:lstStyle/>
           <a:p>
             <a:r>
-              <a:rPr lang="en-US" altLang="ko-KR" b="1" dirty="0"/>
+              <a:rPr lang="en-US" altLang="ko-KR" b="1"/>
               <a:t>Thank you</a:t>
             </a:r>
-            <a:endParaRPr lang="ko-KR" altLang="en-US" b="1" dirty="0"/>
-          </a:p>
-        </p:txBody>
-      </p:sp>
-      <p:sp>
-        <p:nvSpPr>
-          <p:cNvPr id="5" name="Subtitle 4">
-            <a:extLst>
-              <a:ext uri="{FF2B5EF4-FFF2-40B4-BE49-F238E27FC236}">
-                <a16:creationId xmlns:a16="http://schemas.microsoft.com/office/drawing/2014/main" id="{ED2668E1-F7EE-40AC-B63A-7EEFBE52D675}"/>
-              </a:ext>
-            </a:extLst>
-          </p:cNvPr>
-          <p:cNvSpPr>
-            <a:spLocks noGrp="1"/>
-          </p:cNvSpPr>
-          <p:nvPr>
-            <p:ph type="subTitle" idx="1"/>
-          </p:nvPr>
-        </p:nvSpPr>
-        <p:spPr>
-          <a:xfrm>
-            <a:off x="1524000" y="3509963"/>
-            <a:ext cx="9144000" cy="1655762"/>
-          </a:xfrm>
-        </p:spPr>
-        <p:txBody>
-          <a:bodyPr/>
-          <a:lstStyle/>
-          <a:p>
-            <a:endParaRPr lang="ko-KR" altLang="en-US"/>
+            <a:endParaRPr lang="ko-KR" altLang="en-US" b="1"/>
           </a:p>
         </p:txBody>
       </p:sp>
@@ -6239,7 +8969,7 @@
           <a:p>
             <a:fld id="{663C6A4A-F58A-4813-833D-C5F250139976}" type="slidenum">
               <a:rPr lang="ko-KR" altLang="en-US" smtClean="0"/>
-              <a:t>18</a:t>
+              <a:t>23</a:t>
             </a:fld>
             <a:endParaRPr lang="ko-KR" altLang="en-US"/>
           </a:p>
@@ -6261,136 +8991,6 @@
     </mc:Choice>
     <mc:Fallback xmlns="">
       <p:transition spd="slow" advTm="6068"/>
-    </mc:Fallback>
-  </mc:AlternateContent>
-</p:sld>
-</file>
-
-<file path=ppt/slides/slide2.xml><?xml version="1.0" encoding="utf-8"?>
-<p:sld xmlns:a="http://schemas.openxmlformats.org/drawingml/2006/main" xmlns:r="http://schemas.openxmlformats.org/officeDocument/2006/relationships" xmlns:p="http://schemas.openxmlformats.org/presentationml/2006/main">
-  <p:cSld>
-    <p:spTree>
-      <p:nvGrpSpPr>
-        <p:cNvPr id="1" name=""/>
-        <p:cNvGrpSpPr/>
-        <p:nvPr/>
-      </p:nvGrpSpPr>
-      <p:grpSpPr>
-        <a:xfrm>
-          <a:off x="0" y="0"/>
-          <a:ext cx="0" cy="0"/>
-          <a:chOff x="0" y="0"/>
-          <a:chExt cx="0" cy="0"/>
-        </a:xfrm>
-      </p:grpSpPr>
-      <p:sp>
-        <p:nvSpPr>
-          <p:cNvPr id="2" name="Title 1">
-            <a:extLst>
-              <a:ext uri="{FF2B5EF4-FFF2-40B4-BE49-F238E27FC236}">
-                <a16:creationId xmlns:a16="http://schemas.microsoft.com/office/drawing/2014/main" id="{A863AAAD-AB20-4AE4-A313-65A49223E91F}"/>
-              </a:ext>
-            </a:extLst>
-          </p:cNvPr>
-          <p:cNvSpPr>
-            <a:spLocks noGrp="1"/>
-          </p:cNvSpPr>
-          <p:nvPr>
-            <p:ph type="title"/>
-          </p:nvPr>
-        </p:nvSpPr>
-        <p:spPr/>
-        <p:txBody>
-          <a:bodyPr/>
-          <a:lstStyle/>
-          <a:p>
-            <a:r>
-              <a:rPr lang="en-US" altLang="ko-KR" b="1" dirty="0"/>
-              <a:t>Contents</a:t>
-            </a:r>
-            <a:endParaRPr lang="ko-KR" altLang="en-US" b="1" dirty="0"/>
-          </a:p>
-        </p:txBody>
-      </p:sp>
-      <p:sp>
-        <p:nvSpPr>
-          <p:cNvPr id="3" name="Content Placeholder 2">
-            <a:extLst>
-              <a:ext uri="{FF2B5EF4-FFF2-40B4-BE49-F238E27FC236}">
-                <a16:creationId xmlns:a16="http://schemas.microsoft.com/office/drawing/2014/main" id="{00F3905E-23DB-487E-8131-AD27486F881A}"/>
-              </a:ext>
-            </a:extLst>
-          </p:cNvPr>
-          <p:cNvSpPr>
-            <a:spLocks noGrp="1"/>
-          </p:cNvSpPr>
-          <p:nvPr>
-            <p:ph idx="1"/>
-          </p:nvPr>
-        </p:nvSpPr>
-        <p:spPr/>
-        <p:txBody>
-          <a:bodyPr/>
-          <a:lstStyle/>
-          <a:p>
-            <a:r>
-              <a:rPr lang="en-US" altLang="ko-KR" b="1" dirty="0"/>
-              <a:t>Class: Dot</a:t>
-            </a:r>
-          </a:p>
-          <a:p>
-            <a:r>
-              <a:rPr lang="en-US" altLang="ko-KR" b="1" dirty="0"/>
-              <a:t>Class: Car</a:t>
-            </a:r>
-          </a:p>
-        </p:txBody>
-      </p:sp>
-      <p:sp>
-        <p:nvSpPr>
-          <p:cNvPr id="4" name="Slide Number Placeholder 3">
-            <a:extLst>
-              <a:ext uri="{FF2B5EF4-FFF2-40B4-BE49-F238E27FC236}">
-                <a16:creationId xmlns:a16="http://schemas.microsoft.com/office/drawing/2014/main" id="{800EF43F-4A2C-4A73-B3CC-1C89EDAB8600}"/>
-              </a:ext>
-            </a:extLst>
-          </p:cNvPr>
-          <p:cNvSpPr>
-            <a:spLocks noGrp="1"/>
-          </p:cNvSpPr>
-          <p:nvPr>
-            <p:ph type="sldNum" sz="quarter" idx="12"/>
-          </p:nvPr>
-        </p:nvSpPr>
-        <p:spPr/>
-        <p:txBody>
-          <a:bodyPr/>
-          <a:lstStyle/>
-          <a:p>
-            <a:fld id="{663C6A4A-F58A-4813-833D-C5F250139976}" type="slidenum">
-              <a:rPr lang="ko-KR" altLang="en-US" smtClean="0"/>
-              <a:t>2</a:t>
-            </a:fld>
-            <a:endParaRPr lang="ko-KR" altLang="en-US"/>
-          </a:p>
-        </p:txBody>
-      </p:sp>
-    </p:spTree>
-    <p:extLst>
-      <p:ext uri="{BB962C8B-B14F-4D97-AF65-F5344CB8AC3E}">
-        <p14:creationId xmlns:p14="http://schemas.microsoft.com/office/powerpoint/2010/main" val="2452115276"/>
-      </p:ext>
-    </p:extLst>
-  </p:cSld>
-  <p:clrMapOvr>
-    <a:masterClrMapping/>
-  </p:clrMapOvr>
-  <mc:AlternateContent xmlns:mc="http://schemas.openxmlformats.org/markup-compatibility/2006" xmlns:p14="http://schemas.microsoft.com/office/powerpoint/2010/main">
-    <mc:Choice Requires="p14">
-      <p:transition spd="slow" p14:dur="2000" advTm="24019"/>
-    </mc:Choice>
-    <mc:Fallback xmlns="">
-      <p:transition spd="slow" advTm="24019"/>
     </mc:Fallback>
   </mc:AlternateContent>
 </p:sld>
@@ -6435,35 +9035,9 @@
           <a:lstStyle/>
           <a:p>
             <a:r>
-              <a:rPr lang="en-US" altLang="ko-KR" b="1" dirty="0"/>
-              <a:t>Class: Dot	</a:t>
-            </a:r>
-            <a:endParaRPr lang="ko-KR" altLang="en-US" b="1" dirty="0"/>
-          </a:p>
-        </p:txBody>
-      </p:sp>
-      <p:sp>
-        <p:nvSpPr>
-          <p:cNvPr id="3" name="Text Placeholder 2">
-            <a:extLst>
-              <a:ext uri="{FF2B5EF4-FFF2-40B4-BE49-F238E27FC236}">
-                <a16:creationId xmlns:a16="http://schemas.microsoft.com/office/drawing/2014/main" id="{AACDFAB9-A5C6-4CA4-AB46-FDB4982C9CC1}"/>
-              </a:ext>
-            </a:extLst>
-          </p:cNvPr>
-          <p:cNvSpPr>
-            <a:spLocks noGrp="1"/>
-          </p:cNvSpPr>
-          <p:nvPr>
-            <p:ph type="body" idx="1"/>
-          </p:nvPr>
-        </p:nvSpPr>
-        <p:spPr/>
-        <p:txBody>
-          <a:bodyPr/>
-          <a:lstStyle/>
-          <a:p>
-            <a:endParaRPr lang="ko-KR" altLang="en-US" dirty="0"/>
+              <a:rPr lang="en-US" altLang="ko-KR" b="1"/>
+              <a:t>About Real-time Class</a:t>
+            </a:r>
           </a:p>
         </p:txBody>
       </p:sp>
@@ -6499,7 +9073,7 @@
     </p:spTree>
     <p:extLst>
       <p:ext uri="{BB962C8B-B14F-4D97-AF65-F5344CB8AC3E}">
-        <p14:creationId xmlns:p14="http://schemas.microsoft.com/office/powerpoint/2010/main" val="3962011563"/>
+        <p14:creationId xmlns:p14="http://schemas.microsoft.com/office/powerpoint/2010/main" val="1867529923"/>
       </p:ext>
     </p:extLst>
   </p:cSld>
@@ -6556,10 +9130,10 @@
           <a:lstStyle/>
           <a:p>
             <a:r>
-              <a:rPr lang="en-US" altLang="ko-KR" b="1" dirty="0"/>
-              <a:t>Dot [1]</a:t>
-            </a:r>
-            <a:endParaRPr lang="ko-KR" altLang="en-US" b="1" dirty="0"/>
+              <a:rPr lang="en-US" altLang="ko-KR" b="1"/>
+              <a:t>Real-time Class Plan</a:t>
+            </a:r>
+            <a:endParaRPr lang="ko-KR" altLang="en-US" b="1"/>
           </a:p>
         </p:txBody>
       </p:sp>
@@ -6579,23 +9153,80 @@
             <p:ph idx="1"/>
           </p:nvPr>
         </p:nvSpPr>
-        <p:spPr/>
-        <p:txBody>
-          <a:bodyPr/>
-          <a:lstStyle/>
-          <a:p>
-            <a:r>
-              <a:rPr lang="en-US" altLang="ko-KR" b="1" dirty="0"/>
-              <a:t>We will implement “Dot”</a:t>
-            </a:r>
-          </a:p>
-          <a:p>
-            <a:endParaRPr lang="en-US" altLang="ko-KR" b="1" dirty="0"/>
-          </a:p>
-          <a:p>
-            <a:r>
-              <a:rPr lang="en-US" altLang="ko-KR" b="1" dirty="0"/>
-              <a:t>dot?</a:t>
+        <p:spPr>
+          <a:xfrm>
+            <a:off x="838200" y="1825625"/>
+            <a:ext cx="10515600" cy="4895850"/>
+          </a:xfrm>
+        </p:spPr>
+        <p:txBody>
+          <a:bodyPr>
+            <a:normAutofit/>
+          </a:bodyPr>
+          <a:lstStyle/>
+          <a:p>
+            <a:r>
+              <a:rPr lang="en-US" altLang="ko-KR" b="1"/>
+              <a:t>We will have 4 real-time class</a:t>
+            </a:r>
+          </a:p>
+          <a:p>
+            <a:pPr lvl="1"/>
+            <a:r>
+              <a:rPr lang="en-US" altLang="ko-KR" b="1"/>
+              <a:t>12/08 (Tue) – 12/11 (Fri)</a:t>
+            </a:r>
+          </a:p>
+          <a:p>
+            <a:pPr lvl="1"/>
+            <a:r>
+              <a:rPr lang="en-US" altLang="ko-KR" b="1"/>
+              <a:t>Every 10:00AM – 1:00PM</a:t>
+            </a:r>
+          </a:p>
+          <a:p>
+            <a:endParaRPr lang="en-US" altLang="ko-KR" b="1"/>
+          </a:p>
+          <a:p>
+            <a:r>
+              <a:rPr lang="en-US" altLang="ko-KR" b="1"/>
+              <a:t>We meet on Zoom</a:t>
+            </a:r>
+          </a:p>
+          <a:p>
+            <a:pPr lvl="1"/>
+            <a:r>
+              <a:rPr lang="en-US" altLang="ko-KR" b="1"/>
+              <a:t>You can find the link in our page</a:t>
+            </a:r>
+          </a:p>
+          <a:p>
+            <a:pPr lvl="1"/>
+            <a:r>
+              <a:rPr lang="en-US" altLang="ko-KR" b="1">
+                <a:hlinkClick r:id="rId3"/>
+              </a:rPr>
+              <a:t>https://us02web.zoom.us/j/9965189658?pwd=dGxPY1o4clZENnlvWC9MTW5aY09XUT09</a:t>
+            </a:r>
+            <a:r>
+              <a:rPr lang="en-US" altLang="ko-KR" b="1"/>
+              <a:t> </a:t>
+            </a:r>
+          </a:p>
+          <a:p>
+            <a:endParaRPr lang="en-US" altLang="ko-KR" b="1"/>
+          </a:p>
+          <a:p>
+            <a:r>
+              <a:rPr lang="en-US" altLang="ko-KR" b="1"/>
+              <a:t>Duration can vary</a:t>
+            </a:r>
+          </a:p>
+          <a:p>
+            <a:pPr lvl="1"/>
+            <a:r>
+              <a:rPr lang="en-US" altLang="ko-KR" b="1"/>
+              <a:t>About 2 ~ 3 hourse</a:t>
             </a:r>
           </a:p>
         </p:txBody>
@@ -6629,40 +9260,10 @@
           </a:p>
         </p:txBody>
       </p:sp>
-      <p:pic>
-        <p:nvPicPr>
-          <p:cNvPr id="5" name="Picture 4">
-            <a:extLst>
-              <a:ext uri="{FF2B5EF4-FFF2-40B4-BE49-F238E27FC236}">
-                <a16:creationId xmlns:a16="http://schemas.microsoft.com/office/drawing/2014/main" id="{194095D6-0D57-46B7-87FA-52B404D1D318}"/>
-              </a:ext>
-            </a:extLst>
-          </p:cNvPr>
-          <p:cNvPicPr>
-            <a:picLocks noChangeAspect="1"/>
-          </p:cNvPicPr>
-          <p:nvPr/>
-        </p:nvPicPr>
-        <p:blipFill>
-          <a:blip r:embed="rId3"/>
-          <a:stretch>
-            <a:fillRect/>
-          </a:stretch>
-        </p:blipFill>
-        <p:spPr>
-          <a:xfrm>
-            <a:off x="8248373" y="2873914"/>
-            <a:ext cx="3467653" cy="3303049"/>
-          </a:xfrm>
-          <a:prstGeom prst="rect">
-            <a:avLst/>
-          </a:prstGeom>
-        </p:spPr>
-      </p:pic>
     </p:spTree>
     <p:extLst>
       <p:ext uri="{BB962C8B-B14F-4D97-AF65-F5344CB8AC3E}">
-        <p14:creationId xmlns:p14="http://schemas.microsoft.com/office/powerpoint/2010/main" val="2938412778"/>
+        <p14:creationId xmlns:p14="http://schemas.microsoft.com/office/powerpoint/2010/main" val="1353840895"/>
       </p:ext>
     </p:extLst>
   </p:cSld>
@@ -6702,7 +9303,7 @@
           <p:cNvPr id="2" name="Title 1">
             <a:extLst>
               <a:ext uri="{FF2B5EF4-FFF2-40B4-BE49-F238E27FC236}">
-                <a16:creationId xmlns:a16="http://schemas.microsoft.com/office/drawing/2014/main" id="{A863AAAD-AB20-4AE4-A313-65A49223E91F}"/>
+                <a16:creationId xmlns:a16="http://schemas.microsoft.com/office/drawing/2014/main" id="{9CB24816-E094-474C-A95F-8183CF44C693}"/>
               </a:ext>
             </a:extLst>
           </p:cNvPr>
@@ -6719,10 +9320,10 @@
           <a:lstStyle/>
           <a:p>
             <a:r>
-              <a:rPr lang="en-US" altLang="ko-KR" b="1" dirty="0"/>
-              <a:t>Dot [2]</a:t>
-            </a:r>
-            <a:endParaRPr lang="ko-KR" altLang="en-US" b="1" dirty="0"/>
+              <a:rPr lang="en-US" altLang="ko-KR" b="1"/>
+              <a:t>Using Zoom: Breakout Rooms [1]</a:t>
+            </a:r>
+            <a:endParaRPr lang="ko-KR" altLang="en-US" b="1"/>
           </a:p>
         </p:txBody>
       </p:sp>
@@ -6731,7 +9332,7 @@
           <p:cNvPr id="3" name="Content Placeholder 2">
             <a:extLst>
               <a:ext uri="{FF2B5EF4-FFF2-40B4-BE49-F238E27FC236}">
-                <a16:creationId xmlns:a16="http://schemas.microsoft.com/office/drawing/2014/main" id="{00F3905E-23DB-487E-8131-AD27486F881A}"/>
+                <a16:creationId xmlns:a16="http://schemas.microsoft.com/office/drawing/2014/main" id="{14569AE9-DEA6-4AEE-9783-C2B42627AE69}"/>
               </a:ext>
             </a:extLst>
           </p:cNvPr>
@@ -6748,48 +9349,39 @@
           <a:lstStyle/>
           <a:p>
             <a:r>
-              <a:rPr lang="en-US" altLang="ko-KR" b="1" dirty="0"/>
-              <a:t>Basically, Dot contains two data</a:t>
+              <a:rPr lang="en-US" altLang="ko-KR" b="1"/>
+              <a:t>We created 2 breakout rooms:</a:t>
             </a:r>
           </a:p>
           <a:p>
             <a:pPr lvl="1"/>
-            <a:r>
-              <a:rPr lang="en-US" altLang="ko-KR" b="1" dirty="0"/>
-              <a:t>x and y</a:t>
+            <a:endParaRPr lang="en-US" altLang="ko-KR"/>
+          </a:p>
+          <a:p>
+            <a:r>
+              <a:rPr lang="en-US" altLang="ko-KR" b="1"/>
+              <a:t>#1 help session: If you want, you can share your screen and get help here.</a:t>
+            </a:r>
+          </a:p>
+          <a:p>
+            <a:endParaRPr lang="en-US" altLang="ko-KR"/>
+          </a:p>
+          <a:p>
+            <a:r>
+              <a:rPr lang="en-US" altLang="ko-KR"/>
+              <a:t>#</a:t>
+            </a:r>
+            <a:r>
+              <a:rPr lang="en-US" altLang="ko-KR" b="1"/>
+              <a:t>2 submission: You can submit your solution here </a:t>
             </a:r>
           </a:p>
           <a:p>
             <a:pPr lvl="1"/>
-            <a:endParaRPr lang="en-US" altLang="ko-KR" b="1" dirty="0"/>
-          </a:p>
-          <a:p>
-            <a:pPr lvl="1"/>
-            <a:endParaRPr lang="en-US" altLang="ko-KR" b="1" dirty="0"/>
-          </a:p>
-          <a:p>
-            <a:r>
-              <a:rPr lang="en-US" altLang="ko-KR" b="1" dirty="0"/>
-              <a:t>Okay, that’s all for member variables</a:t>
-            </a:r>
-          </a:p>
-          <a:p>
-            <a:pPr lvl="1"/>
-            <a:r>
-              <a:rPr lang="en-US" altLang="ko-KR" b="1" dirty="0"/>
-              <a:t>And then?</a:t>
-            </a:r>
-          </a:p>
-          <a:p>
-            <a:pPr lvl="1"/>
-            <a:r>
-              <a:rPr lang="en-US" altLang="ko-KR" b="1" dirty="0"/>
-              <a:t>Define methods!</a:t>
-            </a:r>
-          </a:p>
-          <a:p>
-            <a:pPr lvl="1"/>
-            <a:endParaRPr lang="en-US" altLang="ko-KR" b="1" dirty="0"/>
+            <a:endParaRPr lang="en-US" altLang="ko-KR"/>
+          </a:p>
+          <a:p>
+            <a:endParaRPr lang="ko-KR" altLang="en-US"/>
           </a:p>
         </p:txBody>
       </p:sp>
@@ -6798,7 +9390,7 @@
           <p:cNvPr id="4" name="Slide Number Placeholder 3">
             <a:extLst>
               <a:ext uri="{FF2B5EF4-FFF2-40B4-BE49-F238E27FC236}">
-                <a16:creationId xmlns:a16="http://schemas.microsoft.com/office/drawing/2014/main" id="{800EF43F-4A2C-4A73-B3CC-1C89EDAB8600}"/>
+                <a16:creationId xmlns:a16="http://schemas.microsoft.com/office/drawing/2014/main" id="{8E7430C0-FE8B-4DDB-9BBE-51DA6A69A98B}"/>
               </a:ext>
             </a:extLst>
           </p:cNvPr>
@@ -6822,54 +9414,16 @@
           </a:p>
         </p:txBody>
       </p:sp>
-      <p:pic>
-        <p:nvPicPr>
-          <p:cNvPr id="5" name="Picture 4">
-            <a:extLst>
-              <a:ext uri="{FF2B5EF4-FFF2-40B4-BE49-F238E27FC236}">
-                <a16:creationId xmlns:a16="http://schemas.microsoft.com/office/drawing/2014/main" id="{194095D6-0D57-46B7-87FA-52B404D1D318}"/>
-              </a:ext>
-            </a:extLst>
-          </p:cNvPr>
-          <p:cNvPicPr>
-            <a:picLocks noChangeAspect="1"/>
-          </p:cNvPicPr>
-          <p:nvPr/>
-        </p:nvPicPr>
-        <p:blipFill>
-          <a:blip r:embed="rId3"/>
-          <a:stretch>
-            <a:fillRect/>
-          </a:stretch>
-        </p:blipFill>
-        <p:spPr>
-          <a:xfrm>
-            <a:off x="8248373" y="2873914"/>
-            <a:ext cx="3467653" cy="3303049"/>
-          </a:xfrm>
-          <a:prstGeom prst="rect">
-            <a:avLst/>
-          </a:prstGeom>
-        </p:spPr>
-      </p:pic>
     </p:spTree>
     <p:extLst>
       <p:ext uri="{BB962C8B-B14F-4D97-AF65-F5344CB8AC3E}">
-        <p14:creationId xmlns:p14="http://schemas.microsoft.com/office/powerpoint/2010/main" val="486243171"/>
+        <p14:creationId xmlns:p14="http://schemas.microsoft.com/office/powerpoint/2010/main" val="3009085133"/>
       </p:ext>
     </p:extLst>
   </p:cSld>
   <p:clrMapOvr>
     <a:masterClrMapping/>
   </p:clrMapOvr>
-  <mc:AlternateContent xmlns:mc="http://schemas.openxmlformats.org/markup-compatibility/2006" xmlns:p14="http://schemas.microsoft.com/office/powerpoint/2010/main">
-    <mc:Choice Requires="p14">
-      <p:transition spd="slow" p14:dur="2000" advTm="24019"/>
-    </mc:Choice>
-    <mc:Fallback xmlns="">
-      <p:transition spd="slow" advTm="24019"/>
-    </mc:Fallback>
-  </mc:AlternateContent>
 </p:sld>
 </file>
 
@@ -6895,7 +9449,7 @@
           <p:cNvPr id="2" name="Title 1">
             <a:extLst>
               <a:ext uri="{FF2B5EF4-FFF2-40B4-BE49-F238E27FC236}">
-                <a16:creationId xmlns:a16="http://schemas.microsoft.com/office/drawing/2014/main" id="{D3A33899-17ED-4A57-8EF2-A1D55501CDE1}"/>
+                <a16:creationId xmlns:a16="http://schemas.microsoft.com/office/drawing/2014/main" id="{9CB24816-E094-474C-A95F-8183CF44C693}"/>
               </a:ext>
             </a:extLst>
           </p:cNvPr>
@@ -6912,10 +9466,10 @@
           <a:lstStyle/>
           <a:p>
             <a:r>
-              <a:rPr lang="en-US" altLang="ko-KR" b="1" dirty="0"/>
-              <a:t>Review: Methods [1]</a:t>
-            </a:r>
-            <a:endParaRPr lang="ko-KR" altLang="en-US" b="1" dirty="0"/>
+              <a:rPr lang="en-US" altLang="ko-KR" b="1"/>
+              <a:t>Using Zoom: Breakout Rooms [2]</a:t>
+            </a:r>
+            <a:endParaRPr lang="ko-KR" altLang="en-US" b="1"/>
           </a:p>
         </p:txBody>
       </p:sp>
@@ -6924,7 +9478,7 @@
           <p:cNvPr id="3" name="Content Placeholder 2">
             <a:extLst>
               <a:ext uri="{FF2B5EF4-FFF2-40B4-BE49-F238E27FC236}">
-                <a16:creationId xmlns:a16="http://schemas.microsoft.com/office/drawing/2014/main" id="{D7E2ABD6-624A-4B9D-B870-27956920ABD0}"/>
+                <a16:creationId xmlns:a16="http://schemas.microsoft.com/office/drawing/2014/main" id="{14569AE9-DEA6-4AEE-9783-C2B42627AE69}"/>
               </a:ext>
             </a:extLst>
           </p:cNvPr>
@@ -6935,33 +9489,21 @@
             <p:ph idx="1"/>
           </p:nvPr>
         </p:nvSpPr>
-        <p:spPr/>
-        <p:txBody>
-          <a:bodyPr/>
-          <a:lstStyle/>
-          <a:p>
-            <a:r>
-              <a:rPr lang="en-US" altLang="ko-KR" b="1" dirty="0"/>
-              <a:t>Note that, every method should be like…</a:t>
-            </a:r>
-          </a:p>
-          <a:p>
-            <a:endParaRPr lang="en-US" altLang="ko-KR" dirty="0"/>
-          </a:p>
-          <a:p>
-            <a:endParaRPr lang="en-US" altLang="ko-KR" dirty="0"/>
-          </a:p>
-          <a:p>
-            <a:endParaRPr lang="en-US" altLang="ko-KR" dirty="0"/>
-          </a:p>
-          <a:p>
-            <a:endParaRPr lang="en-US" altLang="ko-KR" dirty="0"/>
-          </a:p>
-          <a:p>
-            <a:endParaRPr lang="en-US" altLang="ko-KR" dirty="0"/>
-          </a:p>
-          <a:p>
-            <a:endParaRPr lang="ko-KR" altLang="en-US" dirty="0"/>
+        <p:spPr>
+          <a:xfrm>
+            <a:off x="838200" y="1690688"/>
+            <a:ext cx="10515600" cy="4351338"/>
+          </a:xfrm>
+        </p:spPr>
+        <p:txBody>
+          <a:bodyPr/>
+          <a:lstStyle/>
+          <a:p>
+            <a:pPr lvl="1"/>
+            <a:endParaRPr lang="en-US" altLang="ko-KR"/>
+          </a:p>
+          <a:p>
+            <a:endParaRPr lang="ko-KR" altLang="en-US"/>
           </a:p>
         </p:txBody>
       </p:sp>
@@ -6970,7 +9512,7 @@
           <p:cNvPr id="4" name="Slide Number Placeholder 3">
             <a:extLst>
               <a:ext uri="{FF2B5EF4-FFF2-40B4-BE49-F238E27FC236}">
-                <a16:creationId xmlns:a16="http://schemas.microsoft.com/office/drawing/2014/main" id="{32C9222E-3023-401A-9A95-7F35AB44EFCF}"/>
+                <a16:creationId xmlns:a16="http://schemas.microsoft.com/office/drawing/2014/main" id="{8E7430C0-FE8B-4DDB-9BBE-51DA6A69A98B}"/>
               </a:ext>
             </a:extLst>
           </p:cNvPr>
@@ -6996,28 +9538,25 @@
       </p:sp>
       <p:pic>
         <p:nvPicPr>
-          <p:cNvPr id="5" name="Picture 4">
-            <a:extLst>
-              <a:ext uri="{FF2B5EF4-FFF2-40B4-BE49-F238E27FC236}">
-                <a16:creationId xmlns:a16="http://schemas.microsoft.com/office/drawing/2014/main" id="{78615852-C6A6-48A4-9F97-1E3E80167392}"/>
-              </a:ext>
-            </a:extLst>
-          </p:cNvPr>
-          <p:cNvPicPr>
-            <a:picLocks noChangeAspect="1"/>
-          </p:cNvPicPr>
+          <p:cNvPr id="5" name="그림 2">
+            <a:extLst>
+              <a:ext uri="{FF2B5EF4-FFF2-40B4-BE49-F238E27FC236}">
+                <a16:creationId xmlns:a16="http://schemas.microsoft.com/office/drawing/2014/main" id="{31C0FCC4-29B1-4D46-815C-2C199971340C}"/>
+              </a:ext>
+            </a:extLst>
+          </p:cNvPr>
+          <p:cNvPicPr/>
           <p:nvPr/>
         </p:nvPicPr>
-        <p:blipFill>
-          <a:blip r:embed="rId2"/>
-          <a:stretch>
-            <a:fillRect/>
-          </a:stretch>
+        <p:blipFill rotWithShape="1">
+          <a:blip r:embed="rId3"/>
+          <a:srcRect t="57020"/>
+          <a:stretch/>
         </p:blipFill>
         <p:spPr>
           <a:xfrm>
-            <a:off x="1223107" y="2358935"/>
-            <a:ext cx="6898917" cy="1685630"/>
+            <a:off x="838200" y="1703706"/>
+            <a:ext cx="6136958" cy="1464308"/>
           </a:xfrm>
           <a:prstGeom prst="rect">
             <a:avLst/>
@@ -7026,10 +9565,10 @@
       </p:pic>
       <p:sp>
         <p:nvSpPr>
-          <p:cNvPr id="6" name="Oval 5">
-            <a:extLst>
-              <a:ext uri="{FF2B5EF4-FFF2-40B4-BE49-F238E27FC236}">
-                <a16:creationId xmlns:a16="http://schemas.microsoft.com/office/drawing/2014/main" id="{D9112572-6D24-4619-BFCC-1F3F032634F5}"/>
+          <p:cNvPr id="6" name="모서리가 둥근 직사각형 3">
+            <a:extLst>
+              <a:ext uri="{FF2B5EF4-FFF2-40B4-BE49-F238E27FC236}">
+                <a16:creationId xmlns:a16="http://schemas.microsoft.com/office/drawing/2014/main" id="{73FA979E-C18D-440F-BA32-21C235914E7C}"/>
               </a:ext>
             </a:extLst>
           </p:cNvPr>
@@ -7038,10 +9577,10 @@
         </p:nvSpPr>
         <p:spPr>
           <a:xfrm>
-            <a:off x="4249272" y="2611904"/>
-            <a:ext cx="1111623" cy="817096"/>
+            <a:off x="3711892" y="1869123"/>
+            <a:ext cx="2364105" cy="1696402"/>
           </a:xfrm>
-          <a:prstGeom prst="ellipse">
+          <a:prstGeom prst="roundRect">
             <a:avLst/>
           </a:prstGeom>
           <a:noFill/>
@@ -7053,23 +9592,123 @@
         </p:spPr>
         <p:style>
           <a:lnRef idx="2">
-            <a:schemeClr val="dk1"/>
+            <a:schemeClr val="accent1">
+              <a:shade val="50000"/>
+            </a:schemeClr>
           </a:lnRef>
           <a:fillRef idx="1">
-            <a:schemeClr val="lt1"/>
+            <a:schemeClr val="accent1"/>
           </a:fillRef>
           <a:effectRef idx="0">
-            <a:schemeClr val="dk1"/>
+            <a:schemeClr val="accent1"/>
           </a:effectRef>
           <a:fontRef idx="minor">
-            <a:schemeClr val="dk1"/>
+            <a:schemeClr val="lt1"/>
           </a:fontRef>
         </p:style>
         <p:txBody>
-          <a:bodyPr rtlCol="0" anchor="ctr"/>
-          <a:lstStyle/>
-          <a:p>
-            <a:pPr algn="ctr"/>
+          <a:bodyPr rot="0" spcFirstLastPara="0" vert="horz" wrap="square" lIns="91440" tIns="45720" rIns="91440" bIns="45720" numCol="1" spcCol="0" rtlCol="0" fromWordArt="0" anchor="ctr" anchorCtr="0" forceAA="0" compatLnSpc="1">
+            <a:prstTxWarp prst="textNoShape">
+              <a:avLst/>
+            </a:prstTxWarp>
+            <a:noAutofit/>
+          </a:bodyPr>
+          <a:lstStyle/>
+          <a:p>
+            <a:endParaRPr lang="ko-KR" altLang="en-US"/>
+          </a:p>
+        </p:txBody>
+      </p:sp>
+      <p:pic>
+        <p:nvPicPr>
+          <p:cNvPr id="7" name="그림 4">
+            <a:extLst>
+              <a:ext uri="{FF2B5EF4-FFF2-40B4-BE49-F238E27FC236}">
+                <a16:creationId xmlns:a16="http://schemas.microsoft.com/office/drawing/2014/main" id="{BD0A4786-80B3-4F57-81EB-9E9FA4A091F9}"/>
+              </a:ext>
+            </a:extLst>
+          </p:cNvPr>
+          <p:cNvPicPr/>
+          <p:nvPr/>
+        </p:nvPicPr>
+        <p:blipFill>
+          <a:blip r:embed="rId4"/>
+          <a:stretch>
+            <a:fillRect/>
+          </a:stretch>
+        </p:blipFill>
+        <p:spPr>
+          <a:xfrm>
+            <a:off x="7162164" y="3909377"/>
+            <a:ext cx="4572635" cy="2828608"/>
+          </a:xfrm>
+          <a:prstGeom prst="rect">
+            <a:avLst/>
+          </a:prstGeom>
+          <a:ln>
+            <a:noFill/>
+          </a:ln>
+          <a:effectLst>
+            <a:outerShdw blurRad="190500" algn="tl" rotWithShape="0">
+              <a:srgbClr val="000000">
+                <a:alpha val="70000"/>
+              </a:srgbClr>
+            </a:outerShdw>
+          </a:effectLst>
+        </p:spPr>
+      </p:pic>
+      <p:sp>
+        <p:nvSpPr>
+          <p:cNvPr id="8" name="모서리가 둥근 직사각형 5">
+            <a:extLst>
+              <a:ext uri="{FF2B5EF4-FFF2-40B4-BE49-F238E27FC236}">
+                <a16:creationId xmlns:a16="http://schemas.microsoft.com/office/drawing/2014/main" id="{2D801266-6DE2-466A-9CC2-CC2624593129}"/>
+              </a:ext>
+            </a:extLst>
+          </p:cNvPr>
+          <p:cNvSpPr/>
+          <p:nvPr/>
+        </p:nvSpPr>
+        <p:spPr>
+          <a:xfrm>
+            <a:off x="10271760" y="4732656"/>
+            <a:ext cx="762000" cy="514350"/>
+          </a:xfrm>
+          <a:prstGeom prst="roundRect">
+            <a:avLst/>
+          </a:prstGeom>
+          <a:noFill/>
+          <a:ln w="57150">
+            <a:solidFill>
+              <a:srgbClr val="FF0000"/>
+            </a:solidFill>
+          </a:ln>
+        </p:spPr>
+        <p:style>
+          <a:lnRef idx="2">
+            <a:schemeClr val="accent1">
+              <a:shade val="50000"/>
+            </a:schemeClr>
+          </a:lnRef>
+          <a:fillRef idx="1">
+            <a:schemeClr val="accent1"/>
+          </a:fillRef>
+          <a:effectRef idx="0">
+            <a:schemeClr val="accent1"/>
+          </a:effectRef>
+          <a:fontRef idx="minor">
+            <a:schemeClr val="lt1"/>
+          </a:fontRef>
+        </p:style>
+        <p:txBody>
+          <a:bodyPr rot="0" spcFirstLastPara="0" vert="horz" wrap="square" lIns="91440" tIns="45720" rIns="91440" bIns="45720" numCol="1" spcCol="0" rtlCol="0" fromWordArt="0" anchor="ctr" anchorCtr="0" forceAA="0" compatLnSpc="1">
+            <a:prstTxWarp prst="textNoShape">
+              <a:avLst/>
+            </a:prstTxWarp>
+            <a:noAutofit/>
+          </a:bodyPr>
+          <a:lstStyle/>
+          <a:p>
             <a:endParaRPr lang="ko-KR" altLang="en-US"/>
           </a:p>
         </p:txBody>
@@ -7077,7 +9716,7 @@
     </p:spTree>
     <p:extLst>
       <p:ext uri="{BB962C8B-B14F-4D97-AF65-F5344CB8AC3E}">
-        <p14:creationId xmlns:p14="http://schemas.microsoft.com/office/powerpoint/2010/main" val="1703647818"/>
+        <p14:creationId xmlns:p14="http://schemas.microsoft.com/office/powerpoint/2010/main" val="2323966493"/>
       </p:ext>
     </p:extLst>
   </p:cSld>
@@ -7109,7 +9748,7 @@
           <p:cNvPr id="2" name="Title 1">
             <a:extLst>
               <a:ext uri="{FF2B5EF4-FFF2-40B4-BE49-F238E27FC236}">
-                <a16:creationId xmlns:a16="http://schemas.microsoft.com/office/drawing/2014/main" id="{D3A33899-17ED-4A57-8EF2-A1D55501CDE1}"/>
+                <a16:creationId xmlns:a16="http://schemas.microsoft.com/office/drawing/2014/main" id="{9CB24816-E094-474C-A95F-8183CF44C693}"/>
               </a:ext>
             </a:extLst>
           </p:cNvPr>
@@ -7126,10 +9765,10 @@
           <a:lstStyle/>
           <a:p>
             <a:r>
-              <a:rPr lang="en-US" altLang="ko-KR" b="1" dirty="0"/>
-              <a:t>Review: Methods [2]</a:t>
-            </a:r>
-            <a:endParaRPr lang="ko-KR" altLang="en-US" b="1" dirty="0"/>
+              <a:rPr lang="en-US" altLang="ko-KR" b="1"/>
+              <a:t>Using Zoom: Code Submission</a:t>
+            </a:r>
+            <a:endParaRPr lang="ko-KR" altLang="en-US" b="1"/>
           </a:p>
         </p:txBody>
       </p:sp>
@@ -7138,7 +9777,7 @@
           <p:cNvPr id="3" name="Content Placeholder 2">
             <a:extLst>
               <a:ext uri="{FF2B5EF4-FFF2-40B4-BE49-F238E27FC236}">
-                <a16:creationId xmlns:a16="http://schemas.microsoft.com/office/drawing/2014/main" id="{D7E2ABD6-624A-4B9D-B870-27956920ABD0}"/>
+                <a16:creationId xmlns:a16="http://schemas.microsoft.com/office/drawing/2014/main" id="{14569AE9-DEA6-4AEE-9783-C2B42627AE69}"/>
               </a:ext>
             </a:extLst>
           </p:cNvPr>
@@ -7149,36 +9788,21 @@
             <p:ph idx="1"/>
           </p:nvPr>
         </p:nvSpPr>
-        <p:spPr/>
-        <p:txBody>
-          <a:bodyPr/>
-          <a:lstStyle/>
-          <a:p>
-            <a:r>
-              <a:rPr lang="en-US" altLang="ko-KR" b="1" dirty="0"/>
-              <a:t>You can access the member variable inside method, by using self!</a:t>
-            </a:r>
-          </a:p>
-          <a:p>
-            <a:endParaRPr lang="en-US" altLang="ko-KR" b="1" dirty="0"/>
-          </a:p>
-          <a:p>
-            <a:endParaRPr lang="en-US" altLang="ko-KR" b="1" dirty="0"/>
-          </a:p>
-          <a:p>
-            <a:endParaRPr lang="en-US" altLang="ko-KR" b="1" dirty="0"/>
-          </a:p>
-          <a:p>
-            <a:endParaRPr lang="en-US" altLang="ko-KR" b="1" dirty="0"/>
-          </a:p>
-          <a:p>
-            <a:endParaRPr lang="en-US" altLang="ko-KR" b="1" dirty="0"/>
-          </a:p>
-          <a:p>
-            <a:endParaRPr lang="en-US" altLang="ko-KR" b="1" dirty="0"/>
-          </a:p>
-          <a:p>
-            <a:endParaRPr lang="ko-KR" altLang="en-US" b="1" dirty="0"/>
+        <p:spPr>
+          <a:xfrm>
+            <a:off x="838200" y="1690688"/>
+            <a:ext cx="10515600" cy="4351338"/>
+          </a:xfrm>
+        </p:spPr>
+        <p:txBody>
+          <a:bodyPr/>
+          <a:lstStyle/>
+          <a:p>
+            <a:pPr lvl="1"/>
+            <a:endParaRPr lang="en-US" altLang="ko-KR"/>
+          </a:p>
+          <a:p>
+            <a:endParaRPr lang="ko-KR" altLang="en-US"/>
           </a:p>
         </p:txBody>
       </p:sp>
@@ -7187,7 +9811,7 @@
           <p:cNvPr id="4" name="Slide Number Placeholder 3">
             <a:extLst>
               <a:ext uri="{FF2B5EF4-FFF2-40B4-BE49-F238E27FC236}">
-                <a16:creationId xmlns:a16="http://schemas.microsoft.com/office/drawing/2014/main" id="{32C9222E-3023-401A-9A95-7F35AB44EFCF}"/>
+                <a16:creationId xmlns:a16="http://schemas.microsoft.com/office/drawing/2014/main" id="{8E7430C0-FE8B-4DDB-9BBE-51DA6A69A98B}"/>
               </a:ext>
             </a:extLst>
           </p:cNvPr>
@@ -7213,46 +9837,14 @@
       </p:sp>
       <p:pic>
         <p:nvPicPr>
-          <p:cNvPr id="7" name="Picture 6">
-            <a:extLst>
-              <a:ext uri="{FF2B5EF4-FFF2-40B4-BE49-F238E27FC236}">
-                <a16:creationId xmlns:a16="http://schemas.microsoft.com/office/drawing/2014/main" id="{5CE72992-D49F-48AC-B923-BD108A358998}"/>
-              </a:ext>
-            </a:extLst>
-          </p:cNvPr>
-          <p:cNvPicPr>
-            <a:picLocks noChangeAspect="1"/>
-          </p:cNvPicPr>
-          <p:nvPr/>
-        </p:nvPicPr>
-        <p:blipFill>
-          <a:blip r:embed="rId2"/>
-          <a:stretch>
-            <a:fillRect/>
-          </a:stretch>
-        </p:blipFill>
-        <p:spPr>
-          <a:xfrm>
-            <a:off x="1125584" y="2771586"/>
-            <a:ext cx="6342509" cy="3019614"/>
-          </a:xfrm>
-          <a:prstGeom prst="rect">
-            <a:avLst/>
-          </a:prstGeom>
-        </p:spPr>
-      </p:pic>
-      <p:pic>
-        <p:nvPicPr>
-          <p:cNvPr id="8" name="Picture 7">
-            <a:extLst>
-              <a:ext uri="{FF2B5EF4-FFF2-40B4-BE49-F238E27FC236}">
-                <a16:creationId xmlns:a16="http://schemas.microsoft.com/office/drawing/2014/main" id="{8095496D-62AC-4F9D-985F-70DB8B2428F9}"/>
-              </a:ext>
-            </a:extLst>
-          </p:cNvPr>
-          <p:cNvPicPr>
-            <a:picLocks noChangeAspect="1"/>
-          </p:cNvPicPr>
+          <p:cNvPr id="9" name="그림 6">
+            <a:extLst>
+              <a:ext uri="{FF2B5EF4-FFF2-40B4-BE49-F238E27FC236}">
+                <a16:creationId xmlns:a16="http://schemas.microsoft.com/office/drawing/2014/main" id="{1F25B75D-EA1A-48FE-B6A5-E76058417B8B}"/>
+              </a:ext>
+            </a:extLst>
+          </p:cNvPr>
+          <p:cNvPicPr/>
           <p:nvPr/>
         </p:nvPicPr>
         <p:blipFill>
@@ -7263,18 +9855,206 @@
         </p:blipFill>
         <p:spPr>
           <a:xfrm>
-            <a:off x="1125584" y="5831541"/>
-            <a:ext cx="7357340" cy="661334"/>
+            <a:off x="167640" y="1248728"/>
+            <a:ext cx="6629400" cy="2180272"/>
           </a:xfrm>
           <a:prstGeom prst="rect">
             <a:avLst/>
           </a:prstGeom>
         </p:spPr>
       </p:pic>
+      <p:sp>
+        <p:nvSpPr>
+          <p:cNvPr id="10" name="모서리가 둥근 직사각형 7">
+            <a:extLst>
+              <a:ext uri="{FF2B5EF4-FFF2-40B4-BE49-F238E27FC236}">
+                <a16:creationId xmlns:a16="http://schemas.microsoft.com/office/drawing/2014/main" id="{0F21AA4C-AC28-4AE8-A792-0D8FF5B02205}"/>
+              </a:ext>
+            </a:extLst>
+          </p:cNvPr>
+          <p:cNvSpPr/>
+          <p:nvPr/>
+        </p:nvSpPr>
+        <p:spPr>
+          <a:xfrm>
+            <a:off x="2225040" y="2574291"/>
+            <a:ext cx="1539240" cy="1129030"/>
+          </a:xfrm>
+          <a:prstGeom prst="roundRect">
+            <a:avLst/>
+          </a:prstGeom>
+          <a:noFill/>
+          <a:ln w="57150">
+            <a:solidFill>
+              <a:srgbClr val="FF0000"/>
+            </a:solidFill>
+          </a:ln>
+        </p:spPr>
+        <p:style>
+          <a:lnRef idx="2">
+            <a:schemeClr val="accent1">
+              <a:shade val="50000"/>
+            </a:schemeClr>
+          </a:lnRef>
+          <a:fillRef idx="1">
+            <a:schemeClr val="accent1"/>
+          </a:fillRef>
+          <a:effectRef idx="0">
+            <a:schemeClr val="accent1"/>
+          </a:effectRef>
+          <a:fontRef idx="minor">
+            <a:schemeClr val="lt1"/>
+          </a:fontRef>
+        </p:style>
+        <p:txBody>
+          <a:bodyPr rot="0" spcFirstLastPara="0" vert="horz" wrap="square" lIns="91440" tIns="45720" rIns="91440" bIns="45720" numCol="1" spcCol="0" rtlCol="0" fromWordArt="0" anchor="ctr" anchorCtr="0" forceAA="0" compatLnSpc="1">
+            <a:prstTxWarp prst="textNoShape">
+              <a:avLst/>
+            </a:prstTxWarp>
+            <a:noAutofit/>
+          </a:bodyPr>
+          <a:lstStyle/>
+          <a:p>
+            <a:endParaRPr lang="ko-KR" altLang="en-US"/>
+          </a:p>
+        </p:txBody>
+      </p:sp>
+      <p:pic>
+        <p:nvPicPr>
+          <p:cNvPr id="11" name="그림 8">
+            <a:extLst>
+              <a:ext uri="{FF2B5EF4-FFF2-40B4-BE49-F238E27FC236}">
+                <a16:creationId xmlns:a16="http://schemas.microsoft.com/office/drawing/2014/main" id="{F4A67BEC-255D-4876-99C4-2B01374B5A7D}"/>
+              </a:ext>
+            </a:extLst>
+          </p:cNvPr>
+          <p:cNvPicPr/>
+          <p:nvPr/>
+        </p:nvPicPr>
+        <p:blipFill>
+          <a:blip r:embed="rId4"/>
+          <a:stretch>
+            <a:fillRect/>
+          </a:stretch>
+        </p:blipFill>
+        <p:spPr>
+          <a:xfrm>
+            <a:off x="7658576" y="1909605"/>
+            <a:ext cx="3908584" cy="2859722"/>
+          </a:xfrm>
+          <a:prstGeom prst="rect">
+            <a:avLst/>
+          </a:prstGeom>
+          <a:ln>
+            <a:noFill/>
+          </a:ln>
+          <a:effectLst>
+            <a:outerShdw blurRad="190500" algn="tl" rotWithShape="0">
+              <a:srgbClr val="000000">
+                <a:alpha val="70000"/>
+              </a:srgbClr>
+            </a:outerShdw>
+          </a:effectLst>
+        </p:spPr>
+      </p:pic>
+      <p:pic>
+        <p:nvPicPr>
+          <p:cNvPr id="12" name="그림 9">
+            <a:extLst>
+              <a:ext uri="{FF2B5EF4-FFF2-40B4-BE49-F238E27FC236}">
+                <a16:creationId xmlns:a16="http://schemas.microsoft.com/office/drawing/2014/main" id="{413587D7-449A-4B1F-B7F0-37D38FBF93FA}"/>
+              </a:ext>
+            </a:extLst>
+          </p:cNvPr>
+          <p:cNvPicPr/>
+          <p:nvPr/>
+        </p:nvPicPr>
+        <p:blipFill>
+          <a:blip r:embed="rId5"/>
+          <a:stretch>
+            <a:fillRect/>
+          </a:stretch>
+        </p:blipFill>
+        <p:spPr>
+          <a:xfrm>
+            <a:off x="2888456" y="4844414"/>
+            <a:ext cx="3908584" cy="1694498"/>
+          </a:xfrm>
+          <a:prstGeom prst="rect">
+            <a:avLst/>
+          </a:prstGeom>
+          <a:ln>
+            <a:noFill/>
+          </a:ln>
+          <a:effectLst>
+            <a:outerShdw blurRad="190500" algn="tl" rotWithShape="0">
+              <a:srgbClr val="000000">
+                <a:alpha val="70000"/>
+              </a:srgbClr>
+            </a:outerShdw>
+          </a:effectLst>
+        </p:spPr>
+      </p:pic>
+      <p:sp>
+        <p:nvSpPr>
+          <p:cNvPr id="13" name="모서리가 둥근 직사각형 10">
+            <a:extLst>
+              <a:ext uri="{FF2B5EF4-FFF2-40B4-BE49-F238E27FC236}">
+                <a16:creationId xmlns:a16="http://schemas.microsoft.com/office/drawing/2014/main" id="{4FE9E18B-082C-4208-857E-C7E11CD795C7}"/>
+              </a:ext>
+            </a:extLst>
+          </p:cNvPr>
+          <p:cNvSpPr/>
+          <p:nvPr/>
+        </p:nvSpPr>
+        <p:spPr>
+          <a:xfrm>
+            <a:off x="4448175" y="5921375"/>
+            <a:ext cx="1647825" cy="771525"/>
+          </a:xfrm>
+          <a:prstGeom prst="roundRect">
+            <a:avLst/>
+          </a:prstGeom>
+          <a:noFill/>
+          <a:ln w="57150">
+            <a:solidFill>
+              <a:srgbClr val="FF0000"/>
+            </a:solidFill>
+          </a:ln>
+        </p:spPr>
+        <p:style>
+          <a:lnRef idx="2">
+            <a:schemeClr val="accent1">
+              <a:shade val="50000"/>
+            </a:schemeClr>
+          </a:lnRef>
+          <a:fillRef idx="1">
+            <a:schemeClr val="accent1"/>
+          </a:fillRef>
+          <a:effectRef idx="0">
+            <a:schemeClr val="accent1"/>
+          </a:effectRef>
+          <a:fontRef idx="minor">
+            <a:schemeClr val="lt1"/>
+          </a:fontRef>
+        </p:style>
+        <p:txBody>
+          <a:bodyPr rot="0" spcFirstLastPara="0" vert="horz" wrap="square" lIns="91440" tIns="45720" rIns="91440" bIns="45720" numCol="1" spcCol="0" rtlCol="0" fromWordArt="0" anchor="ctr" anchorCtr="0" forceAA="0" compatLnSpc="1">
+            <a:prstTxWarp prst="textNoShape">
+              <a:avLst/>
+            </a:prstTxWarp>
+            <a:noAutofit/>
+          </a:bodyPr>
+          <a:lstStyle/>
+          <a:p>
+            <a:endParaRPr lang="ko-KR" altLang="en-US"/>
+          </a:p>
+        </p:txBody>
+      </p:sp>
     </p:spTree>
     <p:extLst>
       <p:ext uri="{BB962C8B-B14F-4D97-AF65-F5344CB8AC3E}">
-        <p14:creationId xmlns:p14="http://schemas.microsoft.com/office/powerpoint/2010/main" val="3555176531"/>
+        <p14:creationId xmlns:p14="http://schemas.microsoft.com/office/powerpoint/2010/main" val="3681956797"/>
       </p:ext>
     </p:extLst>
   </p:cSld>
@@ -7303,10 +10083,10 @@
       </p:grpSpPr>
       <p:sp>
         <p:nvSpPr>
-          <p:cNvPr id="2" name="Title 1">
-            <a:extLst>
-              <a:ext uri="{FF2B5EF4-FFF2-40B4-BE49-F238E27FC236}">
-                <a16:creationId xmlns:a16="http://schemas.microsoft.com/office/drawing/2014/main" id="{A863AAAD-AB20-4AE4-A313-65A49223E91F}"/>
+          <p:cNvPr id="4" name="Title 3">
+            <a:extLst>
+              <a:ext uri="{FF2B5EF4-FFF2-40B4-BE49-F238E27FC236}">
+                <a16:creationId xmlns:a16="http://schemas.microsoft.com/office/drawing/2014/main" id="{82C4C27C-8C00-4853-A883-712B47C9B393}"/>
               </a:ext>
             </a:extLst>
           </p:cNvPr>
@@ -7323,73 +10103,19 @@
           <a:lstStyle/>
           <a:p>
             <a:r>
-              <a:rPr lang="en-US" altLang="ko-KR" b="1" dirty="0"/>
-              <a:t>Dot: Methods [1]</a:t>
-            </a:r>
-            <a:endParaRPr lang="ko-KR" altLang="en-US" b="1" dirty="0"/>
-          </a:p>
-        </p:txBody>
-      </p:sp>
-      <p:sp>
-        <p:nvSpPr>
-          <p:cNvPr id="3" name="Content Placeholder 2">
-            <a:extLst>
-              <a:ext uri="{FF2B5EF4-FFF2-40B4-BE49-F238E27FC236}">
-                <a16:creationId xmlns:a16="http://schemas.microsoft.com/office/drawing/2014/main" id="{00F3905E-23DB-487E-8131-AD27486F881A}"/>
-              </a:ext>
-            </a:extLst>
-          </p:cNvPr>
-          <p:cNvSpPr>
-            <a:spLocks noGrp="1"/>
-          </p:cNvSpPr>
-          <p:nvPr>
-            <p:ph idx="1"/>
-          </p:nvPr>
-        </p:nvSpPr>
-        <p:spPr/>
-        <p:txBody>
-          <a:bodyPr/>
-          <a:lstStyle/>
-          <a:p>
-            <a:r>
-              <a:rPr lang="en-US" altLang="ko-KR" b="1" dirty="0" err="1"/>
-              <a:t>dot_add</a:t>
-            </a:r>
-            <a:r>
-              <a:rPr lang="en-US" altLang="ko-KR" b="1" dirty="0"/>
-              <a:t>, </a:t>
-            </a:r>
-            <a:r>
-              <a:rPr lang="en-US" altLang="ko-KR" b="1" dirty="0" err="1"/>
-              <a:t>dot_sub</a:t>
-            </a:r>
-            <a:r>
-              <a:rPr lang="en-US" altLang="ko-KR" b="1" dirty="0"/>
-              <a:t> method adds / subtracts each coordinate</a:t>
-            </a:r>
-          </a:p>
-          <a:p>
-            <a:pPr lvl="1"/>
-            <a:r>
-              <a:rPr lang="en-US" altLang="ko-KR" dirty="0"/>
-              <a:t>Example: (2, 3) + (1, 1) = (3, 4)</a:t>
-            </a:r>
-          </a:p>
-          <a:p>
-            <a:endParaRPr lang="en-US" altLang="ko-KR" dirty="0"/>
-          </a:p>
-          <a:p>
-            <a:pPr lvl="1"/>
-            <a:endParaRPr lang="en-US" altLang="ko-KR" b="1" dirty="0"/>
-          </a:p>
-        </p:txBody>
-      </p:sp>
-      <p:sp>
-        <p:nvSpPr>
-          <p:cNvPr id="4" name="Slide Number Placeholder 3">
-            <a:extLst>
-              <a:ext uri="{FF2B5EF4-FFF2-40B4-BE49-F238E27FC236}">
-                <a16:creationId xmlns:a16="http://schemas.microsoft.com/office/drawing/2014/main" id="{800EF43F-4A2C-4A73-B3CC-1C89EDAB8600}"/>
+              <a:rPr lang="en-US" altLang="ko-KR" b="1"/>
+              <a:t>Class: Dot	</a:t>
+            </a:r>
+            <a:endParaRPr lang="ko-KR" altLang="en-US" b="1"/>
+          </a:p>
+        </p:txBody>
+      </p:sp>
+      <p:sp>
+        <p:nvSpPr>
+          <p:cNvPr id="2" name="Slide Number Placeholder 1">
+            <a:extLst>
+              <a:ext uri="{FF2B5EF4-FFF2-40B4-BE49-F238E27FC236}">
+                <a16:creationId xmlns:a16="http://schemas.microsoft.com/office/drawing/2014/main" id="{AA62A18A-8A08-4B81-8C41-2D296FF1123E}"/>
               </a:ext>
             </a:extLst>
           </p:cNvPr>
@@ -7413,40 +10139,10 @@
           </a:p>
         </p:txBody>
       </p:sp>
-      <p:pic>
-        <p:nvPicPr>
-          <p:cNvPr id="6" name="Picture 5">
-            <a:extLst>
-              <a:ext uri="{FF2B5EF4-FFF2-40B4-BE49-F238E27FC236}">
-                <a16:creationId xmlns:a16="http://schemas.microsoft.com/office/drawing/2014/main" id="{01AF84DD-F42F-4E3C-94F8-2E08735173D3}"/>
-              </a:ext>
-            </a:extLst>
-          </p:cNvPr>
-          <p:cNvPicPr>
-            <a:picLocks noChangeAspect="1"/>
-          </p:cNvPicPr>
-          <p:nvPr/>
-        </p:nvPicPr>
-        <p:blipFill>
-          <a:blip r:embed="rId3"/>
-          <a:stretch>
-            <a:fillRect/>
-          </a:stretch>
-        </p:blipFill>
-        <p:spPr>
-          <a:xfrm>
-            <a:off x="7799293" y="2734511"/>
-            <a:ext cx="3998259" cy="3986964"/>
-          </a:xfrm>
-          <a:prstGeom prst="rect">
-            <a:avLst/>
-          </a:prstGeom>
-        </p:spPr>
-      </p:pic>
     </p:spTree>
     <p:extLst>
       <p:ext uri="{BB962C8B-B14F-4D97-AF65-F5344CB8AC3E}">
-        <p14:creationId xmlns:p14="http://schemas.microsoft.com/office/powerpoint/2010/main" val="479412256"/>
+        <p14:creationId xmlns:p14="http://schemas.microsoft.com/office/powerpoint/2010/main" val="3962011563"/>
       </p:ext>
     </p:extLst>
   </p:cSld>
@@ -7455,10 +10151,10 @@
   </p:clrMapOvr>
   <mc:AlternateContent xmlns:mc="http://schemas.openxmlformats.org/markup-compatibility/2006" xmlns:p14="http://schemas.microsoft.com/office/powerpoint/2010/main">
     <mc:Choice Requires="p14">
-      <p:transition spd="slow" p14:dur="2000" advTm="24019"/>
+      <p:transition spd="slow" p14:dur="2000" advTm="4806"/>
     </mc:Choice>
     <mc:Fallback xmlns="">
-      <p:transition spd="slow" advTm="24019"/>
+      <p:transition spd="slow" advTm="4806"/>
     </mc:Fallback>
   </mc:AlternateContent>
 </p:sld>
@@ -7503,10 +10199,10 @@
           <a:lstStyle/>
           <a:p>
             <a:r>
-              <a:rPr lang="en-US" altLang="ko-KR" b="1" dirty="0"/>
-              <a:t>Dot: Methods [2]</a:t>
-            </a:r>
-            <a:endParaRPr lang="ko-KR" altLang="en-US" b="1" dirty="0"/>
+              <a:rPr lang="en-US" altLang="ko-KR" b="1"/>
+              <a:t>Dot [1]</a:t>
+            </a:r>
+            <a:endParaRPr lang="ko-KR" altLang="en-US" b="1"/>
           </a:p>
         </p:txBody>
       </p:sp>
@@ -7532,28 +10228,18 @@
           <a:lstStyle/>
           <a:p>
             <a:r>
-              <a:rPr lang="en-US" altLang="ko-KR" b="1" dirty="0" err="1"/>
-              <a:t>dot_dist</a:t>
-            </a:r>
-            <a:r>
-              <a:rPr lang="en-US" altLang="ko-KR" b="1" dirty="0"/>
-              <a:t> returns the distance between two points</a:t>
-            </a:r>
-          </a:p>
-          <a:p>
-            <a:pPr lvl="1"/>
-            <a:r>
-              <a:rPr lang="en-US" altLang="ko-KR" b="1" dirty="0"/>
-              <a:t>in this case, root(5).</a:t>
-            </a:r>
-            <a:endParaRPr lang="en-US" altLang="ko-KR" dirty="0"/>
-          </a:p>
-          <a:p>
-            <a:endParaRPr lang="en-US" altLang="ko-KR" dirty="0"/>
-          </a:p>
-          <a:p>
-            <a:pPr lvl="1"/>
-            <a:endParaRPr lang="en-US" altLang="ko-KR" b="1" dirty="0"/>
+              <a:rPr lang="en-US" altLang="ko-KR" b="1"/>
+              <a:t>We will implement “Dot”</a:t>
+            </a:r>
+          </a:p>
+          <a:p>
+            <a:endParaRPr lang="en-US" altLang="ko-KR" b="1"/>
+          </a:p>
+          <a:p>
+            <a:r>
+              <a:rPr lang="en-US" altLang="ko-KR" b="1"/>
+              <a:t>dot?</a:t>
+            </a:r>
           </a:p>
         </p:txBody>
       </p:sp>
@@ -7591,7 +10277,7 @@
           <p:cNvPr id="5" name="Picture 4">
             <a:extLst>
               <a:ext uri="{FF2B5EF4-FFF2-40B4-BE49-F238E27FC236}">
-                <a16:creationId xmlns:a16="http://schemas.microsoft.com/office/drawing/2014/main" id="{D01A7BDD-7000-416D-B11D-9170C756E012}"/>
+                <a16:creationId xmlns:a16="http://schemas.microsoft.com/office/drawing/2014/main" id="{194095D6-0D57-46B7-87FA-52B404D1D318}"/>
               </a:ext>
             </a:extLst>
           </p:cNvPr>
@@ -7608,8 +10294,8 @@
         </p:blipFill>
         <p:spPr>
           <a:xfrm>
-            <a:off x="7274095" y="2505821"/>
-            <a:ext cx="4308306" cy="4215654"/>
+            <a:off x="8248373" y="2873914"/>
+            <a:ext cx="3467653" cy="3303049"/>
           </a:xfrm>
           <a:prstGeom prst="rect">
             <a:avLst/>
@@ -7619,7 +10305,7 @@
     </p:spTree>
     <p:extLst>
       <p:ext uri="{BB962C8B-B14F-4D97-AF65-F5344CB8AC3E}">
-        <p14:creationId xmlns:p14="http://schemas.microsoft.com/office/powerpoint/2010/main" val="1615235935"/>
+        <p14:creationId xmlns:p14="http://schemas.microsoft.com/office/powerpoint/2010/main" val="2938412778"/>
       </p:ext>
     </p:extLst>
   </p:cSld>
